--- a/Презентейшн.pptx
+++ b/Презентейшн.pptx
@@ -233,7 +233,7 @@
             <a:fld id="{2BADECFF-C1E6-41B7-861F-BE2B26CDAB05}" type="datetime1">
               <a:rPr lang="ru-RU" smtClean="0"/>
               <a:pPr rtl="0"/>
-              <a:t>09.11.2023</a:t>
+              <a:t>11.11.2023</a:t>
             </a:fld>
             <a:endParaRPr lang="ru-RU" dirty="0"/>
           </a:p>
@@ -405,7 +405,7 @@
             <a:fld id="{6F848B8F-24F3-4766-A59C-71045DA4FEF0}" type="datetime1">
               <a:rPr lang="ru-RU" smtClean="0"/>
               <a:pPr rtl="0"/>
-              <a:t>09.11.2023</a:t>
+              <a:t>11.11.2023</a:t>
             </a:fld>
             <a:endParaRPr lang="ru-RU" dirty="0"/>
           </a:p>
@@ -3518,7 +3518,7 @@
             <a:fld id="{21D30A75-6773-4051-8E3B-50DEBD5B27F5}" type="datetime1">
               <a:rPr lang="ru-RU" smtClean="0"/>
               <a:pPr rtl="0"/>
-              <a:t>09.11.2023</a:t>
+              <a:t>11.11.2023</a:t>
             </a:fld>
             <a:endParaRPr lang="ru-RU" dirty="0"/>
           </a:p>
@@ -3708,7 +3708,7 @@
             <a:fld id="{D7928C6E-EC50-49F1-B95C-FD73C1D14895}" type="datetime1">
               <a:rPr lang="ru-RU" smtClean="0"/>
               <a:pPr rtl="0"/>
-              <a:t>09.11.2023</a:t>
+              <a:t>11.11.2023</a:t>
             </a:fld>
             <a:endParaRPr lang="ru-RU" dirty="0"/>
           </a:p>
@@ -3888,7 +3888,7 @@
             <a:fld id="{A29ED9D4-4098-4CD3-A9A7-C343301264F2}" type="datetime1">
               <a:rPr lang="ru-RU" smtClean="0"/>
               <a:pPr rtl="0"/>
-              <a:t>09.11.2023</a:t>
+              <a:t>11.11.2023</a:t>
             </a:fld>
             <a:endParaRPr lang="ru-RU" dirty="0"/>
           </a:p>
@@ -6216,7 +6216,7 @@
             <a:fld id="{687FFE1D-B4BF-42B3-9799-021BB66D51E4}" type="datetime1">
               <a:rPr lang="ru-RU" smtClean="0"/>
               <a:pPr rtl="0"/>
-              <a:t>09.11.2023</a:t>
+              <a:t>11.11.2023</a:t>
             </a:fld>
             <a:endParaRPr lang="ru-RU" dirty="0"/>
           </a:p>
@@ -6666,7 +6666,7 @@
             <a:fld id="{433AC169-0119-4659-9B73-547F9C11A152}" type="datetime1">
               <a:rPr lang="ru-RU" smtClean="0"/>
               <a:pPr rtl="0"/>
-              <a:t>09.11.2023</a:t>
+              <a:t>11.11.2023</a:t>
             </a:fld>
             <a:endParaRPr lang="ru-RU" dirty="0"/>
           </a:p>
@@ -6794,7 +6794,7 @@
             <a:fld id="{88FE940F-5E05-43A4-90CE-E7C7653F1C67}" type="datetime1">
               <a:rPr lang="ru-RU" smtClean="0"/>
               <a:pPr rtl="0"/>
-              <a:t>09.11.2023</a:t>
+              <a:t>11.11.2023</a:t>
             </a:fld>
             <a:endParaRPr lang="ru-RU" dirty="0"/>
           </a:p>
@@ -8721,7 +8721,7 @@
             <a:fld id="{CA01554F-F072-4658-949A-7A94F490DB04}" type="datetime1">
               <a:rPr lang="ru-RU" smtClean="0"/>
               <a:pPr rtl="0"/>
-              <a:t>09.11.2023</a:t>
+              <a:t>11.11.2023</a:t>
             </a:fld>
             <a:endParaRPr lang="ru-RU" dirty="0"/>
           </a:p>
@@ -10973,7 +10973,7 @@
             <a:fld id="{3B0BFD1E-E11D-434C-9F87-0B5F0A29CFEC}" type="datetime1">
               <a:rPr lang="ru-RU" smtClean="0"/>
               <a:pPr rtl="0"/>
-              <a:t>09.11.2023</a:t>
+              <a:t>11.11.2023</a:t>
             </a:fld>
             <a:endParaRPr lang="ru-RU" dirty="0"/>
           </a:p>
@@ -15251,7 +15251,7 @@
             <a:fld id="{99137652-B7E4-4AE8-853E-9803CAFAAF7E}" type="datetime1">
               <a:rPr lang="ru-RU" smtClean="0"/>
               <a:pPr rtl="0"/>
-              <a:t>09.11.2023</a:t>
+              <a:t>11.11.2023</a:t>
             </a:fld>
             <a:endParaRPr lang="ru-RU" dirty="0"/>
           </a:p>
@@ -15939,7 +15939,7 @@
         <p:spPr>
           <a:xfrm>
             <a:off x="1295400" y="1286258"/>
-            <a:ext cx="8001762" cy="2062103"/>
+            <a:ext cx="8001762" cy="2369880"/>
           </a:xfrm>
           <a:prstGeom prst="rect">
             <a:avLst/>
@@ -15958,7 +15958,7 @@
             </a:pPr>
             <a:r>
               <a:rPr lang="ru-RU" sz="2000" b="1" i="1" dirty="0"/>
-              <a:t> Никитин К.В., 542-М</a:t>
+              <a:t> Жукович М.В. 572-2</a:t>
             </a:r>
           </a:p>
           <a:p>
@@ -15968,9 +15968,8 @@
             </a:pPr>
             <a:r>
               <a:rPr lang="ru-RU" sz="2000" b="1" i="1" dirty="0"/>
-              <a:t> Комаров А.А., 598-1</a:t>
+              <a:t> Харламова А.С. 572-2</a:t>
             </a:r>
-            <a:endParaRPr lang="ru-RU" sz="2000" i="1" dirty="0"/>
           </a:p>
           <a:p>
             <a:pPr>
@@ -15979,9 +15978,26 @@
             </a:pPr>
             <a:r>
               <a:rPr lang="ru-RU" sz="2000" b="1" i="1" dirty="0"/>
-              <a:t> Боргояков Е.Э., 542-М</a:t>
+              <a:t> Хусаинов З.В. 422-3</a:t>
             </a:r>
-            <a:endParaRPr lang="ru-RU" sz="2000" i="1" dirty="0"/>
+          </a:p>
+          <a:p>
+            <a:pPr>
+              <a:buFont typeface="Wingdings" pitchFamily="2" charset="2"/>
+              <a:buChar char="v"/>
+            </a:pPr>
+            <a:r>
+              <a:rPr lang="ru-RU" sz="2000" b="1" i="1" dirty="0"/>
+              <a:t> </a:t>
+            </a:r>
+            <a:r>
+              <a:rPr lang="ru-RU" sz="2000" b="1" i="1" dirty="0" err="1"/>
+              <a:t>Заковряжин</a:t>
+            </a:r>
+            <a:r>
+              <a:rPr lang="ru-RU" sz="2000" b="1" i="1" dirty="0"/>
+              <a:t> А. </a:t>
+            </a:r>
           </a:p>
           <a:p>
             <a:endParaRPr lang="ru-RU" sz="2000" dirty="0"/>
@@ -16049,277 +16065,6 @@
               <a:t>Томск, 2023</a:t>
             </a:r>
             <a:endParaRPr lang="ru-RU" b="1" dirty="0"/>
-          </a:p>
-        </p:txBody>
-      </p:sp>
-      <p:sp>
-        <p:nvSpPr>
-          <p:cNvPr id="12" name="Текст 2">
-            <a:extLst>
-              <a:ext uri="{FF2B5EF4-FFF2-40B4-BE49-F238E27FC236}">
-                <a16:creationId xmlns:a16="http://schemas.microsoft.com/office/drawing/2014/main" id="{4FB83ACD-EFBF-45BC-840A-5E4560ACCE46}"/>
-              </a:ext>
-            </a:extLst>
-          </p:cNvPr>
-          <p:cNvSpPr txBox="1">
-            <a:spLocks/>
-          </p:cNvSpPr>
-          <p:nvPr/>
-        </p:nvSpPr>
-        <p:spPr>
-          <a:xfrm>
-            <a:off x="7813964" y="68277"/>
-            <a:ext cx="4378035" cy="457200"/>
-          </a:xfrm>
-          <a:prstGeom prst="rect">
-            <a:avLst/>
-          </a:prstGeom>
-        </p:spPr>
-        <p:txBody>
-          <a:bodyPr vert="horz" lIns="91440" tIns="45720" rIns="91440" bIns="45720" rtlCol="0">
-            <a:noAutofit/>
-          </a:bodyPr>
-          <a:lstStyle>
-            <a:lvl1pPr marL="0" indent="0" algn="l" defTabSz="914400" rtl="0" eaLnBrk="1" latinLnBrk="0" hangingPunct="1">
-              <a:lnSpc>
-                <a:spcPct val="90000"/>
-              </a:lnSpc>
-              <a:spcBef>
-                <a:spcPts val="0"/>
-              </a:spcBef>
-              <a:buClr>
-                <a:schemeClr val="accent1">
-                  <a:lumMod val="75000"/>
-                </a:schemeClr>
-              </a:buClr>
-              <a:buSzPct val="100000"/>
-              <a:buFont typeface="Arial" pitchFamily="34" charset="0"/>
-              <a:buNone/>
-              <a:defRPr sz="2000" b="0" kern="1200">
-                <a:solidFill>
-                  <a:schemeClr val="tx1"/>
-                </a:solidFill>
-                <a:latin typeface="+mn-lt"/>
-                <a:ea typeface="+mn-ea"/>
-                <a:cs typeface="+mn-cs"/>
-              </a:defRPr>
-            </a:lvl1pPr>
-            <a:lvl2pPr marL="457200" indent="0" algn="l" defTabSz="914400" rtl="0" eaLnBrk="1" latinLnBrk="0" hangingPunct="1">
-              <a:lnSpc>
-                <a:spcPct val="90000"/>
-              </a:lnSpc>
-              <a:spcBef>
-                <a:spcPts val="1200"/>
-              </a:spcBef>
-              <a:buClr>
-                <a:schemeClr val="accent1">
-                  <a:lumMod val="75000"/>
-                </a:schemeClr>
-              </a:buClr>
-              <a:buSzPct val="100000"/>
-              <a:buFont typeface="Arial" pitchFamily="34" charset="0"/>
-              <a:buNone/>
-              <a:defRPr sz="2000" kern="1200">
-                <a:solidFill>
-                  <a:schemeClr val="tx1"/>
-                </a:solidFill>
-                <a:latin typeface="+mn-lt"/>
-                <a:ea typeface="+mn-ea"/>
-                <a:cs typeface="+mn-cs"/>
-              </a:defRPr>
-            </a:lvl2pPr>
-            <a:lvl3pPr marL="914400" indent="0" algn="l" defTabSz="914400" rtl="0" eaLnBrk="1" latinLnBrk="0" hangingPunct="1">
-              <a:lnSpc>
-                <a:spcPct val="90000"/>
-              </a:lnSpc>
-              <a:spcBef>
-                <a:spcPts val="800"/>
-              </a:spcBef>
-              <a:buClr>
-                <a:schemeClr val="accent1">
-                  <a:lumMod val="75000"/>
-                </a:schemeClr>
-              </a:buClr>
-              <a:buSzPct val="100000"/>
-              <a:buFont typeface="Arial" pitchFamily="34" charset="0"/>
-              <a:buNone/>
-              <a:defRPr sz="1800" kern="1200">
-                <a:solidFill>
-                  <a:schemeClr val="tx1"/>
-                </a:solidFill>
-                <a:latin typeface="+mn-lt"/>
-                <a:ea typeface="+mn-ea"/>
-                <a:cs typeface="+mn-cs"/>
-              </a:defRPr>
-            </a:lvl3pPr>
-            <a:lvl4pPr marL="1371600" indent="0" algn="l" defTabSz="914400" rtl="0" eaLnBrk="1" latinLnBrk="0" hangingPunct="1">
-              <a:lnSpc>
-                <a:spcPct val="90000"/>
-              </a:lnSpc>
-              <a:spcBef>
-                <a:spcPts val="800"/>
-              </a:spcBef>
-              <a:buClr>
-                <a:schemeClr val="accent1">
-                  <a:lumMod val="75000"/>
-                </a:schemeClr>
-              </a:buClr>
-              <a:buSzPct val="100000"/>
-              <a:buFont typeface="Arial" pitchFamily="34" charset="0"/>
-              <a:buNone/>
-              <a:defRPr sz="1600" kern="1200">
-                <a:solidFill>
-                  <a:schemeClr val="tx1"/>
-                </a:solidFill>
-                <a:latin typeface="+mn-lt"/>
-                <a:ea typeface="+mn-ea"/>
-                <a:cs typeface="+mn-cs"/>
-              </a:defRPr>
-            </a:lvl4pPr>
-            <a:lvl5pPr marL="1828800" indent="0" algn="l" defTabSz="914400" rtl="0" eaLnBrk="1" latinLnBrk="0" hangingPunct="1">
-              <a:lnSpc>
-                <a:spcPct val="90000"/>
-              </a:lnSpc>
-              <a:spcBef>
-                <a:spcPts val="600"/>
-              </a:spcBef>
-              <a:buClr>
-                <a:schemeClr val="accent1">
-                  <a:lumMod val="75000"/>
-                </a:schemeClr>
-              </a:buClr>
-              <a:buSzPct val="100000"/>
-              <a:buFont typeface="Arial" pitchFamily="34" charset="0"/>
-              <a:buNone/>
-              <a:defRPr sz="1600" kern="1200">
-                <a:solidFill>
-                  <a:schemeClr val="tx1"/>
-                </a:solidFill>
-                <a:latin typeface="+mn-lt"/>
-                <a:ea typeface="+mn-ea"/>
-                <a:cs typeface="+mn-cs"/>
-              </a:defRPr>
-            </a:lvl5pPr>
-            <a:lvl6pPr marL="2286000" indent="0" algn="l" defTabSz="914400" rtl="0" eaLnBrk="1" latinLnBrk="0" hangingPunct="1">
-              <a:lnSpc>
-                <a:spcPct val="90000"/>
-              </a:lnSpc>
-              <a:spcBef>
-                <a:spcPts val="600"/>
-              </a:spcBef>
-              <a:buClr>
-                <a:schemeClr val="accent1">
-                  <a:lumMod val="75000"/>
-                </a:schemeClr>
-              </a:buClr>
-              <a:buSzPct val="100000"/>
-              <a:buFont typeface="Arial" pitchFamily="34" charset="0"/>
-              <a:buNone/>
-              <a:defRPr sz="1600" kern="1200">
-                <a:solidFill>
-                  <a:schemeClr val="tx1"/>
-                </a:solidFill>
-                <a:latin typeface="+mn-lt"/>
-                <a:ea typeface="+mn-ea"/>
-                <a:cs typeface="+mn-cs"/>
-              </a:defRPr>
-            </a:lvl6pPr>
-            <a:lvl7pPr marL="2743200" indent="0" algn="l" defTabSz="914400" rtl="0" eaLnBrk="1" latinLnBrk="0" hangingPunct="1">
-              <a:lnSpc>
-                <a:spcPct val="90000"/>
-              </a:lnSpc>
-              <a:spcBef>
-                <a:spcPts val="600"/>
-              </a:spcBef>
-              <a:buClr>
-                <a:schemeClr val="accent1">
-                  <a:lumMod val="75000"/>
-                </a:schemeClr>
-              </a:buClr>
-              <a:buSzPct val="100000"/>
-              <a:buFont typeface="Arial" pitchFamily="34" charset="0"/>
-              <a:buNone/>
-              <a:defRPr sz="1600" kern="1200">
-                <a:solidFill>
-                  <a:schemeClr val="tx1"/>
-                </a:solidFill>
-                <a:latin typeface="+mn-lt"/>
-                <a:ea typeface="+mn-ea"/>
-                <a:cs typeface="+mn-cs"/>
-              </a:defRPr>
-            </a:lvl7pPr>
-            <a:lvl8pPr marL="3200400" indent="0" algn="l" defTabSz="914400" rtl="0" eaLnBrk="1" latinLnBrk="0" hangingPunct="1">
-              <a:lnSpc>
-                <a:spcPct val="90000"/>
-              </a:lnSpc>
-              <a:spcBef>
-                <a:spcPts val="600"/>
-              </a:spcBef>
-              <a:buClr>
-                <a:schemeClr val="accent1">
-                  <a:lumMod val="75000"/>
-                </a:schemeClr>
-              </a:buClr>
-              <a:buSzPct val="100000"/>
-              <a:buFont typeface="Arial" pitchFamily="34" charset="0"/>
-              <a:buNone/>
-              <a:defRPr sz="1600" kern="1200">
-                <a:solidFill>
-                  <a:schemeClr val="tx1"/>
-                </a:solidFill>
-                <a:latin typeface="+mn-lt"/>
-                <a:ea typeface="+mn-ea"/>
-                <a:cs typeface="+mn-cs"/>
-              </a:defRPr>
-            </a:lvl8pPr>
-            <a:lvl9pPr marL="3657600" indent="0" algn="l" defTabSz="914400" rtl="0" eaLnBrk="1" latinLnBrk="0" hangingPunct="1">
-              <a:lnSpc>
-                <a:spcPct val="90000"/>
-              </a:lnSpc>
-              <a:spcBef>
-                <a:spcPts val="600"/>
-              </a:spcBef>
-              <a:buClr>
-                <a:schemeClr val="accent1">
-                  <a:lumMod val="75000"/>
-                </a:schemeClr>
-              </a:buClr>
-              <a:buSzPct val="100000"/>
-              <a:buFont typeface="Arial" pitchFamily="34" charset="0"/>
-              <a:buNone/>
-              <a:defRPr sz="1600" kern="1200">
-                <a:solidFill>
-                  <a:schemeClr val="tx1"/>
-                </a:solidFill>
-                <a:latin typeface="+mn-lt"/>
-                <a:ea typeface="+mn-ea"/>
-                <a:cs typeface="+mn-cs"/>
-              </a:defRPr>
-            </a:lvl9pPr>
-          </a:lstStyle>
-          <a:p>
-            <a:pPr algn="r">
-              <a:spcAft>
-                <a:spcPts val="600"/>
-              </a:spcAft>
-            </a:pPr>
-            <a:r>
-              <a:rPr lang="ru-RU" sz="1800" b="1" dirty="0">
-                <a:ln>
-                  <a:solidFill>
-                    <a:srgbClr val="0070C0"/>
-                  </a:solidFill>
-                </a:ln>
-              </a:rPr>
-              <a:t>Основы проектной деятельности (ОПД-3)</a:t>
-            </a:r>
-            <a:endParaRPr lang="ru-RU" sz="1600" dirty="0">
-              <a:ln>
-                <a:solidFill>
-                  <a:srgbClr val="0070C0"/>
-                </a:solidFill>
-              </a:ln>
-            </a:endParaRPr>
           </a:p>
         </p:txBody>
       </p:sp>
@@ -16669,7 +16414,7 @@
 </file>
 
 <file path=ppt/slides/slide11.xml><?xml version="1.0" encoding="utf-8"?>
-<p:sld xmlns:a="http://schemas.openxmlformats.org/drawingml/2006/main" xmlns:r="http://schemas.openxmlformats.org/officeDocument/2006/relationships" xmlns:p="http://schemas.openxmlformats.org/presentationml/2006/main">
+<p:sld xmlns:a="http://schemas.openxmlformats.org/drawingml/2006/main" xmlns:r="http://schemas.openxmlformats.org/officeDocument/2006/relationships" xmlns:p="http://schemas.openxmlformats.org/presentationml/2006/main" show="0">
   <p:cSld>
     <p:spTree>
       <p:nvGrpSpPr>
@@ -18797,7 +18542,7 @@
         </p:nvSpPr>
         <p:spPr>
           <a:xfrm>
-            <a:off x="296393" y="1173019"/>
+            <a:off x="295978" y="1143730"/>
             <a:ext cx="11600043" cy="4999180"/>
           </a:xfrm>
           <a:prstGeom prst="roundRect">
@@ -18891,62 +18636,51 @@
           <a:p>
             <a:pPr algn="ctr"/>
             <a:r>
-              <a:rPr lang="ru-RU" sz="3600" b="1" dirty="0">
+              <a:rPr lang="ru-RU" sz="3600" b="1">
                 <a:solidFill>
                   <a:schemeClr val="tx1"/>
                 </a:solidFill>
                 <a:latin typeface="Georgia" pitchFamily="18" charset="0"/>
               </a:rPr>
-              <a:t>Нарративный алгоритм</a:t>
+              <a:t>Алгоритм программы</a:t>
             </a:r>
+            <a:endParaRPr lang="ru-RU" sz="3600" b="1" dirty="0">
+              <a:solidFill>
+                <a:schemeClr val="tx1"/>
+              </a:solidFill>
+              <a:latin typeface="Georgia" pitchFamily="18" charset="0"/>
+            </a:endParaRPr>
           </a:p>
         </p:txBody>
       </p:sp>
       <p:pic>
         <p:nvPicPr>
-          <p:cNvPr id="2050" name="Picture 2" descr="Блок-схема – Бесплатные иконки: бизнес">
+          <p:cNvPr id="3" name="Рисунок 2">
             <a:extLst>
               <a:ext uri="{FF2B5EF4-FFF2-40B4-BE49-F238E27FC236}">
-                <a16:creationId xmlns:a16="http://schemas.microsoft.com/office/drawing/2014/main" id="{8C38DDD6-D3C5-4F3A-A74E-6D03E08BC0E0}"/>
+                <a16:creationId xmlns:a16="http://schemas.microsoft.com/office/drawing/2014/main" id="{F08C2BEB-F1AA-C354-FE4A-645FA256F490}"/>
               </a:ext>
             </a:extLst>
           </p:cNvPr>
           <p:cNvPicPr>
-            <a:picLocks noChangeAspect="1" noChangeArrowheads="1"/>
+            <a:picLocks noChangeAspect="1"/>
           </p:cNvPicPr>
           <p:nvPr/>
         </p:nvPicPr>
         <p:blipFill>
-          <a:blip r:embed="rId4">
-            <a:extLst>
-              <a:ext uri="{28A0092B-C50C-407E-A947-70E740481C1C}">
-                <a14:useLocalDpi xmlns:a14="http://schemas.microsoft.com/office/drawing/2010/main" val="0"/>
-              </a:ext>
-            </a:extLst>
-          </a:blip>
-          <a:srcRect/>
+          <a:blip r:embed="rId4"/>
           <a:stretch>
             <a:fillRect/>
           </a:stretch>
         </p:blipFill>
-        <p:spPr bwMode="auto">
+        <p:spPr>
           <a:xfrm>
-            <a:off x="3724275" y="1596159"/>
-            <a:ext cx="4152900" cy="4152900"/>
+            <a:off x="3640882" y="1239591"/>
+            <a:ext cx="4910235" cy="4903319"/>
           </a:xfrm>
           <a:prstGeom prst="rect">
             <a:avLst/>
           </a:prstGeom>
-          <a:noFill/>
-          <a:extLst>
-            <a:ext uri="{909E8E84-426E-40DD-AFC4-6F175D3DCCD1}">
-              <a14:hiddenFill xmlns:a14="http://schemas.microsoft.com/office/drawing/2010/main">
-                <a:solidFill>
-                  <a:srgbClr val="FFFFFF"/>
-                </a:solidFill>
-              </a14:hiddenFill>
-            </a:ext>
-          </a:extLst>
         </p:spPr>
       </p:pic>
     </p:spTree>
@@ -19209,49 +18943,31 @@
       </p:sp>
       <p:pic>
         <p:nvPicPr>
-          <p:cNvPr id="5122" name="Picture 2" descr="Программа – Бесплатные иконки: компьютер">
+          <p:cNvPr id="3" name="Рисунок 2">
             <a:extLst>
               <a:ext uri="{FF2B5EF4-FFF2-40B4-BE49-F238E27FC236}">
-                <a16:creationId xmlns:a16="http://schemas.microsoft.com/office/drawing/2014/main" id="{24650FAD-62BC-46AD-9429-C355D916C6FC}"/>
+                <a16:creationId xmlns:a16="http://schemas.microsoft.com/office/drawing/2014/main" id="{C9660B4C-E3A5-89FF-3BD1-E1917EFDF243}"/>
               </a:ext>
             </a:extLst>
           </p:cNvPr>
           <p:cNvPicPr>
-            <a:picLocks noChangeAspect="1" noChangeArrowheads="1"/>
+            <a:picLocks noChangeAspect="1"/>
           </p:cNvPicPr>
           <p:nvPr/>
         </p:nvPicPr>
-        <p:blipFill>
-          <a:blip r:embed="rId4">
-            <a:extLst>
-              <a:ext uri="{28A0092B-C50C-407E-A947-70E740481C1C}">
-                <a14:useLocalDpi xmlns:a14="http://schemas.microsoft.com/office/drawing/2010/main" val="0"/>
-              </a:ext>
-            </a:extLst>
-          </a:blip>
-          <a:srcRect/>
-          <a:stretch>
-            <a:fillRect/>
-          </a:stretch>
+        <p:blipFill rotWithShape="1">
+          <a:blip r:embed="rId4"/>
+          <a:srcRect l="8321" r="8006" b="8029"/>
+          <a:stretch/>
         </p:blipFill>
-        <p:spPr bwMode="auto">
+        <p:spPr>
           <a:xfrm>
-            <a:off x="3857625" y="1323975"/>
-            <a:ext cx="4457700" cy="4457700"/>
+            <a:off x="1477152" y="1187343"/>
+            <a:ext cx="9218646" cy="4997555"/>
           </a:xfrm>
           <a:prstGeom prst="rect">
             <a:avLst/>
           </a:prstGeom>
-          <a:noFill/>
-          <a:extLst>
-            <a:ext uri="{909E8E84-426E-40DD-AFC4-6F175D3DCCD1}">
-              <a14:hiddenFill xmlns:a14="http://schemas.microsoft.com/office/drawing/2010/main">
-                <a:solidFill>
-                  <a:srgbClr val="FFFFFF"/>
-                </a:solidFill>
-              </a14:hiddenFill>
-            </a:ext>
-          </a:extLst>
         </p:spPr>
       </p:pic>
     </p:spTree>
@@ -19463,7 +19179,7 @@
                 </a:solidFill>
                 <a:latin typeface="Georgia" pitchFamily="18" charset="0"/>
               </a:rPr>
-              <a:t>Использование журнала позволило повысить качество ответы языковой модели и улучшить опыт использования нейросети в игре.</a:t>
+              <a:t>Использование журнала позволило повысить качество ответов языковой модели и улучшить опыт использования нейросети в игре.</a:t>
             </a:r>
           </a:p>
         </p:txBody>
@@ -20380,7 +20096,7 @@
           <p:nvPr>
             <p:extLst>
               <p:ext uri="{D42A27DB-BD31-4B8C-83A1-F6EECF244321}">
-                <p14:modId xmlns:p14="http://schemas.microsoft.com/office/powerpoint/2010/main" val="3204240353"/>
+                <p14:modId xmlns:p14="http://schemas.microsoft.com/office/powerpoint/2010/main" val="1574001805"/>
               </p:ext>
             </p:extLst>
           </p:nvPr>
@@ -20566,7 +20282,7 @@
                       </a:r>
                       <a:r>
                         <a:rPr lang="ru-RU" sz="2400" baseline="0" dirty="0"/>
-                        <a:t> А.</a:t>
+                        <a:t> А.С.</a:t>
                       </a:r>
                       <a:endParaRPr lang="ru-RU" sz="2400" dirty="0"/>
                     </a:p>
@@ -20711,7 +20427,10 @@
                     <a:bodyPr/>
                     <a:lstStyle/>
                     <a:p>
-                      <a:endParaRPr lang="ru-RU" sz="2400" dirty="0"/>
+                      <a:r>
+                        <a:rPr lang="ru-RU" sz="2400" dirty="0"/>
+                        <a:t>Разработка интерфейса</a:t>
+                      </a:r>
                     </a:p>
                   </a:txBody>
                   <a:tcPr anchor="ctr"/>
@@ -21223,8 +20942,8 @@
         </p:nvSpPr>
         <p:spPr>
           <a:xfrm>
-            <a:off x="285709" y="1304925"/>
-            <a:ext cx="5476916" cy="4626327"/>
+            <a:off x="285708" y="1304925"/>
+            <a:ext cx="5810291" cy="4626327"/>
           </a:xfrm>
           <a:prstGeom prst="rect">
             <a:avLst/>
@@ -21475,10 +21194,10 @@
       </p:sp>
       <p:pic>
         <p:nvPicPr>
-          <p:cNvPr id="14" name="Picture 2" descr="Дисней - Трон (1982)">
+          <p:cNvPr id="3" name="Picture 2" descr="ChatGPT - Wikipedia">
             <a:extLst>
               <a:ext uri="{FF2B5EF4-FFF2-40B4-BE49-F238E27FC236}">
-                <a16:creationId xmlns:a16="http://schemas.microsoft.com/office/drawing/2014/main" id="{F565F578-4D0C-4193-B50C-B39BEEF8227C}"/>
+                <a16:creationId xmlns:a16="http://schemas.microsoft.com/office/drawing/2014/main" id="{20B1C369-1A16-028D-27D1-440F53524AFC}"/>
               </a:ext>
             </a:extLst>
           </p:cNvPr>
@@ -21488,7 +21207,13 @@
           <p:nvPr/>
         </p:nvPicPr>
         <p:blipFill>
-          <a:blip r:embed="rId2"/>
+          <a:blip r:embed="rId2">
+            <a:extLst>
+              <a:ext uri="{28A0092B-C50C-407E-A947-70E740481C1C}">
+                <a14:useLocalDpi xmlns:a14="http://schemas.microsoft.com/office/drawing/2010/main" val="0"/>
+              </a:ext>
+            </a:extLst>
+          </a:blip>
           <a:srcRect/>
           <a:stretch>
             <a:fillRect/>
@@ -21496,96 +21221,30 @@
         </p:blipFill>
         <p:spPr bwMode="auto">
           <a:xfrm>
-            <a:off x="5426980" y="3775829"/>
-            <a:ext cx="4537146" cy="2182426"/>
+            <a:off x="6429377" y="1133475"/>
+            <a:ext cx="2082282" cy="2082282"/>
           </a:xfrm>
           <a:prstGeom prst="rect">
             <a:avLst/>
           </a:prstGeom>
           <a:noFill/>
-          <a:effectLst>
-            <a:softEdge rad="63500"/>
-          </a:effectLst>
+          <a:extLst>
+            <a:ext uri="{909E8E84-426E-40DD-AFC4-6F175D3DCCD1}">
+              <a14:hiddenFill xmlns:a14="http://schemas.microsoft.com/office/drawing/2010/main">
+                <a:solidFill>
+                  <a:srgbClr val="FFFFFF"/>
+                </a:solidFill>
+              </a14:hiddenFill>
+            </a:ext>
+          </a:extLst>
         </p:spPr>
       </p:pic>
       <p:pic>
         <p:nvPicPr>
-          <p:cNvPr id="18" name="Picture 1" descr="C:\Users\jaste\Desktop\Рисунок2.png"/>
-          <p:cNvPicPr>
-            <a:picLocks noChangeAspect="1" noChangeArrowheads="1"/>
-          </p:cNvPicPr>
-          <p:nvPr/>
-        </p:nvPicPr>
-        <p:blipFill>
-          <a:blip r:embed="rId3" cstate="print">
-            <a:clrChange>
-              <a:clrFrom>
-                <a:srgbClr val="000000"/>
-              </a:clrFrom>
-              <a:clrTo>
-                <a:srgbClr val="000000">
-                  <a:alpha val="0"/>
-                </a:srgbClr>
-              </a:clrTo>
-            </a:clrChange>
-          </a:blip>
-          <a:srcRect l="46392"/>
-          <a:stretch>
-            <a:fillRect/>
-          </a:stretch>
-        </p:blipFill>
-        <p:spPr bwMode="auto">
-          <a:xfrm>
-            <a:off x="8704138" y="4345750"/>
-            <a:ext cx="3487862" cy="2182426"/>
-          </a:xfrm>
-          <a:prstGeom prst="rect">
-            <a:avLst/>
-          </a:prstGeom>
-          <a:noFill/>
-        </p:spPr>
-      </p:pic>
-      <p:pic>
-        <p:nvPicPr>
-          <p:cNvPr id="15" name="Picture 7" descr="Диаграмма вороного гифки, анимированные GIF изображения диаграмма вороного  - скачать гиф картинки на GIFER">
+          <p:cNvPr id="1028" name="Picture 4" descr="How ChatGPT Works: The Model Behind The Bot | by Molly Ruby | Towards Data  Science">
             <a:extLst>
               <a:ext uri="{FF2B5EF4-FFF2-40B4-BE49-F238E27FC236}">
-                <a16:creationId xmlns:a16="http://schemas.microsoft.com/office/drawing/2014/main" id="{9165B797-DD09-4BC2-A646-2811E2C0A63D}"/>
-              </a:ext>
-            </a:extLst>
-          </p:cNvPr>
-          <p:cNvPicPr>
-            <a:picLocks noChangeAspect="1" noChangeArrowheads="1" noCrop="1"/>
-          </p:cNvPicPr>
-          <p:nvPr/>
-        </p:nvPicPr>
-        <p:blipFill>
-          <a:blip r:embed="rId4"/>
-          <a:srcRect/>
-          <a:stretch>
-            <a:fillRect/>
-          </a:stretch>
-        </p:blipFill>
-        <p:spPr bwMode="auto">
-          <a:xfrm>
-            <a:off x="9882909" y="177070"/>
-            <a:ext cx="2172142" cy="2172142"/>
-          </a:xfrm>
-          <a:prstGeom prst="rect">
-            <a:avLst/>
-          </a:prstGeom>
-          <a:noFill/>
-          <a:effectLst>
-            <a:softEdge rad="127000"/>
-          </a:effectLst>
-        </p:spPr>
-      </p:pic>
-      <p:pic>
-        <p:nvPicPr>
-          <p:cNvPr id="1026" name="Picture 2" descr="Диаграмма Вороного и её применения">
-            <a:extLst>
-              <a:ext uri="{FF2B5EF4-FFF2-40B4-BE49-F238E27FC236}">
-                <a16:creationId xmlns:a16="http://schemas.microsoft.com/office/drawing/2014/main" id="{E21F15D2-4BB0-4E3F-A0EA-2367BB063E81}"/>
+                <a16:creationId xmlns:a16="http://schemas.microsoft.com/office/drawing/2014/main" id="{11CFD65A-D11C-738B-5F1C-8A4AF4F49EF2}"/>
               </a:ext>
             </a:extLst>
           </p:cNvPr>
@@ -21595,28 +21254,25 @@
           <p:nvPr/>
         </p:nvPicPr>
         <p:blipFill rotWithShape="1">
-          <a:blip r:embed="rId5">
+          <a:blip r:embed="rId3">
             <a:extLst>
               <a:ext uri="{28A0092B-C50C-407E-A947-70E740481C1C}">
                 <a14:useLocalDpi xmlns:a14="http://schemas.microsoft.com/office/drawing/2010/main" val="0"/>
               </a:ext>
             </a:extLst>
           </a:blip>
-          <a:srcRect l="13345" t="12957" b="8433"/>
+          <a:srcRect t="16391" b="27152"/>
           <a:stretch/>
         </p:blipFill>
         <p:spPr bwMode="auto">
           <a:xfrm>
-            <a:off x="9294133" y="2458858"/>
-            <a:ext cx="2612158" cy="1777246"/>
+            <a:off x="6223518" y="3400721"/>
+            <a:ext cx="5682773" cy="2255117"/>
           </a:xfrm>
           <a:prstGeom prst="rect">
             <a:avLst/>
           </a:prstGeom>
           <a:noFill/>
-          <a:effectLst>
-            <a:softEdge rad="63500"/>
-          </a:effectLst>
           <a:extLst>
             <a:ext uri="{909E8E84-426E-40DD-AFC4-6F175D3DCCD1}">
               <a14:hiddenFill xmlns:a14="http://schemas.microsoft.com/office/drawing/2010/main">
@@ -21626,35 +21282,6 @@
               </a14:hiddenFill>
             </a:ext>
           </a:extLst>
-        </p:spPr>
-      </p:pic>
-      <p:pic>
-        <p:nvPicPr>
-          <p:cNvPr id="20" name="Picture 2" descr="Процедурная генерация уровней - Рубрика - PVSM.RU"/>
-          <p:cNvPicPr>
-            <a:picLocks noChangeAspect="1" noChangeArrowheads="1"/>
-          </p:cNvPicPr>
-          <p:nvPr/>
-        </p:nvPicPr>
-        <p:blipFill>
-          <a:blip r:embed="rId6" cstate="print"/>
-          <a:srcRect/>
-          <a:stretch>
-            <a:fillRect/>
-          </a:stretch>
-        </p:blipFill>
-        <p:spPr bwMode="auto">
-          <a:xfrm>
-            <a:off x="5657889" y="1081595"/>
-            <a:ext cx="4381531" cy="2490285"/>
-          </a:xfrm>
-          <a:prstGeom prst="rect">
-            <a:avLst/>
-          </a:prstGeom>
-          <a:noFill/>
-          <a:effectLst>
-            <a:softEdge rad="127000"/>
-          </a:effectLst>
         </p:spPr>
       </p:pic>
     </p:spTree>
@@ -21762,7 +21389,7 @@
                 </a:solidFill>
                 <a:latin typeface="Georgia" pitchFamily="18" charset="0"/>
               </a:rPr>
-              <a:t>Проблематика</a:t>
+              <a:t>Проблема</a:t>
             </a:r>
           </a:p>
         </p:txBody>

--- a/Презентейшн.pptx
+++ b/Презентейшн.pptx
@@ -5,29 +5,30 @@
     <p:sldMasterId id="2147483648" r:id="rId1"/>
   </p:sldMasterIdLst>
   <p:notesMasterIdLst>
-    <p:notesMasterId r:id="rId19"/>
+    <p:notesMasterId r:id="rId20"/>
   </p:notesMasterIdLst>
   <p:handoutMasterIdLst>
-    <p:handoutMasterId r:id="rId20"/>
+    <p:handoutMasterId r:id="rId21"/>
   </p:handoutMasterIdLst>
   <p:sldIdLst>
     <p:sldId id="302" r:id="rId2"/>
     <p:sldId id="348" r:id="rId3"/>
-    <p:sldId id="412" r:id="rId4"/>
-    <p:sldId id="416" r:id="rId5"/>
-    <p:sldId id="335" r:id="rId6"/>
-    <p:sldId id="420" r:id="rId7"/>
-    <p:sldId id="419" r:id="rId8"/>
-    <p:sldId id="423" r:id="rId9"/>
-    <p:sldId id="424" r:id="rId10"/>
-    <p:sldId id="425" r:id="rId11"/>
-    <p:sldId id="286" r:id="rId12"/>
-    <p:sldId id="421" r:id="rId13"/>
-    <p:sldId id="422" r:id="rId14"/>
-    <p:sldId id="389" r:id="rId15"/>
-    <p:sldId id="418" r:id="rId16"/>
-    <p:sldId id="417" r:id="rId17"/>
-    <p:sldId id="303" r:id="rId18"/>
+    <p:sldId id="426" r:id="rId4"/>
+    <p:sldId id="412" r:id="rId5"/>
+    <p:sldId id="416" r:id="rId6"/>
+    <p:sldId id="335" r:id="rId7"/>
+    <p:sldId id="420" r:id="rId8"/>
+    <p:sldId id="427" r:id="rId9"/>
+    <p:sldId id="419" r:id="rId10"/>
+    <p:sldId id="423" r:id="rId11"/>
+    <p:sldId id="424" r:id="rId12"/>
+    <p:sldId id="425" r:id="rId13"/>
+    <p:sldId id="421" r:id="rId14"/>
+    <p:sldId id="422" r:id="rId15"/>
+    <p:sldId id="389" r:id="rId16"/>
+    <p:sldId id="418" r:id="rId17"/>
+    <p:sldId id="417" r:id="rId18"/>
+    <p:sldId id="303" r:id="rId19"/>
   </p:sldIdLst>
   <p:sldSz cx="12192000" cy="6858000"/>
   <p:notesSz cx="6858000" cy="9144000"/>
@@ -233,7 +234,7 @@
             <a:fld id="{2BADECFF-C1E6-41B7-861F-BE2B26CDAB05}" type="datetime1">
               <a:rPr lang="ru-RU" smtClean="0"/>
               <a:pPr rtl="0"/>
-              <a:t>11.11.2023</a:t>
+              <a:t>23.11.2023</a:t>
             </a:fld>
             <a:endParaRPr lang="ru-RU" dirty="0"/>
           </a:p>
@@ -405,7 +406,7 @@
             <a:fld id="{6F848B8F-24F3-4766-A59C-71045DA4FEF0}" type="datetime1">
               <a:rPr lang="ru-RU" smtClean="0"/>
               <a:pPr rtl="0"/>
-              <a:t>11.11.2023</a:t>
+              <a:t>23.11.2023</a:t>
             </a:fld>
             <a:endParaRPr lang="ru-RU" dirty="0"/>
           </a:p>
@@ -832,7 +833,7 @@
             <a:fld id="{82869989-EB00-4EE7-BCB5-25BDC5BB29F8}" type="slidenum">
               <a:rPr lang="ru-RU" smtClean="0"/>
               <a:pPr rtl="0"/>
-              <a:t>3</a:t>
+              <a:t>4</a:t>
             </a:fld>
             <a:endParaRPr lang="ru-RU" dirty="0"/>
           </a:p>
@@ -920,7 +921,7 @@
             <a:fld id="{82869989-EB00-4EE7-BCB5-25BDC5BB29F8}" type="slidenum">
               <a:rPr lang="ru-RU" smtClean="0"/>
               <a:pPr rtl="0"/>
-              <a:t>4</a:t>
+              <a:t>5</a:t>
             </a:fld>
             <a:endParaRPr lang="ru-RU" dirty="0"/>
           </a:p>
@@ -1008,7 +1009,7 @@
             <a:fld id="{82869989-EB00-4EE7-BCB5-25BDC5BB29F8}" type="slidenum">
               <a:rPr lang="ru-RU" smtClean="0"/>
               <a:pPr rtl="0"/>
-              <a:t>6</a:t>
+              <a:t>7</a:t>
             </a:fld>
             <a:endParaRPr lang="ru-RU" dirty="0"/>
           </a:p>
@@ -1096,7 +1097,7 @@
             <a:fld id="{82869989-EB00-4EE7-BCB5-25BDC5BB29F8}" type="slidenum">
               <a:rPr lang="ru-RU" smtClean="0"/>
               <a:pPr rtl="0"/>
-              <a:t>12</a:t>
+              <a:t>13</a:t>
             </a:fld>
             <a:endParaRPr lang="ru-RU" dirty="0"/>
           </a:p>
@@ -1184,7 +1185,7 @@
             <a:fld id="{82869989-EB00-4EE7-BCB5-25BDC5BB29F8}" type="slidenum">
               <a:rPr lang="ru-RU" smtClean="0"/>
               <a:pPr rtl="0"/>
-              <a:t>13</a:t>
+              <a:t>14</a:t>
             </a:fld>
             <a:endParaRPr lang="ru-RU" dirty="0"/>
           </a:p>
@@ -1272,7 +1273,7 @@
             <a:fld id="{82869989-EB00-4EE7-BCB5-25BDC5BB29F8}" type="slidenum">
               <a:rPr lang="ru-RU" smtClean="0"/>
               <a:pPr rtl="0"/>
-              <a:t>14</a:t>
+              <a:t>15</a:t>
             </a:fld>
             <a:endParaRPr lang="ru-RU" dirty="0"/>
           </a:p>
@@ -1360,7 +1361,7 @@
             <a:fld id="{82869989-EB00-4EE7-BCB5-25BDC5BB29F8}" type="slidenum">
               <a:rPr lang="ru-RU" smtClean="0"/>
               <a:pPr rtl="0"/>
-              <a:t>15</a:t>
+              <a:t>16</a:t>
             </a:fld>
             <a:endParaRPr lang="ru-RU" dirty="0"/>
           </a:p>
@@ -3518,7 +3519,7 @@
             <a:fld id="{21D30A75-6773-4051-8E3B-50DEBD5B27F5}" type="datetime1">
               <a:rPr lang="ru-RU" smtClean="0"/>
               <a:pPr rtl="0"/>
-              <a:t>11.11.2023</a:t>
+              <a:t>23.11.2023</a:t>
             </a:fld>
             <a:endParaRPr lang="ru-RU" dirty="0"/>
           </a:p>
@@ -3708,7 +3709,7 @@
             <a:fld id="{D7928C6E-EC50-49F1-B95C-FD73C1D14895}" type="datetime1">
               <a:rPr lang="ru-RU" smtClean="0"/>
               <a:pPr rtl="0"/>
-              <a:t>11.11.2023</a:t>
+              <a:t>23.11.2023</a:t>
             </a:fld>
             <a:endParaRPr lang="ru-RU" dirty="0"/>
           </a:p>
@@ -3888,7 +3889,7 @@
             <a:fld id="{A29ED9D4-4098-4CD3-A9A7-C343301264F2}" type="datetime1">
               <a:rPr lang="ru-RU" smtClean="0"/>
               <a:pPr rtl="0"/>
-              <a:t>11.11.2023</a:t>
+              <a:t>23.11.2023</a:t>
             </a:fld>
             <a:endParaRPr lang="ru-RU" dirty="0"/>
           </a:p>
@@ -6216,7 +6217,7 @@
             <a:fld id="{687FFE1D-B4BF-42B3-9799-021BB66D51E4}" type="datetime1">
               <a:rPr lang="ru-RU" smtClean="0"/>
               <a:pPr rtl="0"/>
-              <a:t>11.11.2023</a:t>
+              <a:t>23.11.2023</a:t>
             </a:fld>
             <a:endParaRPr lang="ru-RU" dirty="0"/>
           </a:p>
@@ -6666,7 +6667,7 @@
             <a:fld id="{433AC169-0119-4659-9B73-547F9C11A152}" type="datetime1">
               <a:rPr lang="ru-RU" smtClean="0"/>
               <a:pPr rtl="0"/>
-              <a:t>11.11.2023</a:t>
+              <a:t>23.11.2023</a:t>
             </a:fld>
             <a:endParaRPr lang="ru-RU" dirty="0"/>
           </a:p>
@@ -6794,7 +6795,7 @@
             <a:fld id="{88FE940F-5E05-43A4-90CE-E7C7653F1C67}" type="datetime1">
               <a:rPr lang="ru-RU" smtClean="0"/>
               <a:pPr rtl="0"/>
-              <a:t>11.11.2023</a:t>
+              <a:t>23.11.2023</a:t>
             </a:fld>
             <a:endParaRPr lang="ru-RU" dirty="0"/>
           </a:p>
@@ -8721,7 +8722,7 @@
             <a:fld id="{CA01554F-F072-4658-949A-7A94F490DB04}" type="datetime1">
               <a:rPr lang="ru-RU" smtClean="0"/>
               <a:pPr rtl="0"/>
-              <a:t>11.11.2023</a:t>
+              <a:t>23.11.2023</a:t>
             </a:fld>
             <a:endParaRPr lang="ru-RU" dirty="0"/>
           </a:p>
@@ -10973,7 +10974,7 @@
             <a:fld id="{3B0BFD1E-E11D-434C-9F87-0B5F0A29CFEC}" type="datetime1">
               <a:rPr lang="ru-RU" smtClean="0"/>
               <a:pPr rtl="0"/>
-              <a:t>11.11.2023</a:t>
+              <a:t>23.11.2023</a:t>
             </a:fld>
             <a:endParaRPr lang="ru-RU" dirty="0"/>
           </a:p>
@@ -15251,7 +15252,7 @@
             <a:fld id="{99137652-B7E4-4AE8-853E-9803CAFAAF7E}" type="datetime1">
               <a:rPr lang="ru-RU" smtClean="0"/>
               <a:pPr rtl="0"/>
-              <a:t>11.11.2023</a:t>
+              <a:t>23.11.2023</a:t>
             </a:fld>
             <a:endParaRPr lang="ru-RU" dirty="0"/>
           </a:p>
@@ -15706,7 +15707,12 @@
             <p:ph type="title"/>
           </p:nvPr>
         </p:nvSpPr>
-        <p:spPr/>
+        <p:spPr>
+          <a:xfrm>
+            <a:off x="1295400" y="2541573"/>
+            <a:ext cx="9601200" cy="2743200"/>
+          </a:xfrm>
+        </p:spPr>
         <p:txBody>
           <a:bodyPr rtlCol="0">
             <a:noAutofit/>
@@ -15714,20 +15720,15 @@
           <a:lstStyle/>
           <a:p>
             <a:br>
-              <a:rPr lang="ru-RU" sz="4400" i="1" u="sng" dirty="0"/>
+              <a:rPr lang="ru-RU" sz="4200" i="1" u="sng" dirty="0"/>
             </a:br>
             <a:br>
-              <a:rPr lang="ru-RU" sz="5400" dirty="0"/>
+              <a:rPr lang="ru-RU" sz="4200" dirty="0"/>
             </a:br>
             <a:r>
-              <a:rPr lang="ru-RU" sz="5400" dirty="0"/>
-              <a:t>Текстовая ролевая игра с использованием </a:t>
+              <a:rPr lang="ru-RU" sz="4200" dirty="0"/>
+              <a:t>Текстовая ролевая игра с использованием языковой модели</a:t>
             </a:r>
-            <a:r>
-              <a:rPr lang="en-US" sz="5400" dirty="0" err="1"/>
-              <a:t>ChatGPT</a:t>
-            </a:r>
-            <a:endParaRPr lang="ru-RU" sz="4400" dirty="0"/>
           </a:p>
         </p:txBody>
       </p:sp>
@@ -16367,31 +16368,7 @@
               <a:rPr lang="ru-RU" sz="2700" dirty="0">
                 <a:latin typeface="Georgia" pitchFamily="18" charset="0"/>
               </a:rPr>
-              <a:t>Мы изучили библиотеку </a:t>
-            </a:r>
-            <a:r>
-              <a:rPr lang="en-US" sz="2700" dirty="0" err="1">
-                <a:latin typeface="Georgia" pitchFamily="18" charset="0"/>
-              </a:rPr>
-              <a:t>gradio</a:t>
-            </a:r>
-            <a:r>
-              <a:rPr lang="ru-RU" sz="2700" dirty="0">
-                <a:latin typeface="Georgia" pitchFamily="18" charset="0"/>
-              </a:rPr>
-              <a:t>, разработали на ее основе интерфейс</a:t>
-            </a:r>
-            <a:r>
-              <a:rPr lang="en-US" sz="2700" dirty="0">
-                <a:latin typeface="Georgia" pitchFamily="18" charset="0"/>
-              </a:rPr>
-              <a:t> </a:t>
-            </a:r>
-            <a:r>
-              <a:rPr lang="ru-RU" sz="2700" dirty="0">
-                <a:latin typeface="Georgia" pitchFamily="18" charset="0"/>
-              </a:rPr>
-              <a:t>и собрали все наработки в готовую программу.</a:t>
+              <a:t>Мы придумали способ взаимодействия с журналом игрока и нейросети, внедрили механизм в раннее созданный прототип.</a:t>
             </a:r>
             <a:endParaRPr lang="ru-RU" sz="2400" dirty="0">
               <a:latin typeface="Georgia" pitchFamily="18" charset="0"/>
@@ -16402,7 +16379,7 @@
     </p:spTree>
     <p:extLst>
       <p:ext uri="{BB962C8B-B14F-4D97-AF65-F5344CB8AC3E}">
-        <p14:creationId xmlns:p14="http://schemas.microsoft.com/office/powerpoint/2010/main" val="1017358392"/>
+        <p14:creationId xmlns:p14="http://schemas.microsoft.com/office/powerpoint/2010/main" val="1239738548"/>
       </p:ext>
     </p:extLst>
   </p:cSld>
@@ -16414,7 +16391,7 @@
 </file>
 
 <file path=ppt/slides/slide11.xml><?xml version="1.0" encoding="utf-8"?>
-<p:sld xmlns:a="http://schemas.openxmlformats.org/drawingml/2006/main" xmlns:r="http://schemas.openxmlformats.org/officeDocument/2006/relationships" xmlns:p="http://schemas.openxmlformats.org/presentationml/2006/main" show="0">
+<p:sld xmlns:a="http://schemas.openxmlformats.org/drawingml/2006/main" xmlns:r="http://schemas.openxmlformats.org/officeDocument/2006/relationships" xmlns:p="http://schemas.openxmlformats.org/presentationml/2006/main">
   <p:cSld>
     <p:spTree>
       <p:nvGrpSpPr>
@@ -16432,1778 +16409,10 @@
       </p:grpSpPr>
       <p:sp>
         <p:nvSpPr>
-          <p:cNvPr id="2" name="Заголовок 1"/>
-          <p:cNvSpPr>
-            <a:spLocks noGrp="1"/>
-          </p:cNvSpPr>
-          <p:nvPr>
-            <p:ph type="title"/>
-          </p:nvPr>
-        </p:nvSpPr>
-        <p:spPr>
-          <a:xfrm>
-            <a:off x="545910" y="-89310"/>
-            <a:ext cx="10972800" cy="1066800"/>
-          </a:xfrm>
-        </p:spPr>
-        <p:txBody>
-          <a:bodyPr>
-            <a:normAutofit/>
-          </a:bodyPr>
-          <a:lstStyle/>
-          <a:p>
-            <a:pPr>
-              <a:defRPr/>
-            </a:pPr>
-            <a:r>
-              <a:rPr lang="ru-RU" sz="4267" dirty="0"/>
-              <a:t>Этапы реализации проекта</a:t>
-            </a:r>
-          </a:p>
-        </p:txBody>
-      </p:sp>
-      <p:sp>
-        <p:nvSpPr>
-          <p:cNvPr id="5" name="Пятиугольник 4"/>
-          <p:cNvSpPr/>
-          <p:nvPr/>
-        </p:nvSpPr>
-        <p:spPr>
-          <a:xfrm>
-            <a:off x="666714" y="1590664"/>
-            <a:ext cx="2061265" cy="1021000"/>
-          </a:xfrm>
-          <a:prstGeom prst="homePlate">
-            <a:avLst/>
-          </a:prstGeom>
-          <a:ln>
-            <a:noFill/>
-          </a:ln>
-        </p:spPr>
-        <p:style>
-          <a:lnRef idx="2">
-            <a:schemeClr val="accent1">
-              <a:shade val="50000"/>
-            </a:schemeClr>
-          </a:lnRef>
-          <a:fillRef idx="1">
-            <a:schemeClr val="accent1"/>
-          </a:fillRef>
-          <a:effectRef idx="0">
-            <a:schemeClr val="accent1"/>
-          </a:effectRef>
-          <a:fontRef idx="minor">
-            <a:schemeClr val="lt1"/>
-          </a:fontRef>
-        </p:style>
-        <p:txBody>
-          <a:bodyPr rtlCol="0" anchor="ctr"/>
-          <a:lstStyle/>
-          <a:p>
-            <a:pPr algn="ctr"/>
-            <a:r>
-              <a:rPr lang="ru-RU" sz="1600" i="1" dirty="0"/>
-              <a:t>Изучение предметной области</a:t>
-            </a:r>
-          </a:p>
-        </p:txBody>
-      </p:sp>
-      <p:sp>
-        <p:nvSpPr>
-          <p:cNvPr id="8" name="Нашивка 7"/>
-          <p:cNvSpPr/>
-          <p:nvPr/>
-        </p:nvSpPr>
-        <p:spPr>
-          <a:xfrm>
-            <a:off x="2381226" y="1610285"/>
-            <a:ext cx="1106084" cy="1021001"/>
-          </a:xfrm>
-          <a:prstGeom prst="chevron">
-            <a:avLst/>
-          </a:prstGeom>
-          <a:ln>
-            <a:noFill/>
-          </a:ln>
-        </p:spPr>
-        <p:style>
-          <a:lnRef idx="2">
-            <a:schemeClr val="accent1">
-              <a:shade val="50000"/>
-            </a:schemeClr>
-          </a:lnRef>
-          <a:fillRef idx="1">
-            <a:schemeClr val="accent1"/>
-          </a:fillRef>
-          <a:effectRef idx="0">
-            <a:schemeClr val="accent1"/>
-          </a:effectRef>
-          <a:fontRef idx="minor">
-            <a:schemeClr val="lt1"/>
-          </a:fontRef>
-        </p:style>
-        <p:txBody>
-          <a:bodyPr rtlCol="0" anchor="ctr"/>
-          <a:lstStyle/>
-          <a:p>
-            <a:pPr algn="ctr"/>
-            <a:endParaRPr lang="ru-RU" sz="2133">
-              <a:solidFill>
-                <a:schemeClr val="tx1"/>
-              </a:solidFill>
-            </a:endParaRPr>
-          </a:p>
-        </p:txBody>
-      </p:sp>
-      <p:grpSp>
-        <p:nvGrpSpPr>
-          <p:cNvPr id="11" name="Группа 10"/>
-          <p:cNvGrpSpPr/>
-          <p:nvPr/>
-        </p:nvGrpSpPr>
-        <p:grpSpPr>
-          <a:xfrm>
-            <a:off x="3143231" y="1610284"/>
-            <a:ext cx="2571767" cy="1021000"/>
-            <a:chOff x="3500430" y="2500312"/>
-            <a:chExt cx="2159315" cy="857256"/>
-          </a:xfrm>
-        </p:grpSpPr>
-        <p:sp>
-          <p:nvSpPr>
-            <p:cNvPr id="10" name="Нашивка 9"/>
-            <p:cNvSpPr/>
-            <p:nvPr/>
-          </p:nvSpPr>
-          <p:spPr>
-            <a:xfrm>
-              <a:off x="3500430" y="2500312"/>
-              <a:ext cx="928694" cy="857256"/>
-            </a:xfrm>
-            <a:prstGeom prst="chevron">
-              <a:avLst/>
-            </a:prstGeom>
-            <a:ln>
-              <a:noFill/>
-            </a:ln>
-          </p:spPr>
-          <p:style>
-            <a:lnRef idx="2">
-              <a:schemeClr val="accent1">
-                <a:shade val="50000"/>
-              </a:schemeClr>
-            </a:lnRef>
-            <a:fillRef idx="1">
-              <a:schemeClr val="accent1"/>
-            </a:fillRef>
-            <a:effectRef idx="0">
-              <a:schemeClr val="accent1"/>
-            </a:effectRef>
-            <a:fontRef idx="minor">
-              <a:schemeClr val="lt1"/>
-            </a:fontRef>
-          </p:style>
-          <p:txBody>
-            <a:bodyPr rtlCol="0" anchor="ctr"/>
-            <a:lstStyle/>
-            <a:p>
-              <a:pPr algn="ctr"/>
-              <a:endParaRPr lang="ru-RU" sz="2133">
-                <a:solidFill>
-                  <a:schemeClr val="tx1"/>
-                </a:solidFill>
-              </a:endParaRPr>
-            </a:p>
-          </p:txBody>
-        </p:sp>
-        <p:sp>
-          <p:nvSpPr>
-            <p:cNvPr id="9" name="Пятиугольник 8"/>
-            <p:cNvSpPr/>
-            <p:nvPr/>
-          </p:nvSpPr>
-          <p:spPr>
-            <a:xfrm>
-              <a:off x="3929058" y="2500312"/>
-              <a:ext cx="1730687" cy="857256"/>
-            </a:xfrm>
-            <a:prstGeom prst="homePlate">
-              <a:avLst/>
-            </a:prstGeom>
-            <a:ln>
-              <a:noFill/>
-            </a:ln>
-          </p:spPr>
-          <p:style>
-            <a:lnRef idx="2">
-              <a:schemeClr val="accent1">
-                <a:shade val="50000"/>
-              </a:schemeClr>
-            </a:lnRef>
-            <a:fillRef idx="1">
-              <a:schemeClr val="accent1"/>
-            </a:fillRef>
-            <a:effectRef idx="0">
-              <a:schemeClr val="accent1"/>
-            </a:effectRef>
-            <a:fontRef idx="minor">
-              <a:schemeClr val="lt1"/>
-            </a:fontRef>
-          </p:style>
-          <p:txBody>
-            <a:bodyPr rtlCol="0" anchor="ctr"/>
-            <a:lstStyle/>
-            <a:p>
-              <a:pPr algn="ctr"/>
-              <a:r>
-                <a:rPr lang="ru-RU" sz="1600" i="1" dirty="0"/>
-                <a:t>Исследование существующих решений</a:t>
-              </a:r>
-            </a:p>
-          </p:txBody>
-        </p:sp>
-      </p:grpSp>
-      <p:grpSp>
-        <p:nvGrpSpPr>
-          <p:cNvPr id="13" name="Группа 12"/>
-          <p:cNvGrpSpPr/>
-          <p:nvPr/>
-        </p:nvGrpSpPr>
-        <p:grpSpPr>
-          <a:xfrm>
-            <a:off x="6096002" y="1610284"/>
-            <a:ext cx="2571767" cy="1021000"/>
-            <a:chOff x="3500430" y="2500312"/>
-            <a:chExt cx="2159315" cy="857256"/>
-          </a:xfrm>
-        </p:grpSpPr>
-        <p:sp>
-          <p:nvSpPr>
-            <p:cNvPr id="14" name="Нашивка 13"/>
-            <p:cNvSpPr/>
-            <p:nvPr/>
-          </p:nvSpPr>
-          <p:spPr>
-            <a:xfrm>
-              <a:off x="3500430" y="2500312"/>
-              <a:ext cx="928694" cy="857256"/>
-            </a:xfrm>
-            <a:prstGeom prst="chevron">
-              <a:avLst/>
-            </a:prstGeom>
-            <a:ln>
-              <a:noFill/>
-            </a:ln>
-          </p:spPr>
-          <p:style>
-            <a:lnRef idx="2">
-              <a:schemeClr val="accent1">
-                <a:shade val="50000"/>
-              </a:schemeClr>
-            </a:lnRef>
-            <a:fillRef idx="1">
-              <a:schemeClr val="accent1"/>
-            </a:fillRef>
-            <a:effectRef idx="0">
-              <a:schemeClr val="accent1"/>
-            </a:effectRef>
-            <a:fontRef idx="minor">
-              <a:schemeClr val="lt1"/>
-            </a:fontRef>
-          </p:style>
-          <p:txBody>
-            <a:bodyPr rtlCol="0" anchor="ctr"/>
-            <a:lstStyle/>
-            <a:p>
-              <a:pPr algn="ctr"/>
-              <a:endParaRPr lang="ru-RU" sz="2133">
-                <a:solidFill>
-                  <a:schemeClr val="tx1"/>
-                </a:solidFill>
-              </a:endParaRPr>
-            </a:p>
-          </p:txBody>
-        </p:sp>
-        <p:sp>
-          <p:nvSpPr>
-            <p:cNvPr id="15" name="Пятиугольник 14"/>
-            <p:cNvSpPr/>
-            <p:nvPr/>
-          </p:nvSpPr>
-          <p:spPr>
-            <a:xfrm>
-              <a:off x="3929058" y="2500312"/>
-              <a:ext cx="1730687" cy="857256"/>
-            </a:xfrm>
-            <a:prstGeom prst="homePlate">
-              <a:avLst/>
-            </a:prstGeom>
-            <a:ln>
-              <a:noFill/>
-            </a:ln>
-          </p:spPr>
-          <p:style>
-            <a:lnRef idx="2">
-              <a:schemeClr val="accent1">
-                <a:shade val="50000"/>
-              </a:schemeClr>
-            </a:lnRef>
-            <a:fillRef idx="1">
-              <a:schemeClr val="accent1"/>
-            </a:fillRef>
-            <a:effectRef idx="0">
-              <a:schemeClr val="accent1"/>
-            </a:effectRef>
-            <a:fontRef idx="minor">
-              <a:schemeClr val="lt1"/>
-            </a:fontRef>
-          </p:style>
-          <p:txBody>
-            <a:bodyPr rtlCol="0" anchor="ctr"/>
-            <a:lstStyle/>
-            <a:p>
-              <a:pPr algn="ctr"/>
-              <a:r>
-                <a:rPr lang="ru-RU" sz="1600" i="1" dirty="0"/>
-                <a:t>Разработка собственного решения</a:t>
-              </a:r>
-            </a:p>
-          </p:txBody>
-        </p:sp>
-      </p:grpSp>
-      <p:grpSp>
-        <p:nvGrpSpPr>
-          <p:cNvPr id="16" name="Группа 15"/>
-          <p:cNvGrpSpPr/>
-          <p:nvPr/>
-        </p:nvGrpSpPr>
-        <p:grpSpPr>
-          <a:xfrm>
-            <a:off x="9048773" y="1610284"/>
-            <a:ext cx="2571767" cy="1021000"/>
-            <a:chOff x="3500430" y="2500312"/>
-            <a:chExt cx="2159315" cy="857256"/>
-          </a:xfrm>
-        </p:grpSpPr>
-        <p:sp>
-          <p:nvSpPr>
-            <p:cNvPr id="17" name="Нашивка 16"/>
-            <p:cNvSpPr/>
-            <p:nvPr/>
-          </p:nvSpPr>
-          <p:spPr>
-            <a:xfrm>
-              <a:off x="3500430" y="2500312"/>
-              <a:ext cx="928694" cy="857256"/>
-            </a:xfrm>
-            <a:prstGeom prst="chevron">
-              <a:avLst/>
-            </a:prstGeom>
-            <a:ln>
-              <a:noFill/>
-            </a:ln>
-          </p:spPr>
-          <p:style>
-            <a:lnRef idx="2">
-              <a:schemeClr val="accent1">
-                <a:shade val="50000"/>
-              </a:schemeClr>
-            </a:lnRef>
-            <a:fillRef idx="1">
-              <a:schemeClr val="accent1"/>
-            </a:fillRef>
-            <a:effectRef idx="0">
-              <a:schemeClr val="accent1"/>
-            </a:effectRef>
-            <a:fontRef idx="minor">
-              <a:schemeClr val="lt1"/>
-            </a:fontRef>
-          </p:style>
-          <p:txBody>
-            <a:bodyPr rtlCol="0" anchor="ctr"/>
-            <a:lstStyle/>
-            <a:p>
-              <a:pPr algn="ctr"/>
-              <a:endParaRPr lang="ru-RU" sz="2133">
-                <a:solidFill>
-                  <a:schemeClr val="tx1"/>
-                </a:solidFill>
-              </a:endParaRPr>
-            </a:p>
-          </p:txBody>
-        </p:sp>
-        <p:sp>
-          <p:nvSpPr>
-            <p:cNvPr id="18" name="Пятиугольник 17"/>
-            <p:cNvSpPr/>
-            <p:nvPr/>
-          </p:nvSpPr>
-          <p:spPr>
-            <a:xfrm>
-              <a:off x="3929058" y="2500312"/>
-              <a:ext cx="1730687" cy="857256"/>
-            </a:xfrm>
-            <a:prstGeom prst="homePlate">
-              <a:avLst/>
-            </a:prstGeom>
-            <a:ln>
-              <a:noFill/>
-            </a:ln>
-          </p:spPr>
-          <p:style>
-            <a:lnRef idx="2">
-              <a:schemeClr val="accent1">
-                <a:shade val="50000"/>
-              </a:schemeClr>
-            </a:lnRef>
-            <a:fillRef idx="1">
-              <a:schemeClr val="accent1"/>
-            </a:fillRef>
-            <a:effectRef idx="0">
-              <a:schemeClr val="accent1"/>
-            </a:effectRef>
-            <a:fontRef idx="minor">
-              <a:schemeClr val="lt1"/>
-            </a:fontRef>
-          </p:style>
-          <p:txBody>
-            <a:bodyPr rtlCol="0" anchor="ctr"/>
-            <a:lstStyle/>
-            <a:p>
-              <a:pPr algn="ctr"/>
-              <a:r>
-                <a:rPr lang="ru-RU" sz="1600" i="1" dirty="0"/>
-                <a:t>Написание ТЗ</a:t>
-              </a:r>
-            </a:p>
-          </p:txBody>
-        </p:sp>
-      </p:grpSp>
-      <p:sp>
-        <p:nvSpPr>
-          <p:cNvPr id="19" name="Нашивка 18"/>
-          <p:cNvSpPr/>
-          <p:nvPr/>
-        </p:nvSpPr>
-        <p:spPr>
-          <a:xfrm>
-            <a:off x="8286767" y="1610285"/>
-            <a:ext cx="1106084" cy="1021001"/>
-          </a:xfrm>
-          <a:prstGeom prst="chevron">
-            <a:avLst/>
-          </a:prstGeom>
-          <a:ln>
-            <a:noFill/>
-          </a:ln>
-        </p:spPr>
-        <p:style>
-          <a:lnRef idx="2">
-            <a:schemeClr val="accent1">
-              <a:shade val="50000"/>
-            </a:schemeClr>
-          </a:lnRef>
-          <a:fillRef idx="1">
-            <a:schemeClr val="accent1"/>
-          </a:fillRef>
-          <a:effectRef idx="0">
-            <a:schemeClr val="accent1"/>
-          </a:effectRef>
-          <a:fontRef idx="minor">
-            <a:schemeClr val="lt1"/>
-          </a:fontRef>
-        </p:style>
-        <p:txBody>
-          <a:bodyPr rtlCol="0" anchor="ctr"/>
-          <a:lstStyle/>
-          <a:p>
-            <a:pPr algn="ctr"/>
-            <a:endParaRPr lang="ru-RU" sz="2133">
-              <a:solidFill>
-                <a:schemeClr val="tx1"/>
-              </a:solidFill>
-            </a:endParaRPr>
-          </a:p>
-        </p:txBody>
-      </p:sp>
-      <p:sp>
-        <p:nvSpPr>
-          <p:cNvPr id="20" name="Нашивка 19"/>
-          <p:cNvSpPr/>
-          <p:nvPr/>
-        </p:nvSpPr>
-        <p:spPr>
-          <a:xfrm>
-            <a:off x="5333997" y="1610285"/>
-            <a:ext cx="1106084" cy="1021001"/>
-          </a:xfrm>
-          <a:prstGeom prst="chevron">
-            <a:avLst/>
-          </a:prstGeom>
-          <a:ln>
-            <a:noFill/>
-          </a:ln>
-        </p:spPr>
-        <p:style>
-          <a:lnRef idx="2">
-            <a:schemeClr val="accent1">
-              <a:shade val="50000"/>
-            </a:schemeClr>
-          </a:lnRef>
-          <a:fillRef idx="1">
-            <a:schemeClr val="accent1"/>
-          </a:fillRef>
-          <a:effectRef idx="0">
-            <a:schemeClr val="accent1"/>
-          </a:effectRef>
-          <a:fontRef idx="minor">
-            <a:schemeClr val="lt1"/>
-          </a:fontRef>
-        </p:style>
-        <p:txBody>
-          <a:bodyPr rtlCol="0" anchor="ctr"/>
-          <a:lstStyle/>
-          <a:p>
-            <a:pPr algn="ctr"/>
-            <a:endParaRPr lang="ru-RU" sz="2133">
-              <a:solidFill>
-                <a:schemeClr val="tx1"/>
-              </a:solidFill>
-            </a:endParaRPr>
-          </a:p>
-        </p:txBody>
-      </p:sp>
-      <p:sp>
-        <p:nvSpPr>
-          <p:cNvPr id="24" name="Пятиугольник 23"/>
-          <p:cNvSpPr/>
-          <p:nvPr/>
-        </p:nvSpPr>
-        <p:spPr>
-          <a:xfrm>
-            <a:off x="666713" y="4257683"/>
-            <a:ext cx="2061267" cy="1021000"/>
-          </a:xfrm>
-          <a:prstGeom prst="homePlate">
-            <a:avLst/>
-          </a:prstGeom>
-          <a:ln>
-            <a:noFill/>
-          </a:ln>
-        </p:spPr>
-        <p:style>
-          <a:lnRef idx="2">
-            <a:schemeClr val="accent1">
-              <a:shade val="50000"/>
-            </a:schemeClr>
-          </a:lnRef>
-          <a:fillRef idx="1">
-            <a:schemeClr val="accent1"/>
-          </a:fillRef>
-          <a:effectRef idx="0">
-            <a:schemeClr val="accent1"/>
-          </a:effectRef>
-          <a:fontRef idx="minor">
-            <a:schemeClr val="lt1"/>
-          </a:fontRef>
-        </p:style>
-        <p:txBody>
-          <a:bodyPr rtlCol="0" anchor="ctr"/>
-          <a:lstStyle/>
-          <a:p>
-            <a:pPr algn="ctr"/>
-            <a:r>
-              <a:rPr lang="ru-RU" sz="1600" i="1" dirty="0"/>
-              <a:t>Разработка архитектуры приложения</a:t>
-            </a:r>
-          </a:p>
-        </p:txBody>
-      </p:sp>
-      <p:grpSp>
-        <p:nvGrpSpPr>
-          <p:cNvPr id="26" name="Группа 25"/>
-          <p:cNvGrpSpPr/>
-          <p:nvPr/>
-        </p:nvGrpSpPr>
-        <p:grpSpPr>
-          <a:xfrm>
-            <a:off x="3108985" y="4257683"/>
-            <a:ext cx="2571767" cy="1021000"/>
-            <a:chOff x="3500430" y="2500312"/>
-            <a:chExt cx="2159315" cy="857256"/>
-          </a:xfrm>
-        </p:grpSpPr>
-        <p:sp>
-          <p:nvSpPr>
-            <p:cNvPr id="27" name="Нашивка 26"/>
-            <p:cNvSpPr/>
-            <p:nvPr/>
-          </p:nvSpPr>
-          <p:spPr>
-            <a:xfrm>
-              <a:off x="3500430" y="2500312"/>
-              <a:ext cx="928694" cy="857256"/>
-            </a:xfrm>
-            <a:prstGeom prst="chevron">
-              <a:avLst/>
-            </a:prstGeom>
-            <a:ln>
-              <a:noFill/>
-            </a:ln>
-          </p:spPr>
-          <p:style>
-            <a:lnRef idx="2">
-              <a:schemeClr val="accent1">
-                <a:shade val="50000"/>
-              </a:schemeClr>
-            </a:lnRef>
-            <a:fillRef idx="1">
-              <a:schemeClr val="accent1"/>
-            </a:fillRef>
-            <a:effectRef idx="0">
-              <a:schemeClr val="accent1"/>
-            </a:effectRef>
-            <a:fontRef idx="minor">
-              <a:schemeClr val="lt1"/>
-            </a:fontRef>
-          </p:style>
-          <p:txBody>
-            <a:bodyPr rtlCol="0" anchor="ctr"/>
-            <a:lstStyle/>
-            <a:p>
-              <a:pPr algn="ctr"/>
-              <a:endParaRPr lang="ru-RU" sz="2133">
-                <a:solidFill>
-                  <a:schemeClr val="tx1"/>
-                </a:solidFill>
-              </a:endParaRPr>
-            </a:p>
-          </p:txBody>
-        </p:sp>
-        <p:sp>
-          <p:nvSpPr>
-            <p:cNvPr id="28" name="Пятиугольник 27"/>
-            <p:cNvSpPr/>
-            <p:nvPr/>
-          </p:nvSpPr>
-          <p:spPr>
-            <a:xfrm>
-              <a:off x="3929058" y="2500312"/>
-              <a:ext cx="1730687" cy="857256"/>
-            </a:xfrm>
-            <a:prstGeom prst="homePlate">
-              <a:avLst/>
-            </a:prstGeom>
-            <a:ln>
-              <a:noFill/>
-            </a:ln>
-          </p:spPr>
-          <p:style>
-            <a:lnRef idx="2">
-              <a:schemeClr val="accent1">
-                <a:shade val="50000"/>
-              </a:schemeClr>
-            </a:lnRef>
-            <a:fillRef idx="1">
-              <a:schemeClr val="accent1"/>
-            </a:fillRef>
-            <a:effectRef idx="0">
-              <a:schemeClr val="accent1"/>
-            </a:effectRef>
-            <a:fontRef idx="minor">
-              <a:schemeClr val="lt1"/>
-            </a:fontRef>
-          </p:style>
-          <p:txBody>
-            <a:bodyPr rtlCol="0" anchor="ctr"/>
-            <a:lstStyle/>
-            <a:p>
-              <a:pPr algn="ctr"/>
-              <a:r>
-                <a:rPr lang="ru-RU" sz="1600" i="1" dirty="0"/>
-                <a:t>Реализация приложения</a:t>
-              </a:r>
-            </a:p>
-          </p:txBody>
-        </p:sp>
-      </p:grpSp>
-      <p:sp>
-        <p:nvSpPr>
-          <p:cNvPr id="29" name="Нашивка 28"/>
-          <p:cNvSpPr/>
-          <p:nvPr/>
-        </p:nvSpPr>
-        <p:spPr>
-          <a:xfrm>
-            <a:off x="2346979" y="4257684"/>
-            <a:ext cx="1106084" cy="1021001"/>
-          </a:xfrm>
-          <a:prstGeom prst="chevron">
-            <a:avLst/>
-          </a:prstGeom>
-          <a:ln>
-            <a:noFill/>
-          </a:ln>
-        </p:spPr>
-        <p:style>
-          <a:lnRef idx="2">
-            <a:schemeClr val="accent1">
-              <a:shade val="50000"/>
-            </a:schemeClr>
-          </a:lnRef>
-          <a:fillRef idx="1">
-            <a:schemeClr val="accent1"/>
-          </a:fillRef>
-          <a:effectRef idx="0">
-            <a:schemeClr val="accent1"/>
-          </a:effectRef>
-          <a:fontRef idx="minor">
-            <a:schemeClr val="lt1"/>
-          </a:fontRef>
-        </p:style>
-        <p:txBody>
-          <a:bodyPr rtlCol="0" anchor="ctr"/>
-          <a:lstStyle/>
-          <a:p>
-            <a:pPr algn="ctr"/>
-            <a:endParaRPr lang="ru-RU" sz="2133">
-              <a:solidFill>
-                <a:schemeClr val="tx1"/>
-              </a:solidFill>
-            </a:endParaRPr>
-          </a:p>
-        </p:txBody>
-      </p:sp>
-      <p:grpSp>
-        <p:nvGrpSpPr>
-          <p:cNvPr id="30" name="Группа 29"/>
-          <p:cNvGrpSpPr/>
-          <p:nvPr/>
-        </p:nvGrpSpPr>
-        <p:grpSpPr>
-          <a:xfrm>
-            <a:off x="6061755" y="4257683"/>
-            <a:ext cx="2571767" cy="1021000"/>
-            <a:chOff x="3500430" y="2500312"/>
-            <a:chExt cx="2159315" cy="857256"/>
-          </a:xfrm>
-        </p:grpSpPr>
-        <p:sp>
-          <p:nvSpPr>
-            <p:cNvPr id="31" name="Нашивка 30"/>
-            <p:cNvSpPr/>
-            <p:nvPr/>
-          </p:nvSpPr>
-          <p:spPr>
-            <a:xfrm>
-              <a:off x="3500430" y="2500312"/>
-              <a:ext cx="928694" cy="857256"/>
-            </a:xfrm>
-            <a:prstGeom prst="chevron">
-              <a:avLst/>
-            </a:prstGeom>
-            <a:ln>
-              <a:noFill/>
-            </a:ln>
-          </p:spPr>
-          <p:style>
-            <a:lnRef idx="2">
-              <a:schemeClr val="accent1">
-                <a:shade val="50000"/>
-              </a:schemeClr>
-            </a:lnRef>
-            <a:fillRef idx="1">
-              <a:schemeClr val="accent1"/>
-            </a:fillRef>
-            <a:effectRef idx="0">
-              <a:schemeClr val="accent1"/>
-            </a:effectRef>
-            <a:fontRef idx="minor">
-              <a:schemeClr val="lt1"/>
-            </a:fontRef>
-          </p:style>
-          <p:txBody>
-            <a:bodyPr rtlCol="0" anchor="ctr"/>
-            <a:lstStyle/>
-            <a:p>
-              <a:pPr algn="ctr"/>
-              <a:endParaRPr lang="ru-RU" sz="2133">
-                <a:solidFill>
-                  <a:schemeClr val="tx1"/>
-                </a:solidFill>
-              </a:endParaRPr>
-            </a:p>
-          </p:txBody>
-        </p:sp>
-        <p:sp>
-          <p:nvSpPr>
-            <p:cNvPr id="32" name="Пятиугольник 31"/>
-            <p:cNvSpPr/>
-            <p:nvPr/>
-          </p:nvSpPr>
-          <p:spPr>
-            <a:xfrm>
-              <a:off x="3929058" y="2500312"/>
-              <a:ext cx="1730687" cy="857256"/>
-            </a:xfrm>
-            <a:prstGeom prst="homePlate">
-              <a:avLst/>
-            </a:prstGeom>
-            <a:ln>
-              <a:noFill/>
-            </a:ln>
-          </p:spPr>
-          <p:style>
-            <a:lnRef idx="2">
-              <a:schemeClr val="accent1">
-                <a:shade val="50000"/>
-              </a:schemeClr>
-            </a:lnRef>
-            <a:fillRef idx="1">
-              <a:schemeClr val="accent1"/>
-            </a:fillRef>
-            <a:effectRef idx="0">
-              <a:schemeClr val="accent1"/>
-            </a:effectRef>
-            <a:fontRef idx="minor">
-              <a:schemeClr val="lt1"/>
-            </a:fontRef>
-          </p:style>
-          <p:txBody>
-            <a:bodyPr rtlCol="0" anchor="ctr"/>
-            <a:lstStyle/>
-            <a:p>
-              <a:pPr algn="ctr"/>
-              <a:r>
-                <a:rPr lang="ru-RU" sz="1600" i="1" dirty="0"/>
-                <a:t>Отладка</a:t>
-              </a:r>
-            </a:p>
-          </p:txBody>
-        </p:sp>
-      </p:grpSp>
-      <p:sp>
-        <p:nvSpPr>
-          <p:cNvPr id="33" name="Нашивка 32"/>
-          <p:cNvSpPr/>
-          <p:nvPr/>
-        </p:nvSpPr>
-        <p:spPr>
-          <a:xfrm>
-            <a:off x="5299750" y="4257684"/>
-            <a:ext cx="1106084" cy="1021001"/>
-          </a:xfrm>
-          <a:prstGeom prst="chevron">
-            <a:avLst/>
-          </a:prstGeom>
-          <a:ln>
-            <a:noFill/>
-          </a:ln>
-        </p:spPr>
-        <p:style>
-          <a:lnRef idx="2">
-            <a:schemeClr val="accent1">
-              <a:shade val="50000"/>
-            </a:schemeClr>
-          </a:lnRef>
-          <a:fillRef idx="1">
-            <a:schemeClr val="accent1"/>
-          </a:fillRef>
-          <a:effectRef idx="0">
-            <a:schemeClr val="accent1"/>
-          </a:effectRef>
-          <a:fontRef idx="minor">
-            <a:schemeClr val="lt1"/>
-          </a:fontRef>
-        </p:style>
-        <p:txBody>
-          <a:bodyPr rtlCol="0" anchor="ctr"/>
-          <a:lstStyle/>
-          <a:p>
-            <a:pPr algn="ctr"/>
-            <a:endParaRPr lang="ru-RU" sz="2133">
-              <a:solidFill>
-                <a:schemeClr val="tx1"/>
-              </a:solidFill>
-            </a:endParaRPr>
-          </a:p>
-        </p:txBody>
-      </p:sp>
-      <p:grpSp>
-        <p:nvGrpSpPr>
-          <p:cNvPr id="34" name="Группа 33"/>
-          <p:cNvGrpSpPr/>
-          <p:nvPr/>
-        </p:nvGrpSpPr>
-        <p:grpSpPr>
-          <a:xfrm>
-            <a:off x="9014526" y="4257683"/>
-            <a:ext cx="2571767" cy="1021000"/>
-            <a:chOff x="3500430" y="2500312"/>
-            <a:chExt cx="2159315" cy="857256"/>
-          </a:xfrm>
-        </p:grpSpPr>
-        <p:sp>
-          <p:nvSpPr>
-            <p:cNvPr id="35" name="Нашивка 34"/>
-            <p:cNvSpPr/>
-            <p:nvPr/>
-          </p:nvSpPr>
-          <p:spPr>
-            <a:xfrm>
-              <a:off x="3500430" y="2500312"/>
-              <a:ext cx="928694" cy="857256"/>
-            </a:xfrm>
-            <a:prstGeom prst="chevron">
-              <a:avLst/>
-            </a:prstGeom>
-            <a:ln>
-              <a:noFill/>
-            </a:ln>
-          </p:spPr>
-          <p:style>
-            <a:lnRef idx="2">
-              <a:schemeClr val="accent1">
-                <a:shade val="50000"/>
-              </a:schemeClr>
-            </a:lnRef>
-            <a:fillRef idx="1">
-              <a:schemeClr val="accent1"/>
-            </a:fillRef>
-            <a:effectRef idx="0">
-              <a:schemeClr val="accent1"/>
-            </a:effectRef>
-            <a:fontRef idx="minor">
-              <a:schemeClr val="lt1"/>
-            </a:fontRef>
-          </p:style>
-          <p:txBody>
-            <a:bodyPr rtlCol="0" anchor="ctr"/>
-            <a:lstStyle/>
-            <a:p>
-              <a:pPr algn="ctr"/>
-              <a:endParaRPr lang="ru-RU" sz="2133">
-                <a:solidFill>
-                  <a:schemeClr val="tx1"/>
-                </a:solidFill>
-              </a:endParaRPr>
-            </a:p>
-          </p:txBody>
-        </p:sp>
-        <p:sp>
-          <p:nvSpPr>
-            <p:cNvPr id="36" name="Пятиугольник 35"/>
-            <p:cNvSpPr/>
-            <p:nvPr/>
-          </p:nvSpPr>
-          <p:spPr>
-            <a:xfrm>
-              <a:off x="3929058" y="2500312"/>
-              <a:ext cx="1730687" cy="857256"/>
-            </a:xfrm>
-            <a:prstGeom prst="homePlate">
-              <a:avLst/>
-            </a:prstGeom>
-            <a:ln>
-              <a:noFill/>
-            </a:ln>
-          </p:spPr>
-          <p:style>
-            <a:lnRef idx="2">
-              <a:schemeClr val="accent1">
-                <a:shade val="50000"/>
-              </a:schemeClr>
-            </a:lnRef>
-            <a:fillRef idx="1">
-              <a:schemeClr val="accent1"/>
-            </a:fillRef>
-            <a:effectRef idx="0">
-              <a:schemeClr val="accent1"/>
-            </a:effectRef>
-            <a:fontRef idx="minor">
-              <a:schemeClr val="lt1"/>
-            </a:fontRef>
-          </p:style>
-          <p:txBody>
-            <a:bodyPr rtlCol="0" anchor="ctr"/>
-            <a:lstStyle/>
-            <a:p>
-              <a:pPr algn="ctr"/>
-              <a:r>
-                <a:rPr lang="ru-RU" sz="1600" i="1" dirty="0"/>
-                <a:t>Тестирование</a:t>
-              </a:r>
-            </a:p>
-          </p:txBody>
-        </p:sp>
-      </p:grpSp>
-      <p:sp>
-        <p:nvSpPr>
-          <p:cNvPr id="37" name="Нашивка 36"/>
-          <p:cNvSpPr/>
-          <p:nvPr/>
-        </p:nvSpPr>
-        <p:spPr>
-          <a:xfrm>
-            <a:off x="8252521" y="4257684"/>
-            <a:ext cx="1106084" cy="1021001"/>
-          </a:xfrm>
-          <a:prstGeom prst="chevron">
-            <a:avLst/>
-          </a:prstGeom>
-          <a:ln>
-            <a:noFill/>
-          </a:ln>
-        </p:spPr>
-        <p:style>
-          <a:lnRef idx="2">
-            <a:schemeClr val="accent1">
-              <a:shade val="50000"/>
-            </a:schemeClr>
-          </a:lnRef>
-          <a:fillRef idx="1">
-            <a:schemeClr val="accent1"/>
-          </a:fillRef>
-          <a:effectRef idx="0">
-            <a:schemeClr val="accent1"/>
-          </a:effectRef>
-          <a:fontRef idx="minor">
-            <a:schemeClr val="lt1"/>
-          </a:fontRef>
-        </p:style>
-        <p:txBody>
-          <a:bodyPr rtlCol="0" anchor="ctr"/>
-          <a:lstStyle/>
-          <a:p>
-            <a:pPr algn="ctr"/>
-            <a:endParaRPr lang="ru-RU" sz="2133">
-              <a:solidFill>
-                <a:schemeClr val="tx1"/>
-              </a:solidFill>
-            </a:endParaRPr>
-          </a:p>
-        </p:txBody>
-      </p:sp>
-      <p:sp>
-        <p:nvSpPr>
-          <p:cNvPr id="38" name="TextBox 37"/>
-          <p:cNvSpPr txBox="1"/>
-          <p:nvPr/>
-        </p:nvSpPr>
-        <p:spPr>
-          <a:xfrm>
-            <a:off x="5143495" y="923910"/>
-            <a:ext cx="1829347" cy="584775"/>
-          </a:xfrm>
-          <a:prstGeom prst="rect">
-            <a:avLst/>
-          </a:prstGeom>
-          <a:noFill/>
-        </p:spPr>
-        <p:txBody>
-          <a:bodyPr wrap="none" rtlCol="0">
-            <a:spAutoFit/>
-          </a:bodyPr>
-          <a:lstStyle/>
-          <a:p>
-            <a:r>
-              <a:rPr lang="ru-RU" sz="3200" b="1" i="1" dirty="0"/>
-              <a:t>1 часть</a:t>
-            </a:r>
-          </a:p>
-        </p:txBody>
-      </p:sp>
-      <p:sp>
-        <p:nvSpPr>
-          <p:cNvPr id="39" name="TextBox 38"/>
-          <p:cNvSpPr txBox="1"/>
-          <p:nvPr/>
-        </p:nvSpPr>
-        <p:spPr>
-          <a:xfrm>
-            <a:off x="5143495" y="3590929"/>
-            <a:ext cx="1829347" cy="584775"/>
-          </a:xfrm>
-          <a:prstGeom prst="rect">
-            <a:avLst/>
-          </a:prstGeom>
-          <a:noFill/>
-        </p:spPr>
-        <p:txBody>
-          <a:bodyPr wrap="none" rtlCol="0">
-            <a:spAutoFit/>
-          </a:bodyPr>
-          <a:lstStyle/>
-          <a:p>
-            <a:r>
-              <a:rPr lang="ru-RU" sz="3200" b="1" i="1" dirty="0"/>
-              <a:t>2 часть</a:t>
-            </a:r>
-          </a:p>
-        </p:txBody>
-      </p:sp>
-      <p:sp>
-        <p:nvSpPr>
-          <p:cNvPr id="40" name="TextBox 39"/>
-          <p:cNvSpPr txBox="1"/>
-          <p:nvPr/>
-        </p:nvSpPr>
-        <p:spPr>
-          <a:xfrm>
-            <a:off x="620441" y="2638422"/>
-            <a:ext cx="1751185" cy="666786"/>
-          </a:xfrm>
-          <a:prstGeom prst="rect">
-            <a:avLst/>
-          </a:prstGeom>
-          <a:noFill/>
-        </p:spPr>
-        <p:txBody>
-          <a:bodyPr wrap="none" rtlCol="0">
-            <a:spAutoFit/>
-          </a:bodyPr>
-          <a:lstStyle/>
-          <a:p>
-            <a:pPr algn="ctr"/>
-            <a:r>
-              <a:rPr lang="ru-RU" sz="2133" dirty="0">
-                <a:latin typeface="Times New Roman" pitchFamily="18" charset="0"/>
-                <a:cs typeface="Times New Roman" pitchFamily="18" charset="0"/>
-              </a:rPr>
-              <a:t>15.10</a:t>
-            </a:r>
-            <a:r>
-              <a:rPr lang="en-US" sz="2133" dirty="0">
-                <a:latin typeface="Times New Roman" pitchFamily="18" charset="0"/>
-                <a:cs typeface="Times New Roman" pitchFamily="18" charset="0"/>
-              </a:rPr>
-              <a:t> / </a:t>
-            </a:r>
-            <a:r>
-              <a:rPr lang="ru-RU" sz="2133" b="1" dirty="0">
-                <a:latin typeface="Times New Roman" pitchFamily="18" charset="0"/>
-                <a:cs typeface="Times New Roman" pitchFamily="18" charset="0"/>
-              </a:rPr>
-              <a:t>14.10</a:t>
-            </a:r>
-            <a:endParaRPr lang="en-US" sz="2133" b="1" dirty="0">
-              <a:latin typeface="Times New Roman" pitchFamily="18" charset="0"/>
-              <a:cs typeface="Times New Roman" pitchFamily="18" charset="0"/>
-            </a:endParaRPr>
-          </a:p>
-          <a:p>
-            <a:pPr algn="ctr"/>
-            <a:r>
-              <a:rPr lang="ru-RU" sz="1600" dirty="0">
-                <a:latin typeface="Times New Roman" pitchFamily="18" charset="0"/>
-                <a:cs typeface="Times New Roman" pitchFamily="18" charset="0"/>
-              </a:rPr>
-              <a:t>проблема изучена</a:t>
-            </a:r>
-          </a:p>
-        </p:txBody>
-      </p:sp>
-      <p:sp>
-        <p:nvSpPr>
-          <p:cNvPr id="41" name="TextBox 40"/>
-          <p:cNvSpPr txBox="1"/>
-          <p:nvPr/>
-        </p:nvSpPr>
-        <p:spPr>
-          <a:xfrm>
-            <a:off x="3077154" y="2638422"/>
-            <a:ext cx="2643416" cy="913007"/>
-          </a:xfrm>
-          <a:prstGeom prst="rect">
-            <a:avLst/>
-          </a:prstGeom>
-          <a:noFill/>
-        </p:spPr>
-        <p:txBody>
-          <a:bodyPr wrap="none" rtlCol="0">
-            <a:spAutoFit/>
-          </a:bodyPr>
-          <a:lstStyle/>
-          <a:p>
-            <a:pPr algn="ctr"/>
-            <a:r>
-              <a:rPr lang="en-US" sz="2133" dirty="0">
-                <a:latin typeface="Times New Roman" pitchFamily="18" charset="0"/>
-                <a:cs typeface="Times New Roman" pitchFamily="18" charset="0"/>
-              </a:rPr>
-              <a:t>20</a:t>
-            </a:r>
-            <a:r>
-              <a:rPr lang="ru-RU" sz="2133" dirty="0">
-                <a:latin typeface="Times New Roman" pitchFamily="18" charset="0"/>
-                <a:cs typeface="Times New Roman" pitchFamily="18" charset="0"/>
-              </a:rPr>
-              <a:t>.10</a:t>
-            </a:r>
-            <a:r>
-              <a:rPr lang="en-US" sz="2133" dirty="0">
-                <a:latin typeface="Times New Roman" pitchFamily="18" charset="0"/>
-                <a:cs typeface="Times New Roman" pitchFamily="18" charset="0"/>
-              </a:rPr>
-              <a:t> / </a:t>
-            </a:r>
-            <a:r>
-              <a:rPr lang="en-US" sz="2133" b="1" dirty="0">
-                <a:latin typeface="Times New Roman" pitchFamily="18" charset="0"/>
-                <a:cs typeface="Times New Roman" pitchFamily="18" charset="0"/>
-              </a:rPr>
-              <a:t>21</a:t>
-            </a:r>
-            <a:r>
-              <a:rPr lang="ru-RU" sz="2133" b="1" dirty="0">
-                <a:latin typeface="Times New Roman" pitchFamily="18" charset="0"/>
-                <a:cs typeface="Times New Roman" pitchFamily="18" charset="0"/>
-              </a:rPr>
-              <a:t>.10</a:t>
-            </a:r>
-          </a:p>
-          <a:p>
-            <a:pPr algn="ctr"/>
-            <a:r>
-              <a:rPr lang="ru-RU" sz="1600" dirty="0">
-                <a:latin typeface="Times New Roman" pitchFamily="18" charset="0"/>
-                <a:cs typeface="Times New Roman" pitchFamily="18" charset="0"/>
-              </a:rPr>
-              <a:t>универсальных алгоритмов </a:t>
-            </a:r>
-          </a:p>
-          <a:p>
-            <a:pPr algn="ctr"/>
-            <a:r>
-              <a:rPr lang="ru-RU" sz="1600" dirty="0">
-                <a:latin typeface="Times New Roman" pitchFamily="18" charset="0"/>
-                <a:cs typeface="Times New Roman" pitchFamily="18" charset="0"/>
-              </a:rPr>
-              <a:t>не найдено </a:t>
-            </a:r>
-          </a:p>
-        </p:txBody>
-      </p:sp>
-      <p:sp>
-        <p:nvSpPr>
-          <p:cNvPr id="42" name="TextBox 41"/>
-          <p:cNvSpPr txBox="1"/>
-          <p:nvPr/>
-        </p:nvSpPr>
-        <p:spPr>
-          <a:xfrm>
-            <a:off x="6032310" y="2638422"/>
-            <a:ext cx="2509212" cy="913007"/>
-          </a:xfrm>
-          <a:prstGeom prst="rect">
-            <a:avLst/>
-          </a:prstGeom>
-          <a:noFill/>
-        </p:spPr>
-        <p:txBody>
-          <a:bodyPr wrap="none" rtlCol="0">
-            <a:spAutoFit/>
-          </a:bodyPr>
-          <a:lstStyle/>
-          <a:p>
-            <a:pPr algn="ctr"/>
-            <a:r>
-              <a:rPr lang="en-US" sz="2133" dirty="0">
-                <a:latin typeface="Times New Roman" pitchFamily="18" charset="0"/>
-                <a:cs typeface="Times New Roman" pitchFamily="18" charset="0"/>
-              </a:rPr>
-              <a:t>01</a:t>
-            </a:r>
-            <a:r>
-              <a:rPr lang="ru-RU" sz="2133" dirty="0">
-                <a:latin typeface="Times New Roman" pitchFamily="18" charset="0"/>
-                <a:cs typeface="Times New Roman" pitchFamily="18" charset="0"/>
-              </a:rPr>
-              <a:t>.1</a:t>
-            </a:r>
-            <a:r>
-              <a:rPr lang="en-US" sz="2133" dirty="0">
-                <a:latin typeface="Times New Roman" pitchFamily="18" charset="0"/>
-                <a:cs typeface="Times New Roman" pitchFamily="18" charset="0"/>
-              </a:rPr>
-              <a:t>1 / </a:t>
-            </a:r>
-            <a:r>
-              <a:rPr lang="en-US" sz="2133" b="1" dirty="0">
-                <a:latin typeface="Times New Roman" pitchFamily="18" charset="0"/>
-                <a:cs typeface="Times New Roman" pitchFamily="18" charset="0"/>
-              </a:rPr>
-              <a:t>01</a:t>
-            </a:r>
-            <a:r>
-              <a:rPr lang="ru-RU" sz="2133" b="1" dirty="0">
-                <a:latin typeface="Times New Roman" pitchFamily="18" charset="0"/>
-                <a:cs typeface="Times New Roman" pitchFamily="18" charset="0"/>
-              </a:rPr>
-              <a:t>.1</a:t>
-            </a:r>
-            <a:r>
-              <a:rPr lang="en-US" sz="2133" b="1" dirty="0">
-                <a:latin typeface="Times New Roman" pitchFamily="18" charset="0"/>
-                <a:cs typeface="Times New Roman" pitchFamily="18" charset="0"/>
-              </a:rPr>
-              <a:t>1</a:t>
-            </a:r>
-            <a:endParaRPr lang="ru-RU" sz="2133" b="1" dirty="0">
-              <a:latin typeface="Times New Roman" pitchFamily="18" charset="0"/>
-              <a:cs typeface="Times New Roman" pitchFamily="18" charset="0"/>
-            </a:endParaRPr>
-          </a:p>
-          <a:p>
-            <a:pPr algn="ctr"/>
-            <a:r>
-              <a:rPr lang="ru-RU" sz="1600" dirty="0">
-                <a:latin typeface="Times New Roman" pitchFamily="18" charset="0"/>
-                <a:cs typeface="Times New Roman" pitchFamily="18" charset="0"/>
-              </a:rPr>
-              <a:t>разработаны собственные </a:t>
-            </a:r>
-          </a:p>
-          <a:p>
-            <a:pPr algn="ctr"/>
-            <a:r>
-              <a:rPr lang="ru-RU" sz="1600" dirty="0">
-                <a:latin typeface="Times New Roman" pitchFamily="18" charset="0"/>
-                <a:cs typeface="Times New Roman" pitchFamily="18" charset="0"/>
-              </a:rPr>
-              <a:t>алгоритмы</a:t>
-            </a:r>
-            <a:endParaRPr lang="ru-RU" sz="1467" dirty="0">
-              <a:latin typeface="Times New Roman" pitchFamily="18" charset="0"/>
-              <a:cs typeface="Times New Roman" pitchFamily="18" charset="0"/>
-            </a:endParaRPr>
-          </a:p>
-        </p:txBody>
-      </p:sp>
-      <p:sp>
-        <p:nvSpPr>
-          <p:cNvPr id="43" name="TextBox 42"/>
-          <p:cNvSpPr txBox="1"/>
-          <p:nvPr/>
-        </p:nvSpPr>
-        <p:spPr>
-          <a:xfrm>
-            <a:off x="9194795" y="2638422"/>
-            <a:ext cx="2038443" cy="913007"/>
-          </a:xfrm>
-          <a:prstGeom prst="rect">
-            <a:avLst/>
-          </a:prstGeom>
-          <a:noFill/>
-        </p:spPr>
-        <p:txBody>
-          <a:bodyPr wrap="none" rtlCol="0">
-            <a:spAutoFit/>
-          </a:bodyPr>
-          <a:lstStyle/>
-          <a:p>
-            <a:pPr algn="ctr"/>
-            <a:r>
-              <a:rPr lang="en-US" sz="2133" dirty="0">
-                <a:latin typeface="Times New Roman" pitchFamily="18" charset="0"/>
-                <a:cs typeface="Times New Roman" pitchFamily="18" charset="0"/>
-              </a:rPr>
-              <a:t>05</a:t>
-            </a:r>
-            <a:r>
-              <a:rPr lang="ru-RU" sz="2133" dirty="0">
-                <a:latin typeface="Times New Roman" pitchFamily="18" charset="0"/>
-                <a:cs typeface="Times New Roman" pitchFamily="18" charset="0"/>
-              </a:rPr>
-              <a:t>.1</a:t>
-            </a:r>
-            <a:r>
-              <a:rPr lang="en-US" sz="2133" dirty="0">
-                <a:latin typeface="Times New Roman" pitchFamily="18" charset="0"/>
-                <a:cs typeface="Times New Roman" pitchFamily="18" charset="0"/>
-              </a:rPr>
-              <a:t>1 / </a:t>
-            </a:r>
-            <a:r>
-              <a:rPr lang="en-US" sz="2133" b="1" dirty="0">
-                <a:latin typeface="Times New Roman" pitchFamily="18" charset="0"/>
-                <a:cs typeface="Times New Roman" pitchFamily="18" charset="0"/>
-              </a:rPr>
-              <a:t>10</a:t>
-            </a:r>
-            <a:r>
-              <a:rPr lang="ru-RU" sz="2133" b="1" dirty="0">
-                <a:latin typeface="Times New Roman" pitchFamily="18" charset="0"/>
-                <a:cs typeface="Times New Roman" pitchFamily="18" charset="0"/>
-              </a:rPr>
-              <a:t>.1</a:t>
-            </a:r>
-            <a:r>
-              <a:rPr lang="en-US" sz="2133" b="1" dirty="0">
-                <a:latin typeface="Times New Roman" pitchFamily="18" charset="0"/>
-                <a:cs typeface="Times New Roman" pitchFamily="18" charset="0"/>
-              </a:rPr>
-              <a:t>1</a:t>
-            </a:r>
-            <a:endParaRPr lang="ru-RU" sz="2133" b="1" dirty="0">
-              <a:latin typeface="Times New Roman" pitchFamily="18" charset="0"/>
-              <a:cs typeface="Times New Roman" pitchFamily="18" charset="0"/>
-            </a:endParaRPr>
-          </a:p>
-          <a:p>
-            <a:pPr algn="ctr"/>
-            <a:r>
-              <a:rPr lang="ru-RU" sz="1600" dirty="0">
-                <a:latin typeface="Times New Roman" pitchFamily="18" charset="0"/>
-                <a:cs typeface="Times New Roman" pitchFamily="18" charset="0"/>
-              </a:rPr>
-              <a:t>описаны требования </a:t>
-            </a:r>
-          </a:p>
-          <a:p>
-            <a:pPr algn="ctr"/>
-            <a:r>
-              <a:rPr lang="ru-RU" sz="1600" dirty="0">
-                <a:latin typeface="Times New Roman" pitchFamily="18" charset="0"/>
-                <a:cs typeface="Times New Roman" pitchFamily="18" charset="0"/>
-              </a:rPr>
-              <a:t>к реализации</a:t>
-            </a:r>
-          </a:p>
-        </p:txBody>
-      </p:sp>
-      <p:sp>
-        <p:nvSpPr>
-          <p:cNvPr id="44" name="TextBox 43"/>
-          <p:cNvSpPr txBox="1"/>
-          <p:nvPr/>
-        </p:nvSpPr>
-        <p:spPr>
-          <a:xfrm>
-            <a:off x="409507" y="5305441"/>
-            <a:ext cx="2171813" cy="913007"/>
-          </a:xfrm>
-          <a:prstGeom prst="rect">
-            <a:avLst/>
-          </a:prstGeom>
-          <a:noFill/>
-        </p:spPr>
-        <p:txBody>
-          <a:bodyPr wrap="none" rtlCol="0">
-            <a:spAutoFit/>
-          </a:bodyPr>
-          <a:lstStyle/>
-          <a:p>
-            <a:pPr algn="ctr"/>
-            <a:r>
-              <a:rPr lang="ru-RU" sz="2133" dirty="0">
-                <a:latin typeface="Times New Roman" pitchFamily="18" charset="0"/>
-                <a:cs typeface="Times New Roman" pitchFamily="18" charset="0"/>
-              </a:rPr>
-              <a:t>10.1</a:t>
-            </a:r>
-            <a:r>
-              <a:rPr lang="en-US" sz="2133" dirty="0">
-                <a:latin typeface="Times New Roman" pitchFamily="18" charset="0"/>
-                <a:cs typeface="Times New Roman" pitchFamily="18" charset="0"/>
-              </a:rPr>
-              <a:t>1 / </a:t>
-            </a:r>
-            <a:r>
-              <a:rPr lang="en-US" sz="2133" b="1" dirty="0">
-                <a:latin typeface="Times New Roman" pitchFamily="18" charset="0"/>
-                <a:cs typeface="Times New Roman" pitchFamily="18" charset="0"/>
-              </a:rPr>
-              <a:t>10</a:t>
-            </a:r>
-            <a:r>
-              <a:rPr lang="ru-RU" sz="2133" b="1" dirty="0">
-                <a:latin typeface="Times New Roman" pitchFamily="18" charset="0"/>
-                <a:cs typeface="Times New Roman" pitchFamily="18" charset="0"/>
-              </a:rPr>
-              <a:t>.1</a:t>
-            </a:r>
-            <a:r>
-              <a:rPr lang="en-US" sz="2133" b="1" dirty="0">
-                <a:latin typeface="Times New Roman" pitchFamily="18" charset="0"/>
-                <a:cs typeface="Times New Roman" pitchFamily="18" charset="0"/>
-              </a:rPr>
-              <a:t>1</a:t>
-            </a:r>
-            <a:endParaRPr lang="ru-RU" sz="2133" b="1" dirty="0">
-              <a:latin typeface="Times New Roman" pitchFamily="18" charset="0"/>
-              <a:cs typeface="Times New Roman" pitchFamily="18" charset="0"/>
-            </a:endParaRPr>
-          </a:p>
-          <a:p>
-            <a:pPr algn="ctr"/>
-            <a:r>
-              <a:rPr lang="ru-RU" sz="1600" dirty="0">
-                <a:latin typeface="Times New Roman" pitchFamily="18" charset="0"/>
-                <a:cs typeface="Times New Roman" pitchFamily="18" charset="0"/>
-              </a:rPr>
-              <a:t>разработана </a:t>
-            </a:r>
-          </a:p>
-          <a:p>
-            <a:pPr algn="ctr"/>
-            <a:r>
-              <a:rPr lang="ru-RU" sz="1600" dirty="0">
-                <a:latin typeface="Times New Roman" pitchFamily="18" charset="0"/>
-                <a:cs typeface="Times New Roman" pitchFamily="18" charset="0"/>
-              </a:rPr>
-              <a:t>структура приложения</a:t>
-            </a:r>
-          </a:p>
-        </p:txBody>
-      </p:sp>
-      <p:sp>
-        <p:nvSpPr>
-          <p:cNvPr id="45" name="TextBox 44"/>
-          <p:cNvSpPr txBox="1"/>
-          <p:nvPr/>
-        </p:nvSpPr>
-        <p:spPr>
-          <a:xfrm>
-            <a:off x="2903732" y="5305441"/>
-            <a:ext cx="2674835" cy="913007"/>
-          </a:xfrm>
-          <a:prstGeom prst="rect">
-            <a:avLst/>
-          </a:prstGeom>
-          <a:noFill/>
-        </p:spPr>
-        <p:txBody>
-          <a:bodyPr wrap="none" rtlCol="0">
-            <a:spAutoFit/>
-          </a:bodyPr>
-          <a:lstStyle/>
-          <a:p>
-            <a:pPr algn="ctr"/>
-            <a:r>
-              <a:rPr lang="ru-RU" sz="2133" dirty="0">
-                <a:latin typeface="Times New Roman" pitchFamily="18" charset="0"/>
-                <a:cs typeface="Times New Roman" pitchFamily="18" charset="0"/>
-              </a:rPr>
-              <a:t>25.1</a:t>
-            </a:r>
-            <a:r>
-              <a:rPr lang="en-US" sz="2133" dirty="0">
-                <a:latin typeface="Times New Roman" pitchFamily="18" charset="0"/>
-                <a:cs typeface="Times New Roman" pitchFamily="18" charset="0"/>
-              </a:rPr>
-              <a:t>1 / </a:t>
-            </a:r>
-            <a:r>
-              <a:rPr lang="ru-RU" sz="2133" b="1" dirty="0">
-                <a:latin typeface="Times New Roman" pitchFamily="18" charset="0"/>
-                <a:cs typeface="Times New Roman" pitchFamily="18" charset="0"/>
-              </a:rPr>
-              <a:t>22.1</a:t>
-            </a:r>
-            <a:r>
-              <a:rPr lang="en-US" sz="2133" b="1" dirty="0">
-                <a:latin typeface="Times New Roman" pitchFamily="18" charset="0"/>
-                <a:cs typeface="Times New Roman" pitchFamily="18" charset="0"/>
-              </a:rPr>
-              <a:t>1</a:t>
-            </a:r>
-            <a:endParaRPr lang="ru-RU" sz="2133" b="1" dirty="0">
-              <a:latin typeface="Times New Roman" pitchFamily="18" charset="0"/>
-              <a:cs typeface="Times New Roman" pitchFamily="18" charset="0"/>
-            </a:endParaRPr>
-          </a:p>
-          <a:p>
-            <a:pPr algn="ctr"/>
-            <a:r>
-              <a:rPr lang="ru-RU" sz="1600" dirty="0">
-                <a:latin typeface="Times New Roman" pitchFamily="18" charset="0"/>
-                <a:cs typeface="Times New Roman" pitchFamily="18" charset="0"/>
-              </a:rPr>
-              <a:t>закончена разработка</a:t>
-            </a:r>
-          </a:p>
-          <a:p>
-            <a:pPr algn="ctr"/>
-            <a:r>
-              <a:rPr lang="ru-RU" sz="1600" dirty="0">
-                <a:latin typeface="Times New Roman" pitchFamily="18" charset="0"/>
-                <a:cs typeface="Times New Roman" pitchFamily="18" charset="0"/>
-              </a:rPr>
-              <a:t>первичной версии продукта </a:t>
-            </a:r>
-          </a:p>
-        </p:txBody>
-      </p:sp>
-      <p:sp>
-        <p:nvSpPr>
-          <p:cNvPr id="46" name="TextBox 45"/>
-          <p:cNvSpPr txBox="1"/>
-          <p:nvPr/>
-        </p:nvSpPr>
-        <p:spPr>
-          <a:xfrm>
-            <a:off x="5862881" y="5305441"/>
-            <a:ext cx="2700804" cy="913007"/>
-          </a:xfrm>
-          <a:prstGeom prst="rect">
-            <a:avLst/>
-          </a:prstGeom>
-          <a:noFill/>
-        </p:spPr>
-        <p:txBody>
-          <a:bodyPr wrap="none" rtlCol="0">
-            <a:spAutoFit/>
-          </a:bodyPr>
-          <a:lstStyle/>
-          <a:p>
-            <a:pPr algn="ctr"/>
-            <a:r>
-              <a:rPr lang="ru-RU" sz="2133" dirty="0">
-                <a:latin typeface="Times New Roman" pitchFamily="18" charset="0"/>
-                <a:cs typeface="Times New Roman" pitchFamily="18" charset="0"/>
-              </a:rPr>
-              <a:t>28.1</a:t>
-            </a:r>
-            <a:r>
-              <a:rPr lang="en-US" sz="2133" dirty="0">
-                <a:latin typeface="Times New Roman" pitchFamily="18" charset="0"/>
-                <a:cs typeface="Times New Roman" pitchFamily="18" charset="0"/>
-              </a:rPr>
-              <a:t>1 / </a:t>
-            </a:r>
-            <a:r>
-              <a:rPr lang="ru-RU" sz="2133" b="1" dirty="0">
-                <a:latin typeface="Times New Roman" pitchFamily="18" charset="0"/>
-                <a:cs typeface="Times New Roman" pitchFamily="18" charset="0"/>
-              </a:rPr>
-              <a:t>28.1</a:t>
-            </a:r>
-            <a:r>
-              <a:rPr lang="en-US" sz="2133" b="1" dirty="0">
-                <a:latin typeface="Times New Roman" pitchFamily="18" charset="0"/>
-                <a:cs typeface="Times New Roman" pitchFamily="18" charset="0"/>
-              </a:rPr>
-              <a:t>1</a:t>
-            </a:r>
-            <a:endParaRPr lang="ru-RU" sz="2133" b="1" dirty="0">
-              <a:latin typeface="Times New Roman" pitchFamily="18" charset="0"/>
-              <a:cs typeface="Times New Roman" pitchFamily="18" charset="0"/>
-            </a:endParaRPr>
-          </a:p>
-          <a:p>
-            <a:pPr algn="ctr"/>
-            <a:r>
-              <a:rPr lang="ru-RU" sz="1600" dirty="0">
-                <a:latin typeface="Times New Roman" pitchFamily="18" charset="0"/>
-                <a:cs typeface="Times New Roman" pitchFamily="18" charset="0"/>
-              </a:rPr>
-              <a:t>в проект внесены требуемые</a:t>
-            </a:r>
-          </a:p>
-          <a:p>
-            <a:pPr algn="ctr"/>
-            <a:r>
-              <a:rPr lang="ru-RU" sz="1600" dirty="0">
-                <a:latin typeface="Times New Roman" pitchFamily="18" charset="0"/>
-                <a:cs typeface="Times New Roman" pitchFamily="18" charset="0"/>
-              </a:rPr>
-              <a:t>изменения</a:t>
-            </a:r>
-          </a:p>
-        </p:txBody>
-      </p:sp>
-      <p:sp>
-        <p:nvSpPr>
-          <p:cNvPr id="47" name="TextBox 46"/>
-          <p:cNvSpPr txBox="1"/>
-          <p:nvPr/>
-        </p:nvSpPr>
-        <p:spPr>
-          <a:xfrm>
-            <a:off x="9191366" y="5305441"/>
-            <a:ext cx="2078133" cy="913007"/>
-          </a:xfrm>
-          <a:prstGeom prst="rect">
-            <a:avLst/>
-          </a:prstGeom>
-          <a:noFill/>
-        </p:spPr>
-        <p:txBody>
-          <a:bodyPr wrap="none" rtlCol="0">
-            <a:spAutoFit/>
-          </a:bodyPr>
-          <a:lstStyle/>
-          <a:p>
-            <a:pPr algn="ctr"/>
-            <a:r>
-              <a:rPr lang="ru-RU" sz="2133" dirty="0">
-                <a:latin typeface="Times New Roman" pitchFamily="18" charset="0"/>
-                <a:cs typeface="Times New Roman" pitchFamily="18" charset="0"/>
-              </a:rPr>
-              <a:t>30.1</a:t>
-            </a:r>
-            <a:r>
-              <a:rPr lang="en-US" sz="2133" dirty="0">
-                <a:latin typeface="Times New Roman" pitchFamily="18" charset="0"/>
-                <a:cs typeface="Times New Roman" pitchFamily="18" charset="0"/>
-              </a:rPr>
-              <a:t>1 /</a:t>
-            </a:r>
-            <a:r>
-              <a:rPr lang="ru-RU" sz="2133" dirty="0">
-                <a:latin typeface="Times New Roman" pitchFamily="18" charset="0"/>
-                <a:cs typeface="Times New Roman" pitchFamily="18" charset="0"/>
-              </a:rPr>
-              <a:t> </a:t>
-            </a:r>
-            <a:r>
-              <a:rPr lang="ru-RU" sz="2133" b="1" dirty="0">
-                <a:latin typeface="Times New Roman" pitchFamily="18" charset="0"/>
-                <a:cs typeface="Times New Roman" pitchFamily="18" charset="0"/>
-              </a:rPr>
-              <a:t>30.1</a:t>
-            </a:r>
-            <a:r>
-              <a:rPr lang="en-US" sz="2133" b="1" dirty="0">
-                <a:latin typeface="Times New Roman" pitchFamily="18" charset="0"/>
-                <a:cs typeface="Times New Roman" pitchFamily="18" charset="0"/>
-              </a:rPr>
-              <a:t>1</a:t>
-            </a:r>
-            <a:endParaRPr lang="ru-RU" sz="2133" b="1" dirty="0">
-              <a:latin typeface="Times New Roman" pitchFamily="18" charset="0"/>
-              <a:cs typeface="Times New Roman" pitchFamily="18" charset="0"/>
-            </a:endParaRPr>
-          </a:p>
-          <a:p>
-            <a:pPr algn="ctr"/>
-            <a:r>
-              <a:rPr lang="ru-RU" sz="1600" dirty="0">
-                <a:latin typeface="Times New Roman" pitchFamily="18" charset="0"/>
-                <a:cs typeface="Times New Roman" pitchFamily="18" charset="0"/>
-              </a:rPr>
-              <a:t>критические ошибки </a:t>
-            </a:r>
-          </a:p>
-          <a:p>
-            <a:pPr algn="ctr"/>
-            <a:r>
-              <a:rPr lang="ru-RU" sz="1600" dirty="0">
-                <a:latin typeface="Times New Roman" pitchFamily="18" charset="0"/>
-                <a:cs typeface="Times New Roman" pitchFamily="18" charset="0"/>
-              </a:rPr>
-              <a:t>не выявлены</a:t>
-            </a:r>
-          </a:p>
-        </p:txBody>
-      </p:sp>
-      <p:sp>
-        <p:nvSpPr>
-          <p:cNvPr id="50" name="Прямоугольник 7">
+          <p:cNvPr id="4" name="Прямоугольник 7">
             <a:extLst>
               <a:ext uri="{FF2B5EF4-FFF2-40B4-BE49-F238E27FC236}">
-                <a16:creationId xmlns:a16="http://schemas.microsoft.com/office/drawing/2014/main" id="{D65527DF-81FB-4126-9907-E8D6A7F64A44}"/>
+                <a16:creationId xmlns:a16="http://schemas.microsoft.com/office/drawing/2014/main" id="{23254D1D-D9ED-41BC-91DB-10EE5C44A5F5}"/>
               </a:ext>
             </a:extLst>
           </p:cNvPr>
@@ -18252,10 +16461,10 @@
       </p:sp>
       <p:sp>
         <p:nvSpPr>
-          <p:cNvPr id="51" name="Номер слайда 11">
+          <p:cNvPr id="5" name="Номер слайда 11">
             <a:extLst>
               <a:ext uri="{FF2B5EF4-FFF2-40B4-BE49-F238E27FC236}">
-                <a16:creationId xmlns:a16="http://schemas.microsoft.com/office/drawing/2014/main" id="{8422F6DF-427C-4C17-BC60-59D4075256A7}"/>
+                <a16:creationId xmlns:a16="http://schemas.microsoft.com/office/drawing/2014/main" id="{B6AB22DF-DC90-4BBE-A9D3-479E22F06D5D}"/>
               </a:ext>
             </a:extLst>
           </p:cNvPr>
@@ -18394,7 +16603,104 @@
           </a:p>
         </p:txBody>
       </p:sp>
+      <p:sp>
+        <p:nvSpPr>
+          <p:cNvPr id="6" name="Заголовок 1">
+            <a:extLst>
+              <a:ext uri="{FF2B5EF4-FFF2-40B4-BE49-F238E27FC236}">
+                <a16:creationId xmlns:a16="http://schemas.microsoft.com/office/drawing/2014/main" id="{5924C2BC-BE50-42D9-91DA-73EB85EE6BA9}"/>
+              </a:ext>
+            </a:extLst>
+          </p:cNvPr>
+          <p:cNvSpPr>
+            <a:spLocks noGrp="1"/>
+          </p:cNvSpPr>
+          <p:nvPr>
+            <p:ph type="title"/>
+          </p:nvPr>
+        </p:nvSpPr>
+        <p:spPr>
+          <a:xfrm>
+            <a:off x="314325" y="476229"/>
+            <a:ext cx="11229936" cy="657246"/>
+          </a:xfrm>
+        </p:spPr>
+        <p:txBody>
+          <a:bodyPr>
+            <a:noAutofit/>
+          </a:bodyPr>
+          <a:lstStyle/>
+          <a:p>
+            <a:r>
+              <a:rPr lang="ru-RU" sz="4000" dirty="0"/>
+              <a:t>Этапы реализации проекта</a:t>
+            </a:r>
+          </a:p>
+        </p:txBody>
+      </p:sp>
+      <p:sp>
+        <p:nvSpPr>
+          <p:cNvPr id="7" name="TextBox 6">
+            <a:extLst>
+              <a:ext uri="{FF2B5EF4-FFF2-40B4-BE49-F238E27FC236}">
+                <a16:creationId xmlns:a16="http://schemas.microsoft.com/office/drawing/2014/main" id="{FA73080D-085B-49FC-95C3-19BA07AB1E3E}"/>
+              </a:ext>
+            </a:extLst>
+          </p:cNvPr>
+          <p:cNvSpPr txBox="1"/>
+          <p:nvPr/>
+        </p:nvSpPr>
+        <p:spPr>
+          <a:xfrm>
+            <a:off x="285709" y="1304925"/>
+            <a:ext cx="11564546" cy="1917187"/>
+          </a:xfrm>
+          <a:prstGeom prst="rect">
+            <a:avLst/>
+          </a:prstGeom>
+          <a:noFill/>
+        </p:spPr>
+        <p:txBody>
+          <a:bodyPr wrap="square" lIns="121917" tIns="60958" rIns="121917" bIns="60958" rtlCol="0">
+            <a:spAutoFit/>
+          </a:bodyPr>
+          <a:lstStyle/>
+          <a:p>
+            <a:pPr>
+              <a:lnSpc>
+                <a:spcPct val="150000"/>
+              </a:lnSpc>
+            </a:pPr>
+            <a:r>
+              <a:rPr lang="ru-RU" sz="2700" dirty="0">
+                <a:latin typeface="Georgia" pitchFamily="18" charset="0"/>
+              </a:rPr>
+              <a:t>Мы составили системные </a:t>
+            </a:r>
+            <a:r>
+              <a:rPr lang="ru-RU" sz="2700" dirty="0" err="1">
+                <a:latin typeface="Georgia" pitchFamily="18" charset="0"/>
+              </a:rPr>
+              <a:t>промпты</a:t>
+            </a:r>
+            <a:r>
+              <a:rPr lang="ru-RU" sz="2700" dirty="0">
+                <a:latin typeface="Georgia" pitchFamily="18" charset="0"/>
+              </a:rPr>
+              <a:t> для работы нейросети в необходимом направлении: рассказчик, поиск предметов, персонажей и т.д. в тексте.</a:t>
+            </a:r>
+            <a:endParaRPr lang="ru-RU" sz="2400" dirty="0">
+              <a:latin typeface="Georgia" pitchFamily="18" charset="0"/>
+            </a:endParaRPr>
+          </a:p>
+        </p:txBody>
+      </p:sp>
     </p:spTree>
+    <p:extLst>
+      <p:ext uri="{BB962C8B-B14F-4D97-AF65-F5344CB8AC3E}">
+        <p14:creationId xmlns:p14="http://schemas.microsoft.com/office/powerpoint/2010/main" val="1097176464"/>
+      </p:ext>
+    </p:extLst>
   </p:cSld>
   <p:clrMapOvr>
     <a:masterClrMapping/>
@@ -18420,37 +16726,15 @@
           <a:chExt cx="0" cy="0"/>
         </a:xfrm>
       </p:grpSpPr>
-      <p:pic>
-        <p:nvPicPr>
-          <p:cNvPr id="7169" name="Picture 1" descr="C:\Users\jaste\Desktop\Рисунок1.png"/>
-          <p:cNvPicPr>
-            <a:picLocks noChangeAspect="1" noChangeArrowheads="1"/>
-          </p:cNvPicPr>
-          <p:nvPr/>
-        </p:nvPicPr>
-        <p:blipFill>
-          <a:blip r:embed="rId3">
-            <a:lum bright="30000" contrast="-40000"/>
-          </a:blip>
-          <a:srcRect/>
-          <a:stretch>
-            <a:fillRect/>
-          </a:stretch>
-        </p:blipFill>
-        <p:spPr bwMode="auto">
-          <a:xfrm>
-            <a:off x="-14817" y="1"/>
-            <a:ext cx="12206817" cy="6524624"/>
-          </a:xfrm>
-          <a:prstGeom prst="rect">
-            <a:avLst/>
-          </a:prstGeom>
-          <a:noFill/>
-        </p:spPr>
-      </p:pic>
       <p:sp>
         <p:nvSpPr>
-          <p:cNvPr id="8" name="Прямоугольник 7"/>
+          <p:cNvPr id="4" name="Прямоугольник 7">
+            <a:extLst>
+              <a:ext uri="{FF2B5EF4-FFF2-40B4-BE49-F238E27FC236}">
+                <a16:creationId xmlns:a16="http://schemas.microsoft.com/office/drawing/2014/main" id="{23254D1D-D9ED-41BC-91DB-10EE5C44A5F5}"/>
+              </a:ext>
+            </a:extLst>
+          </p:cNvPr>
           <p:cNvSpPr/>
           <p:nvPr/>
         </p:nvSpPr>
@@ -18496,23 +16780,127 @@
       </p:sp>
       <p:sp>
         <p:nvSpPr>
-          <p:cNvPr id="11" name="Номер слайда 11"/>
-          <p:cNvSpPr>
-            <a:spLocks noGrp="1"/>
+          <p:cNvPr id="5" name="Номер слайда 11">
+            <a:extLst>
+              <a:ext uri="{FF2B5EF4-FFF2-40B4-BE49-F238E27FC236}">
+                <a16:creationId xmlns:a16="http://schemas.microsoft.com/office/drawing/2014/main" id="{B6AB22DF-DC90-4BBE-A9D3-479E22F06D5D}"/>
+              </a:ext>
+            </a:extLst>
+          </p:cNvPr>
+          <p:cNvSpPr txBox="1">
+            <a:spLocks/>
           </p:cNvSpPr>
-          <p:nvPr>
-            <p:ph type="sldNum" sz="quarter" idx="12"/>
-          </p:nvPr>
+          <p:nvPr/>
         </p:nvSpPr>
         <p:spPr>
           <a:xfrm>
             <a:off x="11706184" y="6426200"/>
             <a:ext cx="2844800" cy="365125"/>
           </a:xfrm>
+          <a:prstGeom prst="rect">
+            <a:avLst/>
+          </a:prstGeom>
         </p:spPr>
         <p:txBody>
-          <a:bodyPr/>
-          <a:lstStyle/>
+          <a:bodyPr vert="horz" lIns="91440" tIns="45720" rIns="91440" bIns="45720" rtlCol="0" anchor="ctr"/>
+          <a:lstStyle>
+            <a:defPPr rtl="0">
+              <a:defRPr lang="ru-RU"/>
+            </a:defPPr>
+            <a:lvl1pPr marL="0" algn="r" defTabSz="914400" rtl="0" eaLnBrk="1" latinLnBrk="0" hangingPunct="1">
+              <a:defRPr sz="1100" kern="1200">
+                <a:solidFill>
+                  <a:schemeClr val="tx1">
+                    <a:lumMod val="90000"/>
+                    <a:lumOff val="10000"/>
+                  </a:schemeClr>
+                </a:solidFill>
+                <a:latin typeface="+mn-lt"/>
+                <a:ea typeface="+mn-ea"/>
+                <a:cs typeface="+mn-cs"/>
+              </a:defRPr>
+            </a:lvl1pPr>
+            <a:lvl2pPr marL="457200" algn="l" defTabSz="914400" rtl="0" eaLnBrk="1" latinLnBrk="0" hangingPunct="1">
+              <a:defRPr sz="1800" kern="1200">
+                <a:solidFill>
+                  <a:schemeClr val="tx1"/>
+                </a:solidFill>
+                <a:latin typeface="+mn-lt"/>
+                <a:ea typeface="+mn-ea"/>
+                <a:cs typeface="+mn-cs"/>
+              </a:defRPr>
+            </a:lvl2pPr>
+            <a:lvl3pPr marL="914400" algn="l" defTabSz="914400" rtl="0" eaLnBrk="1" latinLnBrk="0" hangingPunct="1">
+              <a:defRPr sz="1800" kern="1200">
+                <a:solidFill>
+                  <a:schemeClr val="tx1"/>
+                </a:solidFill>
+                <a:latin typeface="+mn-lt"/>
+                <a:ea typeface="+mn-ea"/>
+                <a:cs typeface="+mn-cs"/>
+              </a:defRPr>
+            </a:lvl3pPr>
+            <a:lvl4pPr marL="1371600" algn="l" defTabSz="914400" rtl="0" eaLnBrk="1" latinLnBrk="0" hangingPunct="1">
+              <a:defRPr sz="1800" kern="1200">
+                <a:solidFill>
+                  <a:schemeClr val="tx1"/>
+                </a:solidFill>
+                <a:latin typeface="+mn-lt"/>
+                <a:ea typeface="+mn-ea"/>
+                <a:cs typeface="+mn-cs"/>
+              </a:defRPr>
+            </a:lvl4pPr>
+            <a:lvl5pPr marL="1828800" algn="l" defTabSz="914400" rtl="0" eaLnBrk="1" latinLnBrk="0" hangingPunct="1">
+              <a:defRPr sz="1800" kern="1200">
+                <a:solidFill>
+                  <a:schemeClr val="tx1"/>
+                </a:solidFill>
+                <a:latin typeface="+mn-lt"/>
+                <a:ea typeface="+mn-ea"/>
+                <a:cs typeface="+mn-cs"/>
+              </a:defRPr>
+            </a:lvl5pPr>
+            <a:lvl6pPr marL="2286000" algn="l" defTabSz="914400" rtl="0" eaLnBrk="1" latinLnBrk="0" hangingPunct="1">
+              <a:defRPr sz="1800" kern="1200">
+                <a:solidFill>
+                  <a:schemeClr val="tx1"/>
+                </a:solidFill>
+                <a:latin typeface="+mn-lt"/>
+                <a:ea typeface="+mn-ea"/>
+                <a:cs typeface="+mn-cs"/>
+              </a:defRPr>
+            </a:lvl6pPr>
+            <a:lvl7pPr marL="2743200" algn="l" defTabSz="914400" rtl="0" eaLnBrk="1" latinLnBrk="0" hangingPunct="1">
+              <a:defRPr sz="1800" kern="1200">
+                <a:solidFill>
+                  <a:schemeClr val="tx1"/>
+                </a:solidFill>
+                <a:latin typeface="+mn-lt"/>
+                <a:ea typeface="+mn-ea"/>
+                <a:cs typeface="+mn-cs"/>
+              </a:defRPr>
+            </a:lvl7pPr>
+            <a:lvl8pPr marL="3200400" algn="l" defTabSz="914400" rtl="0" eaLnBrk="1" latinLnBrk="0" hangingPunct="1">
+              <a:defRPr sz="1800" kern="1200">
+                <a:solidFill>
+                  <a:schemeClr val="tx1"/>
+                </a:solidFill>
+                <a:latin typeface="+mn-lt"/>
+                <a:ea typeface="+mn-ea"/>
+                <a:cs typeface="+mn-cs"/>
+              </a:defRPr>
+            </a:lvl8pPr>
+            <a:lvl9pPr marL="3657600" algn="l" defTabSz="914400" rtl="0" eaLnBrk="1" latinLnBrk="0" hangingPunct="1">
+              <a:defRPr sz="1800" kern="1200">
+                <a:solidFill>
+                  <a:schemeClr val="tx1"/>
+                </a:solidFill>
+                <a:latin typeface="+mn-lt"/>
+                <a:ea typeface="+mn-ea"/>
+                <a:cs typeface="+mn-cs"/>
+              </a:defRPr>
+            </a:lvl9pPr>
+          </a:lstStyle>
           <a:p>
             <a:pPr algn="l"/>
             <a:fld id="{308CF263-2EDD-44CC-8928-FAE4F9823AB4}" type="slidenum">
@@ -18536,45 +16924,65 @@
       </p:sp>
       <p:sp>
         <p:nvSpPr>
-          <p:cNvPr id="7" name="Скругленный прямоугольник 6"/>
-          <p:cNvSpPr/>
+          <p:cNvPr id="6" name="Заголовок 1">
+            <a:extLst>
+              <a:ext uri="{FF2B5EF4-FFF2-40B4-BE49-F238E27FC236}">
+                <a16:creationId xmlns:a16="http://schemas.microsoft.com/office/drawing/2014/main" id="{5924C2BC-BE50-42D9-91DA-73EB85EE6BA9}"/>
+              </a:ext>
+            </a:extLst>
+          </p:cNvPr>
+          <p:cNvSpPr>
+            <a:spLocks noGrp="1"/>
+          </p:cNvSpPr>
+          <p:nvPr>
+            <p:ph type="title"/>
+          </p:nvPr>
+        </p:nvSpPr>
+        <p:spPr>
+          <a:xfrm>
+            <a:off x="314325" y="476229"/>
+            <a:ext cx="11229936" cy="657246"/>
+          </a:xfrm>
+        </p:spPr>
+        <p:txBody>
+          <a:bodyPr>
+            <a:noAutofit/>
+          </a:bodyPr>
+          <a:lstStyle/>
+          <a:p>
+            <a:r>
+              <a:rPr lang="ru-RU" sz="4000" dirty="0"/>
+              <a:t>Этапы реализации проекта</a:t>
+            </a:r>
+          </a:p>
+        </p:txBody>
+      </p:sp>
+      <p:sp>
+        <p:nvSpPr>
+          <p:cNvPr id="7" name="TextBox 6">
+            <a:extLst>
+              <a:ext uri="{FF2B5EF4-FFF2-40B4-BE49-F238E27FC236}">
+                <a16:creationId xmlns:a16="http://schemas.microsoft.com/office/drawing/2014/main" id="{FA73080D-085B-49FC-95C3-19BA07AB1E3E}"/>
+              </a:ext>
+            </a:extLst>
+          </p:cNvPr>
+          <p:cNvSpPr txBox="1"/>
           <p:nvPr/>
         </p:nvSpPr>
         <p:spPr>
           <a:xfrm>
-            <a:off x="295978" y="1143730"/>
-            <a:ext cx="11600043" cy="4999180"/>
+            <a:off x="285709" y="1304925"/>
+            <a:ext cx="11564546" cy="1293940"/>
           </a:xfrm>
-          <a:prstGeom prst="roundRect">
-            <a:avLst>
-              <a:gd name="adj" fmla="val 22308"/>
-            </a:avLst>
+          <a:prstGeom prst="rect">
+            <a:avLst/>
           </a:prstGeom>
-          <a:solidFill>
-            <a:schemeClr val="bg1"/>
-          </a:solidFill>
-          <a:ln>
-            <a:noFill/>
-          </a:ln>
+          <a:noFill/>
         </p:spPr>
-        <p:style>
-          <a:lnRef idx="2">
-            <a:schemeClr val="accent1">
-              <a:shade val="50000"/>
-            </a:schemeClr>
-          </a:lnRef>
-          <a:fillRef idx="1">
-            <a:schemeClr val="accent1"/>
-          </a:fillRef>
-          <a:effectRef idx="0">
-            <a:schemeClr val="accent1"/>
-          </a:effectRef>
-          <a:fontRef idx="minor">
-            <a:schemeClr val="lt1"/>
-          </a:fontRef>
-        </p:style>
         <p:txBody>
-          <a:bodyPr lIns="121917" tIns="60958" rIns="121917" bIns="60958" rtlCol="0" anchor="ctr"/>
+          <a:bodyPr wrap="square" lIns="121917" tIns="60958" rIns="121917" bIns="60958" rtlCol="0">
+            <a:spAutoFit/>
+          </a:bodyPr>
           <a:lstStyle/>
           <a:p>
             <a:pPr>
@@ -18582,111 +16990,46 @@
                 <a:spcPct val="150000"/>
               </a:lnSpc>
             </a:pPr>
-            <a:endParaRPr lang="ru-RU" sz="2800" dirty="0">
-              <a:solidFill>
-                <a:schemeClr val="tx1"/>
-              </a:solidFill>
-              <a:latin typeface="Georgia" panose="02040502050405020303" pitchFamily="18" charset="0"/>
-            </a:endParaRPr>
-          </a:p>
-        </p:txBody>
-      </p:sp>
-      <p:sp>
-        <p:nvSpPr>
-          <p:cNvPr id="9" name="Скругленный прямоугольник 8"/>
-          <p:cNvSpPr/>
-          <p:nvPr/>
-        </p:nvSpPr>
-        <p:spPr>
-          <a:xfrm>
-            <a:off x="2562201" y="266678"/>
-            <a:ext cx="7048549" cy="1238259"/>
-          </a:xfrm>
-          <a:prstGeom prst="roundRect">
-            <a:avLst>
-              <a:gd name="adj" fmla="val 29295"/>
-            </a:avLst>
-          </a:prstGeom>
-          <a:solidFill>
-            <a:schemeClr val="bg1"/>
-          </a:solidFill>
-          <a:ln>
-            <a:noFill/>
-          </a:ln>
-        </p:spPr>
-        <p:style>
-          <a:lnRef idx="2">
-            <a:schemeClr val="accent1">
-              <a:shade val="50000"/>
-            </a:schemeClr>
-          </a:lnRef>
-          <a:fillRef idx="1">
-            <a:schemeClr val="accent1"/>
-          </a:fillRef>
-          <a:effectRef idx="0">
-            <a:schemeClr val="accent1"/>
-          </a:effectRef>
-          <a:fontRef idx="minor">
-            <a:schemeClr val="lt1"/>
-          </a:fontRef>
-        </p:style>
-        <p:txBody>
-          <a:bodyPr lIns="121917" tIns="60958" rIns="121917" bIns="60958" rtlCol="0" anchor="ctr"/>
-          <a:lstStyle/>
-          <a:p>
-            <a:pPr algn="ctr"/>
             <a:r>
-              <a:rPr lang="ru-RU" sz="3600" b="1">
-                <a:solidFill>
-                  <a:schemeClr val="tx1"/>
-                </a:solidFill>
+              <a:rPr lang="ru-RU" sz="2700" dirty="0">
                 <a:latin typeface="Georgia" pitchFamily="18" charset="0"/>
               </a:rPr>
-              <a:t>Алгоритм программы</a:t>
+              <a:t>Мы изучили библиотеку </a:t>
             </a:r>
-            <a:endParaRPr lang="ru-RU" sz="3600" b="1" dirty="0">
-              <a:solidFill>
-                <a:schemeClr val="tx1"/>
-              </a:solidFill>
+            <a:r>
+              <a:rPr lang="en-US" sz="2700" dirty="0" err="1">
+                <a:latin typeface="Georgia" pitchFamily="18" charset="0"/>
+              </a:rPr>
+              <a:t>gradio</a:t>
+            </a:r>
+            <a:r>
+              <a:rPr lang="ru-RU" sz="2700" dirty="0">
+                <a:latin typeface="Georgia" pitchFamily="18" charset="0"/>
+              </a:rPr>
+              <a:t>, разработали на ее основе интерфейс</a:t>
+            </a:r>
+            <a:r>
+              <a:rPr lang="en-US" sz="2700" dirty="0">
+                <a:latin typeface="Georgia" pitchFamily="18" charset="0"/>
+              </a:rPr>
+              <a:t> </a:t>
+            </a:r>
+            <a:r>
+              <a:rPr lang="ru-RU" sz="2700" dirty="0">
+                <a:latin typeface="Georgia" pitchFamily="18" charset="0"/>
+              </a:rPr>
+              <a:t>и собрали все наработки в готовую программу.</a:t>
+            </a:r>
+            <a:endParaRPr lang="ru-RU" sz="2400" dirty="0">
               <a:latin typeface="Georgia" pitchFamily="18" charset="0"/>
             </a:endParaRPr>
           </a:p>
         </p:txBody>
       </p:sp>
-      <p:pic>
-        <p:nvPicPr>
-          <p:cNvPr id="3" name="Рисунок 2">
-            <a:extLst>
-              <a:ext uri="{FF2B5EF4-FFF2-40B4-BE49-F238E27FC236}">
-                <a16:creationId xmlns:a16="http://schemas.microsoft.com/office/drawing/2014/main" id="{F08C2BEB-F1AA-C354-FE4A-645FA256F490}"/>
-              </a:ext>
-            </a:extLst>
-          </p:cNvPr>
-          <p:cNvPicPr>
-            <a:picLocks noChangeAspect="1"/>
-          </p:cNvPicPr>
-          <p:nvPr/>
-        </p:nvPicPr>
-        <p:blipFill>
-          <a:blip r:embed="rId4"/>
-          <a:stretch>
-            <a:fillRect/>
-          </a:stretch>
-        </p:blipFill>
-        <p:spPr>
-          <a:xfrm>
-            <a:off x="3640882" y="1239591"/>
-            <a:ext cx="4910235" cy="4903319"/>
-          </a:xfrm>
-          <a:prstGeom prst="rect">
-            <a:avLst/>
-          </a:prstGeom>
-        </p:spPr>
-      </p:pic>
     </p:spTree>
     <p:extLst>
       <p:ext uri="{BB962C8B-B14F-4D97-AF65-F5344CB8AC3E}">
-        <p14:creationId xmlns:p14="http://schemas.microsoft.com/office/powerpoint/2010/main" val="1883440147"/>
+        <p14:creationId xmlns:p14="http://schemas.microsoft.com/office/powerpoint/2010/main" val="1017358392"/>
       </p:ext>
     </p:extLst>
   </p:cSld>
@@ -18836,6 +17179,300 @@
         </p:nvSpPr>
         <p:spPr>
           <a:xfrm>
+            <a:off x="295978" y="1143730"/>
+            <a:ext cx="11600043" cy="4999180"/>
+          </a:xfrm>
+          <a:prstGeom prst="roundRect">
+            <a:avLst>
+              <a:gd name="adj" fmla="val 22308"/>
+            </a:avLst>
+          </a:prstGeom>
+          <a:solidFill>
+            <a:schemeClr val="bg1"/>
+          </a:solidFill>
+          <a:ln>
+            <a:noFill/>
+          </a:ln>
+        </p:spPr>
+        <p:style>
+          <a:lnRef idx="2">
+            <a:schemeClr val="accent1">
+              <a:shade val="50000"/>
+            </a:schemeClr>
+          </a:lnRef>
+          <a:fillRef idx="1">
+            <a:schemeClr val="accent1"/>
+          </a:fillRef>
+          <a:effectRef idx="0">
+            <a:schemeClr val="accent1"/>
+          </a:effectRef>
+          <a:fontRef idx="minor">
+            <a:schemeClr val="lt1"/>
+          </a:fontRef>
+        </p:style>
+        <p:txBody>
+          <a:bodyPr lIns="121917" tIns="60958" rIns="121917" bIns="60958" rtlCol="0" anchor="ctr"/>
+          <a:lstStyle/>
+          <a:p>
+            <a:pPr>
+              <a:lnSpc>
+                <a:spcPct val="150000"/>
+              </a:lnSpc>
+            </a:pPr>
+            <a:endParaRPr lang="ru-RU" sz="2800" dirty="0">
+              <a:solidFill>
+                <a:schemeClr val="tx1"/>
+              </a:solidFill>
+              <a:latin typeface="Georgia" panose="02040502050405020303" pitchFamily="18" charset="0"/>
+            </a:endParaRPr>
+          </a:p>
+        </p:txBody>
+      </p:sp>
+      <p:sp>
+        <p:nvSpPr>
+          <p:cNvPr id="9" name="Скругленный прямоугольник 8"/>
+          <p:cNvSpPr/>
+          <p:nvPr/>
+        </p:nvSpPr>
+        <p:spPr>
+          <a:xfrm>
+            <a:off x="2562201" y="266678"/>
+            <a:ext cx="7048549" cy="1238259"/>
+          </a:xfrm>
+          <a:prstGeom prst="roundRect">
+            <a:avLst>
+              <a:gd name="adj" fmla="val 29295"/>
+            </a:avLst>
+          </a:prstGeom>
+          <a:solidFill>
+            <a:schemeClr val="bg1"/>
+          </a:solidFill>
+          <a:ln>
+            <a:noFill/>
+          </a:ln>
+        </p:spPr>
+        <p:style>
+          <a:lnRef idx="2">
+            <a:schemeClr val="accent1">
+              <a:shade val="50000"/>
+            </a:schemeClr>
+          </a:lnRef>
+          <a:fillRef idx="1">
+            <a:schemeClr val="accent1"/>
+          </a:fillRef>
+          <a:effectRef idx="0">
+            <a:schemeClr val="accent1"/>
+          </a:effectRef>
+          <a:fontRef idx="minor">
+            <a:schemeClr val="lt1"/>
+          </a:fontRef>
+        </p:style>
+        <p:txBody>
+          <a:bodyPr lIns="121917" tIns="60958" rIns="121917" bIns="60958" rtlCol="0" anchor="ctr"/>
+          <a:lstStyle/>
+          <a:p>
+            <a:pPr algn="ctr"/>
+            <a:r>
+              <a:rPr lang="ru-RU" sz="3600" b="1">
+                <a:solidFill>
+                  <a:schemeClr val="tx1"/>
+                </a:solidFill>
+                <a:latin typeface="Georgia" pitchFamily="18" charset="0"/>
+              </a:rPr>
+              <a:t>Алгоритм программы</a:t>
+            </a:r>
+            <a:endParaRPr lang="ru-RU" sz="3600" b="1" dirty="0">
+              <a:solidFill>
+                <a:schemeClr val="tx1"/>
+              </a:solidFill>
+              <a:latin typeface="Georgia" pitchFamily="18" charset="0"/>
+            </a:endParaRPr>
+          </a:p>
+        </p:txBody>
+      </p:sp>
+      <p:pic>
+        <p:nvPicPr>
+          <p:cNvPr id="4" name="Рисунок 3">
+            <a:extLst>
+              <a:ext uri="{FF2B5EF4-FFF2-40B4-BE49-F238E27FC236}">
+                <a16:creationId xmlns:a16="http://schemas.microsoft.com/office/drawing/2014/main" id="{545DFF76-F017-9444-78CE-BC1190880592}"/>
+              </a:ext>
+            </a:extLst>
+          </p:cNvPr>
+          <p:cNvPicPr>
+            <a:picLocks noChangeAspect="1"/>
+          </p:cNvPicPr>
+          <p:nvPr/>
+        </p:nvPicPr>
+        <p:blipFill>
+          <a:blip r:embed="rId4"/>
+          <a:stretch>
+            <a:fillRect/>
+          </a:stretch>
+        </p:blipFill>
+        <p:spPr>
+          <a:xfrm>
+            <a:off x="685412" y="1800926"/>
+            <a:ext cx="10821175" cy="3680197"/>
+          </a:xfrm>
+          <a:prstGeom prst="rect">
+            <a:avLst/>
+          </a:prstGeom>
+        </p:spPr>
+      </p:pic>
+    </p:spTree>
+    <p:extLst>
+      <p:ext uri="{BB962C8B-B14F-4D97-AF65-F5344CB8AC3E}">
+        <p14:creationId xmlns:p14="http://schemas.microsoft.com/office/powerpoint/2010/main" val="1883440147"/>
+      </p:ext>
+    </p:extLst>
+  </p:cSld>
+  <p:clrMapOvr>
+    <a:masterClrMapping/>
+  </p:clrMapOvr>
+  <p:transition spd="med"/>
+</p:sld>
+</file>
+
+<file path=ppt/slides/slide14.xml><?xml version="1.0" encoding="utf-8"?>
+<p:sld xmlns:a="http://schemas.openxmlformats.org/drawingml/2006/main" xmlns:r="http://schemas.openxmlformats.org/officeDocument/2006/relationships" xmlns:p="http://schemas.openxmlformats.org/presentationml/2006/main">
+  <p:cSld>
+    <p:spTree>
+      <p:nvGrpSpPr>
+        <p:cNvPr id="1" name=""/>
+        <p:cNvGrpSpPr/>
+        <p:nvPr/>
+      </p:nvGrpSpPr>
+      <p:grpSpPr>
+        <a:xfrm>
+          <a:off x="0" y="0"/>
+          <a:ext cx="0" cy="0"/>
+          <a:chOff x="0" y="0"/>
+          <a:chExt cx="0" cy="0"/>
+        </a:xfrm>
+      </p:grpSpPr>
+      <p:pic>
+        <p:nvPicPr>
+          <p:cNvPr id="7169" name="Picture 1" descr="C:\Users\jaste\Desktop\Рисунок1.png"/>
+          <p:cNvPicPr>
+            <a:picLocks noChangeAspect="1" noChangeArrowheads="1"/>
+          </p:cNvPicPr>
+          <p:nvPr/>
+        </p:nvPicPr>
+        <p:blipFill>
+          <a:blip r:embed="rId3">
+            <a:lum bright="30000" contrast="-40000"/>
+          </a:blip>
+          <a:srcRect/>
+          <a:stretch>
+            <a:fillRect/>
+          </a:stretch>
+        </p:blipFill>
+        <p:spPr bwMode="auto">
+          <a:xfrm>
+            <a:off x="-14817" y="1"/>
+            <a:ext cx="12206817" cy="6524624"/>
+          </a:xfrm>
+          <a:prstGeom prst="rect">
+            <a:avLst/>
+          </a:prstGeom>
+          <a:noFill/>
+        </p:spPr>
+      </p:pic>
+      <p:sp>
+        <p:nvSpPr>
+          <p:cNvPr id="8" name="Прямоугольник 7"/>
+          <p:cNvSpPr/>
+          <p:nvPr/>
+        </p:nvSpPr>
+        <p:spPr>
+          <a:xfrm>
+            <a:off x="0" y="6438899"/>
+            <a:ext cx="12192000" cy="419099"/>
+          </a:xfrm>
+          <a:prstGeom prst="rect">
+            <a:avLst/>
+          </a:prstGeom>
+          <a:solidFill>
+            <a:srgbClr val="00529F"/>
+          </a:solidFill>
+          <a:ln>
+            <a:noFill/>
+          </a:ln>
+        </p:spPr>
+        <p:style>
+          <a:lnRef idx="2">
+            <a:schemeClr val="accent1">
+              <a:shade val="50000"/>
+            </a:schemeClr>
+          </a:lnRef>
+          <a:fillRef idx="1">
+            <a:schemeClr val="accent1"/>
+          </a:fillRef>
+          <a:effectRef idx="0">
+            <a:schemeClr val="accent1"/>
+          </a:effectRef>
+          <a:fontRef idx="minor">
+            <a:schemeClr val="lt1"/>
+          </a:fontRef>
+        </p:style>
+        <p:txBody>
+          <a:bodyPr lIns="121917" tIns="60958" rIns="121917" bIns="60958" rtlCol="0" anchor="ctr"/>
+          <a:lstStyle/>
+          <a:p>
+            <a:pPr algn="ctr"/>
+            <a:endParaRPr lang="ru-RU"/>
+          </a:p>
+        </p:txBody>
+      </p:sp>
+      <p:sp>
+        <p:nvSpPr>
+          <p:cNvPr id="11" name="Номер слайда 11"/>
+          <p:cNvSpPr>
+            <a:spLocks noGrp="1"/>
+          </p:cNvSpPr>
+          <p:nvPr>
+            <p:ph type="sldNum" sz="quarter" idx="12"/>
+          </p:nvPr>
+        </p:nvSpPr>
+        <p:spPr>
+          <a:xfrm>
+            <a:off x="11706184" y="6426200"/>
+            <a:ext cx="2844800" cy="365125"/>
+          </a:xfrm>
+        </p:spPr>
+        <p:txBody>
+          <a:bodyPr/>
+          <a:lstStyle/>
+          <a:p>
+            <a:pPr algn="l"/>
+            <a:fld id="{308CF263-2EDD-44CC-8928-FAE4F9823AB4}" type="slidenum">
+              <a:rPr lang="ru-RU" sz="2700" b="1" smtClean="0">
+                <a:solidFill>
+                  <a:schemeClr val="bg1"/>
+                </a:solidFill>
+                <a:latin typeface="Georgia" pitchFamily="18" charset="0"/>
+              </a:rPr>
+              <a:pPr algn="l"/>
+              <a:t>14</a:t>
+            </a:fld>
+            <a:endParaRPr lang="ru-RU" sz="2700" b="1" dirty="0">
+              <a:solidFill>
+                <a:schemeClr val="bg1"/>
+              </a:solidFill>
+              <a:latin typeface="Georgia" pitchFamily="18" charset="0"/>
+            </a:endParaRPr>
+          </a:p>
+        </p:txBody>
+      </p:sp>
+      <p:sp>
+        <p:nvSpPr>
+          <p:cNvPr id="7" name="Скругленный прямоугольник 6"/>
+          <p:cNvSpPr/>
+          <p:nvPr/>
+        </p:nvSpPr>
+        <p:spPr>
+          <a:xfrm>
             <a:off x="296393" y="1173019"/>
             <a:ext cx="11600043" cy="4999180"/>
           </a:xfrm>
@@ -18976,331 +17613,6 @@
         <p14:creationId xmlns:p14="http://schemas.microsoft.com/office/powerpoint/2010/main" val="769113162"/>
       </p:ext>
     </p:extLst>
-  </p:cSld>
-  <p:clrMapOvr>
-    <a:masterClrMapping/>
-  </p:clrMapOvr>
-  <p:transition spd="med"/>
-</p:sld>
-</file>
-
-<file path=ppt/slides/slide14.xml><?xml version="1.0" encoding="utf-8"?>
-<p:sld xmlns:a="http://schemas.openxmlformats.org/drawingml/2006/main" xmlns:r="http://schemas.openxmlformats.org/officeDocument/2006/relationships" xmlns:p="http://schemas.openxmlformats.org/presentationml/2006/main">
-  <p:cSld>
-    <p:spTree>
-      <p:nvGrpSpPr>
-        <p:cNvPr id="1" name=""/>
-        <p:cNvGrpSpPr/>
-        <p:nvPr/>
-      </p:nvGrpSpPr>
-      <p:grpSpPr>
-        <a:xfrm>
-          <a:off x="0" y="0"/>
-          <a:ext cx="0" cy="0"/>
-          <a:chOff x="0" y="0"/>
-          <a:chExt cx="0" cy="0"/>
-        </a:xfrm>
-      </p:grpSpPr>
-      <p:pic>
-        <p:nvPicPr>
-          <p:cNvPr id="26" name="Picture 2" descr="http://help-in.ru/sites/default/files/1-projects/photo/Voronoi-2017-5.png"/>
-          <p:cNvPicPr>
-            <a:picLocks noChangeAspect="1" noChangeArrowheads="1"/>
-          </p:cNvPicPr>
-          <p:nvPr/>
-        </p:nvPicPr>
-        <p:blipFill>
-          <a:blip r:embed="rId3">
-            <a:duotone>
-              <a:schemeClr val="accent1">
-                <a:shade val="45000"/>
-                <a:satMod val="135000"/>
-              </a:schemeClr>
-              <a:prstClr val="white"/>
-            </a:duotone>
-          </a:blip>
-          <a:srcRect/>
-          <a:stretch>
-            <a:fillRect/>
-          </a:stretch>
-        </p:blipFill>
-        <p:spPr bwMode="auto">
-          <a:xfrm>
-            <a:off x="0" y="1"/>
-            <a:ext cx="12192000" cy="6857999"/>
-          </a:xfrm>
-          <a:prstGeom prst="rect">
-            <a:avLst/>
-          </a:prstGeom>
-          <a:noFill/>
-        </p:spPr>
-      </p:pic>
-      <p:sp>
-        <p:nvSpPr>
-          <p:cNvPr id="8" name="Прямоугольник 7"/>
-          <p:cNvSpPr/>
-          <p:nvPr/>
-        </p:nvSpPr>
-        <p:spPr>
-          <a:xfrm>
-            <a:off x="0" y="6438899"/>
-            <a:ext cx="12192000" cy="419099"/>
-          </a:xfrm>
-          <a:prstGeom prst="rect">
-            <a:avLst/>
-          </a:prstGeom>
-          <a:solidFill>
-            <a:srgbClr val="00529F"/>
-          </a:solidFill>
-          <a:ln>
-            <a:noFill/>
-          </a:ln>
-        </p:spPr>
-        <p:style>
-          <a:lnRef idx="2">
-            <a:schemeClr val="accent1">
-              <a:shade val="50000"/>
-            </a:schemeClr>
-          </a:lnRef>
-          <a:fillRef idx="1">
-            <a:schemeClr val="accent1"/>
-          </a:fillRef>
-          <a:effectRef idx="0">
-            <a:schemeClr val="accent1"/>
-          </a:effectRef>
-          <a:fontRef idx="minor">
-            <a:schemeClr val="lt1"/>
-          </a:fontRef>
-        </p:style>
-        <p:txBody>
-          <a:bodyPr lIns="121917" tIns="60958" rIns="121917" bIns="60958" rtlCol="0" anchor="ctr"/>
-          <a:lstStyle/>
-          <a:p>
-            <a:pPr algn="ctr"/>
-            <a:endParaRPr lang="ru-RU"/>
-          </a:p>
-        </p:txBody>
-      </p:sp>
-      <p:sp>
-        <p:nvSpPr>
-          <p:cNvPr id="11" name="Номер слайда 11"/>
-          <p:cNvSpPr>
-            <a:spLocks noGrp="1"/>
-          </p:cNvSpPr>
-          <p:nvPr>
-            <p:ph type="sldNum" sz="quarter" idx="12"/>
-          </p:nvPr>
-        </p:nvSpPr>
-        <p:spPr>
-          <a:xfrm>
-            <a:off x="11706184" y="6426200"/>
-            <a:ext cx="2844800" cy="365125"/>
-          </a:xfrm>
-        </p:spPr>
-        <p:txBody>
-          <a:bodyPr/>
-          <a:lstStyle/>
-          <a:p>
-            <a:pPr algn="l"/>
-            <a:fld id="{308CF263-2EDD-44CC-8928-FAE4F9823AB4}" type="slidenum">
-              <a:rPr lang="ru-RU" sz="2700" b="1" smtClean="0">
-                <a:solidFill>
-                  <a:schemeClr val="bg1"/>
-                </a:solidFill>
-                <a:latin typeface="Georgia" pitchFamily="18" charset="0"/>
-              </a:rPr>
-              <a:pPr algn="l"/>
-              <a:t>14</a:t>
-            </a:fld>
-            <a:endParaRPr lang="ru-RU" sz="2700" b="1" dirty="0">
-              <a:solidFill>
-                <a:schemeClr val="bg1"/>
-              </a:solidFill>
-              <a:latin typeface="Georgia" pitchFamily="18" charset="0"/>
-            </a:endParaRPr>
-          </a:p>
-        </p:txBody>
-      </p:sp>
-      <p:sp>
-        <p:nvSpPr>
-          <p:cNvPr id="7" name="Скругленный прямоугольник 6"/>
-          <p:cNvSpPr/>
-          <p:nvPr/>
-        </p:nvSpPr>
-        <p:spPr>
-          <a:xfrm>
-            <a:off x="460375" y="1162051"/>
-            <a:ext cx="11149734" cy="4981574"/>
-          </a:xfrm>
-          <a:prstGeom prst="roundRect">
-            <a:avLst>
-              <a:gd name="adj" fmla="val 22308"/>
-            </a:avLst>
-          </a:prstGeom>
-          <a:solidFill>
-            <a:schemeClr val="bg1"/>
-          </a:solidFill>
-          <a:ln>
-            <a:noFill/>
-          </a:ln>
-        </p:spPr>
-        <p:style>
-          <a:lnRef idx="2">
-            <a:schemeClr val="accent1">
-              <a:shade val="50000"/>
-            </a:schemeClr>
-          </a:lnRef>
-          <a:fillRef idx="1">
-            <a:schemeClr val="accent1"/>
-          </a:fillRef>
-          <a:effectRef idx="0">
-            <a:schemeClr val="accent1"/>
-          </a:effectRef>
-          <a:fontRef idx="minor">
-            <a:schemeClr val="lt1"/>
-          </a:fontRef>
-        </p:style>
-        <p:txBody>
-          <a:bodyPr lIns="121917" tIns="60958" rIns="121917" bIns="60958" rtlCol="0" anchor="ctr"/>
-          <a:lstStyle/>
-          <a:p>
-            <a:pPr>
-              <a:lnSpc>
-                <a:spcPct val="150000"/>
-              </a:lnSpc>
-              <a:spcAft>
-                <a:spcPts val="1200"/>
-              </a:spcAft>
-            </a:pPr>
-            <a:r>
-              <a:rPr lang="ru-RU" sz="2800" dirty="0">
-                <a:solidFill>
-                  <a:schemeClr val="tx1"/>
-                </a:solidFill>
-                <a:latin typeface="Georgia" pitchFamily="18" charset="0"/>
-              </a:rPr>
-              <a:t>Использование журнала позволило повысить качество ответов языковой модели и улучшить опыт использования нейросети в игре.</a:t>
-            </a:r>
-          </a:p>
-        </p:txBody>
-      </p:sp>
-      <p:sp>
-        <p:nvSpPr>
-          <p:cNvPr id="9" name="Скругленный прямоугольник 8"/>
-          <p:cNvSpPr/>
-          <p:nvPr/>
-        </p:nvSpPr>
-        <p:spPr>
-          <a:xfrm>
-            <a:off x="2562201" y="266678"/>
-            <a:ext cx="7048549" cy="1238259"/>
-          </a:xfrm>
-          <a:prstGeom prst="roundRect">
-            <a:avLst>
-              <a:gd name="adj" fmla="val 29295"/>
-            </a:avLst>
-          </a:prstGeom>
-          <a:solidFill>
-            <a:schemeClr val="bg1"/>
-          </a:solidFill>
-          <a:ln>
-            <a:noFill/>
-          </a:ln>
-        </p:spPr>
-        <p:style>
-          <a:lnRef idx="2">
-            <a:schemeClr val="accent1">
-              <a:shade val="50000"/>
-            </a:schemeClr>
-          </a:lnRef>
-          <a:fillRef idx="1">
-            <a:schemeClr val="accent1"/>
-          </a:fillRef>
-          <a:effectRef idx="0">
-            <a:schemeClr val="accent1"/>
-          </a:effectRef>
-          <a:fontRef idx="minor">
-            <a:schemeClr val="lt1"/>
-          </a:fontRef>
-        </p:style>
-        <p:txBody>
-          <a:bodyPr lIns="121917" tIns="60958" rIns="121917" bIns="60958" rtlCol="0" anchor="ctr"/>
-          <a:lstStyle/>
-          <a:p>
-            <a:pPr algn="ctr"/>
-            <a:r>
-              <a:rPr lang="ru-RU" sz="4000" b="1" dirty="0">
-                <a:solidFill>
-                  <a:schemeClr val="tx1"/>
-                </a:solidFill>
-                <a:latin typeface="Georgia" pitchFamily="18" charset="0"/>
-              </a:rPr>
-              <a:t>Выводы</a:t>
-            </a:r>
-          </a:p>
-        </p:txBody>
-      </p:sp>
-      <p:sp>
-        <p:nvSpPr>
-          <p:cNvPr id="14338" name="AutoShape 2" descr="Курс «Профессия Геймдизайнер с 0 до PRO»: обучение на геймдизайнера онлайн  — Skillbox"/>
-          <p:cNvSpPr>
-            <a:spLocks noChangeAspect="1" noChangeArrowheads="1"/>
-          </p:cNvSpPr>
-          <p:nvPr/>
-        </p:nvSpPr>
-        <p:spPr bwMode="auto">
-          <a:xfrm>
-            <a:off x="155575" y="-144463"/>
-            <a:ext cx="304800" cy="304801"/>
-          </a:xfrm>
-          <a:prstGeom prst="rect">
-            <a:avLst/>
-          </a:prstGeom>
-          <a:noFill/>
-        </p:spPr>
-        <p:txBody>
-          <a:bodyPr vert="horz" wrap="square" lIns="91440" tIns="45720" rIns="91440" bIns="45720" numCol="1" anchor="t" anchorCtr="0" compatLnSpc="1">
-            <a:prstTxWarp prst="textNoShape">
-              <a:avLst/>
-            </a:prstTxWarp>
-          </a:bodyPr>
-          <a:lstStyle/>
-          <a:p>
-            <a:endParaRPr lang="ru-RU"/>
-          </a:p>
-        </p:txBody>
-      </p:sp>
-      <p:sp>
-        <p:nvSpPr>
-          <p:cNvPr id="14340" name="AutoShape 4" descr="https://248006.selcdn.ru/LandGen/desktop_39ef6ddbd3a301b00456216d140c7a3abaf8f1f8.webp"/>
-          <p:cNvSpPr>
-            <a:spLocks noChangeAspect="1" noChangeArrowheads="1"/>
-          </p:cNvSpPr>
-          <p:nvPr/>
-        </p:nvSpPr>
-        <p:spPr bwMode="auto">
-          <a:xfrm>
-            <a:off x="155575" y="-144463"/>
-            <a:ext cx="304800" cy="304801"/>
-          </a:xfrm>
-          <a:prstGeom prst="rect">
-            <a:avLst/>
-          </a:prstGeom>
-          <a:noFill/>
-        </p:spPr>
-        <p:txBody>
-          <a:bodyPr vert="horz" wrap="square" lIns="91440" tIns="45720" rIns="91440" bIns="45720" numCol="1" anchor="t" anchorCtr="0" compatLnSpc="1">
-            <a:prstTxWarp prst="textNoShape">
-              <a:avLst/>
-            </a:prstTxWarp>
-          </a:bodyPr>
-          <a:lstStyle/>
-          <a:p>
-            <a:endParaRPr lang="ru-RU"/>
-          </a:p>
-        </p:txBody>
-      </p:sp>
-    </p:spTree>
   </p:cSld>
   <p:clrMapOvr>
     <a:masterClrMapping/>
@@ -19489,7 +17801,7 @@
           <a:bodyPr lIns="121917" tIns="60958" rIns="121917" bIns="60958" rtlCol="0" anchor="ctr"/>
           <a:lstStyle/>
           <a:p>
-            <a:pPr eaLnBrk="1" hangingPunct="1">
+            <a:pPr>
               <a:lnSpc>
                 <a:spcPct val="150000"/>
               </a:lnSpc>
@@ -19498,172 +17810,275 @@
               </a:spcAft>
             </a:pPr>
             <a:r>
-              <a:rPr lang="ru-RU" sz="2300" dirty="0">
+              <a:rPr lang="ru-RU" sz="2800" dirty="0">
                 <a:solidFill>
                   <a:schemeClr val="tx1"/>
                 </a:solidFill>
-                <a:latin typeface="Georgia" panose="02040502050405020303" pitchFamily="18" charset="0"/>
+                <a:latin typeface="Georgia" pitchFamily="18" charset="0"/>
               </a:rPr>
-              <a:t>В результате работы над проектом получены и</a:t>
-            </a:r>
-            <a:r>
-              <a:rPr lang="en-US" sz="2300" dirty="0">
-                <a:solidFill>
-                  <a:schemeClr val="tx1"/>
-                </a:solidFill>
-                <a:latin typeface="Georgia" panose="02040502050405020303" pitchFamily="18" charset="0"/>
-              </a:rPr>
-              <a:t>/</a:t>
-            </a:r>
-            <a:r>
-              <a:rPr lang="ru-RU" sz="2300" dirty="0">
-                <a:solidFill>
-                  <a:schemeClr val="tx1"/>
-                </a:solidFill>
-                <a:latin typeface="Georgia" panose="02040502050405020303" pitchFamily="18" charset="0"/>
-              </a:rPr>
-              <a:t>или закреплены навыки и компетенции:</a:t>
+              <a:t>Использование журнала позволило повысить качество ответов языковой модели и улучшить опыт использования нейросети в игре.</a:t>
             </a:r>
           </a:p>
+        </p:txBody>
+      </p:sp>
+      <p:sp>
+        <p:nvSpPr>
+          <p:cNvPr id="9" name="Скругленный прямоугольник 8"/>
+          <p:cNvSpPr/>
+          <p:nvPr/>
+        </p:nvSpPr>
+        <p:spPr>
+          <a:xfrm>
+            <a:off x="2562201" y="266678"/>
+            <a:ext cx="7048549" cy="1238259"/>
+          </a:xfrm>
+          <a:prstGeom prst="roundRect">
+            <a:avLst>
+              <a:gd name="adj" fmla="val 29295"/>
+            </a:avLst>
+          </a:prstGeom>
+          <a:solidFill>
+            <a:schemeClr val="bg1"/>
+          </a:solidFill>
+          <a:ln>
+            <a:noFill/>
+          </a:ln>
+        </p:spPr>
+        <p:style>
+          <a:lnRef idx="2">
+            <a:schemeClr val="accent1">
+              <a:shade val="50000"/>
+            </a:schemeClr>
+          </a:lnRef>
+          <a:fillRef idx="1">
+            <a:schemeClr val="accent1"/>
+          </a:fillRef>
+          <a:effectRef idx="0">
+            <a:schemeClr val="accent1"/>
+          </a:effectRef>
+          <a:fontRef idx="minor">
+            <a:schemeClr val="lt1"/>
+          </a:fontRef>
+        </p:style>
+        <p:txBody>
+          <a:bodyPr lIns="121917" tIns="60958" rIns="121917" bIns="60958" rtlCol="0" anchor="ctr"/>
+          <a:lstStyle/>
           <a:p>
-            <a:pPr eaLnBrk="1" hangingPunct="1">
-              <a:lnSpc>
-                <a:spcPct val="150000"/>
-              </a:lnSpc>
-              <a:spcAft>
-                <a:spcPts val="1200"/>
-              </a:spcAft>
-              <a:buFont typeface="Arial" charset="0"/>
-              <a:buChar char="•"/>
-            </a:pPr>
+            <a:pPr algn="ctr"/>
             <a:r>
-              <a:rPr lang="ru-RU" sz="2300" i="1" dirty="0">
+              <a:rPr lang="ru-RU" sz="4000" b="1" dirty="0">
                 <a:solidFill>
                   <a:schemeClr val="tx1"/>
                 </a:solidFill>
-                <a:latin typeface="Georgia" panose="02040502050405020303" pitchFamily="18" charset="0"/>
+                <a:latin typeface="Georgia" pitchFamily="18" charset="0"/>
               </a:rPr>
-              <a:t> аналитическая работа: </a:t>
-            </a:r>
-            <a:r>
-              <a:rPr lang="ru-RU" sz="2300" dirty="0">
-                <a:solidFill>
-                  <a:schemeClr val="tx1"/>
-                </a:solidFill>
-                <a:latin typeface="Georgia" panose="02040502050405020303" pitchFamily="18" charset="0"/>
-              </a:rPr>
-              <a:t>исследование предметной области, составление качественных запросов для </a:t>
-            </a:r>
-            <a:r>
-              <a:rPr lang="en-US" sz="2300" dirty="0" err="1">
-                <a:solidFill>
-                  <a:schemeClr val="tx1"/>
-                </a:solidFill>
-                <a:latin typeface="Georgia" panose="02040502050405020303" pitchFamily="18" charset="0"/>
-              </a:rPr>
-              <a:t>ChatGPT</a:t>
-            </a:r>
-            <a:r>
-              <a:rPr lang="ru-RU" sz="2300" dirty="0">
-                <a:solidFill>
-                  <a:schemeClr val="tx1"/>
-                </a:solidFill>
-                <a:latin typeface="Georgia" panose="02040502050405020303" pitchFamily="18" charset="0"/>
-              </a:rPr>
-              <a:t>;</a:t>
+              <a:t>Выводы</a:t>
             </a:r>
           </a:p>
+        </p:txBody>
+      </p:sp>
+      <p:sp>
+        <p:nvSpPr>
+          <p:cNvPr id="14338" name="AutoShape 2" descr="Курс «Профессия Геймдизайнер с 0 до PRO»: обучение на геймдизайнера онлайн  — Skillbox"/>
+          <p:cNvSpPr>
+            <a:spLocks noChangeAspect="1" noChangeArrowheads="1"/>
+          </p:cNvSpPr>
+          <p:nvPr/>
+        </p:nvSpPr>
+        <p:spPr bwMode="auto">
+          <a:xfrm>
+            <a:off x="155575" y="-144463"/>
+            <a:ext cx="304800" cy="304801"/>
+          </a:xfrm>
+          <a:prstGeom prst="rect">
+            <a:avLst/>
+          </a:prstGeom>
+          <a:noFill/>
+        </p:spPr>
+        <p:txBody>
+          <a:bodyPr vert="horz" wrap="square" lIns="91440" tIns="45720" rIns="91440" bIns="45720" numCol="1" anchor="t" anchorCtr="0" compatLnSpc="1">
+            <a:prstTxWarp prst="textNoShape">
+              <a:avLst/>
+            </a:prstTxWarp>
+          </a:bodyPr>
+          <a:lstStyle/>
           <a:p>
-            <a:pPr eaLnBrk="1" hangingPunct="1">
-              <a:lnSpc>
-                <a:spcPct val="150000"/>
-              </a:lnSpc>
-              <a:spcAft>
-                <a:spcPts val="1200"/>
-              </a:spcAft>
-              <a:buFont typeface="Arial" charset="0"/>
-              <a:buChar char="•"/>
-            </a:pPr>
-            <a:r>
-              <a:rPr lang="ru-RU" sz="2300" i="1" dirty="0">
-                <a:solidFill>
-                  <a:schemeClr val="tx1"/>
-                </a:solidFill>
-                <a:latin typeface="Georgia" panose="02040502050405020303" pitchFamily="18" charset="0"/>
+            <a:endParaRPr lang="ru-RU"/>
+          </a:p>
+        </p:txBody>
+      </p:sp>
+      <p:sp>
+        <p:nvSpPr>
+          <p:cNvPr id="14340" name="AutoShape 4" descr="https://248006.selcdn.ru/LandGen/desktop_39ef6ddbd3a301b00456216d140c7a3abaf8f1f8.webp"/>
+          <p:cNvSpPr>
+            <a:spLocks noChangeAspect="1" noChangeArrowheads="1"/>
+          </p:cNvSpPr>
+          <p:nvPr/>
+        </p:nvSpPr>
+        <p:spPr bwMode="auto">
+          <a:xfrm>
+            <a:off x="155575" y="-144463"/>
+            <a:ext cx="304800" cy="304801"/>
+          </a:xfrm>
+          <a:prstGeom prst="rect">
+            <a:avLst/>
+          </a:prstGeom>
+          <a:noFill/>
+        </p:spPr>
+        <p:txBody>
+          <a:bodyPr vert="horz" wrap="square" lIns="91440" tIns="45720" rIns="91440" bIns="45720" numCol="1" anchor="t" anchorCtr="0" compatLnSpc="1">
+            <a:prstTxWarp prst="textNoShape">
+              <a:avLst/>
+            </a:prstTxWarp>
+          </a:bodyPr>
+          <a:lstStyle/>
+          <a:p>
+            <a:endParaRPr lang="ru-RU"/>
+          </a:p>
+        </p:txBody>
+      </p:sp>
+    </p:spTree>
+  </p:cSld>
+  <p:clrMapOvr>
+    <a:masterClrMapping/>
+  </p:clrMapOvr>
+  <p:transition spd="med"/>
+</p:sld>
+</file>
+
+<file path=ppt/slides/slide16.xml><?xml version="1.0" encoding="utf-8"?>
+<p:sld xmlns:a="http://schemas.openxmlformats.org/drawingml/2006/main" xmlns:r="http://schemas.openxmlformats.org/officeDocument/2006/relationships" xmlns:p="http://schemas.openxmlformats.org/presentationml/2006/main">
+  <p:cSld>
+    <p:spTree>
+      <p:nvGrpSpPr>
+        <p:cNvPr id="1" name=""/>
+        <p:cNvGrpSpPr/>
+        <p:nvPr/>
+      </p:nvGrpSpPr>
+      <p:grpSpPr>
+        <a:xfrm>
+          <a:off x="0" y="0"/>
+          <a:ext cx="0" cy="0"/>
+          <a:chOff x="0" y="0"/>
+          <a:chExt cx="0" cy="0"/>
+        </a:xfrm>
+      </p:grpSpPr>
+      <p:pic>
+        <p:nvPicPr>
+          <p:cNvPr id="26" name="Picture 2" descr="http://help-in.ru/sites/default/files/1-projects/photo/Voronoi-2017-5.png"/>
+          <p:cNvPicPr>
+            <a:picLocks noChangeAspect="1" noChangeArrowheads="1"/>
+          </p:cNvPicPr>
+          <p:nvPr/>
+        </p:nvPicPr>
+        <p:blipFill>
+          <a:blip r:embed="rId3">
+            <a:duotone>
+              <a:schemeClr val="accent1">
+                <a:shade val="45000"/>
+                <a:satMod val="135000"/>
+              </a:schemeClr>
+              <a:prstClr val="white"/>
+            </a:duotone>
+          </a:blip>
+          <a:srcRect/>
+          <a:stretch>
+            <a:fillRect/>
+          </a:stretch>
+        </p:blipFill>
+        <p:spPr bwMode="auto">
+          <a:xfrm>
+            <a:off x="0" y="1"/>
+            <a:ext cx="12192000" cy="6857999"/>
+          </a:xfrm>
+          <a:prstGeom prst="rect">
+            <a:avLst/>
+          </a:prstGeom>
+          <a:noFill/>
+        </p:spPr>
+      </p:pic>
+      <p:sp>
+        <p:nvSpPr>
+          <p:cNvPr id="8" name="Прямоугольник 7"/>
+          <p:cNvSpPr/>
+          <p:nvPr/>
+        </p:nvSpPr>
+        <p:spPr>
+          <a:xfrm>
+            <a:off x="0" y="6438899"/>
+            <a:ext cx="12192000" cy="419099"/>
+          </a:xfrm>
+          <a:prstGeom prst="rect">
+            <a:avLst/>
+          </a:prstGeom>
+          <a:solidFill>
+            <a:srgbClr val="00529F"/>
+          </a:solidFill>
+          <a:ln>
+            <a:noFill/>
+          </a:ln>
+        </p:spPr>
+        <p:style>
+          <a:lnRef idx="2">
+            <a:schemeClr val="accent1">
+              <a:shade val="50000"/>
+            </a:schemeClr>
+          </a:lnRef>
+          <a:fillRef idx="1">
+            <a:schemeClr val="accent1"/>
+          </a:fillRef>
+          <a:effectRef idx="0">
+            <a:schemeClr val="accent1"/>
+          </a:effectRef>
+          <a:fontRef idx="minor">
+            <a:schemeClr val="lt1"/>
+          </a:fontRef>
+        </p:style>
+        <p:txBody>
+          <a:bodyPr lIns="121917" tIns="60958" rIns="121917" bIns="60958" rtlCol="0" anchor="ctr"/>
+          <a:lstStyle/>
+          <a:p>
+            <a:pPr algn="ctr"/>
+            <a:endParaRPr lang="ru-RU"/>
+          </a:p>
+        </p:txBody>
+      </p:sp>
+      <p:sp>
+        <p:nvSpPr>
+          <p:cNvPr id="11" name="Номер слайда 11"/>
+          <p:cNvSpPr>
+            <a:spLocks noGrp="1"/>
+          </p:cNvSpPr>
+          <p:nvPr>
+            <p:ph type="sldNum" sz="quarter" idx="12"/>
+          </p:nvPr>
+        </p:nvSpPr>
+        <p:spPr>
+          <a:xfrm>
+            <a:off x="11706184" y="6426200"/>
+            <a:ext cx="2844800" cy="365125"/>
+          </a:xfrm>
+        </p:spPr>
+        <p:txBody>
+          <a:bodyPr/>
+          <a:lstStyle/>
+          <a:p>
+            <a:pPr algn="l"/>
+            <a:fld id="{308CF263-2EDD-44CC-8928-FAE4F9823AB4}" type="slidenum">
+              <a:rPr lang="ru-RU" sz="2700" b="1" smtClean="0">
+                <a:solidFill>
+                  <a:schemeClr val="bg1"/>
+                </a:solidFill>
+                <a:latin typeface="Georgia" pitchFamily="18" charset="0"/>
               </a:rPr>
-              <a:t> разработка: </a:t>
-            </a:r>
-            <a:r>
-              <a:rPr lang="ru-RU" sz="2300" dirty="0">
-                <a:solidFill>
-                  <a:schemeClr val="tx1"/>
-                </a:solidFill>
-                <a:latin typeface="Georgia" panose="02040502050405020303" pitchFamily="18" charset="0"/>
-              </a:rPr>
-              <a:t>разработка на языке </a:t>
-            </a:r>
-            <a:r>
-              <a:rPr lang="en-US" sz="2300" dirty="0">
-                <a:solidFill>
-                  <a:schemeClr val="tx1"/>
-                </a:solidFill>
-                <a:latin typeface="Georgia" panose="02040502050405020303" pitchFamily="18" charset="0"/>
-              </a:rPr>
-              <a:t>Python</a:t>
-            </a:r>
-            <a:r>
-              <a:rPr lang="ru-RU" sz="2300" dirty="0">
-                <a:solidFill>
-                  <a:schemeClr val="tx1"/>
-                </a:solidFill>
-                <a:latin typeface="Georgia" panose="02040502050405020303" pitchFamily="18" charset="0"/>
-              </a:rPr>
-              <a:t> с использование специальных библиотек;</a:t>
-            </a:r>
-          </a:p>
-          <a:p>
-            <a:pPr eaLnBrk="1" hangingPunct="1">
-              <a:lnSpc>
-                <a:spcPct val="150000"/>
-              </a:lnSpc>
-              <a:spcAft>
-                <a:spcPts val="1200"/>
-              </a:spcAft>
-              <a:buFont typeface="Arial" charset="0"/>
-              <a:buChar char="•"/>
-            </a:pPr>
-            <a:r>
-              <a:rPr lang="ru-RU" sz="2300" i="1" dirty="0">
-                <a:solidFill>
-                  <a:schemeClr val="tx1"/>
-                </a:solidFill>
-                <a:latin typeface="Georgia" panose="02040502050405020303" pitchFamily="18" charset="0"/>
-              </a:rPr>
-              <a:t> ведение проектов: </a:t>
-            </a:r>
-            <a:r>
-              <a:rPr lang="ru-RU" sz="2300" dirty="0">
-                <a:solidFill>
-                  <a:schemeClr val="tx1"/>
-                </a:solidFill>
-                <a:latin typeface="Georgia" panose="02040502050405020303" pitchFamily="18" charset="0"/>
-              </a:rPr>
-              <a:t>распределение обязанностей, коммуникация внутри группы</a:t>
-            </a:r>
-            <a:r>
-              <a:rPr lang="en-US" sz="2300" dirty="0">
-                <a:solidFill>
-                  <a:schemeClr val="tx1"/>
-                </a:solidFill>
-                <a:latin typeface="Georgia" panose="02040502050405020303" pitchFamily="18" charset="0"/>
-              </a:rPr>
-              <a:t>.</a:t>
-            </a:r>
-            <a:endParaRPr lang="ru-RU" sz="2300" i="1" dirty="0">
+              <a:pPr algn="l"/>
+              <a:t>16</a:t>
+            </a:fld>
+            <a:endParaRPr lang="ru-RU" sz="2700" b="1" dirty="0">
               <a:solidFill>
-                <a:schemeClr val="tx1"/>
+                <a:schemeClr val="bg1"/>
               </a:solidFill>
-              <a:latin typeface="Georgia" panose="02040502050405020303" pitchFamily="18" charset="0"/>
+              <a:latin typeface="Georgia" pitchFamily="18" charset="0"/>
             </a:endParaRPr>
           </a:p>
         </p:txBody>
@@ -19721,6 +18136,228 @@
               </a:rPr>
               <a:t>Образовательный результат</a:t>
             </a:r>
+          </a:p>
+        </p:txBody>
+      </p:sp>
+      <p:sp>
+        <p:nvSpPr>
+          <p:cNvPr id="7" name="Скругленный прямоугольник 6"/>
+          <p:cNvSpPr/>
+          <p:nvPr/>
+        </p:nvSpPr>
+        <p:spPr>
+          <a:xfrm>
+            <a:off x="460375" y="1162051"/>
+            <a:ext cx="11149734" cy="4981574"/>
+          </a:xfrm>
+          <a:prstGeom prst="roundRect">
+            <a:avLst>
+              <a:gd name="adj" fmla="val 22308"/>
+            </a:avLst>
+          </a:prstGeom>
+          <a:solidFill>
+            <a:schemeClr val="bg1"/>
+          </a:solidFill>
+          <a:ln>
+            <a:noFill/>
+          </a:ln>
+        </p:spPr>
+        <p:style>
+          <a:lnRef idx="2">
+            <a:schemeClr val="accent1">
+              <a:shade val="50000"/>
+            </a:schemeClr>
+          </a:lnRef>
+          <a:fillRef idx="1">
+            <a:schemeClr val="accent1"/>
+          </a:fillRef>
+          <a:effectRef idx="0">
+            <a:schemeClr val="accent1"/>
+          </a:effectRef>
+          <a:fontRef idx="minor">
+            <a:schemeClr val="lt1"/>
+          </a:fontRef>
+        </p:style>
+        <p:txBody>
+          <a:bodyPr lIns="121917" tIns="60958" rIns="121917" bIns="60958" rtlCol="0" anchor="ctr"/>
+          <a:lstStyle/>
+          <a:p>
+            <a:pPr eaLnBrk="1" hangingPunct="1">
+              <a:lnSpc>
+                <a:spcPct val="150000"/>
+              </a:lnSpc>
+              <a:spcAft>
+                <a:spcPts val="1200"/>
+              </a:spcAft>
+            </a:pPr>
+            <a:r>
+              <a:rPr lang="ru-RU" sz="2200" dirty="0">
+                <a:solidFill>
+                  <a:schemeClr val="tx1"/>
+                </a:solidFill>
+                <a:latin typeface="Georgia" panose="02040502050405020303" pitchFamily="18" charset="0"/>
+              </a:rPr>
+              <a:t>В результате работы над проектом получены и</a:t>
+            </a:r>
+            <a:r>
+              <a:rPr lang="en-US" sz="2200" dirty="0">
+                <a:solidFill>
+                  <a:schemeClr val="tx1"/>
+                </a:solidFill>
+                <a:latin typeface="Georgia" panose="02040502050405020303" pitchFamily="18" charset="0"/>
+              </a:rPr>
+              <a:t>/</a:t>
+            </a:r>
+            <a:r>
+              <a:rPr lang="ru-RU" sz="2200" dirty="0">
+                <a:solidFill>
+                  <a:schemeClr val="tx1"/>
+                </a:solidFill>
+                <a:latin typeface="Georgia" panose="02040502050405020303" pitchFamily="18" charset="0"/>
+              </a:rPr>
+              <a:t>или закреплены навыки и компетенции:</a:t>
+            </a:r>
+          </a:p>
+          <a:p>
+            <a:pPr eaLnBrk="1" hangingPunct="1">
+              <a:lnSpc>
+                <a:spcPct val="150000"/>
+              </a:lnSpc>
+              <a:spcAft>
+                <a:spcPts val="1200"/>
+              </a:spcAft>
+              <a:buFont typeface="Arial" charset="0"/>
+              <a:buChar char="•"/>
+            </a:pPr>
+            <a:r>
+              <a:rPr lang="ru-RU" sz="2200" i="1" dirty="0">
+                <a:solidFill>
+                  <a:schemeClr val="tx1"/>
+                </a:solidFill>
+                <a:latin typeface="Georgia" panose="02040502050405020303" pitchFamily="18" charset="0"/>
+              </a:rPr>
+              <a:t> аналитическая работа: </a:t>
+            </a:r>
+            <a:r>
+              <a:rPr lang="ru-RU" sz="2200" dirty="0">
+                <a:solidFill>
+                  <a:schemeClr val="tx1"/>
+                </a:solidFill>
+                <a:latin typeface="Georgia" panose="02040502050405020303" pitchFamily="18" charset="0"/>
+              </a:rPr>
+              <a:t>исследование предметной области, сравнительный анализ открытых языковых моделей, составление качественных запросов для </a:t>
+            </a:r>
+            <a:r>
+              <a:rPr lang="en-US" sz="2200" dirty="0" err="1">
+                <a:solidFill>
+                  <a:schemeClr val="tx1"/>
+                </a:solidFill>
+                <a:latin typeface="Georgia" panose="02040502050405020303" pitchFamily="18" charset="0"/>
+              </a:rPr>
+              <a:t>ChatGPT</a:t>
+            </a:r>
+            <a:r>
+              <a:rPr lang="ru-RU" sz="2200" dirty="0">
+                <a:solidFill>
+                  <a:schemeClr val="tx1"/>
+                </a:solidFill>
+                <a:latin typeface="Georgia" panose="02040502050405020303" pitchFamily="18" charset="0"/>
+              </a:rPr>
+              <a:t>;</a:t>
+            </a:r>
+          </a:p>
+          <a:p>
+            <a:pPr eaLnBrk="1" hangingPunct="1">
+              <a:lnSpc>
+                <a:spcPct val="150000"/>
+              </a:lnSpc>
+              <a:spcAft>
+                <a:spcPts val="1200"/>
+              </a:spcAft>
+              <a:buFont typeface="Arial" charset="0"/>
+              <a:buChar char="•"/>
+            </a:pPr>
+            <a:r>
+              <a:rPr lang="ru-RU" sz="2200" i="1" dirty="0">
+                <a:solidFill>
+                  <a:schemeClr val="tx1"/>
+                </a:solidFill>
+                <a:latin typeface="Georgia" panose="02040502050405020303" pitchFamily="18" charset="0"/>
+              </a:rPr>
+              <a:t> разработка: </a:t>
+            </a:r>
+            <a:r>
+              <a:rPr lang="ru-RU" sz="2200" dirty="0">
+                <a:solidFill>
+                  <a:schemeClr val="tx1"/>
+                </a:solidFill>
+                <a:latin typeface="Georgia" panose="02040502050405020303" pitchFamily="18" charset="0"/>
+              </a:rPr>
+              <a:t>разработка на языке </a:t>
+            </a:r>
+            <a:r>
+              <a:rPr lang="en-US" sz="2200" dirty="0">
+                <a:solidFill>
+                  <a:schemeClr val="tx1"/>
+                </a:solidFill>
+                <a:latin typeface="Georgia" panose="02040502050405020303" pitchFamily="18" charset="0"/>
+              </a:rPr>
+              <a:t>Python</a:t>
+            </a:r>
+            <a:r>
+              <a:rPr lang="ru-RU" sz="2200" dirty="0">
+                <a:solidFill>
+                  <a:schemeClr val="tx1"/>
+                </a:solidFill>
+                <a:latin typeface="Georgia" panose="02040502050405020303" pitchFamily="18" charset="0"/>
+              </a:rPr>
+              <a:t> с использование специальных библиотек;</a:t>
+            </a:r>
+          </a:p>
+          <a:p>
+            <a:pPr eaLnBrk="1" hangingPunct="1">
+              <a:lnSpc>
+                <a:spcPct val="150000"/>
+              </a:lnSpc>
+              <a:spcAft>
+                <a:spcPts val="1200"/>
+              </a:spcAft>
+              <a:buFont typeface="Arial" charset="0"/>
+              <a:buChar char="•"/>
+            </a:pPr>
+            <a:r>
+              <a:rPr lang="ru-RU" sz="2200" i="1" dirty="0">
+                <a:solidFill>
+                  <a:schemeClr val="tx1"/>
+                </a:solidFill>
+                <a:latin typeface="Georgia" panose="02040502050405020303" pitchFamily="18" charset="0"/>
+              </a:rPr>
+              <a:t> ведение проектов: </a:t>
+            </a:r>
+            <a:r>
+              <a:rPr lang="ru-RU" sz="2200" dirty="0">
+                <a:solidFill>
+                  <a:schemeClr val="tx1"/>
+                </a:solidFill>
+                <a:latin typeface="Georgia" panose="02040502050405020303" pitchFamily="18" charset="0"/>
+              </a:rPr>
+              <a:t>распределение обязанностей, коммуникация внутри группы</a:t>
+            </a:r>
+            <a:r>
+              <a:rPr lang="en-US" sz="2200" dirty="0">
+                <a:solidFill>
+                  <a:schemeClr val="tx1"/>
+                </a:solidFill>
+                <a:latin typeface="Georgia" panose="02040502050405020303" pitchFamily="18" charset="0"/>
+              </a:rPr>
+              <a:t>.</a:t>
+            </a:r>
+            <a:endParaRPr lang="ru-RU" sz="2200" i="1" dirty="0">
+              <a:solidFill>
+                <a:schemeClr val="tx1"/>
+              </a:solidFill>
+              <a:latin typeface="Georgia" panose="02040502050405020303" pitchFamily="18" charset="0"/>
+            </a:endParaRPr>
           </a:p>
         </p:txBody>
       </p:sp>
@@ -19798,7 +18435,7 @@
 </p:sld>
 </file>
 
-<file path=ppt/slides/slide16.xml><?xml version="1.0" encoding="utf-8"?>
+<file path=ppt/slides/slide17.xml><?xml version="1.0" encoding="utf-8"?>
 <p:sld xmlns:a="http://schemas.openxmlformats.org/drawingml/2006/main" xmlns:r="http://schemas.openxmlformats.org/officeDocument/2006/relationships" xmlns:p="http://schemas.openxmlformats.org/presentationml/2006/main">
   <p:cSld>
     <p:spTree>
@@ -19942,7 +18579,7 @@
                 <a:latin typeface="Georgia" pitchFamily="18" charset="0"/>
               </a:rPr>
               <a:pPr algn="l"/>
-              <a:t>16</a:t>
+              <a:t>17</a:t>
             </a:fld>
             <a:endParaRPr lang="ru-RU" sz="2700" b="1" dirty="0">
               <a:solidFill>
@@ -20096,7 +18733,7 @@
           <p:nvPr>
             <p:extLst>
               <p:ext uri="{D42A27DB-BD31-4B8C-83A1-F6EECF244321}">
-                <p14:modId xmlns:p14="http://schemas.microsoft.com/office/powerpoint/2010/main" val="1574001805"/>
+                <p14:modId xmlns:p14="http://schemas.microsoft.com/office/powerpoint/2010/main" val="1810260845"/>
               </p:ext>
             </p:extLst>
           </p:nvPr>
@@ -20258,7 +18895,10 @@
                     <a:lstStyle/>
                     <a:p>
                       <a:pPr algn="ctr"/>
-                      <a:endParaRPr lang="ru-RU" sz="2400" dirty="0"/>
+                      <a:r>
+                        <a:rPr lang="ru-RU" sz="2400" dirty="0"/>
+                        <a:t>5</a:t>
+                      </a:r>
                     </a:p>
                   </a:txBody>
                   <a:tcPr anchor="ctr"/>
@@ -20322,7 +18962,10 @@
                     <a:lstStyle/>
                     <a:p>
                       <a:pPr algn="ctr"/>
-                      <a:endParaRPr lang="ru-RU" sz="2400" dirty="0"/>
+                      <a:r>
+                        <a:rPr lang="ru-RU" sz="2400" dirty="0"/>
+                        <a:t>4</a:t>
+                      </a:r>
                     </a:p>
                   </a:txBody>
                   <a:tcPr anchor="ctr"/>
@@ -20381,7 +19024,10 @@
                     <a:lstStyle/>
                     <a:p>
                       <a:pPr algn="ctr"/>
-                      <a:endParaRPr lang="ru-RU" sz="2400" dirty="0"/>
+                      <a:r>
+                        <a:rPr lang="ru-RU" sz="2400" dirty="0"/>
+                        <a:t>5</a:t>
+                      </a:r>
                     </a:p>
                   </a:txBody>
                   <a:tcPr anchor="ctr"/>
@@ -20441,7 +19087,10 @@
                     <a:lstStyle/>
                     <a:p>
                       <a:pPr algn="ctr"/>
-                      <a:endParaRPr lang="ru-RU" sz="2400" dirty="0"/>
+                      <a:r>
+                        <a:rPr lang="ru-RU" sz="2400" dirty="0"/>
+                        <a:t>3</a:t>
+                      </a:r>
                     </a:p>
                   </a:txBody>
                   <a:tcPr anchor="ctr"/>
@@ -20470,7 +19119,7 @@
 </p:sld>
 </file>
 
-<file path=ppt/slides/slide17.xml><?xml version="1.0" encoding="utf-8"?>
+<file path=ppt/slides/slide18.xml><?xml version="1.0" encoding="utf-8"?>
 <p:sld xmlns:a="http://schemas.openxmlformats.org/drawingml/2006/main" xmlns:r="http://schemas.openxmlformats.org/officeDocument/2006/relationships" xmlns:p="http://schemas.openxmlformats.org/presentationml/2006/main">
   <p:cSld>
     <p:spTree>
@@ -20530,7 +19179,7 @@
         </p:nvSpPr>
         <p:spPr>
           <a:xfrm>
-            <a:off x="3238480" y="3143248"/>
+            <a:off x="1353697" y="3143248"/>
             <a:ext cx="5619789" cy="1143008"/>
           </a:xfrm>
           <a:prstGeom prst="roundRect">
@@ -20583,7 +19232,7 @@
         </p:nvSpPr>
         <p:spPr>
           <a:xfrm>
-            <a:off x="2225965" y="2152074"/>
+            <a:off x="341182" y="2152074"/>
             <a:ext cx="7638472" cy="1372178"/>
           </a:xfrm>
           <a:prstGeom prst="roundRect">
@@ -20639,7 +19288,7 @@
         </p:nvSpPr>
         <p:spPr>
           <a:xfrm>
-            <a:off x="3295650" y="3619502"/>
+            <a:off x="1410867" y="3619502"/>
             <a:ext cx="5467350" cy="415498"/>
           </a:xfrm>
           <a:prstGeom prst="rect">
@@ -20738,7 +19387,7 @@
                 <a:latin typeface="Georgia" pitchFamily="18" charset="0"/>
               </a:rPr>
               <a:pPr algn="l"/>
-              <a:t>17</a:t>
+              <a:t>18</a:t>
             </a:fld>
             <a:endParaRPr lang="ru-RU" sz="2700" b="1" dirty="0">
               <a:solidFill>
@@ -20879,6 +19528,36 @@
           </p:spPr>
         </p:pic>
       </p:grpSp>
+      <p:pic>
+        <p:nvPicPr>
+          <p:cNvPr id="3" name="Рисунок 2">
+            <a:extLst>
+              <a:ext uri="{FF2B5EF4-FFF2-40B4-BE49-F238E27FC236}">
+                <a16:creationId xmlns:a16="http://schemas.microsoft.com/office/drawing/2014/main" id="{5F871666-A1C1-1966-56FA-FA48545B4989}"/>
+              </a:ext>
+            </a:extLst>
+          </p:cNvPr>
+          <p:cNvPicPr>
+            <a:picLocks noChangeAspect="1"/>
+          </p:cNvPicPr>
+          <p:nvPr/>
+        </p:nvPicPr>
+        <p:blipFill>
+          <a:blip r:embed="rId5"/>
+          <a:stretch>
+            <a:fillRect/>
+          </a:stretch>
+        </p:blipFill>
+        <p:spPr>
+          <a:xfrm>
+            <a:off x="8210536" y="1755225"/>
+            <a:ext cx="3347550" cy="3347550"/>
+          </a:xfrm>
+          <a:prstGeom prst="rect">
+            <a:avLst/>
+          </a:prstGeom>
+        </p:spPr>
+      </p:pic>
     </p:spTree>
   </p:cSld>
   <p:clrMapOvr>
@@ -20929,7 +19608,15 @@
           <a:p>
             <a:r>
               <a:rPr lang="ru-RU" sz="4000" dirty="0"/>
-              <a:t>Что такое языковые модели?</a:t>
+              <a:t>Что такое языковые модели</a:t>
+            </a:r>
+            <a:r>
+              <a:rPr lang="en-US" sz="4000" dirty="0"/>
+              <a:t> (LLM)</a:t>
+            </a:r>
+            <a:r>
+              <a:rPr lang="ru-RU" sz="4000" dirty="0"/>
+              <a:t>?</a:t>
             </a:r>
           </a:p>
         </p:txBody>
@@ -20962,7 +19649,7 @@
               </a:lnSpc>
             </a:pPr>
             <a:r>
-              <a:rPr lang="ru-RU" sz="2700" dirty="0">
+              <a:rPr lang="ru-RU" sz="2400" dirty="0">
                 <a:latin typeface="Georgia" pitchFamily="18" charset="0"/>
               </a:rPr>
               <a:t>Нейросети для генерации текстового контента.</a:t>
@@ -21241,47 +19928,32 @@
       </p:pic>
       <p:pic>
         <p:nvPicPr>
-          <p:cNvPr id="1028" name="Picture 4" descr="How ChatGPT Works: The Model Behind The Bot | by Molly Ruby | Towards Data  Science">
+          <p:cNvPr id="6" name="Рисунок 5">
             <a:extLst>
               <a:ext uri="{FF2B5EF4-FFF2-40B4-BE49-F238E27FC236}">
-                <a16:creationId xmlns:a16="http://schemas.microsoft.com/office/drawing/2014/main" id="{11CFD65A-D11C-738B-5F1C-8A4AF4F49EF2}"/>
+                <a16:creationId xmlns:a16="http://schemas.microsoft.com/office/drawing/2014/main" id="{25D17B86-C6C7-E02B-6C32-F2BDF1985015}"/>
               </a:ext>
             </a:extLst>
           </p:cNvPr>
           <p:cNvPicPr>
-            <a:picLocks noChangeAspect="1" noChangeArrowheads="1"/>
+            <a:picLocks noChangeAspect="1"/>
           </p:cNvPicPr>
           <p:nvPr/>
         </p:nvPicPr>
-        <p:blipFill rotWithShape="1">
-          <a:blip r:embed="rId3">
-            <a:extLst>
-              <a:ext uri="{28A0092B-C50C-407E-A947-70E740481C1C}">
-                <a14:useLocalDpi xmlns:a14="http://schemas.microsoft.com/office/drawing/2010/main" val="0"/>
-              </a:ext>
-            </a:extLst>
-          </a:blip>
-          <a:srcRect t="16391" b="27152"/>
-          <a:stretch/>
+        <p:blipFill>
+          <a:blip r:embed="rId3"/>
+          <a:stretch>
+            <a:fillRect/>
+          </a:stretch>
         </p:blipFill>
-        <p:spPr bwMode="auto">
+        <p:spPr>
           <a:xfrm>
-            <a:off x="6223518" y="3400721"/>
-            <a:ext cx="5682773" cy="2255117"/>
+            <a:off x="4920759" y="3228455"/>
+            <a:ext cx="7134392" cy="2637791"/>
           </a:xfrm>
           <a:prstGeom prst="rect">
             <a:avLst/>
           </a:prstGeom>
-          <a:noFill/>
-          <a:extLst>
-            <a:ext uri="{909E8E84-426E-40DD-AFC4-6F175D3DCCD1}">
-              <a14:hiddenFill xmlns:a14="http://schemas.microsoft.com/office/drawing/2010/main">
-                <a:solidFill>
-                  <a:srgbClr val="FFFFFF"/>
-                </a:solidFill>
-              </a14:hiddenFill>
-            </a:ext>
-          </a:extLst>
         </p:spPr>
       </p:pic>
     </p:spTree>
@@ -21294,6 +19966,388 @@
 </file>
 
 <file path=ppt/slides/slide3.xml><?xml version="1.0" encoding="utf-8"?>
+<p:sld xmlns:a="http://schemas.openxmlformats.org/drawingml/2006/main" xmlns:r="http://schemas.openxmlformats.org/officeDocument/2006/relationships" xmlns:p="http://schemas.openxmlformats.org/presentationml/2006/main">
+  <p:cSld>
+    <p:spTree>
+      <p:nvGrpSpPr>
+        <p:cNvPr id="1" name=""/>
+        <p:cNvGrpSpPr/>
+        <p:nvPr/>
+      </p:nvGrpSpPr>
+      <p:grpSpPr>
+        <a:xfrm>
+          <a:off x="0" y="0"/>
+          <a:ext cx="0" cy="0"/>
+          <a:chOff x="0" y="0"/>
+          <a:chExt cx="0" cy="0"/>
+        </a:xfrm>
+      </p:grpSpPr>
+      <p:sp>
+        <p:nvSpPr>
+          <p:cNvPr id="2" name="Заголовок 1"/>
+          <p:cNvSpPr>
+            <a:spLocks noGrp="1"/>
+          </p:cNvSpPr>
+          <p:nvPr>
+            <p:ph type="title"/>
+          </p:nvPr>
+        </p:nvSpPr>
+        <p:spPr>
+          <a:xfrm>
+            <a:off x="314325" y="476229"/>
+            <a:ext cx="11229936" cy="657246"/>
+          </a:xfrm>
+        </p:spPr>
+        <p:txBody>
+          <a:bodyPr>
+            <a:noAutofit/>
+          </a:bodyPr>
+          <a:lstStyle/>
+          <a:p>
+            <a:r>
+              <a:rPr lang="ru-RU" sz="4000" dirty="0"/>
+              <a:t>Что такое текстовая ролевая игра?</a:t>
+            </a:r>
+          </a:p>
+        </p:txBody>
+      </p:sp>
+      <p:sp>
+        <p:nvSpPr>
+          <p:cNvPr id="11" name="Прямоугольник 7">
+            <a:extLst>
+              <a:ext uri="{FF2B5EF4-FFF2-40B4-BE49-F238E27FC236}">
+                <a16:creationId xmlns:a16="http://schemas.microsoft.com/office/drawing/2014/main" id="{B0E993FD-2BEC-4BE3-ADD8-B468C58B2BC3}"/>
+              </a:ext>
+            </a:extLst>
+          </p:cNvPr>
+          <p:cNvSpPr/>
+          <p:nvPr/>
+        </p:nvSpPr>
+        <p:spPr>
+          <a:xfrm>
+            <a:off x="0" y="6438899"/>
+            <a:ext cx="12192000" cy="419099"/>
+          </a:xfrm>
+          <a:prstGeom prst="rect">
+            <a:avLst/>
+          </a:prstGeom>
+          <a:solidFill>
+            <a:srgbClr val="00529F"/>
+          </a:solidFill>
+          <a:ln>
+            <a:noFill/>
+          </a:ln>
+        </p:spPr>
+        <p:style>
+          <a:lnRef idx="2">
+            <a:schemeClr val="accent1">
+              <a:shade val="50000"/>
+            </a:schemeClr>
+          </a:lnRef>
+          <a:fillRef idx="1">
+            <a:schemeClr val="accent1"/>
+          </a:fillRef>
+          <a:effectRef idx="0">
+            <a:schemeClr val="accent1"/>
+          </a:effectRef>
+          <a:fontRef idx="minor">
+            <a:schemeClr val="lt1"/>
+          </a:fontRef>
+        </p:style>
+        <p:txBody>
+          <a:bodyPr lIns="121917" tIns="60958" rIns="121917" bIns="60958" rtlCol="0" anchor="ctr"/>
+          <a:lstStyle/>
+          <a:p>
+            <a:pPr algn="ctr"/>
+            <a:endParaRPr lang="ru-RU"/>
+          </a:p>
+        </p:txBody>
+      </p:sp>
+      <p:sp>
+        <p:nvSpPr>
+          <p:cNvPr id="13" name="Номер слайда 11">
+            <a:extLst>
+              <a:ext uri="{FF2B5EF4-FFF2-40B4-BE49-F238E27FC236}">
+                <a16:creationId xmlns:a16="http://schemas.microsoft.com/office/drawing/2014/main" id="{17A2A9E2-459B-4315-9B87-4CD0F1025152}"/>
+              </a:ext>
+            </a:extLst>
+          </p:cNvPr>
+          <p:cNvSpPr txBox="1">
+            <a:spLocks/>
+          </p:cNvSpPr>
+          <p:nvPr/>
+        </p:nvSpPr>
+        <p:spPr>
+          <a:xfrm>
+            <a:off x="11706184" y="6426200"/>
+            <a:ext cx="2844800" cy="365125"/>
+          </a:xfrm>
+          <a:prstGeom prst="rect">
+            <a:avLst/>
+          </a:prstGeom>
+        </p:spPr>
+        <p:txBody>
+          <a:bodyPr vert="horz" lIns="91440" tIns="45720" rIns="91440" bIns="45720" rtlCol="0" anchor="ctr"/>
+          <a:lstStyle>
+            <a:defPPr rtl="0">
+              <a:defRPr lang="ru-RU"/>
+            </a:defPPr>
+            <a:lvl1pPr marL="0" algn="r" defTabSz="914400" rtl="0" eaLnBrk="1" latinLnBrk="0" hangingPunct="1">
+              <a:defRPr sz="1100" kern="1200">
+                <a:solidFill>
+                  <a:schemeClr val="tx1">
+                    <a:lumMod val="90000"/>
+                    <a:lumOff val="10000"/>
+                  </a:schemeClr>
+                </a:solidFill>
+                <a:latin typeface="+mn-lt"/>
+                <a:ea typeface="+mn-ea"/>
+                <a:cs typeface="+mn-cs"/>
+              </a:defRPr>
+            </a:lvl1pPr>
+            <a:lvl2pPr marL="457200" algn="l" defTabSz="914400" rtl="0" eaLnBrk="1" latinLnBrk="0" hangingPunct="1">
+              <a:defRPr sz="1800" kern="1200">
+                <a:solidFill>
+                  <a:schemeClr val="tx1"/>
+                </a:solidFill>
+                <a:latin typeface="+mn-lt"/>
+                <a:ea typeface="+mn-ea"/>
+                <a:cs typeface="+mn-cs"/>
+              </a:defRPr>
+            </a:lvl2pPr>
+            <a:lvl3pPr marL="914400" algn="l" defTabSz="914400" rtl="0" eaLnBrk="1" latinLnBrk="0" hangingPunct="1">
+              <a:defRPr sz="1800" kern="1200">
+                <a:solidFill>
+                  <a:schemeClr val="tx1"/>
+                </a:solidFill>
+                <a:latin typeface="+mn-lt"/>
+                <a:ea typeface="+mn-ea"/>
+                <a:cs typeface="+mn-cs"/>
+              </a:defRPr>
+            </a:lvl3pPr>
+            <a:lvl4pPr marL="1371600" algn="l" defTabSz="914400" rtl="0" eaLnBrk="1" latinLnBrk="0" hangingPunct="1">
+              <a:defRPr sz="1800" kern="1200">
+                <a:solidFill>
+                  <a:schemeClr val="tx1"/>
+                </a:solidFill>
+                <a:latin typeface="+mn-lt"/>
+                <a:ea typeface="+mn-ea"/>
+                <a:cs typeface="+mn-cs"/>
+              </a:defRPr>
+            </a:lvl4pPr>
+            <a:lvl5pPr marL="1828800" algn="l" defTabSz="914400" rtl="0" eaLnBrk="1" latinLnBrk="0" hangingPunct="1">
+              <a:defRPr sz="1800" kern="1200">
+                <a:solidFill>
+                  <a:schemeClr val="tx1"/>
+                </a:solidFill>
+                <a:latin typeface="+mn-lt"/>
+                <a:ea typeface="+mn-ea"/>
+                <a:cs typeface="+mn-cs"/>
+              </a:defRPr>
+            </a:lvl5pPr>
+            <a:lvl6pPr marL="2286000" algn="l" defTabSz="914400" rtl="0" eaLnBrk="1" latinLnBrk="0" hangingPunct="1">
+              <a:defRPr sz="1800" kern="1200">
+                <a:solidFill>
+                  <a:schemeClr val="tx1"/>
+                </a:solidFill>
+                <a:latin typeface="+mn-lt"/>
+                <a:ea typeface="+mn-ea"/>
+                <a:cs typeface="+mn-cs"/>
+              </a:defRPr>
+            </a:lvl6pPr>
+            <a:lvl7pPr marL="2743200" algn="l" defTabSz="914400" rtl="0" eaLnBrk="1" latinLnBrk="0" hangingPunct="1">
+              <a:defRPr sz="1800" kern="1200">
+                <a:solidFill>
+                  <a:schemeClr val="tx1"/>
+                </a:solidFill>
+                <a:latin typeface="+mn-lt"/>
+                <a:ea typeface="+mn-ea"/>
+                <a:cs typeface="+mn-cs"/>
+              </a:defRPr>
+            </a:lvl7pPr>
+            <a:lvl8pPr marL="3200400" algn="l" defTabSz="914400" rtl="0" eaLnBrk="1" latinLnBrk="0" hangingPunct="1">
+              <a:defRPr sz="1800" kern="1200">
+                <a:solidFill>
+                  <a:schemeClr val="tx1"/>
+                </a:solidFill>
+                <a:latin typeface="+mn-lt"/>
+                <a:ea typeface="+mn-ea"/>
+                <a:cs typeface="+mn-cs"/>
+              </a:defRPr>
+            </a:lvl8pPr>
+            <a:lvl9pPr marL="3657600" algn="l" defTabSz="914400" rtl="0" eaLnBrk="1" latinLnBrk="0" hangingPunct="1">
+              <a:defRPr sz="1800" kern="1200">
+                <a:solidFill>
+                  <a:schemeClr val="tx1"/>
+                </a:solidFill>
+                <a:latin typeface="+mn-lt"/>
+                <a:ea typeface="+mn-ea"/>
+                <a:cs typeface="+mn-cs"/>
+              </a:defRPr>
+            </a:lvl9pPr>
+          </a:lstStyle>
+          <a:p>
+            <a:pPr algn="l"/>
+            <a:fld id="{308CF263-2EDD-44CC-8928-FAE4F9823AB4}" type="slidenum">
+              <a:rPr lang="ru-RU" sz="2700" b="1" smtClean="0">
+                <a:solidFill>
+                  <a:schemeClr val="bg1"/>
+                </a:solidFill>
+                <a:latin typeface="Georgia" pitchFamily="18" charset="0"/>
+              </a:rPr>
+              <a:pPr algn="l"/>
+              <a:t>3</a:t>
+            </a:fld>
+            <a:endParaRPr lang="ru-RU" sz="2700" b="1" dirty="0">
+              <a:solidFill>
+                <a:schemeClr val="bg1"/>
+              </a:solidFill>
+              <a:latin typeface="Georgia" pitchFamily="18" charset="0"/>
+            </a:endParaRPr>
+          </a:p>
+        </p:txBody>
+      </p:sp>
+      <p:sp>
+        <p:nvSpPr>
+          <p:cNvPr id="4" name="TextBox 3">
+            <a:extLst>
+              <a:ext uri="{FF2B5EF4-FFF2-40B4-BE49-F238E27FC236}">
+                <a16:creationId xmlns:a16="http://schemas.microsoft.com/office/drawing/2014/main" id="{7519F9D4-0938-260C-28BF-F69139D91249}"/>
+              </a:ext>
+            </a:extLst>
+          </p:cNvPr>
+          <p:cNvSpPr txBox="1"/>
+          <p:nvPr/>
+        </p:nvSpPr>
+        <p:spPr>
+          <a:xfrm>
+            <a:off x="314324" y="1133475"/>
+            <a:ext cx="7206149" cy="4154984"/>
+          </a:xfrm>
+          <a:prstGeom prst="rect">
+            <a:avLst/>
+          </a:prstGeom>
+          <a:noFill/>
+        </p:spPr>
+        <p:txBody>
+          <a:bodyPr wrap="square" rtlCol="0">
+            <a:spAutoFit/>
+          </a:bodyPr>
+          <a:lstStyle/>
+          <a:p>
+            <a:r>
+              <a:rPr lang="ru-RU" sz="2400" b="0" i="0" dirty="0">
+                <a:solidFill>
+                  <a:srgbClr val="24292F"/>
+                </a:solidFill>
+                <a:effectLst/>
+                <a:latin typeface="Georgia" panose="02040502050405020303" pitchFamily="18" charset="0"/>
+              </a:rPr>
+              <a:t>Текстовая ролевая игра - это игровой жанр, в котором игроки взаимодействуют с виртуальным миром через текстовый интерфейс. Основная механика игры основана на чтении описаний событий и ситуаций, а также на написании текстовых команд для взаимодействия с окружающим миром.</a:t>
+            </a:r>
+          </a:p>
+          <a:p>
+            <a:r>
+              <a:rPr lang="ru-RU" sz="2400" dirty="0">
+                <a:latin typeface="Georgia" panose="02040502050405020303" pitchFamily="18" charset="0"/>
+              </a:rPr>
+              <a:t>Ролевые игры предлагают игрокам возможность полностью погрузиться в другой мир, испытать различные роли и участвовать в захватывающем приключении.</a:t>
+            </a:r>
+          </a:p>
+        </p:txBody>
+      </p:sp>
+      <p:pic>
+        <p:nvPicPr>
+          <p:cNvPr id="1026" name="Picture 2" descr="Сленг ролевых | Wiki | Mo Dao Zu Shi [RUS]. Amino">
+            <a:extLst>
+              <a:ext uri="{FF2B5EF4-FFF2-40B4-BE49-F238E27FC236}">
+                <a16:creationId xmlns:a16="http://schemas.microsoft.com/office/drawing/2014/main" id="{115C8941-88EF-4A22-C5E5-6CA793E0E3F6}"/>
+              </a:ext>
+            </a:extLst>
+          </p:cNvPr>
+          <p:cNvPicPr>
+            <a:picLocks noChangeAspect="1" noChangeArrowheads="1"/>
+          </p:cNvPicPr>
+          <p:nvPr/>
+        </p:nvPicPr>
+        <p:blipFill>
+          <a:blip r:embed="rId2">
+            <a:extLst>
+              <a:ext uri="{28A0092B-C50C-407E-A947-70E740481C1C}">
+                <a14:useLocalDpi xmlns:a14="http://schemas.microsoft.com/office/drawing/2010/main" val="0"/>
+              </a:ext>
+            </a:extLst>
+          </a:blip>
+          <a:srcRect/>
+          <a:stretch>
+            <a:fillRect/>
+          </a:stretch>
+        </p:blipFill>
+        <p:spPr bwMode="auto">
+          <a:xfrm>
+            <a:off x="8062760" y="3890963"/>
+            <a:ext cx="3048000" cy="2257425"/>
+          </a:xfrm>
+          <a:prstGeom prst="rect">
+            <a:avLst/>
+          </a:prstGeom>
+          <a:noFill/>
+          <a:extLst>
+            <a:ext uri="{909E8E84-426E-40DD-AFC4-6F175D3DCCD1}">
+              <a14:hiddenFill xmlns:a14="http://schemas.microsoft.com/office/drawing/2010/main">
+                <a:solidFill>
+                  <a:srgbClr val="FFFFFF"/>
+                </a:solidFill>
+              </a14:hiddenFill>
+            </a:ext>
+          </a:extLst>
+        </p:spPr>
+      </p:pic>
+      <p:pic>
+        <p:nvPicPr>
+          <p:cNvPr id="8" name="Рисунок 7">
+            <a:extLst>
+              <a:ext uri="{FF2B5EF4-FFF2-40B4-BE49-F238E27FC236}">
+                <a16:creationId xmlns:a16="http://schemas.microsoft.com/office/drawing/2014/main" id="{C6A68462-28F8-54B9-EAD9-B0C86D903049}"/>
+              </a:ext>
+            </a:extLst>
+          </p:cNvPr>
+          <p:cNvPicPr>
+            <a:picLocks noChangeAspect="1"/>
+          </p:cNvPicPr>
+          <p:nvPr/>
+        </p:nvPicPr>
+        <p:blipFill>
+          <a:blip r:embed="rId3"/>
+          <a:stretch>
+            <a:fillRect/>
+          </a:stretch>
+        </p:blipFill>
+        <p:spPr>
+          <a:xfrm>
+            <a:off x="7618817" y="1023372"/>
+            <a:ext cx="3393599" cy="2867591"/>
+          </a:xfrm>
+          <a:prstGeom prst="rect">
+            <a:avLst/>
+          </a:prstGeom>
+        </p:spPr>
+      </p:pic>
+    </p:spTree>
+    <p:extLst>
+      <p:ext uri="{BB962C8B-B14F-4D97-AF65-F5344CB8AC3E}">
+        <p14:creationId xmlns:p14="http://schemas.microsoft.com/office/powerpoint/2010/main" val="924723042"/>
+      </p:ext>
+    </p:extLst>
+  </p:cSld>
+  <p:clrMapOvr>
+    <a:masterClrMapping/>
+  </p:clrMapOvr>
+  <p:transition spd="med"/>
+</p:sld>
+</file>
+
+<file path=ppt/slides/slide4.xml><?xml version="1.0" encoding="utf-8"?>
 <p:sld xmlns:a="http://schemas.openxmlformats.org/drawingml/2006/main" xmlns:r="http://schemas.openxmlformats.org/officeDocument/2006/relationships" xmlns:p="http://schemas.openxmlformats.org/presentationml/2006/main">
   <p:cSld>
     <p:spTree>
@@ -21469,7 +20523,7 @@
                 <a:latin typeface="Georgia" pitchFamily="18" charset="0"/>
               </a:rPr>
               <a:pPr algn="l"/>
-              <a:t>3</a:t>
+              <a:t>4</a:t>
             </a:fld>
             <a:endParaRPr lang="ru-RU" sz="2700" b="1" dirty="0">
               <a:solidFill>
@@ -21557,7 +20611,7 @@
 </p:sld>
 </file>
 
-<file path=ppt/slides/slide4.xml><?xml version="1.0" encoding="utf-8"?>
+<file path=ppt/slides/slide5.xml><?xml version="1.0" encoding="utf-8"?>
 <p:sld xmlns:a="http://schemas.openxmlformats.org/drawingml/2006/main" xmlns:r="http://schemas.openxmlformats.org/officeDocument/2006/relationships" xmlns:p="http://schemas.openxmlformats.org/presentationml/2006/main">
   <p:cSld>
     <p:spTree>
@@ -21683,7 +20737,7 @@
                 <a:latin typeface="Georgia" pitchFamily="18" charset="0"/>
               </a:rPr>
               <a:pPr algn="l"/>
-              <a:t>4</a:t>
+              <a:t>5</a:t>
             </a:fld>
             <a:endParaRPr lang="ru-RU" sz="2700" b="1" dirty="0">
               <a:solidFill>
@@ -21905,7 +20959,7 @@
 </p:sld>
 </file>
 
-<file path=ppt/slides/slide5.xml><?xml version="1.0" encoding="utf-8"?>
+<file path=ppt/slides/slide6.xml><?xml version="1.0" encoding="utf-8"?>
 <p:sld xmlns:a="http://schemas.openxmlformats.org/drawingml/2006/main" xmlns:r="http://schemas.openxmlformats.org/officeDocument/2006/relationships" xmlns:p="http://schemas.openxmlformats.org/presentationml/2006/main">
   <p:cSld>
     <p:spTree>
@@ -22031,7 +21085,7 @@
                 <a:latin typeface="Georgia" pitchFamily="18" charset="0"/>
               </a:rPr>
               <a:pPr algn="l"/>
-              <a:t>5</a:t>
+              <a:t>6</a:t>
             </a:fld>
             <a:endParaRPr lang="ru-RU" sz="2700" b="1" dirty="0">
               <a:solidFill>
@@ -22202,7 +21256,7 @@
 </p:sld>
 </file>
 
-<file path=ppt/slides/slide6.xml><?xml version="1.0" encoding="utf-8"?>
+<file path=ppt/slides/slide7.xml><?xml version="1.0" encoding="utf-8"?>
 <p:sld xmlns:a="http://schemas.openxmlformats.org/drawingml/2006/main" xmlns:r="http://schemas.openxmlformats.org/officeDocument/2006/relationships" xmlns:p="http://schemas.openxmlformats.org/presentationml/2006/main">
   <p:cSld>
     <p:spTree>
@@ -22322,7 +21376,7 @@
                 <a:latin typeface="Georgia" pitchFamily="18" charset="0"/>
               </a:rPr>
               <a:pPr algn="l"/>
-              <a:t>6</a:t>
+              <a:t>7</a:t>
             </a:fld>
             <a:endParaRPr lang="ru-RU" sz="2700" b="1" dirty="0">
               <a:solidFill>
@@ -22390,16 +21444,25 @@
                 </a:solidFill>
                 <a:latin typeface="Georgia" panose="02040502050405020303" pitchFamily="18" charset="0"/>
               </a:rPr>
-              <a:t> изучить взаимодействие с </a:t>
+              <a:t> выбрать основную языковую модель</a:t>
             </a:r>
+          </a:p>
+          <a:p>
+            <a:pPr>
+              <a:lnSpc>
+                <a:spcPct val="150000"/>
+              </a:lnSpc>
+              <a:buFontTx/>
+              <a:buChar char="-"/>
+            </a:pPr>
             <a:r>
-              <a:rPr lang="en-US" sz="2800" dirty="0" err="1">
+              <a:rPr lang="ru-RU" sz="2800" dirty="0">
                 <a:solidFill>
                   <a:schemeClr val="tx1"/>
                 </a:solidFill>
                 <a:latin typeface="Georgia" panose="02040502050405020303" pitchFamily="18" charset="0"/>
               </a:rPr>
-              <a:t>ChatGPT</a:t>
+              <a:t> изучить взаимодействие с нейросетью</a:t>
             </a:r>
             <a:r>
               <a:rPr lang="en-US" sz="2800" dirty="0">
@@ -22582,7 +21645,7 @@
 </p:sld>
 </file>
 
-<file path=ppt/slides/slide7.xml><?xml version="1.0" encoding="utf-8"?>
+<file path=ppt/slides/slide8.xml><?xml version="1.0" encoding="utf-8"?>
 <p:sld xmlns:a="http://schemas.openxmlformats.org/drawingml/2006/main" xmlns:r="http://schemas.openxmlformats.org/officeDocument/2006/relationships" xmlns:p="http://schemas.openxmlformats.org/presentationml/2006/main">
   <p:cSld>
     <p:spTree>
@@ -22784,7 +21847,368 @@
                 <a:latin typeface="Georgia" pitchFamily="18" charset="0"/>
               </a:rPr>
               <a:pPr algn="l"/>
-              <a:t>7</a:t>
+              <a:t>8</a:t>
+            </a:fld>
+            <a:endParaRPr lang="ru-RU" sz="2700" b="1" dirty="0">
+              <a:solidFill>
+                <a:schemeClr val="bg1"/>
+              </a:solidFill>
+              <a:latin typeface="Georgia" pitchFamily="18" charset="0"/>
+            </a:endParaRPr>
+          </a:p>
+        </p:txBody>
+      </p:sp>
+      <p:sp>
+        <p:nvSpPr>
+          <p:cNvPr id="6" name="Заголовок 1">
+            <a:extLst>
+              <a:ext uri="{FF2B5EF4-FFF2-40B4-BE49-F238E27FC236}">
+                <a16:creationId xmlns:a16="http://schemas.microsoft.com/office/drawing/2014/main" id="{5924C2BC-BE50-42D9-91DA-73EB85EE6BA9}"/>
+              </a:ext>
+            </a:extLst>
+          </p:cNvPr>
+          <p:cNvSpPr>
+            <a:spLocks noGrp="1"/>
+          </p:cNvSpPr>
+          <p:nvPr>
+            <p:ph type="title"/>
+          </p:nvPr>
+        </p:nvSpPr>
+        <p:spPr>
+          <a:xfrm>
+            <a:off x="314325" y="476229"/>
+            <a:ext cx="11229936" cy="657246"/>
+          </a:xfrm>
+        </p:spPr>
+        <p:txBody>
+          <a:bodyPr>
+            <a:noAutofit/>
+          </a:bodyPr>
+          <a:lstStyle/>
+          <a:p>
+            <a:r>
+              <a:rPr lang="ru-RU" sz="4000" dirty="0"/>
+              <a:t>Этапы реализации проекта</a:t>
+            </a:r>
+          </a:p>
+        </p:txBody>
+      </p:sp>
+      <p:sp>
+        <p:nvSpPr>
+          <p:cNvPr id="7" name="TextBox 6">
+            <a:extLst>
+              <a:ext uri="{FF2B5EF4-FFF2-40B4-BE49-F238E27FC236}">
+                <a16:creationId xmlns:a16="http://schemas.microsoft.com/office/drawing/2014/main" id="{FA73080D-085B-49FC-95C3-19BA07AB1E3E}"/>
+              </a:ext>
+            </a:extLst>
+          </p:cNvPr>
+          <p:cNvSpPr txBox="1"/>
+          <p:nvPr/>
+        </p:nvSpPr>
+        <p:spPr>
+          <a:xfrm>
+            <a:off x="285709" y="1304925"/>
+            <a:ext cx="11564546" cy="3163683"/>
+          </a:xfrm>
+          <a:prstGeom prst="rect">
+            <a:avLst/>
+          </a:prstGeom>
+          <a:noFill/>
+        </p:spPr>
+        <p:txBody>
+          <a:bodyPr wrap="square" lIns="121917" tIns="60958" rIns="121917" bIns="60958" rtlCol="0">
+            <a:spAutoFit/>
+          </a:bodyPr>
+          <a:lstStyle/>
+          <a:p>
+            <a:pPr>
+              <a:lnSpc>
+                <a:spcPct val="150000"/>
+              </a:lnSpc>
+            </a:pPr>
+            <a:r>
+              <a:rPr lang="ru-RU" sz="2700" dirty="0">
+                <a:latin typeface="Georgia" pitchFamily="18" charset="0"/>
+              </a:rPr>
+              <a:t>Мы рассмотрели языковые модели, доступные в открытом доступе: </a:t>
+            </a:r>
+            <a:r>
+              <a:rPr lang="en-US" sz="2700" dirty="0">
+                <a:latin typeface="Georgia" pitchFamily="18" charset="0"/>
+              </a:rPr>
+              <a:t>ChatGPT, </a:t>
+            </a:r>
+            <a:r>
+              <a:rPr lang="en-US" sz="2700" dirty="0" err="1">
+                <a:latin typeface="Georgia" pitchFamily="18" charset="0"/>
+              </a:rPr>
+              <a:t>GigaChat</a:t>
+            </a:r>
+            <a:r>
+              <a:rPr lang="en-US" sz="2700" dirty="0">
+                <a:latin typeface="Georgia" pitchFamily="18" charset="0"/>
+              </a:rPr>
+              <a:t>, Llama, Bard. </a:t>
+            </a:r>
+            <a:r>
+              <a:rPr lang="ru-RU" sz="2700" dirty="0">
+                <a:latin typeface="Georgia" pitchFamily="18" charset="0"/>
+              </a:rPr>
+              <a:t>В итоге выбрали </a:t>
+            </a:r>
+            <a:r>
+              <a:rPr lang="en-US" sz="2700" dirty="0">
+                <a:latin typeface="Georgia" pitchFamily="18" charset="0"/>
+              </a:rPr>
+              <a:t>ChatGPT </a:t>
+            </a:r>
+            <a:r>
+              <a:rPr lang="ru-RU" sz="2700" dirty="0">
+                <a:latin typeface="Georgia" pitchFamily="18" charset="0"/>
+              </a:rPr>
+              <a:t>по следующим причинам: много информации об этой нейросети, готовая библиотека для </a:t>
+            </a:r>
+            <a:r>
+              <a:rPr lang="en-US" sz="2700" dirty="0">
+                <a:latin typeface="Georgia" pitchFamily="18" charset="0"/>
+              </a:rPr>
+              <a:t>Python, </a:t>
+            </a:r>
+            <a:r>
+              <a:rPr lang="ru-RU" sz="2700" dirty="0">
+                <a:latin typeface="Georgia" pitchFamily="18" charset="0"/>
+              </a:rPr>
+              <a:t>есть проекты, которые предоставляют бесплатный доступ к </a:t>
+            </a:r>
+            <a:r>
+              <a:rPr lang="en-US" sz="2700" dirty="0">
+                <a:latin typeface="Georgia" pitchFamily="18" charset="0"/>
+              </a:rPr>
+              <a:t>ChatGPT.</a:t>
+            </a:r>
+            <a:endParaRPr lang="ru-RU" sz="2400" dirty="0">
+              <a:latin typeface="Georgia" pitchFamily="18" charset="0"/>
+            </a:endParaRPr>
+          </a:p>
+        </p:txBody>
+      </p:sp>
+    </p:spTree>
+    <p:extLst>
+      <p:ext uri="{BB962C8B-B14F-4D97-AF65-F5344CB8AC3E}">
+        <p14:creationId xmlns:p14="http://schemas.microsoft.com/office/powerpoint/2010/main" val="1987800457"/>
+      </p:ext>
+    </p:extLst>
+  </p:cSld>
+  <p:clrMapOvr>
+    <a:masterClrMapping/>
+  </p:clrMapOvr>
+  <p:transition spd="med"/>
+</p:sld>
+</file>
+
+<file path=ppt/slides/slide9.xml><?xml version="1.0" encoding="utf-8"?>
+<p:sld xmlns:a="http://schemas.openxmlformats.org/drawingml/2006/main" xmlns:r="http://schemas.openxmlformats.org/officeDocument/2006/relationships" xmlns:p="http://schemas.openxmlformats.org/presentationml/2006/main">
+  <p:cSld>
+    <p:spTree>
+      <p:nvGrpSpPr>
+        <p:cNvPr id="1" name=""/>
+        <p:cNvGrpSpPr/>
+        <p:nvPr/>
+      </p:nvGrpSpPr>
+      <p:grpSpPr>
+        <a:xfrm>
+          <a:off x="0" y="0"/>
+          <a:ext cx="0" cy="0"/>
+          <a:chOff x="0" y="0"/>
+          <a:chExt cx="0" cy="0"/>
+        </a:xfrm>
+      </p:grpSpPr>
+      <p:sp>
+        <p:nvSpPr>
+          <p:cNvPr id="4" name="Прямоугольник 7">
+            <a:extLst>
+              <a:ext uri="{FF2B5EF4-FFF2-40B4-BE49-F238E27FC236}">
+                <a16:creationId xmlns:a16="http://schemas.microsoft.com/office/drawing/2014/main" id="{23254D1D-D9ED-41BC-91DB-10EE5C44A5F5}"/>
+              </a:ext>
+            </a:extLst>
+          </p:cNvPr>
+          <p:cNvSpPr/>
+          <p:nvPr/>
+        </p:nvSpPr>
+        <p:spPr>
+          <a:xfrm>
+            <a:off x="0" y="6438899"/>
+            <a:ext cx="12192000" cy="419099"/>
+          </a:xfrm>
+          <a:prstGeom prst="rect">
+            <a:avLst/>
+          </a:prstGeom>
+          <a:solidFill>
+            <a:srgbClr val="00529F"/>
+          </a:solidFill>
+          <a:ln>
+            <a:noFill/>
+          </a:ln>
+        </p:spPr>
+        <p:style>
+          <a:lnRef idx="2">
+            <a:schemeClr val="accent1">
+              <a:shade val="50000"/>
+            </a:schemeClr>
+          </a:lnRef>
+          <a:fillRef idx="1">
+            <a:schemeClr val="accent1"/>
+          </a:fillRef>
+          <a:effectRef idx="0">
+            <a:schemeClr val="accent1"/>
+          </a:effectRef>
+          <a:fontRef idx="minor">
+            <a:schemeClr val="lt1"/>
+          </a:fontRef>
+        </p:style>
+        <p:txBody>
+          <a:bodyPr lIns="121917" tIns="60958" rIns="121917" bIns="60958" rtlCol="0" anchor="ctr"/>
+          <a:lstStyle/>
+          <a:p>
+            <a:pPr algn="ctr"/>
+            <a:endParaRPr lang="ru-RU"/>
+          </a:p>
+        </p:txBody>
+      </p:sp>
+      <p:sp>
+        <p:nvSpPr>
+          <p:cNvPr id="5" name="Номер слайда 11">
+            <a:extLst>
+              <a:ext uri="{FF2B5EF4-FFF2-40B4-BE49-F238E27FC236}">
+                <a16:creationId xmlns:a16="http://schemas.microsoft.com/office/drawing/2014/main" id="{B6AB22DF-DC90-4BBE-A9D3-479E22F06D5D}"/>
+              </a:ext>
+            </a:extLst>
+          </p:cNvPr>
+          <p:cNvSpPr txBox="1">
+            <a:spLocks/>
+          </p:cNvSpPr>
+          <p:nvPr/>
+        </p:nvSpPr>
+        <p:spPr>
+          <a:xfrm>
+            <a:off x="11706184" y="6426200"/>
+            <a:ext cx="2844800" cy="365125"/>
+          </a:xfrm>
+          <a:prstGeom prst="rect">
+            <a:avLst/>
+          </a:prstGeom>
+        </p:spPr>
+        <p:txBody>
+          <a:bodyPr vert="horz" lIns="91440" tIns="45720" rIns="91440" bIns="45720" rtlCol="0" anchor="ctr"/>
+          <a:lstStyle>
+            <a:defPPr rtl="0">
+              <a:defRPr lang="ru-RU"/>
+            </a:defPPr>
+            <a:lvl1pPr marL="0" algn="r" defTabSz="914400" rtl="0" eaLnBrk="1" latinLnBrk="0" hangingPunct="1">
+              <a:defRPr sz="1100" kern="1200">
+                <a:solidFill>
+                  <a:schemeClr val="tx1">
+                    <a:lumMod val="90000"/>
+                    <a:lumOff val="10000"/>
+                  </a:schemeClr>
+                </a:solidFill>
+                <a:latin typeface="+mn-lt"/>
+                <a:ea typeface="+mn-ea"/>
+                <a:cs typeface="+mn-cs"/>
+              </a:defRPr>
+            </a:lvl1pPr>
+            <a:lvl2pPr marL="457200" algn="l" defTabSz="914400" rtl="0" eaLnBrk="1" latinLnBrk="0" hangingPunct="1">
+              <a:defRPr sz="1800" kern="1200">
+                <a:solidFill>
+                  <a:schemeClr val="tx1"/>
+                </a:solidFill>
+                <a:latin typeface="+mn-lt"/>
+                <a:ea typeface="+mn-ea"/>
+                <a:cs typeface="+mn-cs"/>
+              </a:defRPr>
+            </a:lvl2pPr>
+            <a:lvl3pPr marL="914400" algn="l" defTabSz="914400" rtl="0" eaLnBrk="1" latinLnBrk="0" hangingPunct="1">
+              <a:defRPr sz="1800" kern="1200">
+                <a:solidFill>
+                  <a:schemeClr val="tx1"/>
+                </a:solidFill>
+                <a:latin typeface="+mn-lt"/>
+                <a:ea typeface="+mn-ea"/>
+                <a:cs typeface="+mn-cs"/>
+              </a:defRPr>
+            </a:lvl3pPr>
+            <a:lvl4pPr marL="1371600" algn="l" defTabSz="914400" rtl="0" eaLnBrk="1" latinLnBrk="0" hangingPunct="1">
+              <a:defRPr sz="1800" kern="1200">
+                <a:solidFill>
+                  <a:schemeClr val="tx1"/>
+                </a:solidFill>
+                <a:latin typeface="+mn-lt"/>
+                <a:ea typeface="+mn-ea"/>
+                <a:cs typeface="+mn-cs"/>
+              </a:defRPr>
+            </a:lvl4pPr>
+            <a:lvl5pPr marL="1828800" algn="l" defTabSz="914400" rtl="0" eaLnBrk="1" latinLnBrk="0" hangingPunct="1">
+              <a:defRPr sz="1800" kern="1200">
+                <a:solidFill>
+                  <a:schemeClr val="tx1"/>
+                </a:solidFill>
+                <a:latin typeface="+mn-lt"/>
+                <a:ea typeface="+mn-ea"/>
+                <a:cs typeface="+mn-cs"/>
+              </a:defRPr>
+            </a:lvl5pPr>
+            <a:lvl6pPr marL="2286000" algn="l" defTabSz="914400" rtl="0" eaLnBrk="1" latinLnBrk="0" hangingPunct="1">
+              <a:defRPr sz="1800" kern="1200">
+                <a:solidFill>
+                  <a:schemeClr val="tx1"/>
+                </a:solidFill>
+                <a:latin typeface="+mn-lt"/>
+                <a:ea typeface="+mn-ea"/>
+                <a:cs typeface="+mn-cs"/>
+              </a:defRPr>
+            </a:lvl6pPr>
+            <a:lvl7pPr marL="2743200" algn="l" defTabSz="914400" rtl="0" eaLnBrk="1" latinLnBrk="0" hangingPunct="1">
+              <a:defRPr sz="1800" kern="1200">
+                <a:solidFill>
+                  <a:schemeClr val="tx1"/>
+                </a:solidFill>
+                <a:latin typeface="+mn-lt"/>
+                <a:ea typeface="+mn-ea"/>
+                <a:cs typeface="+mn-cs"/>
+              </a:defRPr>
+            </a:lvl7pPr>
+            <a:lvl8pPr marL="3200400" algn="l" defTabSz="914400" rtl="0" eaLnBrk="1" latinLnBrk="0" hangingPunct="1">
+              <a:defRPr sz="1800" kern="1200">
+                <a:solidFill>
+                  <a:schemeClr val="tx1"/>
+                </a:solidFill>
+                <a:latin typeface="+mn-lt"/>
+                <a:ea typeface="+mn-ea"/>
+                <a:cs typeface="+mn-cs"/>
+              </a:defRPr>
+            </a:lvl8pPr>
+            <a:lvl9pPr marL="3657600" algn="l" defTabSz="914400" rtl="0" eaLnBrk="1" latinLnBrk="0" hangingPunct="1">
+              <a:defRPr sz="1800" kern="1200">
+                <a:solidFill>
+                  <a:schemeClr val="tx1"/>
+                </a:solidFill>
+                <a:latin typeface="+mn-lt"/>
+                <a:ea typeface="+mn-ea"/>
+                <a:cs typeface="+mn-cs"/>
+              </a:defRPr>
+            </a:lvl9pPr>
+          </a:lstStyle>
+          <a:p>
+            <a:pPr algn="l"/>
+            <a:fld id="{308CF263-2EDD-44CC-8928-FAE4F9823AB4}" type="slidenum">
+              <a:rPr lang="ru-RU" sz="2700" b="1" smtClean="0">
+                <a:solidFill>
+                  <a:schemeClr val="bg1"/>
+                </a:solidFill>
+                <a:latin typeface="Georgia" pitchFamily="18" charset="0"/>
+              </a:rPr>
+              <a:pPr algn="l"/>
+              <a:t>9</a:t>
             </a:fld>
             <a:endParaRPr lang="ru-RU" sz="2700" b="1" dirty="0">
               <a:solidFill>
@@ -22909,632 +22333,6 @@
     <p:extLst>
       <p:ext uri="{BB962C8B-B14F-4D97-AF65-F5344CB8AC3E}">
         <p14:creationId xmlns:p14="http://schemas.microsoft.com/office/powerpoint/2010/main" val="3522613501"/>
-      </p:ext>
-    </p:extLst>
-  </p:cSld>
-  <p:clrMapOvr>
-    <a:masterClrMapping/>
-  </p:clrMapOvr>
-  <p:transition spd="med"/>
-</p:sld>
-</file>
-
-<file path=ppt/slides/slide8.xml><?xml version="1.0" encoding="utf-8"?>
-<p:sld xmlns:a="http://schemas.openxmlformats.org/drawingml/2006/main" xmlns:r="http://schemas.openxmlformats.org/officeDocument/2006/relationships" xmlns:p="http://schemas.openxmlformats.org/presentationml/2006/main">
-  <p:cSld>
-    <p:spTree>
-      <p:nvGrpSpPr>
-        <p:cNvPr id="1" name=""/>
-        <p:cNvGrpSpPr/>
-        <p:nvPr/>
-      </p:nvGrpSpPr>
-      <p:grpSpPr>
-        <a:xfrm>
-          <a:off x="0" y="0"/>
-          <a:ext cx="0" cy="0"/>
-          <a:chOff x="0" y="0"/>
-          <a:chExt cx="0" cy="0"/>
-        </a:xfrm>
-      </p:grpSpPr>
-      <p:sp>
-        <p:nvSpPr>
-          <p:cNvPr id="4" name="Прямоугольник 7">
-            <a:extLst>
-              <a:ext uri="{FF2B5EF4-FFF2-40B4-BE49-F238E27FC236}">
-                <a16:creationId xmlns:a16="http://schemas.microsoft.com/office/drawing/2014/main" id="{23254D1D-D9ED-41BC-91DB-10EE5C44A5F5}"/>
-              </a:ext>
-            </a:extLst>
-          </p:cNvPr>
-          <p:cNvSpPr/>
-          <p:nvPr/>
-        </p:nvSpPr>
-        <p:spPr>
-          <a:xfrm>
-            <a:off x="0" y="6438899"/>
-            <a:ext cx="12192000" cy="419099"/>
-          </a:xfrm>
-          <a:prstGeom prst="rect">
-            <a:avLst/>
-          </a:prstGeom>
-          <a:solidFill>
-            <a:srgbClr val="00529F"/>
-          </a:solidFill>
-          <a:ln>
-            <a:noFill/>
-          </a:ln>
-        </p:spPr>
-        <p:style>
-          <a:lnRef idx="2">
-            <a:schemeClr val="accent1">
-              <a:shade val="50000"/>
-            </a:schemeClr>
-          </a:lnRef>
-          <a:fillRef idx="1">
-            <a:schemeClr val="accent1"/>
-          </a:fillRef>
-          <a:effectRef idx="0">
-            <a:schemeClr val="accent1"/>
-          </a:effectRef>
-          <a:fontRef idx="minor">
-            <a:schemeClr val="lt1"/>
-          </a:fontRef>
-        </p:style>
-        <p:txBody>
-          <a:bodyPr lIns="121917" tIns="60958" rIns="121917" bIns="60958" rtlCol="0" anchor="ctr"/>
-          <a:lstStyle/>
-          <a:p>
-            <a:pPr algn="ctr"/>
-            <a:endParaRPr lang="ru-RU"/>
-          </a:p>
-        </p:txBody>
-      </p:sp>
-      <p:sp>
-        <p:nvSpPr>
-          <p:cNvPr id="5" name="Номер слайда 11">
-            <a:extLst>
-              <a:ext uri="{FF2B5EF4-FFF2-40B4-BE49-F238E27FC236}">
-                <a16:creationId xmlns:a16="http://schemas.microsoft.com/office/drawing/2014/main" id="{B6AB22DF-DC90-4BBE-A9D3-479E22F06D5D}"/>
-              </a:ext>
-            </a:extLst>
-          </p:cNvPr>
-          <p:cNvSpPr txBox="1">
-            <a:spLocks/>
-          </p:cNvSpPr>
-          <p:nvPr/>
-        </p:nvSpPr>
-        <p:spPr>
-          <a:xfrm>
-            <a:off x="11706184" y="6426200"/>
-            <a:ext cx="2844800" cy="365125"/>
-          </a:xfrm>
-          <a:prstGeom prst="rect">
-            <a:avLst/>
-          </a:prstGeom>
-        </p:spPr>
-        <p:txBody>
-          <a:bodyPr vert="horz" lIns="91440" tIns="45720" rIns="91440" bIns="45720" rtlCol="0" anchor="ctr"/>
-          <a:lstStyle>
-            <a:defPPr rtl="0">
-              <a:defRPr lang="ru-RU"/>
-            </a:defPPr>
-            <a:lvl1pPr marL="0" algn="r" defTabSz="914400" rtl="0" eaLnBrk="1" latinLnBrk="0" hangingPunct="1">
-              <a:defRPr sz="1100" kern="1200">
-                <a:solidFill>
-                  <a:schemeClr val="tx1">
-                    <a:lumMod val="90000"/>
-                    <a:lumOff val="10000"/>
-                  </a:schemeClr>
-                </a:solidFill>
-                <a:latin typeface="+mn-lt"/>
-                <a:ea typeface="+mn-ea"/>
-                <a:cs typeface="+mn-cs"/>
-              </a:defRPr>
-            </a:lvl1pPr>
-            <a:lvl2pPr marL="457200" algn="l" defTabSz="914400" rtl="0" eaLnBrk="1" latinLnBrk="0" hangingPunct="1">
-              <a:defRPr sz="1800" kern="1200">
-                <a:solidFill>
-                  <a:schemeClr val="tx1"/>
-                </a:solidFill>
-                <a:latin typeface="+mn-lt"/>
-                <a:ea typeface="+mn-ea"/>
-                <a:cs typeface="+mn-cs"/>
-              </a:defRPr>
-            </a:lvl2pPr>
-            <a:lvl3pPr marL="914400" algn="l" defTabSz="914400" rtl="0" eaLnBrk="1" latinLnBrk="0" hangingPunct="1">
-              <a:defRPr sz="1800" kern="1200">
-                <a:solidFill>
-                  <a:schemeClr val="tx1"/>
-                </a:solidFill>
-                <a:latin typeface="+mn-lt"/>
-                <a:ea typeface="+mn-ea"/>
-                <a:cs typeface="+mn-cs"/>
-              </a:defRPr>
-            </a:lvl3pPr>
-            <a:lvl4pPr marL="1371600" algn="l" defTabSz="914400" rtl="0" eaLnBrk="1" latinLnBrk="0" hangingPunct="1">
-              <a:defRPr sz="1800" kern="1200">
-                <a:solidFill>
-                  <a:schemeClr val="tx1"/>
-                </a:solidFill>
-                <a:latin typeface="+mn-lt"/>
-                <a:ea typeface="+mn-ea"/>
-                <a:cs typeface="+mn-cs"/>
-              </a:defRPr>
-            </a:lvl4pPr>
-            <a:lvl5pPr marL="1828800" algn="l" defTabSz="914400" rtl="0" eaLnBrk="1" latinLnBrk="0" hangingPunct="1">
-              <a:defRPr sz="1800" kern="1200">
-                <a:solidFill>
-                  <a:schemeClr val="tx1"/>
-                </a:solidFill>
-                <a:latin typeface="+mn-lt"/>
-                <a:ea typeface="+mn-ea"/>
-                <a:cs typeface="+mn-cs"/>
-              </a:defRPr>
-            </a:lvl5pPr>
-            <a:lvl6pPr marL="2286000" algn="l" defTabSz="914400" rtl="0" eaLnBrk="1" latinLnBrk="0" hangingPunct="1">
-              <a:defRPr sz="1800" kern="1200">
-                <a:solidFill>
-                  <a:schemeClr val="tx1"/>
-                </a:solidFill>
-                <a:latin typeface="+mn-lt"/>
-                <a:ea typeface="+mn-ea"/>
-                <a:cs typeface="+mn-cs"/>
-              </a:defRPr>
-            </a:lvl6pPr>
-            <a:lvl7pPr marL="2743200" algn="l" defTabSz="914400" rtl="0" eaLnBrk="1" latinLnBrk="0" hangingPunct="1">
-              <a:defRPr sz="1800" kern="1200">
-                <a:solidFill>
-                  <a:schemeClr val="tx1"/>
-                </a:solidFill>
-                <a:latin typeface="+mn-lt"/>
-                <a:ea typeface="+mn-ea"/>
-                <a:cs typeface="+mn-cs"/>
-              </a:defRPr>
-            </a:lvl7pPr>
-            <a:lvl8pPr marL="3200400" algn="l" defTabSz="914400" rtl="0" eaLnBrk="1" latinLnBrk="0" hangingPunct="1">
-              <a:defRPr sz="1800" kern="1200">
-                <a:solidFill>
-                  <a:schemeClr val="tx1"/>
-                </a:solidFill>
-                <a:latin typeface="+mn-lt"/>
-                <a:ea typeface="+mn-ea"/>
-                <a:cs typeface="+mn-cs"/>
-              </a:defRPr>
-            </a:lvl8pPr>
-            <a:lvl9pPr marL="3657600" algn="l" defTabSz="914400" rtl="0" eaLnBrk="1" latinLnBrk="0" hangingPunct="1">
-              <a:defRPr sz="1800" kern="1200">
-                <a:solidFill>
-                  <a:schemeClr val="tx1"/>
-                </a:solidFill>
-                <a:latin typeface="+mn-lt"/>
-                <a:ea typeface="+mn-ea"/>
-                <a:cs typeface="+mn-cs"/>
-              </a:defRPr>
-            </a:lvl9pPr>
-          </a:lstStyle>
-          <a:p>
-            <a:pPr algn="l"/>
-            <a:fld id="{308CF263-2EDD-44CC-8928-FAE4F9823AB4}" type="slidenum">
-              <a:rPr lang="ru-RU" sz="2700" b="1" smtClean="0">
-                <a:solidFill>
-                  <a:schemeClr val="bg1"/>
-                </a:solidFill>
-                <a:latin typeface="Georgia" pitchFamily="18" charset="0"/>
-              </a:rPr>
-              <a:pPr algn="l"/>
-              <a:t>8</a:t>
-            </a:fld>
-            <a:endParaRPr lang="ru-RU" sz="2700" b="1" dirty="0">
-              <a:solidFill>
-                <a:schemeClr val="bg1"/>
-              </a:solidFill>
-              <a:latin typeface="Georgia" pitchFamily="18" charset="0"/>
-            </a:endParaRPr>
-          </a:p>
-        </p:txBody>
-      </p:sp>
-      <p:sp>
-        <p:nvSpPr>
-          <p:cNvPr id="6" name="Заголовок 1">
-            <a:extLst>
-              <a:ext uri="{FF2B5EF4-FFF2-40B4-BE49-F238E27FC236}">
-                <a16:creationId xmlns:a16="http://schemas.microsoft.com/office/drawing/2014/main" id="{5924C2BC-BE50-42D9-91DA-73EB85EE6BA9}"/>
-              </a:ext>
-            </a:extLst>
-          </p:cNvPr>
-          <p:cNvSpPr>
-            <a:spLocks noGrp="1"/>
-          </p:cNvSpPr>
-          <p:nvPr>
-            <p:ph type="title"/>
-          </p:nvPr>
-        </p:nvSpPr>
-        <p:spPr>
-          <a:xfrm>
-            <a:off x="314325" y="476229"/>
-            <a:ext cx="11229936" cy="657246"/>
-          </a:xfrm>
-        </p:spPr>
-        <p:txBody>
-          <a:bodyPr>
-            <a:noAutofit/>
-          </a:bodyPr>
-          <a:lstStyle/>
-          <a:p>
-            <a:r>
-              <a:rPr lang="ru-RU" sz="4000" dirty="0"/>
-              <a:t>Этапы реализации проекта</a:t>
-            </a:r>
-          </a:p>
-        </p:txBody>
-      </p:sp>
-      <p:sp>
-        <p:nvSpPr>
-          <p:cNvPr id="7" name="TextBox 6">
-            <a:extLst>
-              <a:ext uri="{FF2B5EF4-FFF2-40B4-BE49-F238E27FC236}">
-                <a16:creationId xmlns:a16="http://schemas.microsoft.com/office/drawing/2014/main" id="{FA73080D-085B-49FC-95C3-19BA07AB1E3E}"/>
-              </a:ext>
-            </a:extLst>
-          </p:cNvPr>
-          <p:cNvSpPr txBox="1"/>
-          <p:nvPr/>
-        </p:nvSpPr>
-        <p:spPr>
-          <a:xfrm>
-            <a:off x="285709" y="1304925"/>
-            <a:ext cx="11564546" cy="1293940"/>
-          </a:xfrm>
-          <a:prstGeom prst="rect">
-            <a:avLst/>
-          </a:prstGeom>
-          <a:noFill/>
-        </p:spPr>
-        <p:txBody>
-          <a:bodyPr wrap="square" lIns="121917" tIns="60958" rIns="121917" bIns="60958" rtlCol="0">
-            <a:spAutoFit/>
-          </a:bodyPr>
-          <a:lstStyle/>
-          <a:p>
-            <a:pPr>
-              <a:lnSpc>
-                <a:spcPct val="150000"/>
-              </a:lnSpc>
-            </a:pPr>
-            <a:r>
-              <a:rPr lang="ru-RU" sz="2700" dirty="0">
-                <a:latin typeface="Georgia" pitchFamily="18" charset="0"/>
-              </a:rPr>
-              <a:t>Мы придумали способ взаимодействия с журналом игрока и нейросети, внедрили механизм в раннее созданный прототип.</a:t>
-            </a:r>
-            <a:endParaRPr lang="ru-RU" sz="2400" dirty="0">
-              <a:latin typeface="Georgia" pitchFamily="18" charset="0"/>
-            </a:endParaRPr>
-          </a:p>
-        </p:txBody>
-      </p:sp>
-    </p:spTree>
-    <p:extLst>
-      <p:ext uri="{BB962C8B-B14F-4D97-AF65-F5344CB8AC3E}">
-        <p14:creationId xmlns:p14="http://schemas.microsoft.com/office/powerpoint/2010/main" val="1239738548"/>
-      </p:ext>
-    </p:extLst>
-  </p:cSld>
-  <p:clrMapOvr>
-    <a:masterClrMapping/>
-  </p:clrMapOvr>
-  <p:transition spd="med"/>
-</p:sld>
-</file>
-
-<file path=ppt/slides/slide9.xml><?xml version="1.0" encoding="utf-8"?>
-<p:sld xmlns:a="http://schemas.openxmlformats.org/drawingml/2006/main" xmlns:r="http://schemas.openxmlformats.org/officeDocument/2006/relationships" xmlns:p="http://schemas.openxmlformats.org/presentationml/2006/main">
-  <p:cSld>
-    <p:spTree>
-      <p:nvGrpSpPr>
-        <p:cNvPr id="1" name=""/>
-        <p:cNvGrpSpPr/>
-        <p:nvPr/>
-      </p:nvGrpSpPr>
-      <p:grpSpPr>
-        <a:xfrm>
-          <a:off x="0" y="0"/>
-          <a:ext cx="0" cy="0"/>
-          <a:chOff x="0" y="0"/>
-          <a:chExt cx="0" cy="0"/>
-        </a:xfrm>
-      </p:grpSpPr>
-      <p:sp>
-        <p:nvSpPr>
-          <p:cNvPr id="4" name="Прямоугольник 7">
-            <a:extLst>
-              <a:ext uri="{FF2B5EF4-FFF2-40B4-BE49-F238E27FC236}">
-                <a16:creationId xmlns:a16="http://schemas.microsoft.com/office/drawing/2014/main" id="{23254D1D-D9ED-41BC-91DB-10EE5C44A5F5}"/>
-              </a:ext>
-            </a:extLst>
-          </p:cNvPr>
-          <p:cNvSpPr/>
-          <p:nvPr/>
-        </p:nvSpPr>
-        <p:spPr>
-          <a:xfrm>
-            <a:off x="0" y="6438899"/>
-            <a:ext cx="12192000" cy="419099"/>
-          </a:xfrm>
-          <a:prstGeom prst="rect">
-            <a:avLst/>
-          </a:prstGeom>
-          <a:solidFill>
-            <a:srgbClr val="00529F"/>
-          </a:solidFill>
-          <a:ln>
-            <a:noFill/>
-          </a:ln>
-        </p:spPr>
-        <p:style>
-          <a:lnRef idx="2">
-            <a:schemeClr val="accent1">
-              <a:shade val="50000"/>
-            </a:schemeClr>
-          </a:lnRef>
-          <a:fillRef idx="1">
-            <a:schemeClr val="accent1"/>
-          </a:fillRef>
-          <a:effectRef idx="0">
-            <a:schemeClr val="accent1"/>
-          </a:effectRef>
-          <a:fontRef idx="minor">
-            <a:schemeClr val="lt1"/>
-          </a:fontRef>
-        </p:style>
-        <p:txBody>
-          <a:bodyPr lIns="121917" tIns="60958" rIns="121917" bIns="60958" rtlCol="0" anchor="ctr"/>
-          <a:lstStyle/>
-          <a:p>
-            <a:pPr algn="ctr"/>
-            <a:endParaRPr lang="ru-RU"/>
-          </a:p>
-        </p:txBody>
-      </p:sp>
-      <p:sp>
-        <p:nvSpPr>
-          <p:cNvPr id="5" name="Номер слайда 11">
-            <a:extLst>
-              <a:ext uri="{FF2B5EF4-FFF2-40B4-BE49-F238E27FC236}">
-                <a16:creationId xmlns:a16="http://schemas.microsoft.com/office/drawing/2014/main" id="{B6AB22DF-DC90-4BBE-A9D3-479E22F06D5D}"/>
-              </a:ext>
-            </a:extLst>
-          </p:cNvPr>
-          <p:cNvSpPr txBox="1">
-            <a:spLocks/>
-          </p:cNvSpPr>
-          <p:nvPr/>
-        </p:nvSpPr>
-        <p:spPr>
-          <a:xfrm>
-            <a:off x="11706184" y="6426200"/>
-            <a:ext cx="2844800" cy="365125"/>
-          </a:xfrm>
-          <a:prstGeom prst="rect">
-            <a:avLst/>
-          </a:prstGeom>
-        </p:spPr>
-        <p:txBody>
-          <a:bodyPr vert="horz" lIns="91440" tIns="45720" rIns="91440" bIns="45720" rtlCol="0" anchor="ctr"/>
-          <a:lstStyle>
-            <a:defPPr rtl="0">
-              <a:defRPr lang="ru-RU"/>
-            </a:defPPr>
-            <a:lvl1pPr marL="0" algn="r" defTabSz="914400" rtl="0" eaLnBrk="1" latinLnBrk="0" hangingPunct="1">
-              <a:defRPr sz="1100" kern="1200">
-                <a:solidFill>
-                  <a:schemeClr val="tx1">
-                    <a:lumMod val="90000"/>
-                    <a:lumOff val="10000"/>
-                  </a:schemeClr>
-                </a:solidFill>
-                <a:latin typeface="+mn-lt"/>
-                <a:ea typeface="+mn-ea"/>
-                <a:cs typeface="+mn-cs"/>
-              </a:defRPr>
-            </a:lvl1pPr>
-            <a:lvl2pPr marL="457200" algn="l" defTabSz="914400" rtl="0" eaLnBrk="1" latinLnBrk="0" hangingPunct="1">
-              <a:defRPr sz="1800" kern="1200">
-                <a:solidFill>
-                  <a:schemeClr val="tx1"/>
-                </a:solidFill>
-                <a:latin typeface="+mn-lt"/>
-                <a:ea typeface="+mn-ea"/>
-                <a:cs typeface="+mn-cs"/>
-              </a:defRPr>
-            </a:lvl2pPr>
-            <a:lvl3pPr marL="914400" algn="l" defTabSz="914400" rtl="0" eaLnBrk="1" latinLnBrk="0" hangingPunct="1">
-              <a:defRPr sz="1800" kern="1200">
-                <a:solidFill>
-                  <a:schemeClr val="tx1"/>
-                </a:solidFill>
-                <a:latin typeface="+mn-lt"/>
-                <a:ea typeface="+mn-ea"/>
-                <a:cs typeface="+mn-cs"/>
-              </a:defRPr>
-            </a:lvl3pPr>
-            <a:lvl4pPr marL="1371600" algn="l" defTabSz="914400" rtl="0" eaLnBrk="1" latinLnBrk="0" hangingPunct="1">
-              <a:defRPr sz="1800" kern="1200">
-                <a:solidFill>
-                  <a:schemeClr val="tx1"/>
-                </a:solidFill>
-                <a:latin typeface="+mn-lt"/>
-                <a:ea typeface="+mn-ea"/>
-                <a:cs typeface="+mn-cs"/>
-              </a:defRPr>
-            </a:lvl4pPr>
-            <a:lvl5pPr marL="1828800" algn="l" defTabSz="914400" rtl="0" eaLnBrk="1" latinLnBrk="0" hangingPunct="1">
-              <a:defRPr sz="1800" kern="1200">
-                <a:solidFill>
-                  <a:schemeClr val="tx1"/>
-                </a:solidFill>
-                <a:latin typeface="+mn-lt"/>
-                <a:ea typeface="+mn-ea"/>
-                <a:cs typeface="+mn-cs"/>
-              </a:defRPr>
-            </a:lvl5pPr>
-            <a:lvl6pPr marL="2286000" algn="l" defTabSz="914400" rtl="0" eaLnBrk="1" latinLnBrk="0" hangingPunct="1">
-              <a:defRPr sz="1800" kern="1200">
-                <a:solidFill>
-                  <a:schemeClr val="tx1"/>
-                </a:solidFill>
-                <a:latin typeface="+mn-lt"/>
-                <a:ea typeface="+mn-ea"/>
-                <a:cs typeface="+mn-cs"/>
-              </a:defRPr>
-            </a:lvl6pPr>
-            <a:lvl7pPr marL="2743200" algn="l" defTabSz="914400" rtl="0" eaLnBrk="1" latinLnBrk="0" hangingPunct="1">
-              <a:defRPr sz="1800" kern="1200">
-                <a:solidFill>
-                  <a:schemeClr val="tx1"/>
-                </a:solidFill>
-                <a:latin typeface="+mn-lt"/>
-                <a:ea typeface="+mn-ea"/>
-                <a:cs typeface="+mn-cs"/>
-              </a:defRPr>
-            </a:lvl7pPr>
-            <a:lvl8pPr marL="3200400" algn="l" defTabSz="914400" rtl="0" eaLnBrk="1" latinLnBrk="0" hangingPunct="1">
-              <a:defRPr sz="1800" kern="1200">
-                <a:solidFill>
-                  <a:schemeClr val="tx1"/>
-                </a:solidFill>
-                <a:latin typeface="+mn-lt"/>
-                <a:ea typeface="+mn-ea"/>
-                <a:cs typeface="+mn-cs"/>
-              </a:defRPr>
-            </a:lvl8pPr>
-            <a:lvl9pPr marL="3657600" algn="l" defTabSz="914400" rtl="0" eaLnBrk="1" latinLnBrk="0" hangingPunct="1">
-              <a:defRPr sz="1800" kern="1200">
-                <a:solidFill>
-                  <a:schemeClr val="tx1"/>
-                </a:solidFill>
-                <a:latin typeface="+mn-lt"/>
-                <a:ea typeface="+mn-ea"/>
-                <a:cs typeface="+mn-cs"/>
-              </a:defRPr>
-            </a:lvl9pPr>
-          </a:lstStyle>
-          <a:p>
-            <a:pPr algn="l"/>
-            <a:fld id="{308CF263-2EDD-44CC-8928-FAE4F9823AB4}" type="slidenum">
-              <a:rPr lang="ru-RU" sz="2700" b="1" smtClean="0">
-                <a:solidFill>
-                  <a:schemeClr val="bg1"/>
-                </a:solidFill>
-                <a:latin typeface="Georgia" pitchFamily="18" charset="0"/>
-              </a:rPr>
-              <a:pPr algn="l"/>
-              <a:t>9</a:t>
-            </a:fld>
-            <a:endParaRPr lang="ru-RU" sz="2700" b="1" dirty="0">
-              <a:solidFill>
-                <a:schemeClr val="bg1"/>
-              </a:solidFill>
-              <a:latin typeface="Georgia" pitchFamily="18" charset="0"/>
-            </a:endParaRPr>
-          </a:p>
-        </p:txBody>
-      </p:sp>
-      <p:sp>
-        <p:nvSpPr>
-          <p:cNvPr id="6" name="Заголовок 1">
-            <a:extLst>
-              <a:ext uri="{FF2B5EF4-FFF2-40B4-BE49-F238E27FC236}">
-                <a16:creationId xmlns:a16="http://schemas.microsoft.com/office/drawing/2014/main" id="{5924C2BC-BE50-42D9-91DA-73EB85EE6BA9}"/>
-              </a:ext>
-            </a:extLst>
-          </p:cNvPr>
-          <p:cNvSpPr>
-            <a:spLocks noGrp="1"/>
-          </p:cNvSpPr>
-          <p:nvPr>
-            <p:ph type="title"/>
-          </p:nvPr>
-        </p:nvSpPr>
-        <p:spPr>
-          <a:xfrm>
-            <a:off x="314325" y="476229"/>
-            <a:ext cx="11229936" cy="657246"/>
-          </a:xfrm>
-        </p:spPr>
-        <p:txBody>
-          <a:bodyPr>
-            <a:noAutofit/>
-          </a:bodyPr>
-          <a:lstStyle/>
-          <a:p>
-            <a:r>
-              <a:rPr lang="ru-RU" sz="4000" dirty="0"/>
-              <a:t>Этапы реализации проекта</a:t>
-            </a:r>
-          </a:p>
-        </p:txBody>
-      </p:sp>
-      <p:sp>
-        <p:nvSpPr>
-          <p:cNvPr id="7" name="TextBox 6">
-            <a:extLst>
-              <a:ext uri="{FF2B5EF4-FFF2-40B4-BE49-F238E27FC236}">
-                <a16:creationId xmlns:a16="http://schemas.microsoft.com/office/drawing/2014/main" id="{FA73080D-085B-49FC-95C3-19BA07AB1E3E}"/>
-              </a:ext>
-            </a:extLst>
-          </p:cNvPr>
-          <p:cNvSpPr txBox="1"/>
-          <p:nvPr/>
-        </p:nvSpPr>
-        <p:spPr>
-          <a:xfrm>
-            <a:off x="285709" y="1304925"/>
-            <a:ext cx="11564546" cy="1917187"/>
-          </a:xfrm>
-          <a:prstGeom prst="rect">
-            <a:avLst/>
-          </a:prstGeom>
-          <a:noFill/>
-        </p:spPr>
-        <p:txBody>
-          <a:bodyPr wrap="square" lIns="121917" tIns="60958" rIns="121917" bIns="60958" rtlCol="0">
-            <a:spAutoFit/>
-          </a:bodyPr>
-          <a:lstStyle/>
-          <a:p>
-            <a:pPr>
-              <a:lnSpc>
-                <a:spcPct val="150000"/>
-              </a:lnSpc>
-            </a:pPr>
-            <a:r>
-              <a:rPr lang="ru-RU" sz="2700" dirty="0">
-                <a:latin typeface="Georgia" pitchFamily="18" charset="0"/>
-              </a:rPr>
-              <a:t>Мы составили системные </a:t>
-            </a:r>
-            <a:r>
-              <a:rPr lang="ru-RU" sz="2700" dirty="0" err="1">
-                <a:latin typeface="Georgia" pitchFamily="18" charset="0"/>
-              </a:rPr>
-              <a:t>промпты</a:t>
-            </a:r>
-            <a:r>
-              <a:rPr lang="ru-RU" sz="2700" dirty="0">
-                <a:latin typeface="Georgia" pitchFamily="18" charset="0"/>
-              </a:rPr>
-              <a:t> для работы нейросети в необходимом направлении: рассказчик, поиск предметов, персонажей и т.д. в тексте.</a:t>
-            </a:r>
-            <a:endParaRPr lang="ru-RU" sz="2400" dirty="0">
-              <a:latin typeface="Georgia" pitchFamily="18" charset="0"/>
-            </a:endParaRPr>
-          </a:p>
-        </p:txBody>
-      </p:sp>
-    </p:spTree>
-    <p:extLst>
-      <p:ext uri="{BB962C8B-B14F-4D97-AF65-F5344CB8AC3E}">
-        <p14:creationId xmlns:p14="http://schemas.microsoft.com/office/powerpoint/2010/main" val="1097176464"/>
       </p:ext>
     </p:extLst>
   </p:cSld>

--- a/Презентейшн.pptx
+++ b/Презентейшн.pptx
@@ -5,10 +5,10 @@
     <p:sldMasterId id="2147483648" r:id="rId1"/>
   </p:sldMasterIdLst>
   <p:notesMasterIdLst>
-    <p:notesMasterId r:id="rId20"/>
+    <p:notesMasterId r:id="rId22"/>
   </p:notesMasterIdLst>
   <p:handoutMasterIdLst>
-    <p:handoutMasterId r:id="rId21"/>
+    <p:handoutMasterId r:id="rId23"/>
   </p:handoutMasterIdLst>
   <p:sldIdLst>
     <p:sldId id="302" r:id="rId2"/>
@@ -26,9 +26,11 @@
     <p:sldId id="421" r:id="rId14"/>
     <p:sldId id="422" r:id="rId15"/>
     <p:sldId id="389" r:id="rId16"/>
-    <p:sldId id="418" r:id="rId17"/>
-    <p:sldId id="417" r:id="rId18"/>
-    <p:sldId id="303" r:id="rId19"/>
+    <p:sldId id="429" r:id="rId17"/>
+    <p:sldId id="428" r:id="rId18"/>
+    <p:sldId id="418" r:id="rId19"/>
+    <p:sldId id="417" r:id="rId20"/>
+    <p:sldId id="303" r:id="rId21"/>
   </p:sldIdLst>
   <p:sldSz cx="12192000" cy="6858000"/>
   <p:notesSz cx="6858000" cy="9144000"/>
@@ -234,7 +236,7 @@
             <a:fld id="{2BADECFF-C1E6-41B7-861F-BE2B26CDAB05}" type="datetime1">
               <a:rPr lang="ru-RU" smtClean="0"/>
               <a:pPr rtl="0"/>
-              <a:t>23.11.2023</a:t>
+              <a:t>29.11.2023</a:t>
             </a:fld>
             <a:endParaRPr lang="ru-RU" dirty="0"/>
           </a:p>
@@ -406,7 +408,7 @@
             <a:fld id="{6F848B8F-24F3-4766-A59C-71045DA4FEF0}" type="datetime1">
               <a:rPr lang="ru-RU" smtClean="0"/>
               <a:pPr rtl="0"/>
-              <a:t>23.11.2023</a:t>
+              <a:t>29.11.2023</a:t>
             </a:fld>
             <a:endParaRPr lang="ru-RU" dirty="0"/>
           </a:p>
@@ -755,6 +757,94 @@
     <p:extLst>
       <p:ext uri="{BB962C8B-B14F-4D97-AF65-F5344CB8AC3E}">
         <p14:creationId xmlns:p14="http://schemas.microsoft.com/office/powerpoint/2010/main" val="898546220"/>
+      </p:ext>
+    </p:extLst>
+  </p:cSld>
+  <p:clrMapOvr>
+    <a:masterClrMapping/>
+  </p:clrMapOvr>
+</p:notes>
+</file>
+
+<file path=ppt/notesSlides/notesSlide10.xml><?xml version="1.0" encoding="utf-8"?>
+<p:notes xmlns:a="http://schemas.openxmlformats.org/drawingml/2006/main" xmlns:r="http://schemas.openxmlformats.org/officeDocument/2006/relationships" xmlns:p="http://schemas.openxmlformats.org/presentationml/2006/main">
+  <p:cSld>
+    <p:spTree>
+      <p:nvGrpSpPr>
+        <p:cNvPr id="1" name=""/>
+        <p:cNvGrpSpPr/>
+        <p:nvPr/>
+      </p:nvGrpSpPr>
+      <p:grpSpPr>
+        <a:xfrm>
+          <a:off x="0" y="0"/>
+          <a:ext cx="0" cy="0"/>
+          <a:chOff x="0" y="0"/>
+          <a:chExt cx="0" cy="0"/>
+        </a:xfrm>
+      </p:grpSpPr>
+      <p:sp>
+        <p:nvSpPr>
+          <p:cNvPr id="2" name="Образ слайда 1"/>
+          <p:cNvSpPr>
+            <a:spLocks noGrp="1" noRot="1" noChangeAspect="1"/>
+          </p:cNvSpPr>
+          <p:nvPr>
+            <p:ph type="sldImg"/>
+          </p:nvPr>
+        </p:nvSpPr>
+        <p:spPr/>
+      </p:sp>
+      <p:sp>
+        <p:nvSpPr>
+          <p:cNvPr id="3" name="Заметки 2"/>
+          <p:cNvSpPr>
+            <a:spLocks noGrp="1"/>
+          </p:cNvSpPr>
+          <p:nvPr>
+            <p:ph type="body" idx="1"/>
+          </p:nvPr>
+        </p:nvSpPr>
+        <p:spPr/>
+        <p:txBody>
+          <a:bodyPr>
+            <a:normAutofit/>
+          </a:bodyPr>
+          <a:lstStyle/>
+          <a:p>
+            <a:endParaRPr lang="ru-RU" dirty="0"/>
+          </a:p>
+        </p:txBody>
+      </p:sp>
+      <p:sp>
+        <p:nvSpPr>
+          <p:cNvPr id="4" name="Номер слайда 3"/>
+          <p:cNvSpPr>
+            <a:spLocks noGrp="1"/>
+          </p:cNvSpPr>
+          <p:nvPr>
+            <p:ph type="sldNum" sz="quarter" idx="10"/>
+          </p:nvPr>
+        </p:nvSpPr>
+        <p:spPr/>
+        <p:txBody>
+          <a:bodyPr/>
+          <a:lstStyle/>
+          <a:p>
+            <a:pPr rtl="0"/>
+            <a:fld id="{82869989-EB00-4EE7-BCB5-25BDC5BB29F8}" type="slidenum">
+              <a:rPr lang="ru-RU" smtClean="0"/>
+              <a:pPr rtl="0"/>
+              <a:t>18</a:t>
+            </a:fld>
+            <a:endParaRPr lang="ru-RU" dirty="0"/>
+          </a:p>
+        </p:txBody>
+      </p:sp>
+    </p:spTree>
+    <p:extLst>
+      <p:ext uri="{BB962C8B-B14F-4D97-AF65-F5344CB8AC3E}">
+        <p14:creationId xmlns:p14="http://schemas.microsoft.com/office/powerpoint/2010/main" val="395228259"/>
       </p:ext>
     </p:extLst>
   </p:cSld>
@@ -1370,7 +1460,95 @@
     </p:spTree>
     <p:extLst>
       <p:ext uri="{BB962C8B-B14F-4D97-AF65-F5344CB8AC3E}">
-        <p14:creationId xmlns:p14="http://schemas.microsoft.com/office/powerpoint/2010/main" val="395228259"/>
+        <p14:creationId xmlns:p14="http://schemas.microsoft.com/office/powerpoint/2010/main" val="3121786428"/>
+      </p:ext>
+    </p:extLst>
+  </p:cSld>
+  <p:clrMapOvr>
+    <a:masterClrMapping/>
+  </p:clrMapOvr>
+</p:notes>
+</file>
+
+<file path=ppt/notesSlides/notesSlide9.xml><?xml version="1.0" encoding="utf-8"?>
+<p:notes xmlns:a="http://schemas.openxmlformats.org/drawingml/2006/main" xmlns:r="http://schemas.openxmlformats.org/officeDocument/2006/relationships" xmlns:p="http://schemas.openxmlformats.org/presentationml/2006/main">
+  <p:cSld>
+    <p:spTree>
+      <p:nvGrpSpPr>
+        <p:cNvPr id="1" name=""/>
+        <p:cNvGrpSpPr/>
+        <p:nvPr/>
+      </p:nvGrpSpPr>
+      <p:grpSpPr>
+        <a:xfrm>
+          <a:off x="0" y="0"/>
+          <a:ext cx="0" cy="0"/>
+          <a:chOff x="0" y="0"/>
+          <a:chExt cx="0" cy="0"/>
+        </a:xfrm>
+      </p:grpSpPr>
+      <p:sp>
+        <p:nvSpPr>
+          <p:cNvPr id="2" name="Образ слайда 1"/>
+          <p:cNvSpPr>
+            <a:spLocks noGrp="1" noRot="1" noChangeAspect="1"/>
+          </p:cNvSpPr>
+          <p:nvPr>
+            <p:ph type="sldImg"/>
+          </p:nvPr>
+        </p:nvSpPr>
+        <p:spPr/>
+      </p:sp>
+      <p:sp>
+        <p:nvSpPr>
+          <p:cNvPr id="3" name="Заметки 2"/>
+          <p:cNvSpPr>
+            <a:spLocks noGrp="1"/>
+          </p:cNvSpPr>
+          <p:nvPr>
+            <p:ph type="body" idx="1"/>
+          </p:nvPr>
+        </p:nvSpPr>
+        <p:spPr/>
+        <p:txBody>
+          <a:bodyPr>
+            <a:normAutofit/>
+          </a:bodyPr>
+          <a:lstStyle/>
+          <a:p>
+            <a:endParaRPr lang="ru-RU" dirty="0"/>
+          </a:p>
+        </p:txBody>
+      </p:sp>
+      <p:sp>
+        <p:nvSpPr>
+          <p:cNvPr id="4" name="Номер слайда 3"/>
+          <p:cNvSpPr>
+            <a:spLocks noGrp="1"/>
+          </p:cNvSpPr>
+          <p:nvPr>
+            <p:ph type="sldNum" sz="quarter" idx="10"/>
+          </p:nvPr>
+        </p:nvSpPr>
+        <p:spPr/>
+        <p:txBody>
+          <a:bodyPr/>
+          <a:lstStyle/>
+          <a:p>
+            <a:pPr rtl="0"/>
+            <a:fld id="{82869989-EB00-4EE7-BCB5-25BDC5BB29F8}" type="slidenum">
+              <a:rPr lang="ru-RU" smtClean="0"/>
+              <a:pPr rtl="0"/>
+              <a:t>17</a:t>
+            </a:fld>
+            <a:endParaRPr lang="ru-RU" dirty="0"/>
+          </a:p>
+        </p:txBody>
+      </p:sp>
+    </p:spTree>
+    <p:extLst>
+      <p:ext uri="{BB962C8B-B14F-4D97-AF65-F5344CB8AC3E}">
+        <p14:creationId xmlns:p14="http://schemas.microsoft.com/office/powerpoint/2010/main" val="2608536865"/>
       </p:ext>
     </p:extLst>
   </p:cSld>
@@ -3519,7 +3697,7 @@
             <a:fld id="{21D30A75-6773-4051-8E3B-50DEBD5B27F5}" type="datetime1">
               <a:rPr lang="ru-RU" smtClean="0"/>
               <a:pPr rtl="0"/>
-              <a:t>23.11.2023</a:t>
+              <a:t>29.11.2023</a:t>
             </a:fld>
             <a:endParaRPr lang="ru-RU" dirty="0"/>
           </a:p>
@@ -3709,7 +3887,7 @@
             <a:fld id="{D7928C6E-EC50-49F1-B95C-FD73C1D14895}" type="datetime1">
               <a:rPr lang="ru-RU" smtClean="0"/>
               <a:pPr rtl="0"/>
-              <a:t>23.11.2023</a:t>
+              <a:t>29.11.2023</a:t>
             </a:fld>
             <a:endParaRPr lang="ru-RU" dirty="0"/>
           </a:p>
@@ -3889,7 +4067,7 @@
             <a:fld id="{A29ED9D4-4098-4CD3-A9A7-C343301264F2}" type="datetime1">
               <a:rPr lang="ru-RU" smtClean="0"/>
               <a:pPr rtl="0"/>
-              <a:t>23.11.2023</a:t>
+              <a:t>29.11.2023</a:t>
             </a:fld>
             <a:endParaRPr lang="ru-RU" dirty="0"/>
           </a:p>
@@ -6217,7 +6395,7 @@
             <a:fld id="{687FFE1D-B4BF-42B3-9799-021BB66D51E4}" type="datetime1">
               <a:rPr lang="ru-RU" smtClean="0"/>
               <a:pPr rtl="0"/>
-              <a:t>23.11.2023</a:t>
+              <a:t>29.11.2023</a:t>
             </a:fld>
             <a:endParaRPr lang="ru-RU" dirty="0"/>
           </a:p>
@@ -6667,7 +6845,7 @@
             <a:fld id="{433AC169-0119-4659-9B73-547F9C11A152}" type="datetime1">
               <a:rPr lang="ru-RU" smtClean="0"/>
               <a:pPr rtl="0"/>
-              <a:t>23.11.2023</a:t>
+              <a:t>29.11.2023</a:t>
             </a:fld>
             <a:endParaRPr lang="ru-RU" dirty="0"/>
           </a:p>
@@ -6795,7 +6973,7 @@
             <a:fld id="{88FE940F-5E05-43A4-90CE-E7C7653F1C67}" type="datetime1">
               <a:rPr lang="ru-RU" smtClean="0"/>
               <a:pPr rtl="0"/>
-              <a:t>23.11.2023</a:t>
+              <a:t>29.11.2023</a:t>
             </a:fld>
             <a:endParaRPr lang="ru-RU" dirty="0"/>
           </a:p>
@@ -8722,7 +8900,7 @@
             <a:fld id="{CA01554F-F072-4658-949A-7A94F490DB04}" type="datetime1">
               <a:rPr lang="ru-RU" smtClean="0"/>
               <a:pPr rtl="0"/>
-              <a:t>23.11.2023</a:t>
+              <a:t>29.11.2023</a:t>
             </a:fld>
             <a:endParaRPr lang="ru-RU" dirty="0"/>
           </a:p>
@@ -10974,7 +11152,7 @@
             <a:fld id="{3B0BFD1E-E11D-434C-9F87-0B5F0A29CFEC}" type="datetime1">
               <a:rPr lang="ru-RU" smtClean="0"/>
               <a:pPr rtl="0"/>
-              <a:t>23.11.2023</a:t>
+              <a:t>29.11.2023</a:t>
             </a:fld>
             <a:endParaRPr lang="ru-RU" dirty="0"/>
           </a:p>
@@ -15252,7 +15430,7 @@
             <a:fld id="{99137652-B7E4-4AE8-853E-9803CAFAAF7E}" type="datetime1">
               <a:rPr lang="ru-RU" smtClean="0"/>
               <a:pPr rtl="0"/>
-              <a:t>23.11.2023</a:t>
+              <a:t>29.11.2023</a:t>
             </a:fld>
             <a:endParaRPr lang="ru-RU" dirty="0"/>
           </a:p>
@@ -16376,6 +16554,36 @@
           </a:p>
         </p:txBody>
       </p:sp>
+      <p:pic>
+        <p:nvPicPr>
+          <p:cNvPr id="3" name="Рисунок 2">
+            <a:extLst>
+              <a:ext uri="{FF2B5EF4-FFF2-40B4-BE49-F238E27FC236}">
+                <a16:creationId xmlns:a16="http://schemas.microsoft.com/office/drawing/2014/main" id="{5698DF5C-14A9-89E7-F552-7F0103BB682B}"/>
+              </a:ext>
+            </a:extLst>
+          </p:cNvPr>
+          <p:cNvPicPr>
+            <a:picLocks noChangeAspect="1"/>
+          </p:cNvPicPr>
+          <p:nvPr/>
+        </p:nvPicPr>
+        <p:blipFill>
+          <a:blip r:embed="rId2"/>
+          <a:stretch>
+            <a:fillRect/>
+          </a:stretch>
+        </p:blipFill>
+        <p:spPr>
+          <a:xfrm>
+            <a:off x="6241096" y="3429000"/>
+            <a:ext cx="5303165" cy="2611768"/>
+          </a:xfrm>
+          <a:prstGeom prst="rect">
+            <a:avLst/>
+          </a:prstGeom>
+        </p:spPr>
+      </p:pic>
     </p:spTree>
     <p:extLst>
       <p:ext uri="{BB962C8B-B14F-4D97-AF65-F5344CB8AC3E}">
@@ -16695,6 +16903,36 @@
           </a:p>
         </p:txBody>
       </p:sp>
+      <p:pic>
+        <p:nvPicPr>
+          <p:cNvPr id="3" name="Рисунок 2">
+            <a:extLst>
+              <a:ext uri="{FF2B5EF4-FFF2-40B4-BE49-F238E27FC236}">
+                <a16:creationId xmlns:a16="http://schemas.microsoft.com/office/drawing/2014/main" id="{7019AD42-F439-F92F-302C-B3F98933D0B5}"/>
+              </a:ext>
+            </a:extLst>
+          </p:cNvPr>
+          <p:cNvPicPr>
+            <a:picLocks noChangeAspect="1"/>
+          </p:cNvPicPr>
+          <p:nvPr/>
+        </p:nvPicPr>
+        <p:blipFill>
+          <a:blip r:embed="rId2"/>
+          <a:stretch>
+            <a:fillRect/>
+          </a:stretch>
+        </p:blipFill>
+        <p:spPr>
+          <a:xfrm>
+            <a:off x="7659614" y="2677885"/>
+            <a:ext cx="3402758" cy="3569327"/>
+          </a:xfrm>
+          <a:prstGeom prst="rect">
+            <a:avLst/>
+          </a:prstGeom>
+        </p:spPr>
+      </p:pic>
     </p:spTree>
     <p:extLst>
       <p:ext uri="{BB962C8B-B14F-4D97-AF65-F5344CB8AC3E}">
@@ -17026,6 +17264,53 @@
           </a:p>
         </p:txBody>
       </p:sp>
+      <p:pic>
+        <p:nvPicPr>
+          <p:cNvPr id="1026" name="Picture 2" descr="Gradio · GitHub">
+            <a:extLst>
+              <a:ext uri="{FF2B5EF4-FFF2-40B4-BE49-F238E27FC236}">
+                <a16:creationId xmlns:a16="http://schemas.microsoft.com/office/drawing/2014/main" id="{9D2A63D7-9E79-178E-BE32-EF3824AFD398}"/>
+              </a:ext>
+            </a:extLst>
+          </p:cNvPr>
+          <p:cNvPicPr>
+            <a:picLocks noChangeAspect="1" noChangeArrowheads="1"/>
+          </p:cNvPicPr>
+          <p:nvPr/>
+        </p:nvPicPr>
+        <p:blipFill>
+          <a:blip r:embed="rId2">
+            <a:extLst>
+              <a:ext uri="{28A0092B-C50C-407E-A947-70E740481C1C}">
+                <a14:useLocalDpi xmlns:a14="http://schemas.microsoft.com/office/drawing/2010/main" val="0"/>
+              </a:ext>
+            </a:extLst>
+          </a:blip>
+          <a:srcRect/>
+          <a:stretch>
+            <a:fillRect/>
+          </a:stretch>
+        </p:blipFill>
+        <p:spPr bwMode="auto">
+          <a:xfrm>
+            <a:off x="8173616" y="3006011"/>
+            <a:ext cx="2999015" cy="2999015"/>
+          </a:xfrm>
+          <a:prstGeom prst="rect">
+            <a:avLst/>
+          </a:prstGeom>
+          <a:noFill/>
+          <a:extLst>
+            <a:ext uri="{909E8E84-426E-40DD-AFC4-6F175D3DCCD1}">
+              <a14:hiddenFill xmlns:a14="http://schemas.microsoft.com/office/drawing/2010/main">
+                <a:solidFill>
+                  <a:srgbClr val="FFFFFF"/>
+                </a:solidFill>
+              </a14:hiddenFill>
+            </a:ext>
+          </a:extLst>
+        </p:spPr>
+      </p:pic>
     </p:spTree>
     <p:extLst>
       <p:ext uri="{BB962C8B-B14F-4D97-AF65-F5344CB8AC3E}">
@@ -17798,7 +18083,7 @@
           </a:fontRef>
         </p:style>
         <p:txBody>
-          <a:bodyPr lIns="121917" tIns="60958" rIns="121917" bIns="60958" rtlCol="0" anchor="ctr"/>
+          <a:bodyPr lIns="121917" tIns="60958" rIns="121917" bIns="60958" rtlCol="0" anchor="t"/>
           <a:lstStyle/>
           <a:p>
             <a:pPr>
@@ -17809,15 +18094,12 @@
                 <a:spcPts val="1200"/>
               </a:spcAft>
             </a:pPr>
-            <a:r>
-              <a:rPr lang="ru-RU" sz="2800" dirty="0">
-                <a:solidFill>
-                  <a:schemeClr val="tx1"/>
-                </a:solidFill>
-                <a:latin typeface="Georgia" pitchFamily="18" charset="0"/>
-              </a:rPr>
-              <a:t>Использование журнала позволило повысить качество ответов языковой модели и улучшить опыт использования нейросети в игре.</a:t>
-            </a:r>
+            <a:endParaRPr lang="ru-RU" sz="2400" dirty="0">
+              <a:solidFill>
+                <a:schemeClr val="tx1"/>
+              </a:solidFill>
+              <a:latin typeface="Georgia" pitchFamily="18" charset="0"/>
+            </a:endParaRPr>
           </a:p>
         </p:txBody>
       </p:sp>
@@ -17872,7 +18154,7 @@
                 </a:solidFill>
                 <a:latin typeface="Georgia" pitchFamily="18" charset="0"/>
               </a:rPr>
-              <a:t>Выводы</a:t>
+              <a:t>Анализ результатов</a:t>
             </a:r>
           </a:p>
         </p:txBody>
@@ -17934,6 +18216,189 @@
           <a:lstStyle/>
           <a:p>
             <a:endParaRPr lang="ru-RU"/>
+          </a:p>
+        </p:txBody>
+      </p:sp>
+      <p:pic>
+        <p:nvPicPr>
+          <p:cNvPr id="3" name="Рисунок 2">
+            <a:extLst>
+              <a:ext uri="{FF2B5EF4-FFF2-40B4-BE49-F238E27FC236}">
+                <a16:creationId xmlns:a16="http://schemas.microsoft.com/office/drawing/2014/main" id="{C0B99E40-E209-3918-6933-E0015C124D80}"/>
+              </a:ext>
+            </a:extLst>
+          </p:cNvPr>
+          <p:cNvPicPr>
+            <a:picLocks noChangeAspect="1"/>
+          </p:cNvPicPr>
+          <p:nvPr/>
+        </p:nvPicPr>
+        <p:blipFill>
+          <a:blip r:embed="rId4"/>
+          <a:stretch>
+            <a:fillRect/>
+          </a:stretch>
+        </p:blipFill>
+        <p:spPr>
+          <a:xfrm>
+            <a:off x="5739395" y="1339621"/>
+            <a:ext cx="5354701" cy="1959240"/>
+          </a:xfrm>
+          <a:prstGeom prst="rect">
+            <a:avLst/>
+          </a:prstGeom>
+        </p:spPr>
+      </p:pic>
+      <p:pic>
+        <p:nvPicPr>
+          <p:cNvPr id="5" name="Рисунок 4">
+            <a:extLst>
+              <a:ext uri="{FF2B5EF4-FFF2-40B4-BE49-F238E27FC236}">
+                <a16:creationId xmlns:a16="http://schemas.microsoft.com/office/drawing/2014/main" id="{DD3B3FEB-5B29-2A52-C5D6-A606F7C113F4}"/>
+              </a:ext>
+            </a:extLst>
+          </p:cNvPr>
+          <p:cNvPicPr>
+            <a:picLocks noChangeAspect="1"/>
+          </p:cNvPicPr>
+          <p:nvPr/>
+        </p:nvPicPr>
+        <p:blipFill>
+          <a:blip r:embed="rId5"/>
+          <a:stretch>
+            <a:fillRect/>
+          </a:stretch>
+        </p:blipFill>
+        <p:spPr>
+          <a:xfrm>
+            <a:off x="5739395" y="3298861"/>
+            <a:ext cx="5354701" cy="2644700"/>
+          </a:xfrm>
+          <a:prstGeom prst="rect">
+            <a:avLst/>
+          </a:prstGeom>
+        </p:spPr>
+      </p:pic>
+      <p:sp>
+        <p:nvSpPr>
+          <p:cNvPr id="6" name="TextBox 5">
+            <a:extLst>
+              <a:ext uri="{FF2B5EF4-FFF2-40B4-BE49-F238E27FC236}">
+                <a16:creationId xmlns:a16="http://schemas.microsoft.com/office/drawing/2014/main" id="{2171A3FA-81ED-D0E9-A2B3-3AB4B128AFD4}"/>
+              </a:ext>
+            </a:extLst>
+          </p:cNvPr>
+          <p:cNvSpPr txBox="1"/>
+          <p:nvPr/>
+        </p:nvSpPr>
+        <p:spPr>
+          <a:xfrm>
+            <a:off x="684746" y="1339621"/>
+            <a:ext cx="4997815" cy="3847207"/>
+          </a:xfrm>
+          <a:prstGeom prst="rect">
+            <a:avLst/>
+          </a:prstGeom>
+          <a:noFill/>
+        </p:spPr>
+        <p:txBody>
+          <a:bodyPr wrap="square" rtlCol="0">
+            <a:spAutoFit/>
+          </a:bodyPr>
+          <a:lstStyle/>
+          <a:p>
+            <a:pPr>
+              <a:lnSpc>
+                <a:spcPct val="150000"/>
+              </a:lnSpc>
+              <a:spcAft>
+                <a:spcPts val="1200"/>
+              </a:spcAft>
+            </a:pPr>
+            <a:r>
+              <a:rPr lang="ru-RU" sz="2400" dirty="0">
+                <a:solidFill>
+                  <a:schemeClr val="tx1"/>
+                </a:solidFill>
+                <a:latin typeface="Georgia" pitchFamily="18" charset="0"/>
+              </a:rPr>
+              <a:t>Начало приключения:</a:t>
+            </a:r>
+          </a:p>
+          <a:p>
+            <a:pPr>
+              <a:lnSpc>
+                <a:spcPct val="150000"/>
+              </a:lnSpc>
+              <a:spcAft>
+                <a:spcPts val="1200"/>
+              </a:spcAft>
+            </a:pPr>
+            <a:endParaRPr lang="ru-RU" sz="2400" dirty="0">
+              <a:solidFill>
+                <a:schemeClr val="tx1"/>
+              </a:solidFill>
+              <a:latin typeface="Georgia" pitchFamily="18" charset="0"/>
+            </a:endParaRPr>
+          </a:p>
+          <a:p>
+            <a:pPr>
+              <a:lnSpc>
+                <a:spcPct val="150000"/>
+              </a:lnSpc>
+              <a:spcAft>
+                <a:spcPts val="1200"/>
+              </a:spcAft>
+            </a:pPr>
+            <a:r>
+              <a:rPr lang="ru-RU" sz="2400" dirty="0">
+                <a:solidFill>
+                  <a:schemeClr val="tx1"/>
+                </a:solidFill>
+                <a:latin typeface="Georgia" pitchFamily="18" charset="0"/>
+              </a:rPr>
+              <a:t>Длина контекста: 4096 токенов</a:t>
+            </a:r>
+          </a:p>
+          <a:p>
+            <a:pPr>
+              <a:lnSpc>
+                <a:spcPct val="150000"/>
+              </a:lnSpc>
+              <a:spcAft>
+                <a:spcPts val="1200"/>
+              </a:spcAft>
+            </a:pPr>
+            <a:r>
+              <a:rPr lang="ru-RU" sz="2400" dirty="0">
+                <a:solidFill>
+                  <a:schemeClr val="tx1"/>
+                </a:solidFill>
+                <a:latin typeface="Georgia" pitchFamily="18" charset="0"/>
+              </a:rPr>
+              <a:t>Сообщение «забылось» после </a:t>
+            </a:r>
+            <a:r>
+              <a:rPr lang="en-US" sz="2400" dirty="0">
+                <a:solidFill>
+                  <a:schemeClr val="tx1"/>
+                </a:solidFill>
+                <a:latin typeface="Georgia" pitchFamily="18" charset="0"/>
+              </a:rPr>
+              <a:t>~</a:t>
+            </a:r>
+            <a:r>
+              <a:rPr lang="ru-RU" sz="2400" dirty="0">
+                <a:solidFill>
+                  <a:schemeClr val="tx1"/>
+                </a:solidFill>
+                <a:latin typeface="Georgia" pitchFamily="18" charset="0"/>
+              </a:rPr>
+              <a:t>20 сообщений</a:t>
+            </a:r>
+          </a:p>
+          <a:p>
+            <a:endParaRPr lang="ru-RU" sz="2400" dirty="0"/>
           </a:p>
         </p:txBody>
       </p:sp>
@@ -18085,6 +18550,852 @@
       </p:sp>
       <p:sp>
         <p:nvSpPr>
+          <p:cNvPr id="7" name="Скругленный прямоугольник 6"/>
+          <p:cNvSpPr/>
+          <p:nvPr/>
+        </p:nvSpPr>
+        <p:spPr>
+          <a:xfrm>
+            <a:off x="460375" y="1162051"/>
+            <a:ext cx="11149734" cy="4981574"/>
+          </a:xfrm>
+          <a:prstGeom prst="roundRect">
+            <a:avLst>
+              <a:gd name="adj" fmla="val 22308"/>
+            </a:avLst>
+          </a:prstGeom>
+          <a:solidFill>
+            <a:schemeClr val="bg1"/>
+          </a:solidFill>
+          <a:ln>
+            <a:noFill/>
+          </a:ln>
+        </p:spPr>
+        <p:style>
+          <a:lnRef idx="2">
+            <a:schemeClr val="accent1">
+              <a:shade val="50000"/>
+            </a:schemeClr>
+          </a:lnRef>
+          <a:fillRef idx="1">
+            <a:schemeClr val="accent1"/>
+          </a:fillRef>
+          <a:effectRef idx="0">
+            <a:schemeClr val="accent1"/>
+          </a:effectRef>
+          <a:fontRef idx="minor">
+            <a:schemeClr val="lt1"/>
+          </a:fontRef>
+        </p:style>
+        <p:txBody>
+          <a:bodyPr lIns="121917" tIns="60958" rIns="121917" bIns="60958" rtlCol="0" anchor="t"/>
+          <a:lstStyle/>
+          <a:p>
+            <a:pPr>
+              <a:lnSpc>
+                <a:spcPct val="150000"/>
+              </a:lnSpc>
+              <a:spcAft>
+                <a:spcPts val="1200"/>
+              </a:spcAft>
+            </a:pPr>
+            <a:endParaRPr lang="ru-RU" sz="2400" dirty="0">
+              <a:solidFill>
+                <a:schemeClr val="tx1"/>
+              </a:solidFill>
+              <a:latin typeface="Georgia" pitchFamily="18" charset="0"/>
+            </a:endParaRPr>
+          </a:p>
+        </p:txBody>
+      </p:sp>
+      <p:sp>
+        <p:nvSpPr>
+          <p:cNvPr id="9" name="Скругленный прямоугольник 8"/>
+          <p:cNvSpPr/>
+          <p:nvPr/>
+        </p:nvSpPr>
+        <p:spPr>
+          <a:xfrm>
+            <a:off x="2562201" y="266678"/>
+            <a:ext cx="7048549" cy="1238259"/>
+          </a:xfrm>
+          <a:prstGeom prst="roundRect">
+            <a:avLst>
+              <a:gd name="adj" fmla="val 29295"/>
+            </a:avLst>
+          </a:prstGeom>
+          <a:solidFill>
+            <a:schemeClr val="bg1"/>
+          </a:solidFill>
+          <a:ln>
+            <a:noFill/>
+          </a:ln>
+        </p:spPr>
+        <p:style>
+          <a:lnRef idx="2">
+            <a:schemeClr val="accent1">
+              <a:shade val="50000"/>
+            </a:schemeClr>
+          </a:lnRef>
+          <a:fillRef idx="1">
+            <a:schemeClr val="accent1"/>
+          </a:fillRef>
+          <a:effectRef idx="0">
+            <a:schemeClr val="accent1"/>
+          </a:effectRef>
+          <a:fontRef idx="minor">
+            <a:schemeClr val="lt1"/>
+          </a:fontRef>
+        </p:style>
+        <p:txBody>
+          <a:bodyPr lIns="121917" tIns="60958" rIns="121917" bIns="60958" rtlCol="0" anchor="ctr"/>
+          <a:lstStyle/>
+          <a:p>
+            <a:pPr algn="ctr"/>
+            <a:r>
+              <a:rPr lang="ru-RU" sz="4000" b="1" dirty="0">
+                <a:solidFill>
+                  <a:schemeClr val="tx1"/>
+                </a:solidFill>
+                <a:latin typeface="Georgia" pitchFamily="18" charset="0"/>
+              </a:rPr>
+              <a:t>Анализ результатов</a:t>
+            </a:r>
+          </a:p>
+        </p:txBody>
+      </p:sp>
+      <p:sp>
+        <p:nvSpPr>
+          <p:cNvPr id="14338" name="AutoShape 2" descr="Курс «Профессия Геймдизайнер с 0 до PRO»: обучение на геймдизайнера онлайн  — Skillbox"/>
+          <p:cNvSpPr>
+            <a:spLocks noChangeAspect="1" noChangeArrowheads="1"/>
+          </p:cNvSpPr>
+          <p:nvPr/>
+        </p:nvSpPr>
+        <p:spPr bwMode="auto">
+          <a:xfrm>
+            <a:off x="155575" y="-144463"/>
+            <a:ext cx="304800" cy="304801"/>
+          </a:xfrm>
+          <a:prstGeom prst="rect">
+            <a:avLst/>
+          </a:prstGeom>
+          <a:noFill/>
+        </p:spPr>
+        <p:txBody>
+          <a:bodyPr vert="horz" wrap="square" lIns="91440" tIns="45720" rIns="91440" bIns="45720" numCol="1" anchor="t" anchorCtr="0" compatLnSpc="1">
+            <a:prstTxWarp prst="textNoShape">
+              <a:avLst/>
+            </a:prstTxWarp>
+          </a:bodyPr>
+          <a:lstStyle/>
+          <a:p>
+            <a:endParaRPr lang="ru-RU"/>
+          </a:p>
+        </p:txBody>
+      </p:sp>
+      <p:sp>
+        <p:nvSpPr>
+          <p:cNvPr id="14340" name="AutoShape 4" descr="https://248006.selcdn.ru/LandGen/desktop_39ef6ddbd3a301b00456216d140c7a3abaf8f1f8.webp"/>
+          <p:cNvSpPr>
+            <a:spLocks noChangeAspect="1" noChangeArrowheads="1"/>
+          </p:cNvSpPr>
+          <p:nvPr/>
+        </p:nvSpPr>
+        <p:spPr bwMode="auto">
+          <a:xfrm>
+            <a:off x="155575" y="-144463"/>
+            <a:ext cx="304800" cy="304801"/>
+          </a:xfrm>
+          <a:prstGeom prst="rect">
+            <a:avLst/>
+          </a:prstGeom>
+          <a:noFill/>
+        </p:spPr>
+        <p:txBody>
+          <a:bodyPr vert="horz" wrap="square" lIns="91440" tIns="45720" rIns="91440" bIns="45720" numCol="1" anchor="t" anchorCtr="0" compatLnSpc="1">
+            <a:prstTxWarp prst="textNoShape">
+              <a:avLst/>
+            </a:prstTxWarp>
+          </a:bodyPr>
+          <a:lstStyle/>
+          <a:p>
+            <a:endParaRPr lang="ru-RU"/>
+          </a:p>
+        </p:txBody>
+      </p:sp>
+      <p:sp>
+        <p:nvSpPr>
+          <p:cNvPr id="6" name="TextBox 5">
+            <a:extLst>
+              <a:ext uri="{FF2B5EF4-FFF2-40B4-BE49-F238E27FC236}">
+                <a16:creationId xmlns:a16="http://schemas.microsoft.com/office/drawing/2014/main" id="{2171A3FA-81ED-D0E9-A2B3-3AB4B128AFD4}"/>
+              </a:ext>
+            </a:extLst>
+          </p:cNvPr>
+          <p:cNvSpPr txBox="1"/>
+          <p:nvPr/>
+        </p:nvSpPr>
+        <p:spPr>
+          <a:xfrm>
+            <a:off x="684747" y="1339621"/>
+            <a:ext cx="4764150" cy="4401205"/>
+          </a:xfrm>
+          <a:prstGeom prst="rect">
+            <a:avLst/>
+          </a:prstGeom>
+          <a:noFill/>
+        </p:spPr>
+        <p:txBody>
+          <a:bodyPr wrap="square" rtlCol="0">
+            <a:spAutoFit/>
+          </a:bodyPr>
+          <a:lstStyle/>
+          <a:p>
+            <a:pPr>
+              <a:lnSpc>
+                <a:spcPct val="150000"/>
+              </a:lnSpc>
+              <a:spcAft>
+                <a:spcPts val="1200"/>
+              </a:spcAft>
+            </a:pPr>
+            <a:r>
+              <a:rPr lang="ru-RU" sz="2400" dirty="0">
+                <a:solidFill>
+                  <a:schemeClr val="tx1"/>
+                </a:solidFill>
+                <a:latin typeface="Georgia" pitchFamily="18" charset="0"/>
+              </a:rPr>
+              <a:t>Начало приключения:</a:t>
+            </a:r>
+          </a:p>
+          <a:p>
+            <a:pPr>
+              <a:lnSpc>
+                <a:spcPct val="150000"/>
+              </a:lnSpc>
+              <a:spcAft>
+                <a:spcPts val="1200"/>
+              </a:spcAft>
+            </a:pPr>
+            <a:endParaRPr lang="ru-RU" sz="2400" dirty="0">
+              <a:solidFill>
+                <a:schemeClr val="tx1"/>
+              </a:solidFill>
+              <a:latin typeface="Georgia" pitchFamily="18" charset="0"/>
+            </a:endParaRPr>
+          </a:p>
+          <a:p>
+            <a:pPr>
+              <a:lnSpc>
+                <a:spcPct val="150000"/>
+              </a:lnSpc>
+              <a:spcAft>
+                <a:spcPts val="1200"/>
+              </a:spcAft>
+            </a:pPr>
+            <a:r>
+              <a:rPr lang="ru-RU" sz="2400" dirty="0">
+                <a:solidFill>
+                  <a:schemeClr val="tx1"/>
+                </a:solidFill>
+                <a:latin typeface="Georgia" pitchFamily="18" charset="0"/>
+              </a:rPr>
+              <a:t>Длина контекста: 4096 токенов</a:t>
+            </a:r>
+          </a:p>
+          <a:p>
+            <a:pPr>
+              <a:lnSpc>
+                <a:spcPct val="150000"/>
+              </a:lnSpc>
+              <a:spcAft>
+                <a:spcPts val="1200"/>
+              </a:spcAft>
+            </a:pPr>
+            <a:r>
+              <a:rPr lang="ru-RU" sz="2400" dirty="0">
+                <a:solidFill>
+                  <a:schemeClr val="tx1"/>
+                </a:solidFill>
+                <a:latin typeface="Georgia" pitchFamily="18" charset="0"/>
+              </a:rPr>
+              <a:t>Сообщение «вспоминания» персонажа после </a:t>
+            </a:r>
+            <a:r>
+              <a:rPr lang="en-US" sz="2400" dirty="0">
+                <a:solidFill>
+                  <a:schemeClr val="tx1"/>
+                </a:solidFill>
+                <a:latin typeface="Georgia" pitchFamily="18" charset="0"/>
+              </a:rPr>
+              <a:t>~</a:t>
+            </a:r>
+            <a:r>
+              <a:rPr lang="ru-RU" sz="2400" dirty="0">
+                <a:latin typeface="Georgia" pitchFamily="18" charset="0"/>
+              </a:rPr>
+              <a:t>4</a:t>
+            </a:r>
+            <a:r>
+              <a:rPr lang="ru-RU" sz="2400" dirty="0">
+                <a:solidFill>
+                  <a:schemeClr val="tx1"/>
+                </a:solidFill>
+                <a:latin typeface="Georgia" pitchFamily="18" charset="0"/>
+              </a:rPr>
+              <a:t>0 сообщений</a:t>
+            </a:r>
+          </a:p>
+          <a:p>
+            <a:endParaRPr lang="ru-RU" sz="2400" dirty="0"/>
+          </a:p>
+        </p:txBody>
+      </p:sp>
+      <p:pic>
+        <p:nvPicPr>
+          <p:cNvPr id="4" name="Рисунок 3">
+            <a:extLst>
+              <a:ext uri="{FF2B5EF4-FFF2-40B4-BE49-F238E27FC236}">
+                <a16:creationId xmlns:a16="http://schemas.microsoft.com/office/drawing/2014/main" id="{E4952015-9B3E-2C20-61E7-A569A3C6CCDC}"/>
+              </a:ext>
+            </a:extLst>
+          </p:cNvPr>
+          <p:cNvPicPr>
+            <a:picLocks noChangeAspect="1"/>
+          </p:cNvPicPr>
+          <p:nvPr/>
+        </p:nvPicPr>
+        <p:blipFill>
+          <a:blip r:embed="rId4"/>
+          <a:stretch>
+            <a:fillRect/>
+          </a:stretch>
+        </p:blipFill>
+        <p:spPr>
+          <a:xfrm>
+            <a:off x="5448896" y="1453437"/>
+            <a:ext cx="5748034" cy="1817525"/>
+          </a:xfrm>
+          <a:prstGeom prst="rect">
+            <a:avLst/>
+          </a:prstGeom>
+        </p:spPr>
+      </p:pic>
+      <p:pic>
+        <p:nvPicPr>
+          <p:cNvPr id="12" name="Рисунок 11">
+            <a:extLst>
+              <a:ext uri="{FF2B5EF4-FFF2-40B4-BE49-F238E27FC236}">
+                <a16:creationId xmlns:a16="http://schemas.microsoft.com/office/drawing/2014/main" id="{5F50880E-EE98-EF43-1C6F-CD9696F085F6}"/>
+              </a:ext>
+            </a:extLst>
+          </p:cNvPr>
+          <p:cNvPicPr>
+            <a:picLocks noChangeAspect="1"/>
+          </p:cNvPicPr>
+          <p:nvPr/>
+        </p:nvPicPr>
+        <p:blipFill>
+          <a:blip r:embed="rId5"/>
+          <a:stretch>
+            <a:fillRect/>
+          </a:stretch>
+        </p:blipFill>
+        <p:spPr>
+          <a:xfrm>
+            <a:off x="5448896" y="3384779"/>
+            <a:ext cx="5731781" cy="2509936"/>
+          </a:xfrm>
+          <a:prstGeom prst="rect">
+            <a:avLst/>
+          </a:prstGeom>
+        </p:spPr>
+      </p:pic>
+    </p:spTree>
+    <p:extLst>
+      <p:ext uri="{BB962C8B-B14F-4D97-AF65-F5344CB8AC3E}">
+        <p14:creationId xmlns:p14="http://schemas.microsoft.com/office/powerpoint/2010/main" val="1298889246"/>
+      </p:ext>
+    </p:extLst>
+  </p:cSld>
+  <p:clrMapOvr>
+    <a:masterClrMapping/>
+  </p:clrMapOvr>
+  <p:transition spd="med"/>
+</p:sld>
+</file>
+
+<file path=ppt/slides/slide17.xml><?xml version="1.0" encoding="utf-8"?>
+<p:sld xmlns:a="http://schemas.openxmlformats.org/drawingml/2006/main" xmlns:r="http://schemas.openxmlformats.org/officeDocument/2006/relationships" xmlns:p="http://schemas.openxmlformats.org/presentationml/2006/main">
+  <p:cSld>
+    <p:spTree>
+      <p:nvGrpSpPr>
+        <p:cNvPr id="1" name=""/>
+        <p:cNvGrpSpPr/>
+        <p:nvPr/>
+      </p:nvGrpSpPr>
+      <p:grpSpPr>
+        <a:xfrm>
+          <a:off x="0" y="0"/>
+          <a:ext cx="0" cy="0"/>
+          <a:chOff x="0" y="0"/>
+          <a:chExt cx="0" cy="0"/>
+        </a:xfrm>
+      </p:grpSpPr>
+      <p:pic>
+        <p:nvPicPr>
+          <p:cNvPr id="26" name="Picture 2" descr="http://help-in.ru/sites/default/files/1-projects/photo/Voronoi-2017-5.png"/>
+          <p:cNvPicPr>
+            <a:picLocks noChangeAspect="1" noChangeArrowheads="1"/>
+          </p:cNvPicPr>
+          <p:nvPr/>
+        </p:nvPicPr>
+        <p:blipFill>
+          <a:blip r:embed="rId3">
+            <a:duotone>
+              <a:schemeClr val="accent1">
+                <a:shade val="45000"/>
+                <a:satMod val="135000"/>
+              </a:schemeClr>
+              <a:prstClr val="white"/>
+            </a:duotone>
+          </a:blip>
+          <a:srcRect/>
+          <a:stretch>
+            <a:fillRect/>
+          </a:stretch>
+        </p:blipFill>
+        <p:spPr bwMode="auto">
+          <a:xfrm>
+            <a:off x="0" y="1"/>
+            <a:ext cx="12192000" cy="6857999"/>
+          </a:xfrm>
+          <a:prstGeom prst="rect">
+            <a:avLst/>
+          </a:prstGeom>
+          <a:noFill/>
+        </p:spPr>
+      </p:pic>
+      <p:sp>
+        <p:nvSpPr>
+          <p:cNvPr id="8" name="Прямоугольник 7"/>
+          <p:cNvSpPr/>
+          <p:nvPr/>
+        </p:nvSpPr>
+        <p:spPr>
+          <a:xfrm>
+            <a:off x="0" y="6438899"/>
+            <a:ext cx="12192000" cy="419099"/>
+          </a:xfrm>
+          <a:prstGeom prst="rect">
+            <a:avLst/>
+          </a:prstGeom>
+          <a:solidFill>
+            <a:srgbClr val="00529F"/>
+          </a:solidFill>
+          <a:ln>
+            <a:noFill/>
+          </a:ln>
+        </p:spPr>
+        <p:style>
+          <a:lnRef idx="2">
+            <a:schemeClr val="accent1">
+              <a:shade val="50000"/>
+            </a:schemeClr>
+          </a:lnRef>
+          <a:fillRef idx="1">
+            <a:schemeClr val="accent1"/>
+          </a:fillRef>
+          <a:effectRef idx="0">
+            <a:schemeClr val="accent1"/>
+          </a:effectRef>
+          <a:fontRef idx="minor">
+            <a:schemeClr val="lt1"/>
+          </a:fontRef>
+        </p:style>
+        <p:txBody>
+          <a:bodyPr lIns="121917" tIns="60958" rIns="121917" bIns="60958" rtlCol="0" anchor="ctr"/>
+          <a:lstStyle/>
+          <a:p>
+            <a:pPr algn="ctr"/>
+            <a:endParaRPr lang="ru-RU"/>
+          </a:p>
+        </p:txBody>
+      </p:sp>
+      <p:sp>
+        <p:nvSpPr>
+          <p:cNvPr id="11" name="Номер слайда 11"/>
+          <p:cNvSpPr>
+            <a:spLocks noGrp="1"/>
+          </p:cNvSpPr>
+          <p:nvPr>
+            <p:ph type="sldNum" sz="quarter" idx="12"/>
+          </p:nvPr>
+        </p:nvSpPr>
+        <p:spPr>
+          <a:xfrm>
+            <a:off x="11706184" y="6426200"/>
+            <a:ext cx="2844800" cy="365125"/>
+          </a:xfrm>
+        </p:spPr>
+        <p:txBody>
+          <a:bodyPr/>
+          <a:lstStyle/>
+          <a:p>
+            <a:pPr algn="l"/>
+            <a:fld id="{308CF263-2EDD-44CC-8928-FAE4F9823AB4}" type="slidenum">
+              <a:rPr lang="ru-RU" sz="2700" b="1" smtClean="0">
+                <a:solidFill>
+                  <a:schemeClr val="bg1"/>
+                </a:solidFill>
+                <a:latin typeface="Georgia" pitchFamily="18" charset="0"/>
+              </a:rPr>
+              <a:pPr algn="l"/>
+              <a:t>17</a:t>
+            </a:fld>
+            <a:endParaRPr lang="ru-RU" sz="2700" b="1" dirty="0">
+              <a:solidFill>
+                <a:schemeClr val="bg1"/>
+              </a:solidFill>
+              <a:latin typeface="Georgia" pitchFamily="18" charset="0"/>
+            </a:endParaRPr>
+          </a:p>
+        </p:txBody>
+      </p:sp>
+      <p:sp>
+        <p:nvSpPr>
+          <p:cNvPr id="7" name="Скругленный прямоугольник 6"/>
+          <p:cNvSpPr/>
+          <p:nvPr/>
+        </p:nvSpPr>
+        <p:spPr>
+          <a:xfrm>
+            <a:off x="460375" y="1162051"/>
+            <a:ext cx="11149734" cy="4981574"/>
+          </a:xfrm>
+          <a:prstGeom prst="roundRect">
+            <a:avLst>
+              <a:gd name="adj" fmla="val 22308"/>
+            </a:avLst>
+          </a:prstGeom>
+          <a:solidFill>
+            <a:schemeClr val="bg1"/>
+          </a:solidFill>
+          <a:ln>
+            <a:noFill/>
+          </a:ln>
+        </p:spPr>
+        <p:style>
+          <a:lnRef idx="2">
+            <a:schemeClr val="accent1">
+              <a:shade val="50000"/>
+            </a:schemeClr>
+          </a:lnRef>
+          <a:fillRef idx="1">
+            <a:schemeClr val="accent1"/>
+          </a:fillRef>
+          <a:effectRef idx="0">
+            <a:schemeClr val="accent1"/>
+          </a:effectRef>
+          <a:fontRef idx="minor">
+            <a:schemeClr val="lt1"/>
+          </a:fontRef>
+        </p:style>
+        <p:txBody>
+          <a:bodyPr lIns="121917" tIns="60958" rIns="121917" bIns="60958" rtlCol="0" anchor="ctr"/>
+          <a:lstStyle/>
+          <a:p>
+            <a:pPr>
+              <a:lnSpc>
+                <a:spcPct val="150000"/>
+              </a:lnSpc>
+              <a:spcAft>
+                <a:spcPts val="1200"/>
+              </a:spcAft>
+            </a:pPr>
+            <a:r>
+              <a:rPr lang="ru-RU" sz="2800" dirty="0">
+                <a:solidFill>
+                  <a:schemeClr val="tx1"/>
+                </a:solidFill>
+                <a:latin typeface="Georgia" pitchFamily="18" charset="0"/>
+              </a:rPr>
+              <a:t>Использование журнала позволило повысить качество ответов языковой модели и улучшить опыт использования нейросети в игре.</a:t>
+            </a:r>
+          </a:p>
+        </p:txBody>
+      </p:sp>
+      <p:sp>
+        <p:nvSpPr>
+          <p:cNvPr id="9" name="Скругленный прямоугольник 8"/>
+          <p:cNvSpPr/>
+          <p:nvPr/>
+        </p:nvSpPr>
+        <p:spPr>
+          <a:xfrm>
+            <a:off x="2562201" y="266678"/>
+            <a:ext cx="7048549" cy="1238259"/>
+          </a:xfrm>
+          <a:prstGeom prst="roundRect">
+            <a:avLst>
+              <a:gd name="adj" fmla="val 29295"/>
+            </a:avLst>
+          </a:prstGeom>
+          <a:solidFill>
+            <a:schemeClr val="bg1"/>
+          </a:solidFill>
+          <a:ln>
+            <a:noFill/>
+          </a:ln>
+        </p:spPr>
+        <p:style>
+          <a:lnRef idx="2">
+            <a:schemeClr val="accent1">
+              <a:shade val="50000"/>
+            </a:schemeClr>
+          </a:lnRef>
+          <a:fillRef idx="1">
+            <a:schemeClr val="accent1"/>
+          </a:fillRef>
+          <a:effectRef idx="0">
+            <a:schemeClr val="accent1"/>
+          </a:effectRef>
+          <a:fontRef idx="minor">
+            <a:schemeClr val="lt1"/>
+          </a:fontRef>
+        </p:style>
+        <p:txBody>
+          <a:bodyPr lIns="121917" tIns="60958" rIns="121917" bIns="60958" rtlCol="0" anchor="ctr"/>
+          <a:lstStyle/>
+          <a:p>
+            <a:pPr algn="ctr"/>
+            <a:r>
+              <a:rPr lang="ru-RU" sz="4000" b="1" dirty="0">
+                <a:solidFill>
+                  <a:schemeClr val="tx1"/>
+                </a:solidFill>
+                <a:latin typeface="Georgia" pitchFamily="18" charset="0"/>
+              </a:rPr>
+              <a:t>Вывод</a:t>
+            </a:r>
+          </a:p>
+        </p:txBody>
+      </p:sp>
+      <p:sp>
+        <p:nvSpPr>
+          <p:cNvPr id="14338" name="AutoShape 2" descr="Курс «Профессия Геймдизайнер с 0 до PRO»: обучение на геймдизайнера онлайн  — Skillbox"/>
+          <p:cNvSpPr>
+            <a:spLocks noChangeAspect="1" noChangeArrowheads="1"/>
+          </p:cNvSpPr>
+          <p:nvPr/>
+        </p:nvSpPr>
+        <p:spPr bwMode="auto">
+          <a:xfrm>
+            <a:off x="155575" y="-144463"/>
+            <a:ext cx="304800" cy="304801"/>
+          </a:xfrm>
+          <a:prstGeom prst="rect">
+            <a:avLst/>
+          </a:prstGeom>
+          <a:noFill/>
+        </p:spPr>
+        <p:txBody>
+          <a:bodyPr vert="horz" wrap="square" lIns="91440" tIns="45720" rIns="91440" bIns="45720" numCol="1" anchor="t" anchorCtr="0" compatLnSpc="1">
+            <a:prstTxWarp prst="textNoShape">
+              <a:avLst/>
+            </a:prstTxWarp>
+          </a:bodyPr>
+          <a:lstStyle/>
+          <a:p>
+            <a:endParaRPr lang="ru-RU"/>
+          </a:p>
+        </p:txBody>
+      </p:sp>
+      <p:sp>
+        <p:nvSpPr>
+          <p:cNvPr id="14340" name="AutoShape 4" descr="https://248006.selcdn.ru/LandGen/desktop_39ef6ddbd3a301b00456216d140c7a3abaf8f1f8.webp"/>
+          <p:cNvSpPr>
+            <a:spLocks noChangeAspect="1" noChangeArrowheads="1"/>
+          </p:cNvSpPr>
+          <p:nvPr/>
+        </p:nvSpPr>
+        <p:spPr bwMode="auto">
+          <a:xfrm>
+            <a:off x="155575" y="-144463"/>
+            <a:ext cx="304800" cy="304801"/>
+          </a:xfrm>
+          <a:prstGeom prst="rect">
+            <a:avLst/>
+          </a:prstGeom>
+          <a:noFill/>
+        </p:spPr>
+        <p:txBody>
+          <a:bodyPr vert="horz" wrap="square" lIns="91440" tIns="45720" rIns="91440" bIns="45720" numCol="1" anchor="t" anchorCtr="0" compatLnSpc="1">
+            <a:prstTxWarp prst="textNoShape">
+              <a:avLst/>
+            </a:prstTxWarp>
+          </a:bodyPr>
+          <a:lstStyle/>
+          <a:p>
+            <a:endParaRPr lang="ru-RU"/>
+          </a:p>
+        </p:txBody>
+      </p:sp>
+    </p:spTree>
+    <p:extLst>
+      <p:ext uri="{BB962C8B-B14F-4D97-AF65-F5344CB8AC3E}">
+        <p14:creationId xmlns:p14="http://schemas.microsoft.com/office/powerpoint/2010/main" val="2991797651"/>
+      </p:ext>
+    </p:extLst>
+  </p:cSld>
+  <p:clrMapOvr>
+    <a:masterClrMapping/>
+  </p:clrMapOvr>
+  <p:transition spd="med"/>
+</p:sld>
+</file>
+
+<file path=ppt/slides/slide18.xml><?xml version="1.0" encoding="utf-8"?>
+<p:sld xmlns:a="http://schemas.openxmlformats.org/drawingml/2006/main" xmlns:r="http://schemas.openxmlformats.org/officeDocument/2006/relationships" xmlns:p="http://schemas.openxmlformats.org/presentationml/2006/main">
+  <p:cSld>
+    <p:spTree>
+      <p:nvGrpSpPr>
+        <p:cNvPr id="1" name=""/>
+        <p:cNvGrpSpPr/>
+        <p:nvPr/>
+      </p:nvGrpSpPr>
+      <p:grpSpPr>
+        <a:xfrm>
+          <a:off x="0" y="0"/>
+          <a:ext cx="0" cy="0"/>
+          <a:chOff x="0" y="0"/>
+          <a:chExt cx="0" cy="0"/>
+        </a:xfrm>
+      </p:grpSpPr>
+      <p:pic>
+        <p:nvPicPr>
+          <p:cNvPr id="26" name="Picture 2" descr="http://help-in.ru/sites/default/files/1-projects/photo/Voronoi-2017-5.png"/>
+          <p:cNvPicPr>
+            <a:picLocks noChangeAspect="1" noChangeArrowheads="1"/>
+          </p:cNvPicPr>
+          <p:nvPr/>
+        </p:nvPicPr>
+        <p:blipFill>
+          <a:blip r:embed="rId3">
+            <a:duotone>
+              <a:schemeClr val="accent1">
+                <a:shade val="45000"/>
+                <a:satMod val="135000"/>
+              </a:schemeClr>
+              <a:prstClr val="white"/>
+            </a:duotone>
+          </a:blip>
+          <a:srcRect/>
+          <a:stretch>
+            <a:fillRect/>
+          </a:stretch>
+        </p:blipFill>
+        <p:spPr bwMode="auto">
+          <a:xfrm>
+            <a:off x="0" y="1"/>
+            <a:ext cx="12192000" cy="6857999"/>
+          </a:xfrm>
+          <a:prstGeom prst="rect">
+            <a:avLst/>
+          </a:prstGeom>
+          <a:noFill/>
+        </p:spPr>
+      </p:pic>
+      <p:sp>
+        <p:nvSpPr>
+          <p:cNvPr id="8" name="Прямоугольник 7"/>
+          <p:cNvSpPr/>
+          <p:nvPr/>
+        </p:nvSpPr>
+        <p:spPr>
+          <a:xfrm>
+            <a:off x="0" y="6438899"/>
+            <a:ext cx="12192000" cy="419099"/>
+          </a:xfrm>
+          <a:prstGeom prst="rect">
+            <a:avLst/>
+          </a:prstGeom>
+          <a:solidFill>
+            <a:srgbClr val="00529F"/>
+          </a:solidFill>
+          <a:ln>
+            <a:noFill/>
+          </a:ln>
+        </p:spPr>
+        <p:style>
+          <a:lnRef idx="2">
+            <a:schemeClr val="accent1">
+              <a:shade val="50000"/>
+            </a:schemeClr>
+          </a:lnRef>
+          <a:fillRef idx="1">
+            <a:schemeClr val="accent1"/>
+          </a:fillRef>
+          <a:effectRef idx="0">
+            <a:schemeClr val="accent1"/>
+          </a:effectRef>
+          <a:fontRef idx="minor">
+            <a:schemeClr val="lt1"/>
+          </a:fontRef>
+        </p:style>
+        <p:txBody>
+          <a:bodyPr lIns="121917" tIns="60958" rIns="121917" bIns="60958" rtlCol="0" anchor="ctr"/>
+          <a:lstStyle/>
+          <a:p>
+            <a:pPr algn="ctr"/>
+            <a:endParaRPr lang="ru-RU"/>
+          </a:p>
+        </p:txBody>
+      </p:sp>
+      <p:sp>
+        <p:nvSpPr>
+          <p:cNvPr id="11" name="Номер слайда 11"/>
+          <p:cNvSpPr>
+            <a:spLocks noGrp="1"/>
+          </p:cNvSpPr>
+          <p:nvPr>
+            <p:ph type="sldNum" sz="quarter" idx="12"/>
+          </p:nvPr>
+        </p:nvSpPr>
+        <p:spPr>
+          <a:xfrm>
+            <a:off x="11706184" y="6426200"/>
+            <a:ext cx="2844800" cy="365125"/>
+          </a:xfrm>
+        </p:spPr>
+        <p:txBody>
+          <a:bodyPr/>
+          <a:lstStyle/>
+          <a:p>
+            <a:pPr algn="l"/>
+            <a:fld id="{308CF263-2EDD-44CC-8928-FAE4F9823AB4}" type="slidenum">
+              <a:rPr lang="ru-RU" sz="2700" b="1" smtClean="0">
+                <a:solidFill>
+                  <a:schemeClr val="bg1"/>
+                </a:solidFill>
+                <a:latin typeface="Georgia" pitchFamily="18" charset="0"/>
+              </a:rPr>
+              <a:pPr algn="l"/>
+              <a:t>18</a:t>
+            </a:fld>
+            <a:endParaRPr lang="ru-RU" sz="2700" b="1" dirty="0">
+              <a:solidFill>
+                <a:schemeClr val="bg1"/>
+              </a:solidFill>
+              <a:latin typeface="Georgia" pitchFamily="18" charset="0"/>
+            </a:endParaRPr>
+          </a:p>
+        </p:txBody>
+      </p:sp>
+      <p:sp>
+        <p:nvSpPr>
           <p:cNvPr id="9" name="Скругленный прямоугольник 8"/>
           <p:cNvSpPr/>
           <p:nvPr/>
@@ -18435,7 +19746,7 @@
 </p:sld>
 </file>
 
-<file path=ppt/slides/slide17.xml><?xml version="1.0" encoding="utf-8"?>
+<file path=ppt/slides/slide19.xml><?xml version="1.0" encoding="utf-8"?>
 <p:sld xmlns:a="http://schemas.openxmlformats.org/drawingml/2006/main" xmlns:r="http://schemas.openxmlformats.org/officeDocument/2006/relationships" xmlns:p="http://schemas.openxmlformats.org/presentationml/2006/main">
   <p:cSld>
     <p:spTree>
@@ -18562,7 +19873,7 @@
         </p:nvSpPr>
         <p:spPr>
           <a:xfrm>
-            <a:off x="11706184" y="6426200"/>
+            <a:off x="11780829" y="6426200"/>
             <a:ext cx="2844800" cy="365125"/>
           </a:xfrm>
         </p:spPr>
@@ -18579,7 +19890,7 @@
                 <a:latin typeface="Georgia" pitchFamily="18" charset="0"/>
               </a:rPr>
               <a:pPr algn="l"/>
-              <a:t>17</a:t>
+              <a:t>19</a:t>
             </a:fld>
             <a:endParaRPr lang="ru-RU" sz="2700" b="1" dirty="0">
               <a:solidFill>
@@ -18733,7 +20044,7 @@
           <p:nvPr>
             <p:extLst>
               <p:ext uri="{D42A27DB-BD31-4B8C-83A1-F6EECF244321}">
-                <p14:modId xmlns:p14="http://schemas.microsoft.com/office/powerpoint/2010/main" val="1810260845"/>
+                <p14:modId xmlns:p14="http://schemas.microsoft.com/office/powerpoint/2010/main" val="2440652129"/>
               </p:ext>
             </p:extLst>
           </p:nvPr>
@@ -18950,7 +20261,15 @@
                     <a:p>
                       <a:r>
                         <a:rPr lang="ru-RU" sz="2400" dirty="0"/>
-                        <a:t>Составление системных промптов</a:t>
+                        <a:t>Составление системного </a:t>
+                      </a:r>
+                      <a:r>
+                        <a:rPr lang="ru-RU" sz="2400" dirty="0" err="1"/>
+                        <a:t>промпта</a:t>
+                      </a:r>
+                      <a:r>
+                        <a:rPr lang="ru-RU" sz="2400" dirty="0"/>
+                        <a:t> рассказчика</a:t>
                       </a:r>
                     </a:p>
                   </a:txBody>
@@ -19012,7 +20331,7 @@
                     <a:p>
                       <a:r>
                         <a:rPr lang="ru-RU" sz="2400" dirty="0"/>
-                        <a:t>Составление системных промптов</a:t>
+                        <a:t>Составление системных промптов поиска в тексте</a:t>
                       </a:r>
                     </a:p>
                   </a:txBody>
@@ -19111,454 +20430,6 @@
         <p14:creationId xmlns:p14="http://schemas.microsoft.com/office/powerpoint/2010/main" val="2531021885"/>
       </p:ext>
     </p:extLst>
-  </p:cSld>
-  <p:clrMapOvr>
-    <a:masterClrMapping/>
-  </p:clrMapOvr>
-  <p:transition spd="med"/>
-</p:sld>
-</file>
-
-<file path=ppt/slides/slide18.xml><?xml version="1.0" encoding="utf-8"?>
-<p:sld xmlns:a="http://schemas.openxmlformats.org/drawingml/2006/main" xmlns:r="http://schemas.openxmlformats.org/officeDocument/2006/relationships" xmlns:p="http://schemas.openxmlformats.org/presentationml/2006/main">
-  <p:cSld>
-    <p:spTree>
-      <p:nvGrpSpPr>
-        <p:cNvPr id="1" name=""/>
-        <p:cNvGrpSpPr/>
-        <p:nvPr/>
-      </p:nvGrpSpPr>
-      <p:grpSpPr>
-        <a:xfrm>
-          <a:off x="0" y="0"/>
-          <a:ext cx="0" cy="0"/>
-          <a:chOff x="0" y="0"/>
-          <a:chExt cx="0" cy="0"/>
-        </a:xfrm>
-      </p:grpSpPr>
-      <p:pic>
-        <p:nvPicPr>
-          <p:cNvPr id="6" name="Picture 6" descr="Процедурная генерация SciFi текстур | Верещагин Роман"/>
-          <p:cNvPicPr>
-            <a:picLocks noChangeAspect="1" noChangeArrowheads="1"/>
-          </p:cNvPicPr>
-          <p:nvPr/>
-        </p:nvPicPr>
-        <p:blipFill>
-          <a:blip r:embed="rId2">
-            <a:duotone>
-              <a:schemeClr val="accent1">
-                <a:shade val="45000"/>
-                <a:satMod val="135000"/>
-              </a:schemeClr>
-              <a:prstClr val="white"/>
-            </a:duotone>
-            <a:lum bright="-10000"/>
-          </a:blip>
-          <a:srcRect l="2061" t="1994" r="1031" b="2314"/>
-          <a:stretch>
-            <a:fillRect/>
-          </a:stretch>
-        </p:blipFill>
-        <p:spPr bwMode="auto">
-          <a:xfrm>
-            <a:off x="0" y="0"/>
-            <a:ext cx="12192000" cy="6457950"/>
-          </a:xfrm>
-          <a:prstGeom prst="rect">
-            <a:avLst/>
-          </a:prstGeom>
-          <a:noFill/>
-        </p:spPr>
-      </p:pic>
-      <p:sp>
-        <p:nvSpPr>
-          <p:cNvPr id="8" name="Скругленный прямоугольник 7"/>
-          <p:cNvSpPr/>
-          <p:nvPr/>
-        </p:nvSpPr>
-        <p:spPr>
-          <a:xfrm>
-            <a:off x="1353697" y="3143248"/>
-            <a:ext cx="5619789" cy="1143008"/>
-          </a:xfrm>
-          <a:prstGeom prst="roundRect">
-            <a:avLst>
-              <a:gd name="adj" fmla="val 37500"/>
-            </a:avLst>
-          </a:prstGeom>
-          <a:solidFill>
-            <a:schemeClr val="bg1"/>
-          </a:solidFill>
-          <a:ln>
-            <a:noFill/>
-          </a:ln>
-        </p:spPr>
-        <p:style>
-          <a:lnRef idx="2">
-            <a:schemeClr val="accent1">
-              <a:shade val="50000"/>
-            </a:schemeClr>
-          </a:lnRef>
-          <a:fillRef idx="1">
-            <a:schemeClr val="accent1"/>
-          </a:fillRef>
-          <a:effectRef idx="0">
-            <a:schemeClr val="accent1"/>
-          </a:effectRef>
-          <a:fontRef idx="minor">
-            <a:schemeClr val="lt1"/>
-          </a:fontRef>
-        </p:style>
-        <p:txBody>
-          <a:bodyPr lIns="121917" tIns="60958" rIns="121917" bIns="60958" rtlCol="0" anchor="ctr"/>
-          <a:lstStyle/>
-          <a:p>
-            <a:pPr algn="ctr"/>
-            <a:endParaRPr lang="ru-RU" sz="3200" b="1" dirty="0">
-              <a:solidFill>
-                <a:schemeClr val="tx1"/>
-              </a:solidFill>
-              <a:latin typeface="Georgia" pitchFamily="18" charset="0"/>
-            </a:endParaRPr>
-          </a:p>
-        </p:txBody>
-      </p:sp>
-      <p:sp>
-        <p:nvSpPr>
-          <p:cNvPr id="7" name="Скругленный прямоугольник 6"/>
-          <p:cNvSpPr/>
-          <p:nvPr/>
-        </p:nvSpPr>
-        <p:spPr>
-          <a:xfrm>
-            <a:off x="341182" y="2152074"/>
-            <a:ext cx="7638472" cy="1372178"/>
-          </a:xfrm>
-          <a:prstGeom prst="roundRect">
-            <a:avLst>
-              <a:gd name="adj" fmla="val 37500"/>
-            </a:avLst>
-          </a:prstGeom>
-          <a:solidFill>
-            <a:schemeClr val="bg1"/>
-          </a:solidFill>
-          <a:ln>
-            <a:noFill/>
-          </a:ln>
-        </p:spPr>
-        <p:style>
-          <a:lnRef idx="2">
-            <a:schemeClr val="accent1">
-              <a:shade val="50000"/>
-            </a:schemeClr>
-          </a:lnRef>
-          <a:fillRef idx="1">
-            <a:schemeClr val="accent1"/>
-          </a:fillRef>
-          <a:effectRef idx="0">
-            <a:schemeClr val="accent1"/>
-          </a:effectRef>
-          <a:fontRef idx="minor">
-            <a:schemeClr val="lt1"/>
-          </a:fontRef>
-        </p:style>
-        <p:txBody>
-          <a:bodyPr lIns="121917" tIns="60958" rIns="121917" bIns="60958" rtlCol="0" anchor="ctr"/>
-          <a:lstStyle/>
-          <a:p>
-            <a:pPr algn="ctr"/>
-            <a:r>
-              <a:rPr lang="ru-RU" sz="3200" b="1" dirty="0">
-                <a:solidFill>
-                  <a:schemeClr val="tx1"/>
-                </a:solidFill>
-                <a:latin typeface="Georgia" pitchFamily="18" charset="0"/>
-              </a:rPr>
-              <a:t>Благодарим за ваше внимание!</a:t>
-            </a:r>
-          </a:p>
-        </p:txBody>
-      </p:sp>
-      <p:sp>
-        <p:nvSpPr>
-          <p:cNvPr id="9" name="TextBox 8"/>
-          <p:cNvSpPr txBox="1"/>
-          <p:nvPr/>
-        </p:nvSpPr>
-        <p:spPr>
-          <a:xfrm>
-            <a:off x="1410867" y="3619502"/>
-            <a:ext cx="5467350" cy="415498"/>
-          </a:xfrm>
-          <a:prstGeom prst="rect">
-            <a:avLst/>
-          </a:prstGeom>
-          <a:noFill/>
-        </p:spPr>
-        <p:txBody>
-          <a:bodyPr wrap="square" rtlCol="0">
-            <a:spAutoFit/>
-          </a:bodyPr>
-          <a:lstStyle/>
-          <a:p>
-            <a:pPr algn="ctr"/>
-            <a:r>
-              <a:rPr lang="ru-RU" sz="2100" dirty="0">
-                <a:latin typeface="Georgia" pitchFamily="18" charset="0"/>
-              </a:rPr>
-              <a:t>Будем рады ответить на ваши вопросы!</a:t>
-            </a:r>
-          </a:p>
-        </p:txBody>
-      </p:sp>
-      <p:sp>
-        <p:nvSpPr>
-          <p:cNvPr id="12" name="Прямоугольник 11"/>
-          <p:cNvSpPr/>
-          <p:nvPr/>
-        </p:nvSpPr>
-        <p:spPr>
-          <a:xfrm>
-            <a:off x="0" y="6438899"/>
-            <a:ext cx="12192000" cy="419099"/>
-          </a:xfrm>
-          <a:prstGeom prst="rect">
-            <a:avLst/>
-          </a:prstGeom>
-          <a:solidFill>
-            <a:srgbClr val="00529F"/>
-          </a:solidFill>
-          <a:ln>
-            <a:noFill/>
-          </a:ln>
-        </p:spPr>
-        <p:style>
-          <a:lnRef idx="2">
-            <a:schemeClr val="accent1">
-              <a:shade val="50000"/>
-            </a:schemeClr>
-          </a:lnRef>
-          <a:fillRef idx="1">
-            <a:schemeClr val="accent1"/>
-          </a:fillRef>
-          <a:effectRef idx="0">
-            <a:schemeClr val="accent1"/>
-          </a:effectRef>
-          <a:fontRef idx="minor">
-            <a:schemeClr val="lt1"/>
-          </a:fontRef>
-        </p:style>
-        <p:txBody>
-          <a:bodyPr lIns="121917" tIns="60958" rIns="121917" bIns="60958" rtlCol="0" anchor="ctr"/>
-          <a:lstStyle/>
-          <a:p>
-            <a:pPr algn="ctr"/>
-            <a:endParaRPr lang="ru-RU"/>
-          </a:p>
-        </p:txBody>
-      </p:sp>
-      <p:sp>
-        <p:nvSpPr>
-          <p:cNvPr id="13" name="Номер слайда 11"/>
-          <p:cNvSpPr>
-            <a:spLocks noGrp="1"/>
-          </p:cNvSpPr>
-          <p:nvPr>
-            <p:ph type="sldNum" sz="quarter" idx="12"/>
-          </p:nvPr>
-        </p:nvSpPr>
-        <p:spPr>
-          <a:xfrm>
-            <a:off x="11629984" y="6426200"/>
-            <a:ext cx="2844800" cy="365125"/>
-          </a:xfrm>
-        </p:spPr>
-        <p:txBody>
-          <a:bodyPr/>
-          <a:lstStyle/>
-          <a:p>
-            <a:pPr algn="l"/>
-            <a:fld id="{308CF263-2EDD-44CC-8928-FAE4F9823AB4}" type="slidenum">
-              <a:rPr lang="ru-RU" sz="2700" b="1" smtClean="0">
-                <a:solidFill>
-                  <a:schemeClr val="bg1"/>
-                </a:solidFill>
-                <a:latin typeface="Georgia" pitchFamily="18" charset="0"/>
-              </a:rPr>
-              <a:pPr algn="l"/>
-              <a:t>18</a:t>
-            </a:fld>
-            <a:endParaRPr lang="ru-RU" sz="2700" b="1" dirty="0">
-              <a:solidFill>
-                <a:schemeClr val="bg1"/>
-              </a:solidFill>
-              <a:latin typeface="Georgia" pitchFamily="18" charset="0"/>
-            </a:endParaRPr>
-          </a:p>
-        </p:txBody>
-      </p:sp>
-      <p:grpSp>
-        <p:nvGrpSpPr>
-          <p:cNvPr id="10" name="Группа 9"/>
-          <p:cNvGrpSpPr/>
-          <p:nvPr/>
-        </p:nvGrpSpPr>
-        <p:grpSpPr>
-          <a:xfrm>
-            <a:off x="0" y="5872899"/>
-            <a:ext cx="3136568" cy="1147271"/>
-            <a:chOff x="0" y="0"/>
-            <a:chExt cx="4038600" cy="1477210"/>
-          </a:xfrm>
-        </p:grpSpPr>
-        <p:grpSp>
-          <p:nvGrpSpPr>
-            <p:cNvPr id="11" name="Группа 11"/>
-            <p:cNvGrpSpPr/>
-            <p:nvPr/>
-          </p:nvGrpSpPr>
-          <p:grpSpPr>
-            <a:xfrm>
-              <a:off x="0" y="0"/>
-              <a:ext cx="4038600" cy="1477210"/>
-              <a:chOff x="0" y="0"/>
-              <a:chExt cx="4038600" cy="1477210"/>
-            </a:xfrm>
-          </p:grpSpPr>
-          <p:pic>
-            <p:nvPicPr>
-              <p:cNvPr id="15" name="Picture 2" descr="https://storage.tusur.ru/files/40906/1368-408/tusur_w.png"/>
-              <p:cNvPicPr>
-                <a:picLocks noChangeAspect="1" noChangeArrowheads="1"/>
-              </p:cNvPicPr>
-              <p:nvPr/>
-            </p:nvPicPr>
-            <p:blipFill>
-              <a:blip r:embed="rId3" cstate="print"/>
-              <a:srcRect/>
-              <a:stretch>
-                <a:fillRect/>
-              </a:stretch>
-            </p:blipFill>
-            <p:spPr bwMode="auto">
-              <a:xfrm>
-                <a:off x="0" y="1"/>
-                <a:ext cx="4038600" cy="1477209"/>
-              </a:xfrm>
-              <a:prstGeom prst="rect">
-                <a:avLst/>
-              </a:prstGeom>
-              <a:noFill/>
-            </p:spPr>
-          </p:pic>
-          <p:sp>
-            <p:nvSpPr>
-              <p:cNvPr id="16" name="Прямоугольник 15"/>
-              <p:cNvSpPr/>
-              <p:nvPr/>
-            </p:nvSpPr>
-            <p:spPr>
-              <a:xfrm>
-                <a:off x="0" y="0"/>
-                <a:ext cx="3771900" cy="876300"/>
-              </a:xfrm>
-              <a:prstGeom prst="rect">
-                <a:avLst/>
-              </a:prstGeom>
-              <a:solidFill>
-                <a:srgbClr val="00529F"/>
-              </a:solidFill>
-              <a:ln>
-                <a:noFill/>
-              </a:ln>
-            </p:spPr>
-            <p:style>
-              <a:lnRef idx="2">
-                <a:schemeClr val="accent1">
-                  <a:shade val="50000"/>
-                </a:schemeClr>
-              </a:lnRef>
-              <a:fillRef idx="1">
-                <a:schemeClr val="accent1"/>
-              </a:fillRef>
-              <a:effectRef idx="0">
-                <a:schemeClr val="accent1"/>
-              </a:effectRef>
-              <a:fontRef idx="minor">
-                <a:schemeClr val="lt1"/>
-              </a:fontRef>
-            </p:style>
-            <p:txBody>
-              <a:bodyPr lIns="121917" tIns="60958" rIns="121917" bIns="60958" rtlCol="0" anchor="ctr"/>
-              <a:lstStyle/>
-              <a:p>
-                <a:pPr algn="ctr"/>
-                <a:endParaRPr lang="ru-RU"/>
-              </a:p>
-            </p:txBody>
-          </p:sp>
-        </p:grpSp>
-        <p:pic>
-          <p:nvPicPr>
-            <p:cNvPr id="14" name="Picture 2" descr="Фирменный стиль ТУСУРа"/>
-            <p:cNvPicPr>
-              <a:picLocks noChangeAspect="1" noChangeArrowheads="1"/>
-            </p:cNvPicPr>
-            <p:nvPr/>
-          </p:nvPicPr>
-          <p:blipFill>
-            <a:blip r:embed="rId4">
-              <a:lum bright="70000" contrast="40000"/>
-            </a:blip>
-            <a:srcRect/>
-            <a:stretch>
-              <a:fillRect/>
-            </a:stretch>
-          </p:blipFill>
-          <p:spPr bwMode="auto">
-            <a:xfrm>
-              <a:off x="571499" y="201613"/>
-              <a:ext cx="2800351" cy="762795"/>
-            </a:xfrm>
-            <a:prstGeom prst="rect">
-              <a:avLst/>
-            </a:prstGeom>
-            <a:noFill/>
-          </p:spPr>
-        </p:pic>
-      </p:grpSp>
-      <p:pic>
-        <p:nvPicPr>
-          <p:cNvPr id="3" name="Рисунок 2">
-            <a:extLst>
-              <a:ext uri="{FF2B5EF4-FFF2-40B4-BE49-F238E27FC236}">
-                <a16:creationId xmlns:a16="http://schemas.microsoft.com/office/drawing/2014/main" id="{5F871666-A1C1-1966-56FA-FA48545B4989}"/>
-              </a:ext>
-            </a:extLst>
-          </p:cNvPr>
-          <p:cNvPicPr>
-            <a:picLocks noChangeAspect="1"/>
-          </p:cNvPicPr>
-          <p:nvPr/>
-        </p:nvPicPr>
-        <p:blipFill>
-          <a:blip r:embed="rId5"/>
-          <a:stretch>
-            <a:fillRect/>
-          </a:stretch>
-        </p:blipFill>
-        <p:spPr>
-          <a:xfrm>
-            <a:off x="8210536" y="1755225"/>
-            <a:ext cx="3347550" cy="3347550"/>
-          </a:xfrm>
-          <a:prstGeom prst="rect">
-            <a:avLst/>
-          </a:prstGeom>
-        </p:spPr>
-      </p:pic>
-    </p:spTree>
   </p:cSld>
   <p:clrMapOvr>
     <a:masterClrMapping/>
@@ -19965,6 +20836,454 @@
 </p:sld>
 </file>
 
+<file path=ppt/slides/slide20.xml><?xml version="1.0" encoding="utf-8"?>
+<p:sld xmlns:a="http://schemas.openxmlformats.org/drawingml/2006/main" xmlns:r="http://schemas.openxmlformats.org/officeDocument/2006/relationships" xmlns:p="http://schemas.openxmlformats.org/presentationml/2006/main">
+  <p:cSld>
+    <p:spTree>
+      <p:nvGrpSpPr>
+        <p:cNvPr id="1" name=""/>
+        <p:cNvGrpSpPr/>
+        <p:nvPr/>
+      </p:nvGrpSpPr>
+      <p:grpSpPr>
+        <a:xfrm>
+          <a:off x="0" y="0"/>
+          <a:ext cx="0" cy="0"/>
+          <a:chOff x="0" y="0"/>
+          <a:chExt cx="0" cy="0"/>
+        </a:xfrm>
+      </p:grpSpPr>
+      <p:pic>
+        <p:nvPicPr>
+          <p:cNvPr id="6" name="Picture 6" descr="Процедурная генерация SciFi текстур | Верещагин Роман"/>
+          <p:cNvPicPr>
+            <a:picLocks noChangeAspect="1" noChangeArrowheads="1"/>
+          </p:cNvPicPr>
+          <p:nvPr/>
+        </p:nvPicPr>
+        <p:blipFill>
+          <a:blip r:embed="rId2">
+            <a:duotone>
+              <a:schemeClr val="accent1">
+                <a:shade val="45000"/>
+                <a:satMod val="135000"/>
+              </a:schemeClr>
+              <a:prstClr val="white"/>
+            </a:duotone>
+            <a:lum bright="-10000"/>
+          </a:blip>
+          <a:srcRect l="2061" t="1994" r="1031" b="2314"/>
+          <a:stretch>
+            <a:fillRect/>
+          </a:stretch>
+        </p:blipFill>
+        <p:spPr bwMode="auto">
+          <a:xfrm>
+            <a:off x="0" y="0"/>
+            <a:ext cx="12192000" cy="6457950"/>
+          </a:xfrm>
+          <a:prstGeom prst="rect">
+            <a:avLst/>
+          </a:prstGeom>
+          <a:noFill/>
+        </p:spPr>
+      </p:pic>
+      <p:sp>
+        <p:nvSpPr>
+          <p:cNvPr id="8" name="Скругленный прямоугольник 7"/>
+          <p:cNvSpPr/>
+          <p:nvPr/>
+        </p:nvSpPr>
+        <p:spPr>
+          <a:xfrm>
+            <a:off x="1353697" y="3143248"/>
+            <a:ext cx="5619789" cy="1143008"/>
+          </a:xfrm>
+          <a:prstGeom prst="roundRect">
+            <a:avLst>
+              <a:gd name="adj" fmla="val 37500"/>
+            </a:avLst>
+          </a:prstGeom>
+          <a:solidFill>
+            <a:schemeClr val="bg1"/>
+          </a:solidFill>
+          <a:ln>
+            <a:noFill/>
+          </a:ln>
+        </p:spPr>
+        <p:style>
+          <a:lnRef idx="2">
+            <a:schemeClr val="accent1">
+              <a:shade val="50000"/>
+            </a:schemeClr>
+          </a:lnRef>
+          <a:fillRef idx="1">
+            <a:schemeClr val="accent1"/>
+          </a:fillRef>
+          <a:effectRef idx="0">
+            <a:schemeClr val="accent1"/>
+          </a:effectRef>
+          <a:fontRef idx="minor">
+            <a:schemeClr val="lt1"/>
+          </a:fontRef>
+        </p:style>
+        <p:txBody>
+          <a:bodyPr lIns="121917" tIns="60958" rIns="121917" bIns="60958" rtlCol="0" anchor="ctr"/>
+          <a:lstStyle/>
+          <a:p>
+            <a:pPr algn="ctr"/>
+            <a:endParaRPr lang="ru-RU" sz="3200" b="1" dirty="0">
+              <a:solidFill>
+                <a:schemeClr val="tx1"/>
+              </a:solidFill>
+              <a:latin typeface="Georgia" pitchFamily="18" charset="0"/>
+            </a:endParaRPr>
+          </a:p>
+        </p:txBody>
+      </p:sp>
+      <p:sp>
+        <p:nvSpPr>
+          <p:cNvPr id="7" name="Скругленный прямоугольник 6"/>
+          <p:cNvSpPr/>
+          <p:nvPr/>
+        </p:nvSpPr>
+        <p:spPr>
+          <a:xfrm>
+            <a:off x="341182" y="2152074"/>
+            <a:ext cx="7638472" cy="1372178"/>
+          </a:xfrm>
+          <a:prstGeom prst="roundRect">
+            <a:avLst>
+              <a:gd name="adj" fmla="val 37500"/>
+            </a:avLst>
+          </a:prstGeom>
+          <a:solidFill>
+            <a:schemeClr val="bg1"/>
+          </a:solidFill>
+          <a:ln>
+            <a:noFill/>
+          </a:ln>
+        </p:spPr>
+        <p:style>
+          <a:lnRef idx="2">
+            <a:schemeClr val="accent1">
+              <a:shade val="50000"/>
+            </a:schemeClr>
+          </a:lnRef>
+          <a:fillRef idx="1">
+            <a:schemeClr val="accent1"/>
+          </a:fillRef>
+          <a:effectRef idx="0">
+            <a:schemeClr val="accent1"/>
+          </a:effectRef>
+          <a:fontRef idx="minor">
+            <a:schemeClr val="lt1"/>
+          </a:fontRef>
+        </p:style>
+        <p:txBody>
+          <a:bodyPr lIns="121917" tIns="60958" rIns="121917" bIns="60958" rtlCol="0" anchor="ctr"/>
+          <a:lstStyle/>
+          <a:p>
+            <a:pPr algn="ctr"/>
+            <a:r>
+              <a:rPr lang="ru-RU" sz="3200" b="1" dirty="0">
+                <a:solidFill>
+                  <a:schemeClr val="tx1"/>
+                </a:solidFill>
+                <a:latin typeface="Georgia" pitchFamily="18" charset="0"/>
+              </a:rPr>
+              <a:t>Благодарим за ваше внимание!</a:t>
+            </a:r>
+          </a:p>
+        </p:txBody>
+      </p:sp>
+      <p:sp>
+        <p:nvSpPr>
+          <p:cNvPr id="9" name="TextBox 8"/>
+          <p:cNvSpPr txBox="1"/>
+          <p:nvPr/>
+        </p:nvSpPr>
+        <p:spPr>
+          <a:xfrm>
+            <a:off x="1410867" y="3619502"/>
+            <a:ext cx="5467350" cy="415498"/>
+          </a:xfrm>
+          <a:prstGeom prst="rect">
+            <a:avLst/>
+          </a:prstGeom>
+          <a:noFill/>
+        </p:spPr>
+        <p:txBody>
+          <a:bodyPr wrap="square" rtlCol="0">
+            <a:spAutoFit/>
+          </a:bodyPr>
+          <a:lstStyle/>
+          <a:p>
+            <a:pPr algn="ctr"/>
+            <a:r>
+              <a:rPr lang="ru-RU" sz="2100" dirty="0">
+                <a:latin typeface="Georgia" pitchFamily="18" charset="0"/>
+              </a:rPr>
+              <a:t>Будем рады ответить на ваши вопросы!</a:t>
+            </a:r>
+          </a:p>
+        </p:txBody>
+      </p:sp>
+      <p:sp>
+        <p:nvSpPr>
+          <p:cNvPr id="12" name="Прямоугольник 11"/>
+          <p:cNvSpPr/>
+          <p:nvPr/>
+        </p:nvSpPr>
+        <p:spPr>
+          <a:xfrm>
+            <a:off x="0" y="6438899"/>
+            <a:ext cx="12192000" cy="419099"/>
+          </a:xfrm>
+          <a:prstGeom prst="rect">
+            <a:avLst/>
+          </a:prstGeom>
+          <a:solidFill>
+            <a:srgbClr val="00529F"/>
+          </a:solidFill>
+          <a:ln>
+            <a:noFill/>
+          </a:ln>
+        </p:spPr>
+        <p:style>
+          <a:lnRef idx="2">
+            <a:schemeClr val="accent1">
+              <a:shade val="50000"/>
+            </a:schemeClr>
+          </a:lnRef>
+          <a:fillRef idx="1">
+            <a:schemeClr val="accent1"/>
+          </a:fillRef>
+          <a:effectRef idx="0">
+            <a:schemeClr val="accent1"/>
+          </a:effectRef>
+          <a:fontRef idx="minor">
+            <a:schemeClr val="lt1"/>
+          </a:fontRef>
+        </p:style>
+        <p:txBody>
+          <a:bodyPr lIns="121917" tIns="60958" rIns="121917" bIns="60958" rtlCol="0" anchor="ctr"/>
+          <a:lstStyle/>
+          <a:p>
+            <a:pPr algn="ctr"/>
+            <a:endParaRPr lang="ru-RU"/>
+          </a:p>
+        </p:txBody>
+      </p:sp>
+      <p:sp>
+        <p:nvSpPr>
+          <p:cNvPr id="13" name="Номер слайда 11"/>
+          <p:cNvSpPr>
+            <a:spLocks noGrp="1"/>
+          </p:cNvSpPr>
+          <p:nvPr>
+            <p:ph type="sldNum" sz="quarter" idx="12"/>
+          </p:nvPr>
+        </p:nvSpPr>
+        <p:spPr>
+          <a:xfrm>
+            <a:off x="11629984" y="6426200"/>
+            <a:ext cx="2844800" cy="365125"/>
+          </a:xfrm>
+        </p:spPr>
+        <p:txBody>
+          <a:bodyPr/>
+          <a:lstStyle/>
+          <a:p>
+            <a:pPr algn="l"/>
+            <a:fld id="{308CF263-2EDD-44CC-8928-FAE4F9823AB4}" type="slidenum">
+              <a:rPr lang="ru-RU" sz="2700" b="1" smtClean="0">
+                <a:solidFill>
+                  <a:schemeClr val="bg1"/>
+                </a:solidFill>
+                <a:latin typeface="Georgia" pitchFamily="18" charset="0"/>
+              </a:rPr>
+              <a:pPr algn="l"/>
+              <a:t>20</a:t>
+            </a:fld>
+            <a:endParaRPr lang="ru-RU" sz="2700" b="1" dirty="0">
+              <a:solidFill>
+                <a:schemeClr val="bg1"/>
+              </a:solidFill>
+              <a:latin typeface="Georgia" pitchFamily="18" charset="0"/>
+            </a:endParaRPr>
+          </a:p>
+        </p:txBody>
+      </p:sp>
+      <p:grpSp>
+        <p:nvGrpSpPr>
+          <p:cNvPr id="10" name="Группа 9"/>
+          <p:cNvGrpSpPr/>
+          <p:nvPr/>
+        </p:nvGrpSpPr>
+        <p:grpSpPr>
+          <a:xfrm>
+            <a:off x="0" y="5872899"/>
+            <a:ext cx="3136568" cy="1147271"/>
+            <a:chOff x="0" y="0"/>
+            <a:chExt cx="4038600" cy="1477210"/>
+          </a:xfrm>
+        </p:grpSpPr>
+        <p:grpSp>
+          <p:nvGrpSpPr>
+            <p:cNvPr id="11" name="Группа 11"/>
+            <p:cNvGrpSpPr/>
+            <p:nvPr/>
+          </p:nvGrpSpPr>
+          <p:grpSpPr>
+            <a:xfrm>
+              <a:off x="0" y="0"/>
+              <a:ext cx="4038600" cy="1477210"/>
+              <a:chOff x="0" y="0"/>
+              <a:chExt cx="4038600" cy="1477210"/>
+            </a:xfrm>
+          </p:grpSpPr>
+          <p:pic>
+            <p:nvPicPr>
+              <p:cNvPr id="15" name="Picture 2" descr="https://storage.tusur.ru/files/40906/1368-408/tusur_w.png"/>
+              <p:cNvPicPr>
+                <a:picLocks noChangeAspect="1" noChangeArrowheads="1"/>
+              </p:cNvPicPr>
+              <p:nvPr/>
+            </p:nvPicPr>
+            <p:blipFill>
+              <a:blip r:embed="rId3" cstate="print"/>
+              <a:srcRect/>
+              <a:stretch>
+                <a:fillRect/>
+              </a:stretch>
+            </p:blipFill>
+            <p:spPr bwMode="auto">
+              <a:xfrm>
+                <a:off x="0" y="1"/>
+                <a:ext cx="4038600" cy="1477209"/>
+              </a:xfrm>
+              <a:prstGeom prst="rect">
+                <a:avLst/>
+              </a:prstGeom>
+              <a:noFill/>
+            </p:spPr>
+          </p:pic>
+          <p:sp>
+            <p:nvSpPr>
+              <p:cNvPr id="16" name="Прямоугольник 15"/>
+              <p:cNvSpPr/>
+              <p:nvPr/>
+            </p:nvSpPr>
+            <p:spPr>
+              <a:xfrm>
+                <a:off x="0" y="0"/>
+                <a:ext cx="3771900" cy="876300"/>
+              </a:xfrm>
+              <a:prstGeom prst="rect">
+                <a:avLst/>
+              </a:prstGeom>
+              <a:solidFill>
+                <a:srgbClr val="00529F"/>
+              </a:solidFill>
+              <a:ln>
+                <a:noFill/>
+              </a:ln>
+            </p:spPr>
+            <p:style>
+              <a:lnRef idx="2">
+                <a:schemeClr val="accent1">
+                  <a:shade val="50000"/>
+                </a:schemeClr>
+              </a:lnRef>
+              <a:fillRef idx="1">
+                <a:schemeClr val="accent1"/>
+              </a:fillRef>
+              <a:effectRef idx="0">
+                <a:schemeClr val="accent1"/>
+              </a:effectRef>
+              <a:fontRef idx="minor">
+                <a:schemeClr val="lt1"/>
+              </a:fontRef>
+            </p:style>
+            <p:txBody>
+              <a:bodyPr lIns="121917" tIns="60958" rIns="121917" bIns="60958" rtlCol="0" anchor="ctr"/>
+              <a:lstStyle/>
+              <a:p>
+                <a:pPr algn="ctr"/>
+                <a:endParaRPr lang="ru-RU"/>
+              </a:p>
+            </p:txBody>
+          </p:sp>
+        </p:grpSp>
+        <p:pic>
+          <p:nvPicPr>
+            <p:cNvPr id="14" name="Picture 2" descr="Фирменный стиль ТУСУРа"/>
+            <p:cNvPicPr>
+              <a:picLocks noChangeAspect="1" noChangeArrowheads="1"/>
+            </p:cNvPicPr>
+            <p:nvPr/>
+          </p:nvPicPr>
+          <p:blipFill>
+            <a:blip r:embed="rId4">
+              <a:lum bright="70000" contrast="40000"/>
+            </a:blip>
+            <a:srcRect/>
+            <a:stretch>
+              <a:fillRect/>
+            </a:stretch>
+          </p:blipFill>
+          <p:spPr bwMode="auto">
+            <a:xfrm>
+              <a:off x="571499" y="201613"/>
+              <a:ext cx="2800351" cy="762795"/>
+            </a:xfrm>
+            <a:prstGeom prst="rect">
+              <a:avLst/>
+            </a:prstGeom>
+            <a:noFill/>
+          </p:spPr>
+        </p:pic>
+      </p:grpSp>
+      <p:pic>
+        <p:nvPicPr>
+          <p:cNvPr id="3" name="Рисунок 2">
+            <a:extLst>
+              <a:ext uri="{FF2B5EF4-FFF2-40B4-BE49-F238E27FC236}">
+                <a16:creationId xmlns:a16="http://schemas.microsoft.com/office/drawing/2014/main" id="{5F871666-A1C1-1966-56FA-FA48545B4989}"/>
+              </a:ext>
+            </a:extLst>
+          </p:cNvPr>
+          <p:cNvPicPr>
+            <a:picLocks noChangeAspect="1"/>
+          </p:cNvPicPr>
+          <p:nvPr/>
+        </p:nvPicPr>
+        <p:blipFill>
+          <a:blip r:embed="rId5"/>
+          <a:stretch>
+            <a:fillRect/>
+          </a:stretch>
+        </p:blipFill>
+        <p:spPr>
+          <a:xfrm>
+            <a:off x="8210536" y="1755225"/>
+            <a:ext cx="3347550" cy="3347550"/>
+          </a:xfrm>
+          <a:prstGeom prst="rect">
+            <a:avLst/>
+          </a:prstGeom>
+        </p:spPr>
+      </p:pic>
+    </p:spTree>
+  </p:cSld>
+  <p:clrMapOvr>
+    <a:masterClrMapping/>
+  </p:clrMapOvr>
+  <p:transition spd="med"/>
+</p:sld>
+</file>
+
 <file path=ppt/slides/slide3.xml><?xml version="1.0" encoding="utf-8"?>
 <p:sld xmlns:a="http://schemas.openxmlformats.org/drawingml/2006/main" xmlns:r="http://schemas.openxmlformats.org/officeDocument/2006/relationships" xmlns:p="http://schemas.openxmlformats.org/presentationml/2006/main">
   <p:cSld>
@@ -21992,6 +23311,53 @@
           </a:p>
         </p:txBody>
       </p:sp>
+      <p:pic>
+        <p:nvPicPr>
+          <p:cNvPr id="2" name="Picture 2" descr="ChatGPT - Wikipedia">
+            <a:extLst>
+              <a:ext uri="{FF2B5EF4-FFF2-40B4-BE49-F238E27FC236}">
+                <a16:creationId xmlns:a16="http://schemas.microsoft.com/office/drawing/2014/main" id="{54958683-5DCF-A221-3837-3F4E6AD6BE07}"/>
+              </a:ext>
+            </a:extLst>
+          </p:cNvPr>
+          <p:cNvPicPr>
+            <a:picLocks noChangeAspect="1" noChangeArrowheads="1"/>
+          </p:cNvPicPr>
+          <p:nvPr/>
+        </p:nvPicPr>
+        <p:blipFill>
+          <a:blip r:embed="rId2">
+            <a:extLst>
+              <a:ext uri="{28A0092B-C50C-407E-A947-70E740481C1C}">
+                <a14:useLocalDpi xmlns:a14="http://schemas.microsoft.com/office/drawing/2010/main" val="0"/>
+              </a:ext>
+            </a:extLst>
+          </a:blip>
+          <a:srcRect/>
+          <a:stretch>
+            <a:fillRect/>
+          </a:stretch>
+        </p:blipFill>
+        <p:spPr bwMode="auto">
+          <a:xfrm>
+            <a:off x="8342153" y="4053956"/>
+            <a:ext cx="2082282" cy="2082282"/>
+          </a:xfrm>
+          <a:prstGeom prst="rect">
+            <a:avLst/>
+          </a:prstGeom>
+          <a:noFill/>
+          <a:extLst>
+            <a:ext uri="{909E8E84-426E-40DD-AFC4-6F175D3DCCD1}">
+              <a14:hiddenFill xmlns:a14="http://schemas.microsoft.com/office/drawing/2010/main">
+                <a:solidFill>
+                  <a:srgbClr val="FFFFFF"/>
+                </a:solidFill>
+              </a14:hiddenFill>
+            </a:ext>
+          </a:extLst>
+        </p:spPr>
+      </p:pic>
     </p:spTree>
     <p:extLst>
       <p:ext uri="{BB962C8B-B14F-4D97-AF65-F5344CB8AC3E}">
@@ -22329,6 +23695,36 @@
           </a:p>
         </p:txBody>
       </p:sp>
+      <p:pic>
+        <p:nvPicPr>
+          <p:cNvPr id="3" name="Рисунок 2">
+            <a:extLst>
+              <a:ext uri="{FF2B5EF4-FFF2-40B4-BE49-F238E27FC236}">
+                <a16:creationId xmlns:a16="http://schemas.microsoft.com/office/drawing/2014/main" id="{6512868B-51FA-8AB0-8275-95F85C7069B3}"/>
+              </a:ext>
+            </a:extLst>
+          </p:cNvPr>
+          <p:cNvPicPr>
+            <a:picLocks noChangeAspect="1"/>
+          </p:cNvPicPr>
+          <p:nvPr/>
+        </p:nvPicPr>
+        <p:blipFill>
+          <a:blip r:embed="rId2"/>
+          <a:stretch>
+            <a:fillRect/>
+          </a:stretch>
+        </p:blipFill>
+        <p:spPr>
+          <a:xfrm>
+            <a:off x="5471615" y="3834882"/>
+            <a:ext cx="6072646" cy="2290798"/>
+          </a:xfrm>
+          <a:prstGeom prst="rect">
+            <a:avLst/>
+          </a:prstGeom>
+        </p:spPr>
+      </p:pic>
     </p:spTree>
     <p:extLst>
       <p:ext uri="{BB962C8B-B14F-4D97-AF65-F5344CB8AC3E}">

--- a/Презентейшн.pptx
+++ b/Презентейшн.pptx
@@ -5,10 +5,10 @@
     <p:sldMasterId id="2147483648" r:id="rId1"/>
   </p:sldMasterIdLst>
   <p:notesMasterIdLst>
-    <p:notesMasterId r:id="rId22"/>
+    <p:notesMasterId r:id="rId23"/>
   </p:notesMasterIdLst>
   <p:handoutMasterIdLst>
-    <p:handoutMasterId r:id="rId23"/>
+    <p:handoutMasterId r:id="rId24"/>
   </p:handoutMasterIdLst>
   <p:sldIdLst>
     <p:sldId id="302" r:id="rId2"/>
@@ -19,18 +19,19 @@
     <p:sldId id="335" r:id="rId7"/>
     <p:sldId id="420" r:id="rId8"/>
     <p:sldId id="427" r:id="rId9"/>
-    <p:sldId id="419" r:id="rId10"/>
-    <p:sldId id="423" r:id="rId11"/>
-    <p:sldId id="424" r:id="rId12"/>
-    <p:sldId id="425" r:id="rId13"/>
-    <p:sldId id="421" r:id="rId14"/>
-    <p:sldId id="422" r:id="rId15"/>
-    <p:sldId id="389" r:id="rId16"/>
-    <p:sldId id="429" r:id="rId17"/>
-    <p:sldId id="428" r:id="rId18"/>
-    <p:sldId id="418" r:id="rId19"/>
-    <p:sldId id="417" r:id="rId20"/>
-    <p:sldId id="303" r:id="rId21"/>
+    <p:sldId id="430" r:id="rId10"/>
+    <p:sldId id="419" r:id="rId11"/>
+    <p:sldId id="423" r:id="rId12"/>
+    <p:sldId id="424" r:id="rId13"/>
+    <p:sldId id="425" r:id="rId14"/>
+    <p:sldId id="421" r:id="rId15"/>
+    <p:sldId id="422" r:id="rId16"/>
+    <p:sldId id="389" r:id="rId17"/>
+    <p:sldId id="429" r:id="rId18"/>
+    <p:sldId id="428" r:id="rId19"/>
+    <p:sldId id="418" r:id="rId20"/>
+    <p:sldId id="417" r:id="rId21"/>
+    <p:sldId id="303" r:id="rId22"/>
   </p:sldIdLst>
   <p:sldSz cx="12192000" cy="6858000"/>
   <p:notesSz cx="6858000" cy="9144000"/>
@@ -236,7 +237,7 @@
             <a:fld id="{2BADECFF-C1E6-41B7-861F-BE2B26CDAB05}" type="datetime1">
               <a:rPr lang="ru-RU" smtClean="0"/>
               <a:pPr rtl="0"/>
-              <a:t>29.11.2023</a:t>
+              <a:t>07.12.2023</a:t>
             </a:fld>
             <a:endParaRPr lang="ru-RU" dirty="0"/>
           </a:p>
@@ -408,7 +409,7 @@
             <a:fld id="{6F848B8F-24F3-4766-A59C-71045DA4FEF0}" type="datetime1">
               <a:rPr lang="ru-RU" smtClean="0"/>
               <a:pPr rtl="0"/>
-              <a:t>29.11.2023</a:t>
+              <a:t>07.12.2023</a:t>
             </a:fld>
             <a:endParaRPr lang="ru-RU" dirty="0"/>
           </a:p>
@@ -835,7 +836,7 @@
             <a:fld id="{82869989-EB00-4EE7-BCB5-25BDC5BB29F8}" type="slidenum">
               <a:rPr lang="ru-RU" smtClean="0"/>
               <a:pPr rtl="0"/>
-              <a:t>18</a:t>
+              <a:t>19</a:t>
             </a:fld>
             <a:endParaRPr lang="ru-RU" dirty="0"/>
           </a:p>
@@ -1187,7 +1188,7 @@
             <a:fld id="{82869989-EB00-4EE7-BCB5-25BDC5BB29F8}" type="slidenum">
               <a:rPr lang="ru-RU" smtClean="0"/>
               <a:pPr rtl="0"/>
-              <a:t>13</a:t>
+              <a:t>14</a:t>
             </a:fld>
             <a:endParaRPr lang="ru-RU" dirty="0"/>
           </a:p>
@@ -1275,7 +1276,7 @@
             <a:fld id="{82869989-EB00-4EE7-BCB5-25BDC5BB29F8}" type="slidenum">
               <a:rPr lang="ru-RU" smtClean="0"/>
               <a:pPr rtl="0"/>
-              <a:t>14</a:t>
+              <a:t>15</a:t>
             </a:fld>
             <a:endParaRPr lang="ru-RU" dirty="0"/>
           </a:p>
@@ -1363,7 +1364,7 @@
             <a:fld id="{82869989-EB00-4EE7-BCB5-25BDC5BB29F8}" type="slidenum">
               <a:rPr lang="ru-RU" smtClean="0"/>
               <a:pPr rtl="0"/>
-              <a:t>15</a:t>
+              <a:t>16</a:t>
             </a:fld>
             <a:endParaRPr lang="ru-RU" dirty="0"/>
           </a:p>
@@ -1451,7 +1452,7 @@
             <a:fld id="{82869989-EB00-4EE7-BCB5-25BDC5BB29F8}" type="slidenum">
               <a:rPr lang="ru-RU" smtClean="0"/>
               <a:pPr rtl="0"/>
-              <a:t>16</a:t>
+              <a:t>17</a:t>
             </a:fld>
             <a:endParaRPr lang="ru-RU" dirty="0"/>
           </a:p>
@@ -1539,7 +1540,7 @@
             <a:fld id="{82869989-EB00-4EE7-BCB5-25BDC5BB29F8}" type="slidenum">
               <a:rPr lang="ru-RU" smtClean="0"/>
               <a:pPr rtl="0"/>
-              <a:t>17</a:t>
+              <a:t>18</a:t>
             </a:fld>
             <a:endParaRPr lang="ru-RU" dirty="0"/>
           </a:p>
@@ -3697,7 +3698,7 @@
             <a:fld id="{21D30A75-6773-4051-8E3B-50DEBD5B27F5}" type="datetime1">
               <a:rPr lang="ru-RU" smtClean="0"/>
               <a:pPr rtl="0"/>
-              <a:t>29.11.2023</a:t>
+              <a:t>07.12.2023</a:t>
             </a:fld>
             <a:endParaRPr lang="ru-RU" dirty="0"/>
           </a:p>
@@ -3887,7 +3888,7 @@
             <a:fld id="{D7928C6E-EC50-49F1-B95C-FD73C1D14895}" type="datetime1">
               <a:rPr lang="ru-RU" smtClean="0"/>
               <a:pPr rtl="0"/>
-              <a:t>29.11.2023</a:t>
+              <a:t>07.12.2023</a:t>
             </a:fld>
             <a:endParaRPr lang="ru-RU" dirty="0"/>
           </a:p>
@@ -4067,7 +4068,7 @@
             <a:fld id="{A29ED9D4-4098-4CD3-A9A7-C343301264F2}" type="datetime1">
               <a:rPr lang="ru-RU" smtClean="0"/>
               <a:pPr rtl="0"/>
-              <a:t>29.11.2023</a:t>
+              <a:t>07.12.2023</a:t>
             </a:fld>
             <a:endParaRPr lang="ru-RU" dirty="0"/>
           </a:p>
@@ -6395,7 +6396,7 @@
             <a:fld id="{687FFE1D-B4BF-42B3-9799-021BB66D51E4}" type="datetime1">
               <a:rPr lang="ru-RU" smtClean="0"/>
               <a:pPr rtl="0"/>
-              <a:t>29.11.2023</a:t>
+              <a:t>07.12.2023</a:t>
             </a:fld>
             <a:endParaRPr lang="ru-RU" dirty="0"/>
           </a:p>
@@ -6845,7 +6846,7 @@
             <a:fld id="{433AC169-0119-4659-9B73-547F9C11A152}" type="datetime1">
               <a:rPr lang="ru-RU" smtClean="0"/>
               <a:pPr rtl="0"/>
-              <a:t>29.11.2023</a:t>
+              <a:t>07.12.2023</a:t>
             </a:fld>
             <a:endParaRPr lang="ru-RU" dirty="0"/>
           </a:p>
@@ -6973,7 +6974,7 @@
             <a:fld id="{88FE940F-5E05-43A4-90CE-E7C7653F1C67}" type="datetime1">
               <a:rPr lang="ru-RU" smtClean="0"/>
               <a:pPr rtl="0"/>
-              <a:t>29.11.2023</a:t>
+              <a:t>07.12.2023</a:t>
             </a:fld>
             <a:endParaRPr lang="ru-RU" dirty="0"/>
           </a:p>
@@ -8900,7 +8901,7 @@
             <a:fld id="{CA01554F-F072-4658-949A-7A94F490DB04}" type="datetime1">
               <a:rPr lang="ru-RU" smtClean="0"/>
               <a:pPr rtl="0"/>
-              <a:t>29.11.2023</a:t>
+              <a:t>07.12.2023</a:t>
             </a:fld>
             <a:endParaRPr lang="ru-RU" dirty="0"/>
           </a:p>
@@ -11152,7 +11153,7 @@
             <a:fld id="{3B0BFD1E-E11D-434C-9F87-0B5F0A29CFEC}" type="datetime1">
               <a:rPr lang="ru-RU" smtClean="0"/>
               <a:pPr rtl="0"/>
-              <a:t>29.11.2023</a:t>
+              <a:t>07.12.2023</a:t>
             </a:fld>
             <a:endParaRPr lang="ru-RU" dirty="0"/>
           </a:p>
@@ -15430,7 +15431,7 @@
             <a:fld id="{99137652-B7E4-4AE8-853E-9803CAFAAF7E}" type="datetime1">
               <a:rPr lang="ru-RU" smtClean="0"/>
               <a:pPr rtl="0"/>
-              <a:t>29.11.2023</a:t>
+              <a:t>07.12.2023</a:t>
             </a:fld>
             <a:endParaRPr lang="ru-RU" dirty="0"/>
           </a:p>
@@ -16118,7 +16119,7 @@
         <p:spPr>
           <a:xfrm>
             <a:off x="1295400" y="1286258"/>
-            <a:ext cx="8001762" cy="2369880"/>
+            <a:ext cx="8001762" cy="2677656"/>
           </a:xfrm>
           <a:prstGeom prst="rect">
             <a:avLst/>
@@ -16165,20 +16166,20 @@
               <a:buFont typeface="Wingdings" pitchFamily="2" charset="2"/>
               <a:buChar char="v"/>
             </a:pPr>
-            <a:r>
-              <a:rPr lang="ru-RU" sz="2000" b="1" i="1" dirty="0"/>
-              <a:t> </a:t>
-            </a:r>
-            <a:r>
-              <a:rPr lang="ru-RU" sz="2000" b="1" i="1" dirty="0" err="1"/>
-              <a:t>Заковряжин</a:t>
-            </a:r>
-            <a:r>
-              <a:rPr lang="ru-RU" sz="2000" b="1" i="1" dirty="0"/>
-              <a:t> А. </a:t>
-            </a:r>
+            <a:endParaRPr lang="ru-RU" sz="2000" b="1" i="1" dirty="0"/>
           </a:p>
           <a:p>
+            <a:pPr>
+              <a:buFont typeface="Wingdings" pitchFamily="2" charset="2"/>
+              <a:buChar char="v"/>
+            </a:pPr>
+            <a:endParaRPr lang="ru-RU" sz="2000" b="1" i="1" dirty="0"/>
+          </a:p>
+          <a:p>
+            <a:pPr>
+              <a:buFont typeface="Wingdings" pitchFamily="2" charset="2"/>
+              <a:buChar char="v"/>
+            </a:pPr>
             <a:endParaRPr lang="ru-RU" sz="2000" dirty="0"/>
           </a:p>
           <a:p>
@@ -16524,7 +16525,7 @@
         <p:spPr>
           <a:xfrm>
             <a:off x="285709" y="1304925"/>
-            <a:ext cx="11564546" cy="1293940"/>
+            <a:ext cx="11564546" cy="1917187"/>
           </a:xfrm>
           <a:prstGeom prst="rect">
             <a:avLst/>
@@ -16546,7 +16547,37 @@
               <a:rPr lang="ru-RU" sz="2700" dirty="0">
                 <a:latin typeface="Georgia" pitchFamily="18" charset="0"/>
               </a:rPr>
-              <a:t>Мы придумали способ взаимодействия с журналом игрока и нейросети, внедрили механизм в раннее созданный прототип.</a:t>
+              <a:t>Изучена документация библиотеки </a:t>
+            </a:r>
+            <a:r>
+              <a:rPr lang="en-US" sz="2700" dirty="0" err="1">
+                <a:latin typeface="Georgia" pitchFamily="18" charset="0"/>
+              </a:rPr>
+              <a:t>openai</a:t>
+            </a:r>
+            <a:r>
+              <a:rPr lang="en-US" sz="2700" dirty="0">
+                <a:latin typeface="Georgia" pitchFamily="18" charset="0"/>
+              </a:rPr>
+              <a:t> </a:t>
+            </a:r>
+            <a:r>
+              <a:rPr lang="ru-RU" sz="2700" dirty="0">
+                <a:latin typeface="Georgia" pitchFamily="18" charset="0"/>
+              </a:rPr>
+              <a:t>для взаимодействия с нейросетью из кода </a:t>
+            </a:r>
+            <a:r>
+              <a:rPr lang="en-US" sz="2700" dirty="0">
+                <a:latin typeface="Georgia" pitchFamily="18" charset="0"/>
+              </a:rPr>
+              <a:t>Python. </a:t>
+            </a:r>
+            <a:r>
+              <a:rPr lang="ru-RU" sz="2700" dirty="0">
+                <a:latin typeface="Georgia" pitchFamily="18" charset="0"/>
+              </a:rPr>
+              <a:t>Создан прототип программы на основе консольного приложения.</a:t>
             </a:r>
             <a:endParaRPr lang="ru-RU" sz="2400" dirty="0">
               <a:latin typeface="Georgia" pitchFamily="18" charset="0"/>
@@ -16559,7 +16590,7 @@
           <p:cNvPr id="3" name="Рисунок 2">
             <a:extLst>
               <a:ext uri="{FF2B5EF4-FFF2-40B4-BE49-F238E27FC236}">
-                <a16:creationId xmlns:a16="http://schemas.microsoft.com/office/drawing/2014/main" id="{5698DF5C-14A9-89E7-F552-7F0103BB682B}"/>
+                <a16:creationId xmlns:a16="http://schemas.microsoft.com/office/drawing/2014/main" id="{6512868B-51FA-8AB0-8275-95F85C7069B3}"/>
               </a:ext>
             </a:extLst>
           </p:cNvPr>
@@ -16576,8 +16607,8 @@
         </p:blipFill>
         <p:spPr>
           <a:xfrm>
-            <a:off x="6241096" y="3429000"/>
-            <a:ext cx="5303165" cy="2611768"/>
+            <a:off x="5471615" y="3834882"/>
+            <a:ext cx="6072646" cy="2290798"/>
           </a:xfrm>
           <a:prstGeom prst="rect">
             <a:avLst/>
@@ -16587,7 +16618,7 @@
     </p:spTree>
     <p:extLst>
       <p:ext uri="{BB962C8B-B14F-4D97-AF65-F5344CB8AC3E}">
-        <p14:creationId xmlns:p14="http://schemas.microsoft.com/office/powerpoint/2010/main" val="1239738548"/>
+        <p14:creationId xmlns:p14="http://schemas.microsoft.com/office/powerpoint/2010/main" val="3522613501"/>
       </p:ext>
     </p:extLst>
   </p:cSld>
@@ -16883,19 +16914,7 @@
               <a:rPr lang="ru-RU" sz="2700" dirty="0">
                 <a:latin typeface="Georgia" pitchFamily="18" charset="0"/>
               </a:rPr>
-              <a:t>Мы составили системные </a:t>
-            </a:r>
-            <a:r>
-              <a:rPr lang="ru-RU" sz="2700" dirty="0" err="1">
-                <a:latin typeface="Georgia" pitchFamily="18" charset="0"/>
-              </a:rPr>
-              <a:t>промпты</a:t>
-            </a:r>
-            <a:r>
-              <a:rPr lang="ru-RU" sz="2700" dirty="0">
-                <a:latin typeface="Georgia" pitchFamily="18" charset="0"/>
-              </a:rPr>
-              <a:t> для работы нейросети в необходимом направлении: рассказчик, поиск предметов, персонажей и т.д. в тексте.</a:t>
+              <a:t>Разработан способ взаимодействия с журналом игрока и нейросети, внедрен механизм в раннее созданный прототип. Для вызова функционала журнала использованы регулярные выражения.</a:t>
             </a:r>
             <a:endParaRPr lang="ru-RU" sz="2400" dirty="0">
               <a:latin typeface="Georgia" pitchFamily="18" charset="0"/>
@@ -16908,7 +16927,7 @@
           <p:cNvPr id="3" name="Рисунок 2">
             <a:extLst>
               <a:ext uri="{FF2B5EF4-FFF2-40B4-BE49-F238E27FC236}">
-                <a16:creationId xmlns:a16="http://schemas.microsoft.com/office/drawing/2014/main" id="{7019AD42-F439-F92F-302C-B3F98933D0B5}"/>
+                <a16:creationId xmlns:a16="http://schemas.microsoft.com/office/drawing/2014/main" id="{5698DF5C-14A9-89E7-F552-7F0103BB682B}"/>
               </a:ext>
             </a:extLst>
           </p:cNvPr>
@@ -16925,8 +16944,8 @@
         </p:blipFill>
         <p:spPr>
           <a:xfrm>
-            <a:off x="7659614" y="2677885"/>
-            <a:ext cx="3402758" cy="3569327"/>
+            <a:off x="6241096" y="3429000"/>
+            <a:ext cx="5303165" cy="2611768"/>
           </a:xfrm>
           <a:prstGeom prst="rect">
             <a:avLst/>
@@ -16936,7 +16955,7 @@
     </p:spTree>
     <p:extLst>
       <p:ext uri="{BB962C8B-B14F-4D97-AF65-F5344CB8AC3E}">
-        <p14:creationId xmlns:p14="http://schemas.microsoft.com/office/powerpoint/2010/main" val="1097176464"/>
+        <p14:creationId xmlns:p14="http://schemas.microsoft.com/office/powerpoint/2010/main" val="1239738548"/>
       </p:ext>
     </p:extLst>
   </p:cSld>
@@ -17210,6 +17229,355 @@
         <p:spPr>
           <a:xfrm>
             <a:off x="285709" y="1304925"/>
+            <a:ext cx="11564546" cy="1917187"/>
+          </a:xfrm>
+          <a:prstGeom prst="rect">
+            <a:avLst/>
+          </a:prstGeom>
+          <a:noFill/>
+        </p:spPr>
+        <p:txBody>
+          <a:bodyPr wrap="square" lIns="121917" tIns="60958" rIns="121917" bIns="60958" rtlCol="0">
+            <a:spAutoFit/>
+          </a:bodyPr>
+          <a:lstStyle/>
+          <a:p>
+            <a:pPr>
+              <a:lnSpc>
+                <a:spcPct val="150000"/>
+              </a:lnSpc>
+            </a:pPr>
+            <a:r>
+              <a:rPr lang="ru-RU" sz="2700" dirty="0">
+                <a:latin typeface="Georgia" pitchFamily="18" charset="0"/>
+              </a:rPr>
+              <a:t>Составлены системные </a:t>
+            </a:r>
+            <a:r>
+              <a:rPr lang="ru-RU" sz="2700" dirty="0" err="1">
+                <a:latin typeface="Georgia" pitchFamily="18" charset="0"/>
+              </a:rPr>
+              <a:t>промпты</a:t>
+            </a:r>
+            <a:r>
+              <a:rPr lang="ru-RU" sz="2700" dirty="0">
+                <a:latin typeface="Georgia" pitchFamily="18" charset="0"/>
+              </a:rPr>
+              <a:t> для работы нейросети в необходимом направлении: рассказчик, поиск предметов, персонажей в тексте и т.д.</a:t>
+            </a:r>
+            <a:endParaRPr lang="ru-RU" sz="2400" dirty="0">
+              <a:latin typeface="Georgia" pitchFamily="18" charset="0"/>
+            </a:endParaRPr>
+          </a:p>
+        </p:txBody>
+      </p:sp>
+      <p:pic>
+        <p:nvPicPr>
+          <p:cNvPr id="3" name="Рисунок 2">
+            <a:extLst>
+              <a:ext uri="{FF2B5EF4-FFF2-40B4-BE49-F238E27FC236}">
+                <a16:creationId xmlns:a16="http://schemas.microsoft.com/office/drawing/2014/main" id="{7019AD42-F439-F92F-302C-B3F98933D0B5}"/>
+              </a:ext>
+            </a:extLst>
+          </p:cNvPr>
+          <p:cNvPicPr>
+            <a:picLocks noChangeAspect="1"/>
+          </p:cNvPicPr>
+          <p:nvPr/>
+        </p:nvPicPr>
+        <p:blipFill>
+          <a:blip r:embed="rId2"/>
+          <a:stretch>
+            <a:fillRect/>
+          </a:stretch>
+        </p:blipFill>
+        <p:spPr>
+          <a:xfrm>
+            <a:off x="7659614" y="2677885"/>
+            <a:ext cx="3402758" cy="3569327"/>
+          </a:xfrm>
+          <a:prstGeom prst="rect">
+            <a:avLst/>
+          </a:prstGeom>
+        </p:spPr>
+      </p:pic>
+    </p:spTree>
+    <p:extLst>
+      <p:ext uri="{BB962C8B-B14F-4D97-AF65-F5344CB8AC3E}">
+        <p14:creationId xmlns:p14="http://schemas.microsoft.com/office/powerpoint/2010/main" val="1097176464"/>
+      </p:ext>
+    </p:extLst>
+  </p:cSld>
+  <p:clrMapOvr>
+    <a:masterClrMapping/>
+  </p:clrMapOvr>
+  <p:transition spd="med"/>
+</p:sld>
+</file>
+
+<file path=ppt/slides/slide13.xml><?xml version="1.0" encoding="utf-8"?>
+<p:sld xmlns:a="http://schemas.openxmlformats.org/drawingml/2006/main" xmlns:r="http://schemas.openxmlformats.org/officeDocument/2006/relationships" xmlns:p="http://schemas.openxmlformats.org/presentationml/2006/main">
+  <p:cSld>
+    <p:spTree>
+      <p:nvGrpSpPr>
+        <p:cNvPr id="1" name=""/>
+        <p:cNvGrpSpPr/>
+        <p:nvPr/>
+      </p:nvGrpSpPr>
+      <p:grpSpPr>
+        <a:xfrm>
+          <a:off x="0" y="0"/>
+          <a:ext cx="0" cy="0"/>
+          <a:chOff x="0" y="0"/>
+          <a:chExt cx="0" cy="0"/>
+        </a:xfrm>
+      </p:grpSpPr>
+      <p:sp>
+        <p:nvSpPr>
+          <p:cNvPr id="4" name="Прямоугольник 7">
+            <a:extLst>
+              <a:ext uri="{FF2B5EF4-FFF2-40B4-BE49-F238E27FC236}">
+                <a16:creationId xmlns:a16="http://schemas.microsoft.com/office/drawing/2014/main" id="{23254D1D-D9ED-41BC-91DB-10EE5C44A5F5}"/>
+              </a:ext>
+            </a:extLst>
+          </p:cNvPr>
+          <p:cNvSpPr/>
+          <p:nvPr/>
+        </p:nvSpPr>
+        <p:spPr>
+          <a:xfrm>
+            <a:off x="0" y="6438899"/>
+            <a:ext cx="12192000" cy="419099"/>
+          </a:xfrm>
+          <a:prstGeom prst="rect">
+            <a:avLst/>
+          </a:prstGeom>
+          <a:solidFill>
+            <a:srgbClr val="00529F"/>
+          </a:solidFill>
+          <a:ln>
+            <a:noFill/>
+          </a:ln>
+        </p:spPr>
+        <p:style>
+          <a:lnRef idx="2">
+            <a:schemeClr val="accent1">
+              <a:shade val="50000"/>
+            </a:schemeClr>
+          </a:lnRef>
+          <a:fillRef idx="1">
+            <a:schemeClr val="accent1"/>
+          </a:fillRef>
+          <a:effectRef idx="0">
+            <a:schemeClr val="accent1"/>
+          </a:effectRef>
+          <a:fontRef idx="minor">
+            <a:schemeClr val="lt1"/>
+          </a:fontRef>
+        </p:style>
+        <p:txBody>
+          <a:bodyPr lIns="121917" tIns="60958" rIns="121917" bIns="60958" rtlCol="0" anchor="ctr"/>
+          <a:lstStyle/>
+          <a:p>
+            <a:pPr algn="ctr"/>
+            <a:endParaRPr lang="ru-RU"/>
+          </a:p>
+        </p:txBody>
+      </p:sp>
+      <p:sp>
+        <p:nvSpPr>
+          <p:cNvPr id="5" name="Номер слайда 11">
+            <a:extLst>
+              <a:ext uri="{FF2B5EF4-FFF2-40B4-BE49-F238E27FC236}">
+                <a16:creationId xmlns:a16="http://schemas.microsoft.com/office/drawing/2014/main" id="{B6AB22DF-DC90-4BBE-A9D3-479E22F06D5D}"/>
+              </a:ext>
+            </a:extLst>
+          </p:cNvPr>
+          <p:cNvSpPr txBox="1">
+            <a:spLocks/>
+          </p:cNvSpPr>
+          <p:nvPr/>
+        </p:nvSpPr>
+        <p:spPr>
+          <a:xfrm>
+            <a:off x="11706184" y="6426200"/>
+            <a:ext cx="2844800" cy="365125"/>
+          </a:xfrm>
+          <a:prstGeom prst="rect">
+            <a:avLst/>
+          </a:prstGeom>
+        </p:spPr>
+        <p:txBody>
+          <a:bodyPr vert="horz" lIns="91440" tIns="45720" rIns="91440" bIns="45720" rtlCol="0" anchor="ctr"/>
+          <a:lstStyle>
+            <a:defPPr rtl="0">
+              <a:defRPr lang="ru-RU"/>
+            </a:defPPr>
+            <a:lvl1pPr marL="0" algn="r" defTabSz="914400" rtl="0" eaLnBrk="1" latinLnBrk="0" hangingPunct="1">
+              <a:defRPr sz="1100" kern="1200">
+                <a:solidFill>
+                  <a:schemeClr val="tx1">
+                    <a:lumMod val="90000"/>
+                    <a:lumOff val="10000"/>
+                  </a:schemeClr>
+                </a:solidFill>
+                <a:latin typeface="+mn-lt"/>
+                <a:ea typeface="+mn-ea"/>
+                <a:cs typeface="+mn-cs"/>
+              </a:defRPr>
+            </a:lvl1pPr>
+            <a:lvl2pPr marL="457200" algn="l" defTabSz="914400" rtl="0" eaLnBrk="1" latinLnBrk="0" hangingPunct="1">
+              <a:defRPr sz="1800" kern="1200">
+                <a:solidFill>
+                  <a:schemeClr val="tx1"/>
+                </a:solidFill>
+                <a:latin typeface="+mn-lt"/>
+                <a:ea typeface="+mn-ea"/>
+                <a:cs typeface="+mn-cs"/>
+              </a:defRPr>
+            </a:lvl2pPr>
+            <a:lvl3pPr marL="914400" algn="l" defTabSz="914400" rtl="0" eaLnBrk="1" latinLnBrk="0" hangingPunct="1">
+              <a:defRPr sz="1800" kern="1200">
+                <a:solidFill>
+                  <a:schemeClr val="tx1"/>
+                </a:solidFill>
+                <a:latin typeface="+mn-lt"/>
+                <a:ea typeface="+mn-ea"/>
+                <a:cs typeface="+mn-cs"/>
+              </a:defRPr>
+            </a:lvl3pPr>
+            <a:lvl4pPr marL="1371600" algn="l" defTabSz="914400" rtl="0" eaLnBrk="1" latinLnBrk="0" hangingPunct="1">
+              <a:defRPr sz="1800" kern="1200">
+                <a:solidFill>
+                  <a:schemeClr val="tx1"/>
+                </a:solidFill>
+                <a:latin typeface="+mn-lt"/>
+                <a:ea typeface="+mn-ea"/>
+                <a:cs typeface="+mn-cs"/>
+              </a:defRPr>
+            </a:lvl4pPr>
+            <a:lvl5pPr marL="1828800" algn="l" defTabSz="914400" rtl="0" eaLnBrk="1" latinLnBrk="0" hangingPunct="1">
+              <a:defRPr sz="1800" kern="1200">
+                <a:solidFill>
+                  <a:schemeClr val="tx1"/>
+                </a:solidFill>
+                <a:latin typeface="+mn-lt"/>
+                <a:ea typeface="+mn-ea"/>
+                <a:cs typeface="+mn-cs"/>
+              </a:defRPr>
+            </a:lvl5pPr>
+            <a:lvl6pPr marL="2286000" algn="l" defTabSz="914400" rtl="0" eaLnBrk="1" latinLnBrk="0" hangingPunct="1">
+              <a:defRPr sz="1800" kern="1200">
+                <a:solidFill>
+                  <a:schemeClr val="tx1"/>
+                </a:solidFill>
+                <a:latin typeface="+mn-lt"/>
+                <a:ea typeface="+mn-ea"/>
+                <a:cs typeface="+mn-cs"/>
+              </a:defRPr>
+            </a:lvl6pPr>
+            <a:lvl7pPr marL="2743200" algn="l" defTabSz="914400" rtl="0" eaLnBrk="1" latinLnBrk="0" hangingPunct="1">
+              <a:defRPr sz="1800" kern="1200">
+                <a:solidFill>
+                  <a:schemeClr val="tx1"/>
+                </a:solidFill>
+                <a:latin typeface="+mn-lt"/>
+                <a:ea typeface="+mn-ea"/>
+                <a:cs typeface="+mn-cs"/>
+              </a:defRPr>
+            </a:lvl7pPr>
+            <a:lvl8pPr marL="3200400" algn="l" defTabSz="914400" rtl="0" eaLnBrk="1" latinLnBrk="0" hangingPunct="1">
+              <a:defRPr sz="1800" kern="1200">
+                <a:solidFill>
+                  <a:schemeClr val="tx1"/>
+                </a:solidFill>
+                <a:latin typeface="+mn-lt"/>
+                <a:ea typeface="+mn-ea"/>
+                <a:cs typeface="+mn-cs"/>
+              </a:defRPr>
+            </a:lvl8pPr>
+            <a:lvl9pPr marL="3657600" algn="l" defTabSz="914400" rtl="0" eaLnBrk="1" latinLnBrk="0" hangingPunct="1">
+              <a:defRPr sz="1800" kern="1200">
+                <a:solidFill>
+                  <a:schemeClr val="tx1"/>
+                </a:solidFill>
+                <a:latin typeface="+mn-lt"/>
+                <a:ea typeface="+mn-ea"/>
+                <a:cs typeface="+mn-cs"/>
+              </a:defRPr>
+            </a:lvl9pPr>
+          </a:lstStyle>
+          <a:p>
+            <a:pPr algn="l"/>
+            <a:fld id="{308CF263-2EDD-44CC-8928-FAE4F9823AB4}" type="slidenum">
+              <a:rPr lang="ru-RU" sz="2700" b="1" smtClean="0">
+                <a:solidFill>
+                  <a:schemeClr val="bg1"/>
+                </a:solidFill>
+                <a:latin typeface="Georgia" pitchFamily="18" charset="0"/>
+              </a:rPr>
+              <a:pPr algn="l"/>
+              <a:t>13</a:t>
+            </a:fld>
+            <a:endParaRPr lang="ru-RU" sz="2700" b="1" dirty="0">
+              <a:solidFill>
+                <a:schemeClr val="bg1"/>
+              </a:solidFill>
+              <a:latin typeface="Georgia" pitchFamily="18" charset="0"/>
+            </a:endParaRPr>
+          </a:p>
+        </p:txBody>
+      </p:sp>
+      <p:sp>
+        <p:nvSpPr>
+          <p:cNvPr id="6" name="Заголовок 1">
+            <a:extLst>
+              <a:ext uri="{FF2B5EF4-FFF2-40B4-BE49-F238E27FC236}">
+                <a16:creationId xmlns:a16="http://schemas.microsoft.com/office/drawing/2014/main" id="{5924C2BC-BE50-42D9-91DA-73EB85EE6BA9}"/>
+              </a:ext>
+            </a:extLst>
+          </p:cNvPr>
+          <p:cNvSpPr>
+            <a:spLocks noGrp="1"/>
+          </p:cNvSpPr>
+          <p:nvPr>
+            <p:ph type="title"/>
+          </p:nvPr>
+        </p:nvSpPr>
+        <p:spPr>
+          <a:xfrm>
+            <a:off x="314325" y="476229"/>
+            <a:ext cx="11229936" cy="657246"/>
+          </a:xfrm>
+        </p:spPr>
+        <p:txBody>
+          <a:bodyPr>
+            <a:noAutofit/>
+          </a:bodyPr>
+          <a:lstStyle/>
+          <a:p>
+            <a:r>
+              <a:rPr lang="ru-RU" sz="4000" dirty="0"/>
+              <a:t>Этапы реализации проекта</a:t>
+            </a:r>
+          </a:p>
+        </p:txBody>
+      </p:sp>
+      <p:sp>
+        <p:nvSpPr>
+          <p:cNvPr id="7" name="TextBox 6">
+            <a:extLst>
+              <a:ext uri="{FF2B5EF4-FFF2-40B4-BE49-F238E27FC236}">
+                <a16:creationId xmlns:a16="http://schemas.microsoft.com/office/drawing/2014/main" id="{FA73080D-085B-49FC-95C3-19BA07AB1E3E}"/>
+              </a:ext>
+            </a:extLst>
+          </p:cNvPr>
+          <p:cNvSpPr txBox="1"/>
+          <p:nvPr/>
+        </p:nvSpPr>
+        <p:spPr>
+          <a:xfrm>
+            <a:off x="285709" y="1304925"/>
             <a:ext cx="11564546" cy="1293940"/>
           </a:xfrm>
           <a:prstGeom prst="rect">
@@ -17232,7 +17600,7 @@
               <a:rPr lang="ru-RU" sz="2700" dirty="0">
                 <a:latin typeface="Georgia" pitchFamily="18" charset="0"/>
               </a:rPr>
-              <a:t>Мы изучили библиотеку </a:t>
+              <a:t>Изучена библиотека </a:t>
             </a:r>
             <a:r>
               <a:rPr lang="en-US" sz="2700" dirty="0" err="1">
@@ -17244,7 +17612,7 @@
               <a:rPr lang="ru-RU" sz="2700" dirty="0">
                 <a:latin typeface="Georgia" pitchFamily="18" charset="0"/>
               </a:rPr>
-              <a:t>, разработали на ее основе интерфейс</a:t>
+              <a:t>, разработан на ее основе интерфейс</a:t>
             </a:r>
             <a:r>
               <a:rPr lang="en-US" sz="2700" dirty="0">
@@ -17256,7 +17624,7 @@
               <a:rPr lang="ru-RU" sz="2700" dirty="0">
                 <a:latin typeface="Georgia" pitchFamily="18" charset="0"/>
               </a:rPr>
-              <a:t>и собрали все наработки в готовую программу.</a:t>
+              <a:t>и собраны все наработки в готовую программу.</a:t>
             </a:r>
             <a:endParaRPr lang="ru-RU" sz="2400" dirty="0">
               <a:latin typeface="Georgia" pitchFamily="18" charset="0"/>
@@ -17315,300 +17683,6 @@
     <p:extLst>
       <p:ext uri="{BB962C8B-B14F-4D97-AF65-F5344CB8AC3E}">
         <p14:creationId xmlns:p14="http://schemas.microsoft.com/office/powerpoint/2010/main" val="1017358392"/>
-      </p:ext>
-    </p:extLst>
-  </p:cSld>
-  <p:clrMapOvr>
-    <a:masterClrMapping/>
-  </p:clrMapOvr>
-  <p:transition spd="med"/>
-</p:sld>
-</file>
-
-<file path=ppt/slides/slide13.xml><?xml version="1.0" encoding="utf-8"?>
-<p:sld xmlns:a="http://schemas.openxmlformats.org/drawingml/2006/main" xmlns:r="http://schemas.openxmlformats.org/officeDocument/2006/relationships" xmlns:p="http://schemas.openxmlformats.org/presentationml/2006/main">
-  <p:cSld>
-    <p:spTree>
-      <p:nvGrpSpPr>
-        <p:cNvPr id="1" name=""/>
-        <p:cNvGrpSpPr/>
-        <p:nvPr/>
-      </p:nvGrpSpPr>
-      <p:grpSpPr>
-        <a:xfrm>
-          <a:off x="0" y="0"/>
-          <a:ext cx="0" cy="0"/>
-          <a:chOff x="0" y="0"/>
-          <a:chExt cx="0" cy="0"/>
-        </a:xfrm>
-      </p:grpSpPr>
-      <p:pic>
-        <p:nvPicPr>
-          <p:cNvPr id="7169" name="Picture 1" descr="C:\Users\jaste\Desktop\Рисунок1.png"/>
-          <p:cNvPicPr>
-            <a:picLocks noChangeAspect="1" noChangeArrowheads="1"/>
-          </p:cNvPicPr>
-          <p:nvPr/>
-        </p:nvPicPr>
-        <p:blipFill>
-          <a:blip r:embed="rId3">
-            <a:lum bright="30000" contrast="-40000"/>
-          </a:blip>
-          <a:srcRect/>
-          <a:stretch>
-            <a:fillRect/>
-          </a:stretch>
-        </p:blipFill>
-        <p:spPr bwMode="auto">
-          <a:xfrm>
-            <a:off x="-14817" y="1"/>
-            <a:ext cx="12206817" cy="6524624"/>
-          </a:xfrm>
-          <a:prstGeom prst="rect">
-            <a:avLst/>
-          </a:prstGeom>
-          <a:noFill/>
-        </p:spPr>
-      </p:pic>
-      <p:sp>
-        <p:nvSpPr>
-          <p:cNvPr id="8" name="Прямоугольник 7"/>
-          <p:cNvSpPr/>
-          <p:nvPr/>
-        </p:nvSpPr>
-        <p:spPr>
-          <a:xfrm>
-            <a:off x="0" y="6438899"/>
-            <a:ext cx="12192000" cy="419099"/>
-          </a:xfrm>
-          <a:prstGeom prst="rect">
-            <a:avLst/>
-          </a:prstGeom>
-          <a:solidFill>
-            <a:srgbClr val="00529F"/>
-          </a:solidFill>
-          <a:ln>
-            <a:noFill/>
-          </a:ln>
-        </p:spPr>
-        <p:style>
-          <a:lnRef idx="2">
-            <a:schemeClr val="accent1">
-              <a:shade val="50000"/>
-            </a:schemeClr>
-          </a:lnRef>
-          <a:fillRef idx="1">
-            <a:schemeClr val="accent1"/>
-          </a:fillRef>
-          <a:effectRef idx="0">
-            <a:schemeClr val="accent1"/>
-          </a:effectRef>
-          <a:fontRef idx="minor">
-            <a:schemeClr val="lt1"/>
-          </a:fontRef>
-        </p:style>
-        <p:txBody>
-          <a:bodyPr lIns="121917" tIns="60958" rIns="121917" bIns="60958" rtlCol="0" anchor="ctr"/>
-          <a:lstStyle/>
-          <a:p>
-            <a:pPr algn="ctr"/>
-            <a:endParaRPr lang="ru-RU"/>
-          </a:p>
-        </p:txBody>
-      </p:sp>
-      <p:sp>
-        <p:nvSpPr>
-          <p:cNvPr id="11" name="Номер слайда 11"/>
-          <p:cNvSpPr>
-            <a:spLocks noGrp="1"/>
-          </p:cNvSpPr>
-          <p:nvPr>
-            <p:ph type="sldNum" sz="quarter" idx="12"/>
-          </p:nvPr>
-        </p:nvSpPr>
-        <p:spPr>
-          <a:xfrm>
-            <a:off x="11706184" y="6426200"/>
-            <a:ext cx="2844800" cy="365125"/>
-          </a:xfrm>
-        </p:spPr>
-        <p:txBody>
-          <a:bodyPr/>
-          <a:lstStyle/>
-          <a:p>
-            <a:pPr algn="l"/>
-            <a:fld id="{308CF263-2EDD-44CC-8928-FAE4F9823AB4}" type="slidenum">
-              <a:rPr lang="ru-RU" sz="2700" b="1" smtClean="0">
-                <a:solidFill>
-                  <a:schemeClr val="bg1"/>
-                </a:solidFill>
-                <a:latin typeface="Georgia" pitchFamily="18" charset="0"/>
-              </a:rPr>
-              <a:pPr algn="l"/>
-              <a:t>13</a:t>
-            </a:fld>
-            <a:endParaRPr lang="ru-RU" sz="2700" b="1" dirty="0">
-              <a:solidFill>
-                <a:schemeClr val="bg1"/>
-              </a:solidFill>
-              <a:latin typeface="Georgia" pitchFamily="18" charset="0"/>
-            </a:endParaRPr>
-          </a:p>
-        </p:txBody>
-      </p:sp>
-      <p:sp>
-        <p:nvSpPr>
-          <p:cNvPr id="7" name="Скругленный прямоугольник 6"/>
-          <p:cNvSpPr/>
-          <p:nvPr/>
-        </p:nvSpPr>
-        <p:spPr>
-          <a:xfrm>
-            <a:off x="295978" y="1143730"/>
-            <a:ext cx="11600043" cy="4999180"/>
-          </a:xfrm>
-          <a:prstGeom prst="roundRect">
-            <a:avLst>
-              <a:gd name="adj" fmla="val 22308"/>
-            </a:avLst>
-          </a:prstGeom>
-          <a:solidFill>
-            <a:schemeClr val="bg1"/>
-          </a:solidFill>
-          <a:ln>
-            <a:noFill/>
-          </a:ln>
-        </p:spPr>
-        <p:style>
-          <a:lnRef idx="2">
-            <a:schemeClr val="accent1">
-              <a:shade val="50000"/>
-            </a:schemeClr>
-          </a:lnRef>
-          <a:fillRef idx="1">
-            <a:schemeClr val="accent1"/>
-          </a:fillRef>
-          <a:effectRef idx="0">
-            <a:schemeClr val="accent1"/>
-          </a:effectRef>
-          <a:fontRef idx="minor">
-            <a:schemeClr val="lt1"/>
-          </a:fontRef>
-        </p:style>
-        <p:txBody>
-          <a:bodyPr lIns="121917" tIns="60958" rIns="121917" bIns="60958" rtlCol="0" anchor="ctr"/>
-          <a:lstStyle/>
-          <a:p>
-            <a:pPr>
-              <a:lnSpc>
-                <a:spcPct val="150000"/>
-              </a:lnSpc>
-            </a:pPr>
-            <a:endParaRPr lang="ru-RU" sz="2800" dirty="0">
-              <a:solidFill>
-                <a:schemeClr val="tx1"/>
-              </a:solidFill>
-              <a:latin typeface="Georgia" panose="02040502050405020303" pitchFamily="18" charset="0"/>
-            </a:endParaRPr>
-          </a:p>
-        </p:txBody>
-      </p:sp>
-      <p:sp>
-        <p:nvSpPr>
-          <p:cNvPr id="9" name="Скругленный прямоугольник 8"/>
-          <p:cNvSpPr/>
-          <p:nvPr/>
-        </p:nvSpPr>
-        <p:spPr>
-          <a:xfrm>
-            <a:off x="2562201" y="266678"/>
-            <a:ext cx="7048549" cy="1238259"/>
-          </a:xfrm>
-          <a:prstGeom prst="roundRect">
-            <a:avLst>
-              <a:gd name="adj" fmla="val 29295"/>
-            </a:avLst>
-          </a:prstGeom>
-          <a:solidFill>
-            <a:schemeClr val="bg1"/>
-          </a:solidFill>
-          <a:ln>
-            <a:noFill/>
-          </a:ln>
-        </p:spPr>
-        <p:style>
-          <a:lnRef idx="2">
-            <a:schemeClr val="accent1">
-              <a:shade val="50000"/>
-            </a:schemeClr>
-          </a:lnRef>
-          <a:fillRef idx="1">
-            <a:schemeClr val="accent1"/>
-          </a:fillRef>
-          <a:effectRef idx="0">
-            <a:schemeClr val="accent1"/>
-          </a:effectRef>
-          <a:fontRef idx="minor">
-            <a:schemeClr val="lt1"/>
-          </a:fontRef>
-        </p:style>
-        <p:txBody>
-          <a:bodyPr lIns="121917" tIns="60958" rIns="121917" bIns="60958" rtlCol="0" anchor="ctr"/>
-          <a:lstStyle/>
-          <a:p>
-            <a:pPr algn="ctr"/>
-            <a:r>
-              <a:rPr lang="ru-RU" sz="3600" b="1">
-                <a:solidFill>
-                  <a:schemeClr val="tx1"/>
-                </a:solidFill>
-                <a:latin typeface="Georgia" pitchFamily="18" charset="0"/>
-              </a:rPr>
-              <a:t>Алгоритм программы</a:t>
-            </a:r>
-            <a:endParaRPr lang="ru-RU" sz="3600" b="1" dirty="0">
-              <a:solidFill>
-                <a:schemeClr val="tx1"/>
-              </a:solidFill>
-              <a:latin typeface="Georgia" pitchFamily="18" charset="0"/>
-            </a:endParaRPr>
-          </a:p>
-        </p:txBody>
-      </p:sp>
-      <p:pic>
-        <p:nvPicPr>
-          <p:cNvPr id="4" name="Рисунок 3">
-            <a:extLst>
-              <a:ext uri="{FF2B5EF4-FFF2-40B4-BE49-F238E27FC236}">
-                <a16:creationId xmlns:a16="http://schemas.microsoft.com/office/drawing/2014/main" id="{545DFF76-F017-9444-78CE-BC1190880592}"/>
-              </a:ext>
-            </a:extLst>
-          </p:cNvPr>
-          <p:cNvPicPr>
-            <a:picLocks noChangeAspect="1"/>
-          </p:cNvPicPr>
-          <p:nvPr/>
-        </p:nvPicPr>
-        <p:blipFill>
-          <a:blip r:embed="rId4"/>
-          <a:stretch>
-            <a:fillRect/>
-          </a:stretch>
-        </p:blipFill>
-        <p:spPr>
-          <a:xfrm>
-            <a:off x="685412" y="1800926"/>
-            <a:ext cx="10821175" cy="3680197"/>
-          </a:xfrm>
-          <a:prstGeom prst="rect">
-            <a:avLst/>
-          </a:prstGeom>
-        </p:spPr>
-      </p:pic>
-    </p:spTree>
-    <p:extLst>
-      <p:ext uri="{BB962C8B-B14F-4D97-AF65-F5344CB8AC3E}">
-        <p14:creationId xmlns:p14="http://schemas.microsoft.com/office/powerpoint/2010/main" val="1883440147"/>
       </p:ext>
     </p:extLst>
   </p:cSld>
@@ -17758,6 +17832,300 @@
         </p:nvSpPr>
         <p:spPr>
           <a:xfrm>
+            <a:off x="295978" y="1143730"/>
+            <a:ext cx="11600043" cy="4999180"/>
+          </a:xfrm>
+          <a:prstGeom prst="roundRect">
+            <a:avLst>
+              <a:gd name="adj" fmla="val 22308"/>
+            </a:avLst>
+          </a:prstGeom>
+          <a:solidFill>
+            <a:schemeClr val="bg1"/>
+          </a:solidFill>
+          <a:ln>
+            <a:noFill/>
+          </a:ln>
+        </p:spPr>
+        <p:style>
+          <a:lnRef idx="2">
+            <a:schemeClr val="accent1">
+              <a:shade val="50000"/>
+            </a:schemeClr>
+          </a:lnRef>
+          <a:fillRef idx="1">
+            <a:schemeClr val="accent1"/>
+          </a:fillRef>
+          <a:effectRef idx="0">
+            <a:schemeClr val="accent1"/>
+          </a:effectRef>
+          <a:fontRef idx="minor">
+            <a:schemeClr val="lt1"/>
+          </a:fontRef>
+        </p:style>
+        <p:txBody>
+          <a:bodyPr lIns="121917" tIns="60958" rIns="121917" bIns="60958" rtlCol="0" anchor="ctr"/>
+          <a:lstStyle/>
+          <a:p>
+            <a:pPr>
+              <a:lnSpc>
+                <a:spcPct val="150000"/>
+              </a:lnSpc>
+            </a:pPr>
+            <a:endParaRPr lang="ru-RU" sz="2800" dirty="0">
+              <a:solidFill>
+                <a:schemeClr val="tx1"/>
+              </a:solidFill>
+              <a:latin typeface="Georgia" panose="02040502050405020303" pitchFamily="18" charset="0"/>
+            </a:endParaRPr>
+          </a:p>
+        </p:txBody>
+      </p:sp>
+      <p:sp>
+        <p:nvSpPr>
+          <p:cNvPr id="9" name="Скругленный прямоугольник 8"/>
+          <p:cNvSpPr/>
+          <p:nvPr/>
+        </p:nvSpPr>
+        <p:spPr>
+          <a:xfrm>
+            <a:off x="2562201" y="266678"/>
+            <a:ext cx="7048549" cy="1238259"/>
+          </a:xfrm>
+          <a:prstGeom prst="roundRect">
+            <a:avLst>
+              <a:gd name="adj" fmla="val 29295"/>
+            </a:avLst>
+          </a:prstGeom>
+          <a:solidFill>
+            <a:schemeClr val="bg1"/>
+          </a:solidFill>
+          <a:ln>
+            <a:noFill/>
+          </a:ln>
+        </p:spPr>
+        <p:style>
+          <a:lnRef idx="2">
+            <a:schemeClr val="accent1">
+              <a:shade val="50000"/>
+            </a:schemeClr>
+          </a:lnRef>
+          <a:fillRef idx="1">
+            <a:schemeClr val="accent1"/>
+          </a:fillRef>
+          <a:effectRef idx="0">
+            <a:schemeClr val="accent1"/>
+          </a:effectRef>
+          <a:fontRef idx="minor">
+            <a:schemeClr val="lt1"/>
+          </a:fontRef>
+        </p:style>
+        <p:txBody>
+          <a:bodyPr lIns="121917" tIns="60958" rIns="121917" bIns="60958" rtlCol="0" anchor="ctr"/>
+          <a:lstStyle/>
+          <a:p>
+            <a:pPr algn="ctr"/>
+            <a:r>
+              <a:rPr lang="ru-RU" sz="3600" b="1">
+                <a:solidFill>
+                  <a:schemeClr val="tx1"/>
+                </a:solidFill>
+                <a:latin typeface="Georgia" pitchFamily="18" charset="0"/>
+              </a:rPr>
+              <a:t>Алгоритм программы</a:t>
+            </a:r>
+            <a:endParaRPr lang="ru-RU" sz="3600" b="1" dirty="0">
+              <a:solidFill>
+                <a:schemeClr val="tx1"/>
+              </a:solidFill>
+              <a:latin typeface="Georgia" pitchFamily="18" charset="0"/>
+            </a:endParaRPr>
+          </a:p>
+        </p:txBody>
+      </p:sp>
+      <p:pic>
+        <p:nvPicPr>
+          <p:cNvPr id="4" name="Рисунок 3">
+            <a:extLst>
+              <a:ext uri="{FF2B5EF4-FFF2-40B4-BE49-F238E27FC236}">
+                <a16:creationId xmlns:a16="http://schemas.microsoft.com/office/drawing/2014/main" id="{545DFF76-F017-9444-78CE-BC1190880592}"/>
+              </a:ext>
+            </a:extLst>
+          </p:cNvPr>
+          <p:cNvPicPr>
+            <a:picLocks noChangeAspect="1"/>
+          </p:cNvPicPr>
+          <p:nvPr/>
+        </p:nvPicPr>
+        <p:blipFill>
+          <a:blip r:embed="rId4"/>
+          <a:stretch>
+            <a:fillRect/>
+          </a:stretch>
+        </p:blipFill>
+        <p:spPr>
+          <a:xfrm>
+            <a:off x="685412" y="1800926"/>
+            <a:ext cx="10821175" cy="3680197"/>
+          </a:xfrm>
+          <a:prstGeom prst="rect">
+            <a:avLst/>
+          </a:prstGeom>
+        </p:spPr>
+      </p:pic>
+    </p:spTree>
+    <p:extLst>
+      <p:ext uri="{BB962C8B-B14F-4D97-AF65-F5344CB8AC3E}">
+        <p14:creationId xmlns:p14="http://schemas.microsoft.com/office/powerpoint/2010/main" val="1883440147"/>
+      </p:ext>
+    </p:extLst>
+  </p:cSld>
+  <p:clrMapOvr>
+    <a:masterClrMapping/>
+  </p:clrMapOvr>
+  <p:transition spd="med"/>
+</p:sld>
+</file>
+
+<file path=ppt/slides/slide15.xml><?xml version="1.0" encoding="utf-8"?>
+<p:sld xmlns:a="http://schemas.openxmlformats.org/drawingml/2006/main" xmlns:r="http://schemas.openxmlformats.org/officeDocument/2006/relationships" xmlns:p="http://schemas.openxmlformats.org/presentationml/2006/main">
+  <p:cSld>
+    <p:spTree>
+      <p:nvGrpSpPr>
+        <p:cNvPr id="1" name=""/>
+        <p:cNvGrpSpPr/>
+        <p:nvPr/>
+      </p:nvGrpSpPr>
+      <p:grpSpPr>
+        <a:xfrm>
+          <a:off x="0" y="0"/>
+          <a:ext cx="0" cy="0"/>
+          <a:chOff x="0" y="0"/>
+          <a:chExt cx="0" cy="0"/>
+        </a:xfrm>
+      </p:grpSpPr>
+      <p:pic>
+        <p:nvPicPr>
+          <p:cNvPr id="7169" name="Picture 1" descr="C:\Users\jaste\Desktop\Рисунок1.png"/>
+          <p:cNvPicPr>
+            <a:picLocks noChangeAspect="1" noChangeArrowheads="1"/>
+          </p:cNvPicPr>
+          <p:nvPr/>
+        </p:nvPicPr>
+        <p:blipFill>
+          <a:blip r:embed="rId3">
+            <a:lum bright="30000" contrast="-40000"/>
+          </a:blip>
+          <a:srcRect/>
+          <a:stretch>
+            <a:fillRect/>
+          </a:stretch>
+        </p:blipFill>
+        <p:spPr bwMode="auto">
+          <a:xfrm>
+            <a:off x="-14817" y="1"/>
+            <a:ext cx="12206817" cy="6524624"/>
+          </a:xfrm>
+          <a:prstGeom prst="rect">
+            <a:avLst/>
+          </a:prstGeom>
+          <a:noFill/>
+        </p:spPr>
+      </p:pic>
+      <p:sp>
+        <p:nvSpPr>
+          <p:cNvPr id="8" name="Прямоугольник 7"/>
+          <p:cNvSpPr/>
+          <p:nvPr/>
+        </p:nvSpPr>
+        <p:spPr>
+          <a:xfrm>
+            <a:off x="0" y="6438899"/>
+            <a:ext cx="12192000" cy="419099"/>
+          </a:xfrm>
+          <a:prstGeom prst="rect">
+            <a:avLst/>
+          </a:prstGeom>
+          <a:solidFill>
+            <a:srgbClr val="00529F"/>
+          </a:solidFill>
+          <a:ln>
+            <a:noFill/>
+          </a:ln>
+        </p:spPr>
+        <p:style>
+          <a:lnRef idx="2">
+            <a:schemeClr val="accent1">
+              <a:shade val="50000"/>
+            </a:schemeClr>
+          </a:lnRef>
+          <a:fillRef idx="1">
+            <a:schemeClr val="accent1"/>
+          </a:fillRef>
+          <a:effectRef idx="0">
+            <a:schemeClr val="accent1"/>
+          </a:effectRef>
+          <a:fontRef idx="minor">
+            <a:schemeClr val="lt1"/>
+          </a:fontRef>
+        </p:style>
+        <p:txBody>
+          <a:bodyPr lIns="121917" tIns="60958" rIns="121917" bIns="60958" rtlCol="0" anchor="ctr"/>
+          <a:lstStyle/>
+          <a:p>
+            <a:pPr algn="ctr"/>
+            <a:endParaRPr lang="ru-RU"/>
+          </a:p>
+        </p:txBody>
+      </p:sp>
+      <p:sp>
+        <p:nvSpPr>
+          <p:cNvPr id="11" name="Номер слайда 11"/>
+          <p:cNvSpPr>
+            <a:spLocks noGrp="1"/>
+          </p:cNvSpPr>
+          <p:nvPr>
+            <p:ph type="sldNum" sz="quarter" idx="12"/>
+          </p:nvPr>
+        </p:nvSpPr>
+        <p:spPr>
+          <a:xfrm>
+            <a:off x="11706184" y="6426200"/>
+            <a:ext cx="2844800" cy="365125"/>
+          </a:xfrm>
+        </p:spPr>
+        <p:txBody>
+          <a:bodyPr/>
+          <a:lstStyle/>
+          <a:p>
+            <a:pPr algn="l"/>
+            <a:fld id="{308CF263-2EDD-44CC-8928-FAE4F9823AB4}" type="slidenum">
+              <a:rPr lang="ru-RU" sz="2700" b="1" smtClean="0">
+                <a:solidFill>
+                  <a:schemeClr val="bg1"/>
+                </a:solidFill>
+                <a:latin typeface="Georgia" pitchFamily="18" charset="0"/>
+              </a:rPr>
+              <a:pPr algn="l"/>
+              <a:t>15</a:t>
+            </a:fld>
+            <a:endParaRPr lang="ru-RU" sz="2700" b="1" dirty="0">
+              <a:solidFill>
+                <a:schemeClr val="bg1"/>
+              </a:solidFill>
+              <a:latin typeface="Georgia" pitchFamily="18" charset="0"/>
+            </a:endParaRPr>
+          </a:p>
+        </p:txBody>
+      </p:sp>
+      <p:sp>
+        <p:nvSpPr>
+          <p:cNvPr id="7" name="Скругленный прямоугольник 6"/>
+          <p:cNvSpPr/>
+          <p:nvPr/>
+        </p:nvSpPr>
+        <p:spPr>
+          <a:xfrm>
             <a:off x="296393" y="1173019"/>
             <a:ext cx="11600043" cy="4999180"/>
           </a:xfrm>
@@ -17898,511 +18266,6 @@
         <p14:creationId xmlns:p14="http://schemas.microsoft.com/office/powerpoint/2010/main" val="769113162"/>
       </p:ext>
     </p:extLst>
-  </p:cSld>
-  <p:clrMapOvr>
-    <a:masterClrMapping/>
-  </p:clrMapOvr>
-  <p:transition spd="med"/>
-</p:sld>
-</file>
-
-<file path=ppt/slides/slide15.xml><?xml version="1.0" encoding="utf-8"?>
-<p:sld xmlns:a="http://schemas.openxmlformats.org/drawingml/2006/main" xmlns:r="http://schemas.openxmlformats.org/officeDocument/2006/relationships" xmlns:p="http://schemas.openxmlformats.org/presentationml/2006/main">
-  <p:cSld>
-    <p:spTree>
-      <p:nvGrpSpPr>
-        <p:cNvPr id="1" name=""/>
-        <p:cNvGrpSpPr/>
-        <p:nvPr/>
-      </p:nvGrpSpPr>
-      <p:grpSpPr>
-        <a:xfrm>
-          <a:off x="0" y="0"/>
-          <a:ext cx="0" cy="0"/>
-          <a:chOff x="0" y="0"/>
-          <a:chExt cx="0" cy="0"/>
-        </a:xfrm>
-      </p:grpSpPr>
-      <p:pic>
-        <p:nvPicPr>
-          <p:cNvPr id="26" name="Picture 2" descr="http://help-in.ru/sites/default/files/1-projects/photo/Voronoi-2017-5.png"/>
-          <p:cNvPicPr>
-            <a:picLocks noChangeAspect="1" noChangeArrowheads="1"/>
-          </p:cNvPicPr>
-          <p:nvPr/>
-        </p:nvPicPr>
-        <p:blipFill>
-          <a:blip r:embed="rId3">
-            <a:duotone>
-              <a:schemeClr val="accent1">
-                <a:shade val="45000"/>
-                <a:satMod val="135000"/>
-              </a:schemeClr>
-              <a:prstClr val="white"/>
-            </a:duotone>
-          </a:blip>
-          <a:srcRect/>
-          <a:stretch>
-            <a:fillRect/>
-          </a:stretch>
-        </p:blipFill>
-        <p:spPr bwMode="auto">
-          <a:xfrm>
-            <a:off x="0" y="1"/>
-            <a:ext cx="12192000" cy="6857999"/>
-          </a:xfrm>
-          <a:prstGeom prst="rect">
-            <a:avLst/>
-          </a:prstGeom>
-          <a:noFill/>
-        </p:spPr>
-      </p:pic>
-      <p:sp>
-        <p:nvSpPr>
-          <p:cNvPr id="8" name="Прямоугольник 7"/>
-          <p:cNvSpPr/>
-          <p:nvPr/>
-        </p:nvSpPr>
-        <p:spPr>
-          <a:xfrm>
-            <a:off x="0" y="6438899"/>
-            <a:ext cx="12192000" cy="419099"/>
-          </a:xfrm>
-          <a:prstGeom prst="rect">
-            <a:avLst/>
-          </a:prstGeom>
-          <a:solidFill>
-            <a:srgbClr val="00529F"/>
-          </a:solidFill>
-          <a:ln>
-            <a:noFill/>
-          </a:ln>
-        </p:spPr>
-        <p:style>
-          <a:lnRef idx="2">
-            <a:schemeClr val="accent1">
-              <a:shade val="50000"/>
-            </a:schemeClr>
-          </a:lnRef>
-          <a:fillRef idx="1">
-            <a:schemeClr val="accent1"/>
-          </a:fillRef>
-          <a:effectRef idx="0">
-            <a:schemeClr val="accent1"/>
-          </a:effectRef>
-          <a:fontRef idx="minor">
-            <a:schemeClr val="lt1"/>
-          </a:fontRef>
-        </p:style>
-        <p:txBody>
-          <a:bodyPr lIns="121917" tIns="60958" rIns="121917" bIns="60958" rtlCol="0" anchor="ctr"/>
-          <a:lstStyle/>
-          <a:p>
-            <a:pPr algn="ctr"/>
-            <a:endParaRPr lang="ru-RU"/>
-          </a:p>
-        </p:txBody>
-      </p:sp>
-      <p:sp>
-        <p:nvSpPr>
-          <p:cNvPr id="11" name="Номер слайда 11"/>
-          <p:cNvSpPr>
-            <a:spLocks noGrp="1"/>
-          </p:cNvSpPr>
-          <p:nvPr>
-            <p:ph type="sldNum" sz="quarter" idx="12"/>
-          </p:nvPr>
-        </p:nvSpPr>
-        <p:spPr>
-          <a:xfrm>
-            <a:off x="11706184" y="6426200"/>
-            <a:ext cx="2844800" cy="365125"/>
-          </a:xfrm>
-        </p:spPr>
-        <p:txBody>
-          <a:bodyPr/>
-          <a:lstStyle/>
-          <a:p>
-            <a:pPr algn="l"/>
-            <a:fld id="{308CF263-2EDD-44CC-8928-FAE4F9823AB4}" type="slidenum">
-              <a:rPr lang="ru-RU" sz="2700" b="1" smtClean="0">
-                <a:solidFill>
-                  <a:schemeClr val="bg1"/>
-                </a:solidFill>
-                <a:latin typeface="Georgia" pitchFamily="18" charset="0"/>
-              </a:rPr>
-              <a:pPr algn="l"/>
-              <a:t>15</a:t>
-            </a:fld>
-            <a:endParaRPr lang="ru-RU" sz="2700" b="1" dirty="0">
-              <a:solidFill>
-                <a:schemeClr val="bg1"/>
-              </a:solidFill>
-              <a:latin typeface="Georgia" pitchFamily="18" charset="0"/>
-            </a:endParaRPr>
-          </a:p>
-        </p:txBody>
-      </p:sp>
-      <p:sp>
-        <p:nvSpPr>
-          <p:cNvPr id="7" name="Скругленный прямоугольник 6"/>
-          <p:cNvSpPr/>
-          <p:nvPr/>
-        </p:nvSpPr>
-        <p:spPr>
-          <a:xfrm>
-            <a:off x="460375" y="1162051"/>
-            <a:ext cx="11149734" cy="4981574"/>
-          </a:xfrm>
-          <a:prstGeom prst="roundRect">
-            <a:avLst>
-              <a:gd name="adj" fmla="val 22308"/>
-            </a:avLst>
-          </a:prstGeom>
-          <a:solidFill>
-            <a:schemeClr val="bg1"/>
-          </a:solidFill>
-          <a:ln>
-            <a:noFill/>
-          </a:ln>
-        </p:spPr>
-        <p:style>
-          <a:lnRef idx="2">
-            <a:schemeClr val="accent1">
-              <a:shade val="50000"/>
-            </a:schemeClr>
-          </a:lnRef>
-          <a:fillRef idx="1">
-            <a:schemeClr val="accent1"/>
-          </a:fillRef>
-          <a:effectRef idx="0">
-            <a:schemeClr val="accent1"/>
-          </a:effectRef>
-          <a:fontRef idx="minor">
-            <a:schemeClr val="lt1"/>
-          </a:fontRef>
-        </p:style>
-        <p:txBody>
-          <a:bodyPr lIns="121917" tIns="60958" rIns="121917" bIns="60958" rtlCol="0" anchor="t"/>
-          <a:lstStyle/>
-          <a:p>
-            <a:pPr>
-              <a:lnSpc>
-                <a:spcPct val="150000"/>
-              </a:lnSpc>
-              <a:spcAft>
-                <a:spcPts val="1200"/>
-              </a:spcAft>
-            </a:pPr>
-            <a:endParaRPr lang="ru-RU" sz="2400" dirty="0">
-              <a:solidFill>
-                <a:schemeClr val="tx1"/>
-              </a:solidFill>
-              <a:latin typeface="Georgia" pitchFamily="18" charset="0"/>
-            </a:endParaRPr>
-          </a:p>
-        </p:txBody>
-      </p:sp>
-      <p:sp>
-        <p:nvSpPr>
-          <p:cNvPr id="9" name="Скругленный прямоугольник 8"/>
-          <p:cNvSpPr/>
-          <p:nvPr/>
-        </p:nvSpPr>
-        <p:spPr>
-          <a:xfrm>
-            <a:off x="2562201" y="266678"/>
-            <a:ext cx="7048549" cy="1238259"/>
-          </a:xfrm>
-          <a:prstGeom prst="roundRect">
-            <a:avLst>
-              <a:gd name="adj" fmla="val 29295"/>
-            </a:avLst>
-          </a:prstGeom>
-          <a:solidFill>
-            <a:schemeClr val="bg1"/>
-          </a:solidFill>
-          <a:ln>
-            <a:noFill/>
-          </a:ln>
-        </p:spPr>
-        <p:style>
-          <a:lnRef idx="2">
-            <a:schemeClr val="accent1">
-              <a:shade val="50000"/>
-            </a:schemeClr>
-          </a:lnRef>
-          <a:fillRef idx="1">
-            <a:schemeClr val="accent1"/>
-          </a:fillRef>
-          <a:effectRef idx="0">
-            <a:schemeClr val="accent1"/>
-          </a:effectRef>
-          <a:fontRef idx="minor">
-            <a:schemeClr val="lt1"/>
-          </a:fontRef>
-        </p:style>
-        <p:txBody>
-          <a:bodyPr lIns="121917" tIns="60958" rIns="121917" bIns="60958" rtlCol="0" anchor="ctr"/>
-          <a:lstStyle/>
-          <a:p>
-            <a:pPr algn="ctr"/>
-            <a:r>
-              <a:rPr lang="ru-RU" sz="4000" b="1" dirty="0">
-                <a:solidFill>
-                  <a:schemeClr val="tx1"/>
-                </a:solidFill>
-                <a:latin typeface="Georgia" pitchFamily="18" charset="0"/>
-              </a:rPr>
-              <a:t>Анализ результатов</a:t>
-            </a:r>
-          </a:p>
-        </p:txBody>
-      </p:sp>
-      <p:sp>
-        <p:nvSpPr>
-          <p:cNvPr id="14338" name="AutoShape 2" descr="Курс «Профессия Геймдизайнер с 0 до PRO»: обучение на геймдизайнера онлайн  — Skillbox"/>
-          <p:cNvSpPr>
-            <a:spLocks noChangeAspect="1" noChangeArrowheads="1"/>
-          </p:cNvSpPr>
-          <p:nvPr/>
-        </p:nvSpPr>
-        <p:spPr bwMode="auto">
-          <a:xfrm>
-            <a:off x="155575" y="-144463"/>
-            <a:ext cx="304800" cy="304801"/>
-          </a:xfrm>
-          <a:prstGeom prst="rect">
-            <a:avLst/>
-          </a:prstGeom>
-          <a:noFill/>
-        </p:spPr>
-        <p:txBody>
-          <a:bodyPr vert="horz" wrap="square" lIns="91440" tIns="45720" rIns="91440" bIns="45720" numCol="1" anchor="t" anchorCtr="0" compatLnSpc="1">
-            <a:prstTxWarp prst="textNoShape">
-              <a:avLst/>
-            </a:prstTxWarp>
-          </a:bodyPr>
-          <a:lstStyle/>
-          <a:p>
-            <a:endParaRPr lang="ru-RU"/>
-          </a:p>
-        </p:txBody>
-      </p:sp>
-      <p:sp>
-        <p:nvSpPr>
-          <p:cNvPr id="14340" name="AutoShape 4" descr="https://248006.selcdn.ru/LandGen/desktop_39ef6ddbd3a301b00456216d140c7a3abaf8f1f8.webp"/>
-          <p:cNvSpPr>
-            <a:spLocks noChangeAspect="1" noChangeArrowheads="1"/>
-          </p:cNvSpPr>
-          <p:nvPr/>
-        </p:nvSpPr>
-        <p:spPr bwMode="auto">
-          <a:xfrm>
-            <a:off x="155575" y="-144463"/>
-            <a:ext cx="304800" cy="304801"/>
-          </a:xfrm>
-          <a:prstGeom prst="rect">
-            <a:avLst/>
-          </a:prstGeom>
-          <a:noFill/>
-        </p:spPr>
-        <p:txBody>
-          <a:bodyPr vert="horz" wrap="square" lIns="91440" tIns="45720" rIns="91440" bIns="45720" numCol="1" anchor="t" anchorCtr="0" compatLnSpc="1">
-            <a:prstTxWarp prst="textNoShape">
-              <a:avLst/>
-            </a:prstTxWarp>
-          </a:bodyPr>
-          <a:lstStyle/>
-          <a:p>
-            <a:endParaRPr lang="ru-RU"/>
-          </a:p>
-        </p:txBody>
-      </p:sp>
-      <p:pic>
-        <p:nvPicPr>
-          <p:cNvPr id="3" name="Рисунок 2">
-            <a:extLst>
-              <a:ext uri="{FF2B5EF4-FFF2-40B4-BE49-F238E27FC236}">
-                <a16:creationId xmlns:a16="http://schemas.microsoft.com/office/drawing/2014/main" id="{C0B99E40-E209-3918-6933-E0015C124D80}"/>
-              </a:ext>
-            </a:extLst>
-          </p:cNvPr>
-          <p:cNvPicPr>
-            <a:picLocks noChangeAspect="1"/>
-          </p:cNvPicPr>
-          <p:nvPr/>
-        </p:nvPicPr>
-        <p:blipFill>
-          <a:blip r:embed="rId4"/>
-          <a:stretch>
-            <a:fillRect/>
-          </a:stretch>
-        </p:blipFill>
-        <p:spPr>
-          <a:xfrm>
-            <a:off x="5739395" y="1339621"/>
-            <a:ext cx="5354701" cy="1959240"/>
-          </a:xfrm>
-          <a:prstGeom prst="rect">
-            <a:avLst/>
-          </a:prstGeom>
-        </p:spPr>
-      </p:pic>
-      <p:pic>
-        <p:nvPicPr>
-          <p:cNvPr id="5" name="Рисунок 4">
-            <a:extLst>
-              <a:ext uri="{FF2B5EF4-FFF2-40B4-BE49-F238E27FC236}">
-                <a16:creationId xmlns:a16="http://schemas.microsoft.com/office/drawing/2014/main" id="{DD3B3FEB-5B29-2A52-C5D6-A606F7C113F4}"/>
-              </a:ext>
-            </a:extLst>
-          </p:cNvPr>
-          <p:cNvPicPr>
-            <a:picLocks noChangeAspect="1"/>
-          </p:cNvPicPr>
-          <p:nvPr/>
-        </p:nvPicPr>
-        <p:blipFill>
-          <a:blip r:embed="rId5"/>
-          <a:stretch>
-            <a:fillRect/>
-          </a:stretch>
-        </p:blipFill>
-        <p:spPr>
-          <a:xfrm>
-            <a:off x="5739395" y="3298861"/>
-            <a:ext cx="5354701" cy="2644700"/>
-          </a:xfrm>
-          <a:prstGeom prst="rect">
-            <a:avLst/>
-          </a:prstGeom>
-        </p:spPr>
-      </p:pic>
-      <p:sp>
-        <p:nvSpPr>
-          <p:cNvPr id="6" name="TextBox 5">
-            <a:extLst>
-              <a:ext uri="{FF2B5EF4-FFF2-40B4-BE49-F238E27FC236}">
-                <a16:creationId xmlns:a16="http://schemas.microsoft.com/office/drawing/2014/main" id="{2171A3FA-81ED-D0E9-A2B3-3AB4B128AFD4}"/>
-              </a:ext>
-            </a:extLst>
-          </p:cNvPr>
-          <p:cNvSpPr txBox="1"/>
-          <p:nvPr/>
-        </p:nvSpPr>
-        <p:spPr>
-          <a:xfrm>
-            <a:off x="684746" y="1339621"/>
-            <a:ext cx="4997815" cy="3847207"/>
-          </a:xfrm>
-          <a:prstGeom prst="rect">
-            <a:avLst/>
-          </a:prstGeom>
-          <a:noFill/>
-        </p:spPr>
-        <p:txBody>
-          <a:bodyPr wrap="square" rtlCol="0">
-            <a:spAutoFit/>
-          </a:bodyPr>
-          <a:lstStyle/>
-          <a:p>
-            <a:pPr>
-              <a:lnSpc>
-                <a:spcPct val="150000"/>
-              </a:lnSpc>
-              <a:spcAft>
-                <a:spcPts val="1200"/>
-              </a:spcAft>
-            </a:pPr>
-            <a:r>
-              <a:rPr lang="ru-RU" sz="2400" dirty="0">
-                <a:solidFill>
-                  <a:schemeClr val="tx1"/>
-                </a:solidFill>
-                <a:latin typeface="Georgia" pitchFamily="18" charset="0"/>
-              </a:rPr>
-              <a:t>Начало приключения:</a:t>
-            </a:r>
-          </a:p>
-          <a:p>
-            <a:pPr>
-              <a:lnSpc>
-                <a:spcPct val="150000"/>
-              </a:lnSpc>
-              <a:spcAft>
-                <a:spcPts val="1200"/>
-              </a:spcAft>
-            </a:pPr>
-            <a:endParaRPr lang="ru-RU" sz="2400" dirty="0">
-              <a:solidFill>
-                <a:schemeClr val="tx1"/>
-              </a:solidFill>
-              <a:latin typeface="Georgia" pitchFamily="18" charset="0"/>
-            </a:endParaRPr>
-          </a:p>
-          <a:p>
-            <a:pPr>
-              <a:lnSpc>
-                <a:spcPct val="150000"/>
-              </a:lnSpc>
-              <a:spcAft>
-                <a:spcPts val="1200"/>
-              </a:spcAft>
-            </a:pPr>
-            <a:r>
-              <a:rPr lang="ru-RU" sz="2400" dirty="0">
-                <a:solidFill>
-                  <a:schemeClr val="tx1"/>
-                </a:solidFill>
-                <a:latin typeface="Georgia" pitchFamily="18" charset="0"/>
-              </a:rPr>
-              <a:t>Длина контекста: 4096 токенов</a:t>
-            </a:r>
-          </a:p>
-          <a:p>
-            <a:pPr>
-              <a:lnSpc>
-                <a:spcPct val="150000"/>
-              </a:lnSpc>
-              <a:spcAft>
-                <a:spcPts val="1200"/>
-              </a:spcAft>
-            </a:pPr>
-            <a:r>
-              <a:rPr lang="ru-RU" sz="2400" dirty="0">
-                <a:solidFill>
-                  <a:schemeClr val="tx1"/>
-                </a:solidFill>
-                <a:latin typeface="Georgia" pitchFamily="18" charset="0"/>
-              </a:rPr>
-              <a:t>Сообщение «забылось» после </a:t>
-            </a:r>
-            <a:r>
-              <a:rPr lang="en-US" sz="2400" dirty="0">
-                <a:solidFill>
-                  <a:schemeClr val="tx1"/>
-                </a:solidFill>
-                <a:latin typeface="Georgia" pitchFamily="18" charset="0"/>
-              </a:rPr>
-              <a:t>~</a:t>
-            </a:r>
-            <a:r>
-              <a:rPr lang="ru-RU" sz="2400" dirty="0">
-                <a:solidFill>
-                  <a:schemeClr val="tx1"/>
-                </a:solidFill>
-                <a:latin typeface="Georgia" pitchFamily="18" charset="0"/>
-              </a:rPr>
-              <a:t>20 сообщений</a:t>
-            </a:r>
-          </a:p>
-          <a:p>
-            <a:endParaRPr lang="ru-RU" sz="2400" dirty="0"/>
-          </a:p>
-        </p:txBody>
-      </p:sp>
-    </p:spTree>
   </p:cSld>
   <p:clrMapOvr>
     <a:masterClrMapping/>
@@ -18738,8 +18601,8 @@
         </p:nvSpPr>
         <p:spPr>
           <a:xfrm>
-            <a:off x="684747" y="1339621"/>
-            <a:ext cx="4764150" cy="4401205"/>
+            <a:off x="684746" y="1339621"/>
+            <a:ext cx="9588258" cy="4401205"/>
           </a:xfrm>
           <a:prstGeom prst="rect">
             <a:avLst/>
@@ -18767,41 +18630,6 @@
                 </a:solidFill>
                 <a:latin typeface="Georgia" pitchFamily="18" charset="0"/>
               </a:rPr>
-              <a:t>Начало приключения:</a:t>
-            </a:r>
-          </a:p>
-          <a:p>
-            <a:pPr>
-              <a:lnSpc>
-                <a:spcPct val="150000"/>
-              </a:lnSpc>
-              <a:spcAft>
-                <a:spcPts val="1200"/>
-              </a:spcAft>
-            </a:pPr>
-            <a:endParaRPr lang="ru-RU" sz="2400" dirty="0">
-              <a:solidFill>
-                <a:schemeClr val="tx1"/>
-              </a:solidFill>
-              <a:latin typeface="Georgia" pitchFamily="18" charset="0"/>
-            </a:endParaRPr>
-          </a:p>
-          <a:p>
-            <a:pPr>
-              <a:lnSpc>
-                <a:spcPct val="150000"/>
-              </a:lnSpc>
-              <a:spcAft>
-                <a:spcPts val="1200"/>
-              </a:spcAft>
-            </a:pPr>
-            <a:r>
-              <a:rPr lang="ru-RU" sz="2400" dirty="0">
-                <a:solidFill>
-                  <a:schemeClr val="tx1"/>
-                </a:solidFill>
-                <a:latin typeface="Georgia" pitchFamily="18" charset="0"/>
-              </a:rPr>
               <a:t>Длина контекста: 4096 токенов</a:t>
             </a:r>
           </a:p>
@@ -18821,7 +18649,87 @@
                 </a:solidFill>
                 <a:latin typeface="Georgia" pitchFamily="18" charset="0"/>
               </a:rPr>
-              <a:t>Сообщение «вспоминания» персонажа после </a:t>
+              <a:t>Начало приключения: …давай создадим персонажа по имени </a:t>
+            </a:r>
+            <a:r>
+              <a:rPr lang="ru-RU" sz="2400" dirty="0" err="1">
+                <a:solidFill>
+                  <a:schemeClr val="tx1"/>
+                </a:solidFill>
+                <a:highlight>
+                  <a:srgbClr val="FFFF00"/>
+                </a:highlight>
+                <a:latin typeface="Georgia" pitchFamily="18" charset="0"/>
+              </a:rPr>
+              <a:t>Хезриндрел</a:t>
+            </a:r>
+            <a:r>
+              <a:rPr lang="ru-RU" sz="2400" dirty="0">
+                <a:solidFill>
+                  <a:schemeClr val="tx1"/>
+                </a:solidFill>
+                <a:latin typeface="Georgia" pitchFamily="18" charset="0"/>
+              </a:rPr>
+              <a:t>. Он представляет собой высокого эльфа…</a:t>
+            </a:r>
+          </a:p>
+          <a:p>
+            <a:pPr>
+              <a:lnSpc>
+                <a:spcPct val="150000"/>
+              </a:lnSpc>
+              <a:spcAft>
+                <a:spcPts val="1200"/>
+              </a:spcAft>
+            </a:pPr>
+            <a:r>
+              <a:rPr lang="ru-RU" sz="2400" dirty="0">
+                <a:solidFill>
+                  <a:schemeClr val="tx1"/>
+                </a:solidFill>
+                <a:latin typeface="Georgia" pitchFamily="18" charset="0"/>
+              </a:rPr>
+              <a:t>Запрос «Вспомнить, кто я»: …высокий эльф-лучник по имени </a:t>
+            </a:r>
+            <a:r>
+              <a:rPr lang="ru-RU" sz="2400" dirty="0" err="1">
+                <a:solidFill>
+                  <a:schemeClr val="tx1"/>
+                </a:solidFill>
+                <a:highlight>
+                  <a:srgbClr val="FFFF00"/>
+                </a:highlight>
+                <a:latin typeface="Georgia" pitchFamily="18" charset="0"/>
+              </a:rPr>
+              <a:t>Лоранда</a:t>
+            </a:r>
+            <a:r>
+              <a:rPr lang="ru-RU" sz="2400" dirty="0">
+                <a:solidFill>
+                  <a:schemeClr val="tx1"/>
+                </a:solidFill>
+                <a:latin typeface="Georgia" pitchFamily="18" charset="0"/>
+              </a:rPr>
+              <a:t>…</a:t>
+            </a:r>
+          </a:p>
+          <a:p>
+            <a:pPr>
+              <a:lnSpc>
+                <a:spcPct val="150000"/>
+              </a:lnSpc>
+              <a:spcAft>
+                <a:spcPts val="1200"/>
+              </a:spcAft>
+            </a:pPr>
+            <a:r>
+              <a:rPr lang="ru-RU" sz="2400" dirty="0">
+                <a:solidFill>
+                  <a:schemeClr val="tx1"/>
+                </a:solidFill>
+                <a:latin typeface="Georgia" pitchFamily="18" charset="0"/>
+              </a:rPr>
+              <a:t>Сообщение «забылось» после </a:t>
             </a:r>
             <a:r>
               <a:rPr lang="en-US" sz="2400" dirty="0">
@@ -18834,18 +18742,12 @@
             </a:r>
             <a:r>
               <a:rPr lang="ru-RU" sz="2400" dirty="0">
+                <a:solidFill>
+                  <a:schemeClr val="tx1"/>
+                </a:solidFill>
                 <a:latin typeface="Georgia" pitchFamily="18" charset="0"/>
               </a:rPr>
-              <a:t>4</a:t>
-            </a:r>
-            <a:r>
-              <a:rPr lang="ru-RU" sz="2400" dirty="0">
-                <a:solidFill>
-                  <a:schemeClr val="tx1"/>
-                </a:solidFill>
-                <a:latin typeface="Georgia" pitchFamily="18" charset="0"/>
-              </a:rPr>
-              <a:t>0 сообщений</a:t>
+              <a:t>20 сообщений</a:t>
             </a:r>
           </a:p>
           <a:p>
@@ -18853,72 +18755,7 @@
           </a:p>
         </p:txBody>
       </p:sp>
-      <p:pic>
-        <p:nvPicPr>
-          <p:cNvPr id="4" name="Рисунок 3">
-            <a:extLst>
-              <a:ext uri="{FF2B5EF4-FFF2-40B4-BE49-F238E27FC236}">
-                <a16:creationId xmlns:a16="http://schemas.microsoft.com/office/drawing/2014/main" id="{E4952015-9B3E-2C20-61E7-A569A3C6CCDC}"/>
-              </a:ext>
-            </a:extLst>
-          </p:cNvPr>
-          <p:cNvPicPr>
-            <a:picLocks noChangeAspect="1"/>
-          </p:cNvPicPr>
-          <p:nvPr/>
-        </p:nvPicPr>
-        <p:blipFill>
-          <a:blip r:embed="rId4"/>
-          <a:stretch>
-            <a:fillRect/>
-          </a:stretch>
-        </p:blipFill>
-        <p:spPr>
-          <a:xfrm>
-            <a:off x="5448896" y="1453437"/>
-            <a:ext cx="5748034" cy="1817525"/>
-          </a:xfrm>
-          <a:prstGeom prst="rect">
-            <a:avLst/>
-          </a:prstGeom>
-        </p:spPr>
-      </p:pic>
-      <p:pic>
-        <p:nvPicPr>
-          <p:cNvPr id="12" name="Рисунок 11">
-            <a:extLst>
-              <a:ext uri="{FF2B5EF4-FFF2-40B4-BE49-F238E27FC236}">
-                <a16:creationId xmlns:a16="http://schemas.microsoft.com/office/drawing/2014/main" id="{5F50880E-EE98-EF43-1C6F-CD9696F085F6}"/>
-              </a:ext>
-            </a:extLst>
-          </p:cNvPr>
-          <p:cNvPicPr>
-            <a:picLocks noChangeAspect="1"/>
-          </p:cNvPicPr>
-          <p:nvPr/>
-        </p:nvPicPr>
-        <p:blipFill>
-          <a:blip r:embed="rId5"/>
-          <a:stretch>
-            <a:fillRect/>
-          </a:stretch>
-        </p:blipFill>
-        <p:spPr>
-          <a:xfrm>
-            <a:off x="5448896" y="3384779"/>
-            <a:ext cx="5731781" cy="2509936"/>
-          </a:xfrm>
-          <a:prstGeom prst="rect">
-            <a:avLst/>
-          </a:prstGeom>
-        </p:spPr>
-      </p:pic>
     </p:spTree>
-    <p:extLst>
-      <p:ext uri="{BB962C8B-B14F-4D97-AF65-F5344CB8AC3E}">
-        <p14:creationId xmlns:p14="http://schemas.microsoft.com/office/powerpoint/2010/main" val="1298889246"/>
-      </p:ext>
-    </p:extLst>
   </p:cSld>
   <p:clrMapOvr>
     <a:masterClrMapping/>
@@ -19104,7 +18941,7 @@
           </a:fontRef>
         </p:style>
         <p:txBody>
-          <a:bodyPr lIns="121917" tIns="60958" rIns="121917" bIns="60958" rtlCol="0" anchor="ctr"/>
+          <a:bodyPr lIns="121917" tIns="60958" rIns="121917" bIns="60958" rtlCol="0" anchor="t"/>
           <a:lstStyle/>
           <a:p>
             <a:pPr>
@@ -19115,15 +18952,12 @@
                 <a:spcPts val="1200"/>
               </a:spcAft>
             </a:pPr>
-            <a:r>
-              <a:rPr lang="ru-RU" sz="2800" dirty="0">
-                <a:solidFill>
-                  <a:schemeClr val="tx1"/>
-                </a:solidFill>
-                <a:latin typeface="Georgia" pitchFamily="18" charset="0"/>
-              </a:rPr>
-              <a:t>Использование журнала позволило повысить качество ответов языковой модели и улучшить опыт использования нейросети в игре.</a:t>
-            </a:r>
+            <a:endParaRPr lang="ru-RU" sz="2400" dirty="0">
+              <a:solidFill>
+                <a:schemeClr val="tx1"/>
+              </a:solidFill>
+              <a:latin typeface="Georgia" pitchFamily="18" charset="0"/>
+            </a:endParaRPr>
           </a:p>
         </p:txBody>
       </p:sp>
@@ -19178,7 +19012,7 @@
                 </a:solidFill>
                 <a:latin typeface="Georgia" pitchFamily="18" charset="0"/>
               </a:rPr>
-              <a:t>Вывод</a:t>
+              <a:t>Анализ результатов</a:t>
             </a:r>
           </a:p>
         </p:txBody>
@@ -19243,10 +19077,244 @@
           </a:p>
         </p:txBody>
       </p:sp>
+      <p:sp>
+        <p:nvSpPr>
+          <p:cNvPr id="6" name="TextBox 5">
+            <a:extLst>
+              <a:ext uri="{FF2B5EF4-FFF2-40B4-BE49-F238E27FC236}">
+                <a16:creationId xmlns:a16="http://schemas.microsoft.com/office/drawing/2014/main" id="{2171A3FA-81ED-D0E9-A2B3-3AB4B128AFD4}"/>
+              </a:ext>
+            </a:extLst>
+          </p:cNvPr>
+          <p:cNvSpPr txBox="1"/>
+          <p:nvPr/>
+        </p:nvSpPr>
+        <p:spPr>
+          <a:xfrm>
+            <a:off x="684746" y="1339621"/>
+            <a:ext cx="10595963" cy="4401205"/>
+          </a:xfrm>
+          <a:prstGeom prst="rect">
+            <a:avLst/>
+          </a:prstGeom>
+          <a:noFill/>
+        </p:spPr>
+        <p:txBody>
+          <a:bodyPr wrap="square" rtlCol="0">
+            <a:spAutoFit/>
+          </a:bodyPr>
+          <a:lstStyle/>
+          <a:p>
+            <a:pPr>
+              <a:lnSpc>
+                <a:spcPct val="150000"/>
+              </a:lnSpc>
+              <a:spcAft>
+                <a:spcPts val="1200"/>
+              </a:spcAft>
+            </a:pPr>
+            <a:r>
+              <a:rPr lang="ru-RU" sz="2400" dirty="0">
+                <a:solidFill>
+                  <a:schemeClr val="tx1"/>
+                </a:solidFill>
+                <a:latin typeface="Georgia" pitchFamily="18" charset="0"/>
+              </a:rPr>
+              <a:t>Длина контекста: 4096 токенов</a:t>
+            </a:r>
+          </a:p>
+          <a:p>
+            <a:pPr>
+              <a:lnSpc>
+                <a:spcPct val="150000"/>
+              </a:lnSpc>
+              <a:spcAft>
+                <a:spcPts val="1200"/>
+              </a:spcAft>
+            </a:pPr>
+            <a:r>
+              <a:rPr lang="ru-RU" sz="2400" dirty="0">
+                <a:solidFill>
+                  <a:schemeClr val="tx1"/>
+                </a:solidFill>
+                <a:latin typeface="Georgia" pitchFamily="18" charset="0"/>
+              </a:rPr>
+              <a:t>Начало приключения: …</a:t>
+            </a:r>
+            <a:r>
+              <a:rPr lang="ru-RU" sz="2400" dirty="0" err="1">
+                <a:solidFill>
+                  <a:schemeClr val="tx1"/>
+                </a:solidFill>
+                <a:highlight>
+                  <a:srgbClr val="FFFF00"/>
+                </a:highlight>
+                <a:latin typeface="Georgia" pitchFamily="18" charset="0"/>
+              </a:rPr>
+              <a:t>Эллиана</a:t>
+            </a:r>
+            <a:r>
+              <a:rPr lang="ru-RU" sz="2400" dirty="0">
+                <a:solidFill>
+                  <a:schemeClr val="tx1"/>
+                </a:solidFill>
+                <a:latin typeface="Georgia" pitchFamily="18" charset="0"/>
+              </a:rPr>
+              <a:t> – лучница и мастер меча </a:t>
+            </a:r>
+            <a:r>
+              <a:rPr lang="en-US" sz="2400" dirty="0">
+                <a:solidFill>
+                  <a:schemeClr val="tx1"/>
+                </a:solidFill>
+                <a:latin typeface="Georgia" pitchFamily="18" charset="0"/>
+              </a:rPr>
+              <a:t>&lt;…&gt; </a:t>
+            </a:r>
+            <a:r>
+              <a:rPr lang="ru-RU" sz="2400" dirty="0">
+                <a:solidFill>
+                  <a:schemeClr val="tx1"/>
+                </a:solidFill>
+                <a:latin typeface="Georgia" pitchFamily="18" charset="0"/>
+              </a:rPr>
+              <a:t>обладает </a:t>
+            </a:r>
+            <a:r>
+              <a:rPr lang="ru-RU" sz="2400" dirty="0">
+                <a:solidFill>
+                  <a:schemeClr val="tx1"/>
+                </a:solidFill>
+                <a:highlight>
+                  <a:srgbClr val="FFFF00"/>
+                </a:highlight>
+                <a:latin typeface="Georgia" pitchFamily="18" charset="0"/>
+              </a:rPr>
+              <a:t>непревзойденным мастерством в сражении</a:t>
+            </a:r>
+            <a:r>
+              <a:rPr lang="ru-RU" sz="2400" dirty="0">
+                <a:solidFill>
+                  <a:schemeClr val="tx1"/>
+                </a:solidFill>
+                <a:latin typeface="Georgia" pitchFamily="18" charset="0"/>
+              </a:rPr>
+              <a:t>…</a:t>
+            </a:r>
+          </a:p>
+          <a:p>
+            <a:pPr>
+              <a:lnSpc>
+                <a:spcPct val="150000"/>
+              </a:lnSpc>
+              <a:spcAft>
+                <a:spcPts val="1200"/>
+              </a:spcAft>
+            </a:pPr>
+            <a:r>
+              <a:rPr lang="ru-RU" sz="2400" dirty="0">
+                <a:solidFill>
+                  <a:schemeClr val="tx1"/>
+                </a:solidFill>
+                <a:latin typeface="Georgia" pitchFamily="18" charset="0"/>
+              </a:rPr>
+              <a:t>Запрос «Вспомнить, кто я»: </a:t>
+            </a:r>
+            <a:r>
+              <a:rPr lang="ru-RU" sz="2400" dirty="0" err="1">
+                <a:solidFill>
+                  <a:schemeClr val="tx1"/>
+                </a:solidFill>
+                <a:highlight>
+                  <a:srgbClr val="FFFF00"/>
+                </a:highlight>
+                <a:latin typeface="Georgia" pitchFamily="18" charset="0"/>
+              </a:rPr>
+              <a:t>Эллиана</a:t>
+            </a:r>
+            <a:r>
+              <a:rPr lang="ru-RU" sz="2400" dirty="0">
+                <a:solidFill>
+                  <a:schemeClr val="tx1"/>
+                </a:solidFill>
+                <a:latin typeface="Georgia" pitchFamily="18" charset="0"/>
+              </a:rPr>
+              <a:t>, ты осознаешь, что ты – </a:t>
+            </a:r>
+            <a:r>
+              <a:rPr lang="ru-RU" sz="2400" dirty="0">
+                <a:solidFill>
+                  <a:schemeClr val="tx1"/>
+                </a:solidFill>
+                <a:highlight>
+                  <a:srgbClr val="FFFF00"/>
+                </a:highlight>
+                <a:latin typeface="Georgia" pitchFamily="18" charset="0"/>
+              </a:rPr>
+              <a:t>выдающаяся воительница</a:t>
+            </a:r>
+            <a:r>
+              <a:rPr lang="ru-RU" sz="2400" dirty="0">
+                <a:solidFill>
+                  <a:schemeClr val="tx1"/>
+                </a:solidFill>
+                <a:latin typeface="Georgia" pitchFamily="18" charset="0"/>
+              </a:rPr>
+              <a:t> и искательница приключений…</a:t>
+            </a:r>
+          </a:p>
+          <a:p>
+            <a:pPr>
+              <a:lnSpc>
+                <a:spcPct val="150000"/>
+              </a:lnSpc>
+              <a:spcAft>
+                <a:spcPts val="1200"/>
+              </a:spcAft>
+            </a:pPr>
+            <a:r>
+              <a:rPr lang="ru-RU" sz="2400" dirty="0">
+                <a:solidFill>
+                  <a:schemeClr val="tx1"/>
+                </a:solidFill>
+                <a:latin typeface="Georgia" pitchFamily="18" charset="0"/>
+              </a:rPr>
+              <a:t>Сообщение «вспоминания» персонажа после </a:t>
+            </a:r>
+            <a:r>
+              <a:rPr lang="en-US" sz="2400" dirty="0">
+                <a:solidFill>
+                  <a:schemeClr val="tx1"/>
+                </a:solidFill>
+                <a:latin typeface="Georgia" pitchFamily="18" charset="0"/>
+              </a:rPr>
+              <a:t>~</a:t>
+            </a:r>
+            <a:r>
+              <a:rPr lang="ru-RU" sz="2400" dirty="0">
+                <a:latin typeface="Georgia" pitchFamily="18" charset="0"/>
+              </a:rPr>
+              <a:t>4</a:t>
+            </a:r>
+            <a:r>
+              <a:rPr lang="ru-RU" sz="2400" dirty="0">
+                <a:solidFill>
+                  <a:schemeClr val="tx1"/>
+                </a:solidFill>
+                <a:latin typeface="Georgia" pitchFamily="18" charset="0"/>
+              </a:rPr>
+              <a:t>0 сообщений</a:t>
+            </a:r>
+          </a:p>
+          <a:p>
+            <a:endParaRPr lang="ru-RU" sz="2400" dirty="0"/>
+          </a:p>
+        </p:txBody>
+      </p:sp>
     </p:spTree>
     <p:extLst>
       <p:ext uri="{BB962C8B-B14F-4D97-AF65-F5344CB8AC3E}">
-        <p14:creationId xmlns:p14="http://schemas.microsoft.com/office/powerpoint/2010/main" val="2991797651"/>
+        <p14:creationId xmlns:p14="http://schemas.microsoft.com/office/powerpoint/2010/main" val="1298889246"/>
       </p:ext>
     </p:extLst>
   </p:cSld>
@@ -19396,6 +19464,372 @@
       </p:sp>
       <p:sp>
         <p:nvSpPr>
+          <p:cNvPr id="7" name="Скругленный прямоугольник 6"/>
+          <p:cNvSpPr/>
+          <p:nvPr/>
+        </p:nvSpPr>
+        <p:spPr>
+          <a:xfrm>
+            <a:off x="460375" y="1162051"/>
+            <a:ext cx="11149734" cy="4981574"/>
+          </a:xfrm>
+          <a:prstGeom prst="roundRect">
+            <a:avLst>
+              <a:gd name="adj" fmla="val 22308"/>
+            </a:avLst>
+          </a:prstGeom>
+          <a:solidFill>
+            <a:schemeClr val="bg1"/>
+          </a:solidFill>
+          <a:ln>
+            <a:noFill/>
+          </a:ln>
+        </p:spPr>
+        <p:style>
+          <a:lnRef idx="2">
+            <a:schemeClr val="accent1">
+              <a:shade val="50000"/>
+            </a:schemeClr>
+          </a:lnRef>
+          <a:fillRef idx="1">
+            <a:schemeClr val="accent1"/>
+          </a:fillRef>
+          <a:effectRef idx="0">
+            <a:schemeClr val="accent1"/>
+          </a:effectRef>
+          <a:fontRef idx="minor">
+            <a:schemeClr val="lt1"/>
+          </a:fontRef>
+        </p:style>
+        <p:txBody>
+          <a:bodyPr lIns="121917" tIns="60958" rIns="121917" bIns="60958" rtlCol="0" anchor="ctr"/>
+          <a:lstStyle/>
+          <a:p>
+            <a:pPr algn="ctr">
+              <a:lnSpc>
+                <a:spcPct val="150000"/>
+              </a:lnSpc>
+              <a:spcAft>
+                <a:spcPts val="1200"/>
+              </a:spcAft>
+            </a:pPr>
+            <a:r>
+              <a:rPr lang="ru-RU" sz="2800" dirty="0">
+                <a:solidFill>
+                  <a:schemeClr val="tx1"/>
+                </a:solidFill>
+                <a:latin typeface="Georgia" pitchFamily="18" charset="0"/>
+              </a:rPr>
+              <a:t>Был разработан </a:t>
+            </a:r>
+            <a:r>
+              <a:rPr lang="en-US" sz="2800" dirty="0">
+                <a:solidFill>
+                  <a:schemeClr val="tx1"/>
+                </a:solidFill>
+                <a:latin typeface="Georgia" pitchFamily="18" charset="0"/>
+              </a:rPr>
+              <a:t>MVP </a:t>
+            </a:r>
+            <a:r>
+              <a:rPr lang="ru-RU" sz="2800" dirty="0">
+                <a:solidFill>
+                  <a:schemeClr val="tx1"/>
+                </a:solidFill>
+                <a:latin typeface="Georgia" pitchFamily="18" charset="0"/>
+              </a:rPr>
+              <a:t>текстовой ролевой игры с использованием журнала, который позволил повысить качество ответов </a:t>
+            </a:r>
+            <a:r>
+              <a:rPr lang="ru-RU" sz="2800" dirty="0" err="1">
+                <a:solidFill>
+                  <a:schemeClr val="tx1"/>
+                </a:solidFill>
+                <a:latin typeface="Georgia" pitchFamily="18" charset="0"/>
+              </a:rPr>
+              <a:t>нейросетевой</a:t>
+            </a:r>
+            <a:r>
+              <a:rPr lang="ru-RU" sz="2800" dirty="0">
+                <a:solidFill>
+                  <a:schemeClr val="tx1"/>
+                </a:solidFill>
+                <a:latin typeface="Georgia" pitchFamily="18" charset="0"/>
+              </a:rPr>
+              <a:t> языковой модели и улучшить опыт использования нейросети в игре.</a:t>
+            </a:r>
+          </a:p>
+        </p:txBody>
+      </p:sp>
+      <p:sp>
+        <p:nvSpPr>
+          <p:cNvPr id="9" name="Скругленный прямоугольник 8"/>
+          <p:cNvSpPr/>
+          <p:nvPr/>
+        </p:nvSpPr>
+        <p:spPr>
+          <a:xfrm>
+            <a:off x="2562201" y="266678"/>
+            <a:ext cx="7048549" cy="1238259"/>
+          </a:xfrm>
+          <a:prstGeom prst="roundRect">
+            <a:avLst>
+              <a:gd name="adj" fmla="val 29295"/>
+            </a:avLst>
+          </a:prstGeom>
+          <a:solidFill>
+            <a:schemeClr val="bg1"/>
+          </a:solidFill>
+          <a:ln>
+            <a:noFill/>
+          </a:ln>
+        </p:spPr>
+        <p:style>
+          <a:lnRef idx="2">
+            <a:schemeClr val="accent1">
+              <a:shade val="50000"/>
+            </a:schemeClr>
+          </a:lnRef>
+          <a:fillRef idx="1">
+            <a:schemeClr val="accent1"/>
+          </a:fillRef>
+          <a:effectRef idx="0">
+            <a:schemeClr val="accent1"/>
+          </a:effectRef>
+          <a:fontRef idx="minor">
+            <a:schemeClr val="lt1"/>
+          </a:fontRef>
+        </p:style>
+        <p:txBody>
+          <a:bodyPr lIns="121917" tIns="60958" rIns="121917" bIns="60958" rtlCol="0" anchor="ctr"/>
+          <a:lstStyle/>
+          <a:p>
+            <a:pPr algn="ctr"/>
+            <a:r>
+              <a:rPr lang="ru-RU" sz="4000" b="1" dirty="0">
+                <a:solidFill>
+                  <a:schemeClr val="tx1"/>
+                </a:solidFill>
+                <a:latin typeface="Georgia" pitchFamily="18" charset="0"/>
+              </a:rPr>
+              <a:t>Вывод</a:t>
+            </a:r>
+          </a:p>
+        </p:txBody>
+      </p:sp>
+      <p:sp>
+        <p:nvSpPr>
+          <p:cNvPr id="14338" name="AutoShape 2" descr="Курс «Профессия Геймдизайнер с 0 до PRO»: обучение на геймдизайнера онлайн  — Skillbox"/>
+          <p:cNvSpPr>
+            <a:spLocks noChangeAspect="1" noChangeArrowheads="1"/>
+          </p:cNvSpPr>
+          <p:nvPr/>
+        </p:nvSpPr>
+        <p:spPr bwMode="auto">
+          <a:xfrm>
+            <a:off x="155575" y="-144463"/>
+            <a:ext cx="304800" cy="304801"/>
+          </a:xfrm>
+          <a:prstGeom prst="rect">
+            <a:avLst/>
+          </a:prstGeom>
+          <a:noFill/>
+        </p:spPr>
+        <p:txBody>
+          <a:bodyPr vert="horz" wrap="square" lIns="91440" tIns="45720" rIns="91440" bIns="45720" numCol="1" anchor="t" anchorCtr="0" compatLnSpc="1">
+            <a:prstTxWarp prst="textNoShape">
+              <a:avLst/>
+            </a:prstTxWarp>
+          </a:bodyPr>
+          <a:lstStyle/>
+          <a:p>
+            <a:endParaRPr lang="ru-RU"/>
+          </a:p>
+        </p:txBody>
+      </p:sp>
+      <p:sp>
+        <p:nvSpPr>
+          <p:cNvPr id="14340" name="AutoShape 4" descr="https://248006.selcdn.ru/LandGen/desktop_39ef6ddbd3a301b00456216d140c7a3abaf8f1f8.webp"/>
+          <p:cNvSpPr>
+            <a:spLocks noChangeAspect="1" noChangeArrowheads="1"/>
+          </p:cNvSpPr>
+          <p:nvPr/>
+        </p:nvSpPr>
+        <p:spPr bwMode="auto">
+          <a:xfrm>
+            <a:off x="155575" y="-144463"/>
+            <a:ext cx="304800" cy="304801"/>
+          </a:xfrm>
+          <a:prstGeom prst="rect">
+            <a:avLst/>
+          </a:prstGeom>
+          <a:noFill/>
+        </p:spPr>
+        <p:txBody>
+          <a:bodyPr vert="horz" wrap="square" lIns="91440" tIns="45720" rIns="91440" bIns="45720" numCol="1" anchor="t" anchorCtr="0" compatLnSpc="1">
+            <a:prstTxWarp prst="textNoShape">
+              <a:avLst/>
+            </a:prstTxWarp>
+          </a:bodyPr>
+          <a:lstStyle/>
+          <a:p>
+            <a:endParaRPr lang="ru-RU"/>
+          </a:p>
+        </p:txBody>
+      </p:sp>
+    </p:spTree>
+    <p:extLst>
+      <p:ext uri="{BB962C8B-B14F-4D97-AF65-F5344CB8AC3E}">
+        <p14:creationId xmlns:p14="http://schemas.microsoft.com/office/powerpoint/2010/main" val="2991797651"/>
+      </p:ext>
+    </p:extLst>
+  </p:cSld>
+  <p:clrMapOvr>
+    <a:masterClrMapping/>
+  </p:clrMapOvr>
+  <p:transition spd="med"/>
+</p:sld>
+</file>
+
+<file path=ppt/slides/slide19.xml><?xml version="1.0" encoding="utf-8"?>
+<p:sld xmlns:a="http://schemas.openxmlformats.org/drawingml/2006/main" xmlns:r="http://schemas.openxmlformats.org/officeDocument/2006/relationships" xmlns:p="http://schemas.openxmlformats.org/presentationml/2006/main">
+  <p:cSld>
+    <p:spTree>
+      <p:nvGrpSpPr>
+        <p:cNvPr id="1" name=""/>
+        <p:cNvGrpSpPr/>
+        <p:nvPr/>
+      </p:nvGrpSpPr>
+      <p:grpSpPr>
+        <a:xfrm>
+          <a:off x="0" y="0"/>
+          <a:ext cx="0" cy="0"/>
+          <a:chOff x="0" y="0"/>
+          <a:chExt cx="0" cy="0"/>
+        </a:xfrm>
+      </p:grpSpPr>
+      <p:pic>
+        <p:nvPicPr>
+          <p:cNvPr id="26" name="Picture 2" descr="http://help-in.ru/sites/default/files/1-projects/photo/Voronoi-2017-5.png"/>
+          <p:cNvPicPr>
+            <a:picLocks noChangeAspect="1" noChangeArrowheads="1"/>
+          </p:cNvPicPr>
+          <p:nvPr/>
+        </p:nvPicPr>
+        <p:blipFill>
+          <a:blip r:embed="rId3">
+            <a:duotone>
+              <a:schemeClr val="accent1">
+                <a:shade val="45000"/>
+                <a:satMod val="135000"/>
+              </a:schemeClr>
+              <a:prstClr val="white"/>
+            </a:duotone>
+          </a:blip>
+          <a:srcRect/>
+          <a:stretch>
+            <a:fillRect/>
+          </a:stretch>
+        </p:blipFill>
+        <p:spPr bwMode="auto">
+          <a:xfrm>
+            <a:off x="0" y="1"/>
+            <a:ext cx="12192000" cy="6857999"/>
+          </a:xfrm>
+          <a:prstGeom prst="rect">
+            <a:avLst/>
+          </a:prstGeom>
+          <a:noFill/>
+        </p:spPr>
+      </p:pic>
+      <p:sp>
+        <p:nvSpPr>
+          <p:cNvPr id="8" name="Прямоугольник 7"/>
+          <p:cNvSpPr/>
+          <p:nvPr/>
+        </p:nvSpPr>
+        <p:spPr>
+          <a:xfrm>
+            <a:off x="0" y="6438899"/>
+            <a:ext cx="12192000" cy="419099"/>
+          </a:xfrm>
+          <a:prstGeom prst="rect">
+            <a:avLst/>
+          </a:prstGeom>
+          <a:solidFill>
+            <a:srgbClr val="00529F"/>
+          </a:solidFill>
+          <a:ln>
+            <a:noFill/>
+          </a:ln>
+        </p:spPr>
+        <p:style>
+          <a:lnRef idx="2">
+            <a:schemeClr val="accent1">
+              <a:shade val="50000"/>
+            </a:schemeClr>
+          </a:lnRef>
+          <a:fillRef idx="1">
+            <a:schemeClr val="accent1"/>
+          </a:fillRef>
+          <a:effectRef idx="0">
+            <a:schemeClr val="accent1"/>
+          </a:effectRef>
+          <a:fontRef idx="minor">
+            <a:schemeClr val="lt1"/>
+          </a:fontRef>
+        </p:style>
+        <p:txBody>
+          <a:bodyPr lIns="121917" tIns="60958" rIns="121917" bIns="60958" rtlCol="0" anchor="ctr"/>
+          <a:lstStyle/>
+          <a:p>
+            <a:pPr algn="ctr"/>
+            <a:endParaRPr lang="ru-RU"/>
+          </a:p>
+        </p:txBody>
+      </p:sp>
+      <p:sp>
+        <p:nvSpPr>
+          <p:cNvPr id="11" name="Номер слайда 11"/>
+          <p:cNvSpPr>
+            <a:spLocks noGrp="1"/>
+          </p:cNvSpPr>
+          <p:nvPr>
+            <p:ph type="sldNum" sz="quarter" idx="12"/>
+          </p:nvPr>
+        </p:nvSpPr>
+        <p:spPr>
+          <a:xfrm>
+            <a:off x="11706184" y="6426200"/>
+            <a:ext cx="2844800" cy="365125"/>
+          </a:xfrm>
+        </p:spPr>
+        <p:txBody>
+          <a:bodyPr/>
+          <a:lstStyle/>
+          <a:p>
+            <a:pPr algn="l"/>
+            <a:fld id="{308CF263-2EDD-44CC-8928-FAE4F9823AB4}" type="slidenum">
+              <a:rPr lang="ru-RU" sz="2700" b="1" smtClean="0">
+                <a:solidFill>
+                  <a:schemeClr val="bg1"/>
+                </a:solidFill>
+                <a:latin typeface="Georgia" pitchFamily="18" charset="0"/>
+              </a:rPr>
+              <a:pPr algn="l"/>
+              <a:t>19</a:t>
+            </a:fld>
+            <a:endParaRPr lang="ru-RU" sz="2700" b="1" dirty="0">
+              <a:solidFill>
+                <a:schemeClr val="bg1"/>
+              </a:solidFill>
+              <a:latin typeface="Georgia" pitchFamily="18" charset="0"/>
+            </a:endParaRPr>
+          </a:p>
+        </p:txBody>
+      </p:sp>
+      <p:sp>
+        <p:nvSpPr>
           <p:cNvPr id="9" name="Скругленный прямоугольник 8"/>
           <p:cNvSpPr/>
           <p:nvPr/>
@@ -19495,7 +19929,7 @@
           <a:p>
             <a:pPr eaLnBrk="1" hangingPunct="1">
               <a:lnSpc>
-                <a:spcPct val="150000"/>
+                <a:spcPct val="125000"/>
               </a:lnSpc>
               <a:spcAft>
                 <a:spcPts val="1200"/>
@@ -19532,7 +19966,7 @@
           <a:p>
             <a:pPr eaLnBrk="1" hangingPunct="1">
               <a:lnSpc>
-                <a:spcPct val="150000"/>
+                <a:spcPct val="125000"/>
               </a:lnSpc>
               <a:spcAft>
                 <a:spcPts val="1200"/>
@@ -19580,7 +20014,7 @@
           <a:p>
             <a:pPr eaLnBrk="1" hangingPunct="1">
               <a:lnSpc>
-                <a:spcPct val="150000"/>
+                <a:spcPct val="125000"/>
               </a:lnSpc>
               <a:spcAft>
                 <a:spcPts val="1200"/>
@@ -19628,7 +20062,7 @@
           <a:p>
             <a:pPr eaLnBrk="1" hangingPunct="1">
               <a:lnSpc>
-                <a:spcPct val="150000"/>
+                <a:spcPct val="125000"/>
               </a:lnSpc>
               <a:spcAft>
                 <a:spcPts val="1200"/>
@@ -19736,698 +20170,6 @@
     <p:extLst>
       <p:ext uri="{BB962C8B-B14F-4D97-AF65-F5344CB8AC3E}">
         <p14:creationId xmlns:p14="http://schemas.microsoft.com/office/powerpoint/2010/main" val="3290462669"/>
-      </p:ext>
-    </p:extLst>
-  </p:cSld>
-  <p:clrMapOvr>
-    <a:masterClrMapping/>
-  </p:clrMapOvr>
-  <p:transition spd="med"/>
-</p:sld>
-</file>
-
-<file path=ppt/slides/slide19.xml><?xml version="1.0" encoding="utf-8"?>
-<p:sld xmlns:a="http://schemas.openxmlformats.org/drawingml/2006/main" xmlns:r="http://schemas.openxmlformats.org/officeDocument/2006/relationships" xmlns:p="http://schemas.openxmlformats.org/presentationml/2006/main">
-  <p:cSld>
-    <p:spTree>
-      <p:nvGrpSpPr>
-        <p:cNvPr id="1" name=""/>
-        <p:cNvGrpSpPr/>
-        <p:nvPr/>
-      </p:nvGrpSpPr>
-      <p:grpSpPr>
-        <a:xfrm>
-          <a:off x="0" y="0"/>
-          <a:ext cx="0" cy="0"/>
-          <a:chOff x="0" y="0"/>
-          <a:chExt cx="0" cy="0"/>
-        </a:xfrm>
-      </p:grpSpPr>
-      <p:pic>
-        <p:nvPicPr>
-          <p:cNvPr id="3" name="Picture 2" descr="http://help-in.ru/sites/default/files/1-projects/photo/Voronoi-2017-5.png">
-            <a:extLst>
-              <a:ext uri="{FF2B5EF4-FFF2-40B4-BE49-F238E27FC236}">
-                <a16:creationId xmlns:a16="http://schemas.microsoft.com/office/drawing/2014/main" id="{294DD03D-C35C-4020-A8F2-10D888670CA1}"/>
-              </a:ext>
-            </a:extLst>
-          </p:cNvPr>
-          <p:cNvPicPr>
-            <a:picLocks noChangeAspect="1" noChangeArrowheads="1"/>
-          </p:cNvPicPr>
-          <p:nvPr/>
-        </p:nvPicPr>
-        <p:blipFill>
-          <a:blip r:embed="rId2">
-            <a:duotone>
-              <a:schemeClr val="accent1">
-                <a:shade val="45000"/>
-                <a:satMod val="135000"/>
-              </a:schemeClr>
-              <a:prstClr val="white"/>
-            </a:duotone>
-          </a:blip>
-          <a:srcRect/>
-          <a:stretch>
-            <a:fillRect/>
-          </a:stretch>
-        </p:blipFill>
-        <p:spPr bwMode="auto">
-          <a:xfrm>
-            <a:off x="0" y="1"/>
-            <a:ext cx="12192000" cy="6857999"/>
-          </a:xfrm>
-          <a:prstGeom prst="rect">
-            <a:avLst/>
-          </a:prstGeom>
-          <a:noFill/>
-        </p:spPr>
-      </p:pic>
-      <p:sp>
-        <p:nvSpPr>
-          <p:cNvPr id="4" name="Прямоугольник 7">
-            <a:extLst>
-              <a:ext uri="{FF2B5EF4-FFF2-40B4-BE49-F238E27FC236}">
-                <a16:creationId xmlns:a16="http://schemas.microsoft.com/office/drawing/2014/main" id="{54CE7A63-2DC0-42B2-BBC1-C6E67EE29077}"/>
-              </a:ext>
-            </a:extLst>
-          </p:cNvPr>
-          <p:cNvSpPr/>
-          <p:nvPr/>
-        </p:nvSpPr>
-        <p:spPr>
-          <a:xfrm>
-            <a:off x="0" y="6438899"/>
-            <a:ext cx="12192000" cy="419099"/>
-          </a:xfrm>
-          <a:prstGeom prst="rect">
-            <a:avLst/>
-          </a:prstGeom>
-          <a:solidFill>
-            <a:srgbClr val="00529F"/>
-          </a:solidFill>
-          <a:ln>
-            <a:noFill/>
-          </a:ln>
-        </p:spPr>
-        <p:style>
-          <a:lnRef idx="2">
-            <a:schemeClr val="accent1">
-              <a:shade val="50000"/>
-            </a:schemeClr>
-          </a:lnRef>
-          <a:fillRef idx="1">
-            <a:schemeClr val="accent1"/>
-          </a:fillRef>
-          <a:effectRef idx="0">
-            <a:schemeClr val="accent1"/>
-          </a:effectRef>
-          <a:fontRef idx="minor">
-            <a:schemeClr val="lt1"/>
-          </a:fontRef>
-        </p:style>
-        <p:txBody>
-          <a:bodyPr lIns="121917" tIns="60958" rIns="121917" bIns="60958" rtlCol="0" anchor="ctr"/>
-          <a:lstStyle/>
-          <a:p>
-            <a:pPr algn="ctr"/>
-            <a:endParaRPr lang="ru-RU"/>
-          </a:p>
-        </p:txBody>
-      </p:sp>
-      <p:sp>
-        <p:nvSpPr>
-          <p:cNvPr id="5" name="Номер слайда 11">
-            <a:extLst>
-              <a:ext uri="{FF2B5EF4-FFF2-40B4-BE49-F238E27FC236}">
-                <a16:creationId xmlns:a16="http://schemas.microsoft.com/office/drawing/2014/main" id="{10BE9A16-2C16-40DD-98D6-B402492C6A24}"/>
-              </a:ext>
-            </a:extLst>
-          </p:cNvPr>
-          <p:cNvSpPr>
-            <a:spLocks noGrp="1"/>
-          </p:cNvSpPr>
-          <p:nvPr>
-            <p:ph type="sldNum" sz="quarter" idx="12"/>
-          </p:nvPr>
-        </p:nvSpPr>
-        <p:spPr>
-          <a:xfrm>
-            <a:off x="11780829" y="6426200"/>
-            <a:ext cx="2844800" cy="365125"/>
-          </a:xfrm>
-        </p:spPr>
-        <p:txBody>
-          <a:bodyPr/>
-          <a:lstStyle/>
-          <a:p>
-            <a:pPr algn="l"/>
-            <a:fld id="{308CF263-2EDD-44CC-8928-FAE4F9823AB4}" type="slidenum">
-              <a:rPr lang="ru-RU" sz="2700" b="1" smtClean="0">
-                <a:solidFill>
-                  <a:schemeClr val="bg1"/>
-                </a:solidFill>
-                <a:latin typeface="Georgia" pitchFamily="18" charset="0"/>
-              </a:rPr>
-              <a:pPr algn="l"/>
-              <a:t>19</a:t>
-            </a:fld>
-            <a:endParaRPr lang="ru-RU" sz="2700" b="1" dirty="0">
-              <a:solidFill>
-                <a:schemeClr val="bg1"/>
-              </a:solidFill>
-              <a:latin typeface="Georgia" pitchFamily="18" charset="0"/>
-            </a:endParaRPr>
-          </a:p>
-        </p:txBody>
-      </p:sp>
-      <p:sp>
-        <p:nvSpPr>
-          <p:cNvPr id="7" name="Скругленный прямоугольник 6">
-            <a:extLst>
-              <a:ext uri="{FF2B5EF4-FFF2-40B4-BE49-F238E27FC236}">
-                <a16:creationId xmlns:a16="http://schemas.microsoft.com/office/drawing/2014/main" id="{9FE635D0-E0D2-463D-AC14-EEB081FFC498}"/>
-              </a:ext>
-            </a:extLst>
-          </p:cNvPr>
-          <p:cNvSpPr/>
-          <p:nvPr/>
-        </p:nvSpPr>
-        <p:spPr>
-          <a:xfrm>
-            <a:off x="143164" y="1025237"/>
-            <a:ext cx="11905672" cy="5246254"/>
-          </a:xfrm>
-          <a:prstGeom prst="roundRect">
-            <a:avLst>
-              <a:gd name="adj" fmla="val 16894"/>
-            </a:avLst>
-          </a:prstGeom>
-          <a:solidFill>
-            <a:schemeClr val="bg1"/>
-          </a:solidFill>
-          <a:ln>
-            <a:noFill/>
-          </a:ln>
-        </p:spPr>
-        <p:style>
-          <a:lnRef idx="2">
-            <a:schemeClr val="accent1">
-              <a:shade val="50000"/>
-            </a:schemeClr>
-          </a:lnRef>
-          <a:fillRef idx="1">
-            <a:schemeClr val="accent1"/>
-          </a:fillRef>
-          <a:effectRef idx="0">
-            <a:schemeClr val="accent1"/>
-          </a:effectRef>
-          <a:fontRef idx="minor">
-            <a:schemeClr val="lt1"/>
-          </a:fontRef>
-        </p:style>
-        <p:txBody>
-          <a:bodyPr lIns="121917" tIns="60958" rIns="121917" bIns="60958" rtlCol="0" anchor="ctr"/>
-          <a:lstStyle/>
-          <a:p>
-            <a:pPr algn="just">
-              <a:lnSpc>
-                <a:spcPct val="150000"/>
-              </a:lnSpc>
-              <a:spcAft>
-                <a:spcPts val="1200"/>
-              </a:spcAft>
-            </a:pPr>
-            <a:endParaRPr lang="ru-RU" sz="3200" dirty="0">
-              <a:solidFill>
-                <a:schemeClr val="tx1"/>
-              </a:solidFill>
-              <a:latin typeface="Georgia" pitchFamily="18" charset="0"/>
-            </a:endParaRPr>
-          </a:p>
-        </p:txBody>
-      </p:sp>
-      <p:sp>
-        <p:nvSpPr>
-          <p:cNvPr id="6" name="Скругленный прямоугольник 8">
-            <a:extLst>
-              <a:ext uri="{FF2B5EF4-FFF2-40B4-BE49-F238E27FC236}">
-                <a16:creationId xmlns:a16="http://schemas.microsoft.com/office/drawing/2014/main" id="{B95E0A70-981F-467A-878A-02FBCA3938B9}"/>
-              </a:ext>
-            </a:extLst>
-          </p:cNvPr>
-          <p:cNvSpPr/>
-          <p:nvPr/>
-        </p:nvSpPr>
-        <p:spPr>
-          <a:xfrm>
-            <a:off x="2562199" y="183934"/>
-            <a:ext cx="7048549" cy="1238259"/>
-          </a:xfrm>
-          <a:prstGeom prst="roundRect">
-            <a:avLst>
-              <a:gd name="adj" fmla="val 29295"/>
-            </a:avLst>
-          </a:prstGeom>
-          <a:solidFill>
-            <a:schemeClr val="bg1"/>
-          </a:solidFill>
-          <a:ln>
-            <a:noFill/>
-          </a:ln>
-        </p:spPr>
-        <p:style>
-          <a:lnRef idx="2">
-            <a:schemeClr val="accent1">
-              <a:shade val="50000"/>
-            </a:schemeClr>
-          </a:lnRef>
-          <a:fillRef idx="1">
-            <a:schemeClr val="accent1"/>
-          </a:fillRef>
-          <a:effectRef idx="0">
-            <a:schemeClr val="accent1"/>
-          </a:effectRef>
-          <a:fontRef idx="minor">
-            <a:schemeClr val="lt1"/>
-          </a:fontRef>
-        </p:style>
-        <p:txBody>
-          <a:bodyPr lIns="121917" tIns="60958" rIns="121917" bIns="60958" rtlCol="0" anchor="ctr"/>
-          <a:lstStyle/>
-          <a:p>
-            <a:pPr algn="ctr"/>
-            <a:r>
-              <a:rPr lang="ru-RU" sz="4400" b="1" dirty="0">
-                <a:solidFill>
-                  <a:schemeClr val="tx1"/>
-                </a:solidFill>
-                <a:latin typeface="Georgia" pitchFamily="18" charset="0"/>
-              </a:rPr>
-              <a:t>Проектная команда</a:t>
-            </a:r>
-          </a:p>
-        </p:txBody>
-      </p:sp>
-      <p:graphicFrame>
-        <p:nvGraphicFramePr>
-          <p:cNvPr id="2" name="Таблица 19">
-            <a:extLst>
-              <a:ext uri="{FF2B5EF4-FFF2-40B4-BE49-F238E27FC236}">
-                <a16:creationId xmlns:a16="http://schemas.microsoft.com/office/drawing/2014/main" id="{6A9C7B3C-E792-495E-BE8B-8B5DDE575478}"/>
-              </a:ext>
-            </a:extLst>
-          </p:cNvPr>
-          <p:cNvGraphicFramePr>
-            <a:graphicFrameLocks noGrp="1"/>
-          </p:cNvGraphicFramePr>
-          <p:nvPr>
-            <p:extLst>
-              <p:ext uri="{D42A27DB-BD31-4B8C-83A1-F6EECF244321}">
-                <p14:modId xmlns:p14="http://schemas.microsoft.com/office/powerpoint/2010/main" val="2440652129"/>
-              </p:ext>
-            </p:extLst>
-          </p:nvPr>
-        </p:nvGraphicFramePr>
-        <p:xfrm>
-          <a:off x="492001" y="1380336"/>
-          <a:ext cx="11127343" cy="4255463"/>
-        </p:xfrm>
-        <a:graphic>
-          <a:graphicData uri="http://schemas.openxmlformats.org/drawingml/2006/table">
-            <a:tbl>
-              <a:tblPr firstRow="1" bandRow="1">
-                <a:tableStyleId>{5C22544A-7EE6-4342-B048-85BDC9FD1C3A}</a:tableStyleId>
-              </a:tblPr>
-              <a:tblGrid>
-                <a:gridCol w="2489401">
-                  <a:extLst>
-                    <a:ext uri="{9D8B030D-6E8A-4147-A177-3AD203B41FA5}">
-                      <a16:colId xmlns:a16="http://schemas.microsoft.com/office/drawing/2014/main" val="20000"/>
-                    </a:ext>
-                  </a:extLst>
-                </a:gridCol>
-                <a:gridCol w="1188280">
-                  <a:extLst>
-                    <a:ext uri="{9D8B030D-6E8A-4147-A177-3AD203B41FA5}">
-                      <a16:colId xmlns:a16="http://schemas.microsoft.com/office/drawing/2014/main" val="20001"/>
-                    </a:ext>
-                  </a:extLst>
-                </a:gridCol>
-                <a:gridCol w="5845383">
-                  <a:extLst>
-                    <a:ext uri="{9D8B030D-6E8A-4147-A177-3AD203B41FA5}">
-                      <a16:colId xmlns:a16="http://schemas.microsoft.com/office/drawing/2014/main" val="20002"/>
-                    </a:ext>
-                  </a:extLst>
-                </a:gridCol>
-                <a:gridCol w="1604279">
-                  <a:extLst>
-                    <a:ext uri="{9D8B030D-6E8A-4147-A177-3AD203B41FA5}">
-                      <a16:colId xmlns:a16="http://schemas.microsoft.com/office/drawing/2014/main" val="20003"/>
-                    </a:ext>
-                  </a:extLst>
-                </a:gridCol>
-              </a:tblGrid>
-              <a:tr h="663609">
-                <a:tc>
-                  <a:txBody>
-                    <a:bodyPr/>
-                    <a:lstStyle/>
-                    <a:p>
-                      <a:pPr algn="ctr"/>
-                      <a:r>
-                        <a:rPr lang="ru-RU" sz="2000" dirty="0"/>
-                        <a:t>участник</a:t>
-                      </a:r>
-                    </a:p>
-                  </a:txBody>
-                  <a:tcPr anchor="ctr"/>
-                </a:tc>
-                <a:tc>
-                  <a:txBody>
-                    <a:bodyPr/>
-                    <a:lstStyle/>
-                    <a:p>
-                      <a:pPr algn="ctr"/>
-                      <a:r>
-                        <a:rPr lang="ru-RU" sz="1800" dirty="0"/>
-                        <a:t>группа</a:t>
-                      </a:r>
-                    </a:p>
-                  </a:txBody>
-                  <a:tcPr anchor="ctr"/>
-                </a:tc>
-                <a:tc>
-                  <a:txBody>
-                    <a:bodyPr/>
-                    <a:lstStyle/>
-                    <a:p>
-                      <a:pPr algn="ctr"/>
-                      <a:r>
-                        <a:rPr lang="ru-RU" sz="2000" dirty="0"/>
-                        <a:t>проектные задачи</a:t>
-                      </a:r>
-                    </a:p>
-                  </a:txBody>
-                  <a:tcPr anchor="ctr"/>
-                </a:tc>
-                <a:tc>
-                  <a:txBody>
-                    <a:bodyPr/>
-                    <a:lstStyle/>
-                    <a:p>
-                      <a:pPr algn="ctr"/>
-                      <a:r>
-                        <a:rPr lang="ru-RU" sz="2000" dirty="0"/>
-                        <a:t>оценка команды</a:t>
-                      </a:r>
-                    </a:p>
-                  </a:txBody>
-                  <a:tcPr anchor="ctr"/>
-                </a:tc>
-                <a:extLst>
-                  <a:ext uri="{0D108BD9-81ED-4DB2-BD59-A6C34878D82A}">
-                    <a16:rowId xmlns:a16="http://schemas.microsoft.com/office/drawing/2014/main" val="10000"/>
-                  </a:ext>
-                </a:extLst>
-              </a:tr>
-              <a:tr h="855538">
-                <a:tc>
-                  <a:txBody>
-                    <a:bodyPr/>
-                    <a:lstStyle/>
-                    <a:p>
-                      <a:pPr algn="ctr"/>
-                      <a:r>
-                        <a:rPr lang="ru-RU" sz="2400" dirty="0"/>
-                        <a:t>Жукович М.В.</a:t>
-                      </a:r>
-                    </a:p>
-                  </a:txBody>
-                  <a:tcPr anchor="ctr"/>
-                </a:tc>
-                <a:tc>
-                  <a:txBody>
-                    <a:bodyPr/>
-                    <a:lstStyle/>
-                    <a:p>
-                      <a:pPr algn="ctr"/>
-                      <a:r>
-                        <a:rPr lang="ru-RU" sz="2400" dirty="0"/>
-                        <a:t>572-2</a:t>
-                      </a:r>
-                    </a:p>
-                  </a:txBody>
-                  <a:tcPr anchor="ctr"/>
-                </a:tc>
-                <a:tc>
-                  <a:txBody>
-                    <a:bodyPr/>
-                    <a:lstStyle/>
-                    <a:p>
-                      <a:pPr algn="l"/>
-                      <a:r>
-                        <a:rPr lang="ru-RU" sz="2400" dirty="0"/>
-                        <a:t>Разработка</a:t>
-                      </a:r>
-                      <a:r>
-                        <a:rPr lang="ru-RU" sz="2400" baseline="0" dirty="0"/>
-                        <a:t> программы, журнала и интерфейса</a:t>
-                      </a:r>
-                      <a:endParaRPr lang="ru-RU" sz="2400" dirty="0"/>
-                    </a:p>
-                  </a:txBody>
-                  <a:tcPr anchor="ctr"/>
-                </a:tc>
-                <a:tc>
-                  <a:txBody>
-                    <a:bodyPr/>
-                    <a:lstStyle/>
-                    <a:p>
-                      <a:pPr algn="ctr"/>
-                      <a:r>
-                        <a:rPr lang="ru-RU" sz="2400" dirty="0"/>
-                        <a:t>5</a:t>
-                      </a:r>
-                    </a:p>
-                  </a:txBody>
-                  <a:tcPr anchor="ctr"/>
-                </a:tc>
-                <a:extLst>
-                  <a:ext uri="{0D108BD9-81ED-4DB2-BD59-A6C34878D82A}">
-                    <a16:rowId xmlns:a16="http://schemas.microsoft.com/office/drawing/2014/main" val="10001"/>
-                  </a:ext>
-                </a:extLst>
-              </a:tr>
-              <a:tr h="896099">
-                <a:tc>
-                  <a:txBody>
-                    <a:bodyPr/>
-                    <a:lstStyle/>
-                    <a:p>
-                      <a:pPr algn="ctr"/>
-                      <a:r>
-                        <a:rPr lang="ru-RU" sz="2400" dirty="0"/>
-                        <a:t>Харламова</a:t>
-                      </a:r>
-                      <a:r>
-                        <a:rPr lang="ru-RU" sz="2400" baseline="0" dirty="0"/>
-                        <a:t> А.С.</a:t>
-                      </a:r>
-                      <a:endParaRPr lang="ru-RU" sz="2400" dirty="0"/>
-                    </a:p>
-                  </a:txBody>
-                  <a:tcPr anchor="ctr"/>
-                </a:tc>
-                <a:tc>
-                  <a:txBody>
-                    <a:bodyPr/>
-                    <a:lstStyle/>
-                    <a:p>
-                      <a:pPr algn="ctr"/>
-                      <a:r>
-                        <a:rPr lang="ru-RU" sz="2400" dirty="0"/>
-                        <a:t>572-2</a:t>
-                      </a:r>
-                    </a:p>
-                  </a:txBody>
-                  <a:tcPr anchor="ctr"/>
-                </a:tc>
-                <a:tc>
-                  <a:txBody>
-                    <a:bodyPr/>
-                    <a:lstStyle/>
-                    <a:p>
-                      <a:r>
-                        <a:rPr lang="ru-RU" sz="2400" dirty="0"/>
-                        <a:t>Составление системного </a:t>
-                      </a:r>
-                      <a:r>
-                        <a:rPr lang="ru-RU" sz="2400" dirty="0" err="1"/>
-                        <a:t>промпта</a:t>
-                      </a:r>
-                      <a:r>
-                        <a:rPr lang="ru-RU" sz="2400" dirty="0"/>
-                        <a:t> рассказчика</a:t>
-                      </a:r>
-                    </a:p>
-                  </a:txBody>
-                  <a:tcPr anchor="ctr"/>
-                </a:tc>
-                <a:tc>
-                  <a:txBody>
-                    <a:bodyPr/>
-                    <a:lstStyle/>
-                    <a:p>
-                      <a:pPr algn="ctr"/>
-                      <a:r>
-                        <a:rPr lang="ru-RU" sz="2400" dirty="0"/>
-                        <a:t>4</a:t>
-                      </a:r>
-                    </a:p>
-                  </a:txBody>
-                  <a:tcPr anchor="ctr"/>
-                </a:tc>
-                <a:extLst>
-                  <a:ext uri="{0D108BD9-81ED-4DB2-BD59-A6C34878D82A}">
-                    <a16:rowId xmlns:a16="http://schemas.microsoft.com/office/drawing/2014/main" val="10002"/>
-                  </a:ext>
-                </a:extLst>
-              </a:tr>
-              <a:tr h="901393">
-                <a:tc>
-                  <a:txBody>
-                    <a:bodyPr/>
-                    <a:lstStyle/>
-                    <a:p>
-                      <a:pPr algn="ctr"/>
-                      <a:r>
-                        <a:rPr lang="ru-RU" sz="2400" dirty="0"/>
-                        <a:t>Хусаинов З.В.</a:t>
-                      </a:r>
-                    </a:p>
-                  </a:txBody>
-                  <a:tcPr anchor="ctr"/>
-                </a:tc>
-                <a:tc>
-                  <a:txBody>
-                    <a:bodyPr/>
-                    <a:lstStyle/>
-                    <a:p>
-                      <a:pPr algn="ctr"/>
-                      <a:r>
-                        <a:rPr lang="ru-RU" sz="2400" dirty="0"/>
-                        <a:t>422-3</a:t>
-                      </a:r>
-                    </a:p>
-                  </a:txBody>
-                  <a:tcPr anchor="ctr"/>
-                </a:tc>
-                <a:tc>
-                  <a:txBody>
-                    <a:bodyPr/>
-                    <a:lstStyle/>
-                    <a:p>
-                      <a:r>
-                        <a:rPr lang="ru-RU" sz="2400" dirty="0"/>
-                        <a:t>Составление системных промптов поиска в тексте</a:t>
-                      </a:r>
-                    </a:p>
-                  </a:txBody>
-                  <a:tcPr anchor="ctr"/>
-                </a:tc>
-                <a:tc>
-                  <a:txBody>
-                    <a:bodyPr/>
-                    <a:lstStyle/>
-                    <a:p>
-                      <a:pPr algn="ctr"/>
-                      <a:r>
-                        <a:rPr lang="ru-RU" sz="2400" dirty="0"/>
-                        <a:t>5</a:t>
-                      </a:r>
-                    </a:p>
-                  </a:txBody>
-                  <a:tcPr anchor="ctr"/>
-                </a:tc>
-                <a:extLst>
-                  <a:ext uri="{0D108BD9-81ED-4DB2-BD59-A6C34878D82A}">
-                    <a16:rowId xmlns:a16="http://schemas.microsoft.com/office/drawing/2014/main" val="10003"/>
-                  </a:ext>
-                </a:extLst>
-              </a:tr>
-              <a:tr h="901393">
-                <a:tc>
-                  <a:txBody>
-                    <a:bodyPr/>
-                    <a:lstStyle/>
-                    <a:p>
-                      <a:pPr algn="ctr"/>
-                      <a:r>
-                        <a:rPr lang="ru-RU" sz="2400" dirty="0" err="1"/>
-                        <a:t>Заковряжин</a:t>
-                      </a:r>
-                      <a:r>
-                        <a:rPr lang="ru-RU" sz="2400" dirty="0"/>
-                        <a:t> А.</a:t>
-                      </a:r>
-                    </a:p>
-                  </a:txBody>
-                  <a:tcPr anchor="ctr"/>
-                </a:tc>
-                <a:tc>
-                  <a:txBody>
-                    <a:bodyPr/>
-                    <a:lstStyle/>
-                    <a:p>
-                      <a:pPr algn="ctr"/>
-                      <a:endParaRPr lang="ru-RU" sz="2400" dirty="0"/>
-                    </a:p>
-                  </a:txBody>
-                  <a:tcPr anchor="ctr"/>
-                </a:tc>
-                <a:tc>
-                  <a:txBody>
-                    <a:bodyPr/>
-                    <a:lstStyle/>
-                    <a:p>
-                      <a:r>
-                        <a:rPr lang="ru-RU" sz="2400" dirty="0"/>
-                        <a:t>Разработка интерфейса</a:t>
-                      </a:r>
-                    </a:p>
-                  </a:txBody>
-                  <a:tcPr anchor="ctr"/>
-                </a:tc>
-                <a:tc>
-                  <a:txBody>
-                    <a:bodyPr/>
-                    <a:lstStyle/>
-                    <a:p>
-                      <a:pPr algn="ctr"/>
-                      <a:r>
-                        <a:rPr lang="ru-RU" sz="2400" dirty="0"/>
-                        <a:t>3</a:t>
-                      </a:r>
-                    </a:p>
-                  </a:txBody>
-                  <a:tcPr anchor="ctr"/>
-                </a:tc>
-                <a:extLst>
-                  <a:ext uri="{0D108BD9-81ED-4DB2-BD59-A6C34878D82A}">
-                    <a16:rowId xmlns:a16="http://schemas.microsoft.com/office/drawing/2014/main" val="1895371680"/>
-                  </a:ext>
-                </a:extLst>
-              </a:tr>
-            </a:tbl>
-          </a:graphicData>
-        </a:graphic>
-      </p:graphicFrame>
-    </p:spTree>
-    <p:extLst>
-      <p:ext uri="{BB962C8B-B14F-4D97-AF65-F5344CB8AC3E}">
-        <p14:creationId xmlns:p14="http://schemas.microsoft.com/office/powerpoint/2010/main" val="2531021885"/>
       </p:ext>
     </p:extLst>
   </p:cSld>
@@ -20855,6 +20597,635 @@
       </p:grpSpPr>
       <p:pic>
         <p:nvPicPr>
+          <p:cNvPr id="3" name="Picture 2" descr="http://help-in.ru/sites/default/files/1-projects/photo/Voronoi-2017-5.png">
+            <a:extLst>
+              <a:ext uri="{FF2B5EF4-FFF2-40B4-BE49-F238E27FC236}">
+                <a16:creationId xmlns:a16="http://schemas.microsoft.com/office/drawing/2014/main" id="{294DD03D-C35C-4020-A8F2-10D888670CA1}"/>
+              </a:ext>
+            </a:extLst>
+          </p:cNvPr>
+          <p:cNvPicPr>
+            <a:picLocks noChangeAspect="1" noChangeArrowheads="1"/>
+          </p:cNvPicPr>
+          <p:nvPr/>
+        </p:nvPicPr>
+        <p:blipFill>
+          <a:blip r:embed="rId2">
+            <a:duotone>
+              <a:schemeClr val="accent1">
+                <a:shade val="45000"/>
+                <a:satMod val="135000"/>
+              </a:schemeClr>
+              <a:prstClr val="white"/>
+            </a:duotone>
+          </a:blip>
+          <a:srcRect/>
+          <a:stretch>
+            <a:fillRect/>
+          </a:stretch>
+        </p:blipFill>
+        <p:spPr bwMode="auto">
+          <a:xfrm>
+            <a:off x="0" y="1"/>
+            <a:ext cx="12192000" cy="6857999"/>
+          </a:xfrm>
+          <a:prstGeom prst="rect">
+            <a:avLst/>
+          </a:prstGeom>
+          <a:noFill/>
+        </p:spPr>
+      </p:pic>
+      <p:sp>
+        <p:nvSpPr>
+          <p:cNvPr id="4" name="Прямоугольник 7">
+            <a:extLst>
+              <a:ext uri="{FF2B5EF4-FFF2-40B4-BE49-F238E27FC236}">
+                <a16:creationId xmlns:a16="http://schemas.microsoft.com/office/drawing/2014/main" id="{54CE7A63-2DC0-42B2-BBC1-C6E67EE29077}"/>
+              </a:ext>
+            </a:extLst>
+          </p:cNvPr>
+          <p:cNvSpPr/>
+          <p:nvPr/>
+        </p:nvSpPr>
+        <p:spPr>
+          <a:xfrm>
+            <a:off x="0" y="6438899"/>
+            <a:ext cx="12192000" cy="419099"/>
+          </a:xfrm>
+          <a:prstGeom prst="rect">
+            <a:avLst/>
+          </a:prstGeom>
+          <a:solidFill>
+            <a:srgbClr val="00529F"/>
+          </a:solidFill>
+          <a:ln>
+            <a:noFill/>
+          </a:ln>
+        </p:spPr>
+        <p:style>
+          <a:lnRef idx="2">
+            <a:schemeClr val="accent1">
+              <a:shade val="50000"/>
+            </a:schemeClr>
+          </a:lnRef>
+          <a:fillRef idx="1">
+            <a:schemeClr val="accent1"/>
+          </a:fillRef>
+          <a:effectRef idx="0">
+            <a:schemeClr val="accent1"/>
+          </a:effectRef>
+          <a:fontRef idx="minor">
+            <a:schemeClr val="lt1"/>
+          </a:fontRef>
+        </p:style>
+        <p:txBody>
+          <a:bodyPr lIns="121917" tIns="60958" rIns="121917" bIns="60958" rtlCol="0" anchor="ctr"/>
+          <a:lstStyle/>
+          <a:p>
+            <a:pPr algn="ctr"/>
+            <a:endParaRPr lang="ru-RU"/>
+          </a:p>
+        </p:txBody>
+      </p:sp>
+      <p:sp>
+        <p:nvSpPr>
+          <p:cNvPr id="5" name="Номер слайда 11">
+            <a:extLst>
+              <a:ext uri="{FF2B5EF4-FFF2-40B4-BE49-F238E27FC236}">
+                <a16:creationId xmlns:a16="http://schemas.microsoft.com/office/drawing/2014/main" id="{10BE9A16-2C16-40DD-98D6-B402492C6A24}"/>
+              </a:ext>
+            </a:extLst>
+          </p:cNvPr>
+          <p:cNvSpPr>
+            <a:spLocks noGrp="1"/>
+          </p:cNvSpPr>
+          <p:nvPr>
+            <p:ph type="sldNum" sz="quarter" idx="12"/>
+          </p:nvPr>
+        </p:nvSpPr>
+        <p:spPr>
+          <a:xfrm>
+            <a:off x="11780829" y="6426200"/>
+            <a:ext cx="2844800" cy="365125"/>
+          </a:xfrm>
+        </p:spPr>
+        <p:txBody>
+          <a:bodyPr/>
+          <a:lstStyle/>
+          <a:p>
+            <a:pPr algn="l"/>
+            <a:fld id="{308CF263-2EDD-44CC-8928-FAE4F9823AB4}" type="slidenum">
+              <a:rPr lang="ru-RU" sz="2700" b="1" smtClean="0">
+                <a:solidFill>
+                  <a:schemeClr val="bg1"/>
+                </a:solidFill>
+                <a:latin typeface="Georgia" pitchFamily="18" charset="0"/>
+              </a:rPr>
+              <a:pPr algn="l"/>
+              <a:t>20</a:t>
+            </a:fld>
+            <a:endParaRPr lang="ru-RU" sz="2700" b="1" dirty="0">
+              <a:solidFill>
+                <a:schemeClr val="bg1"/>
+              </a:solidFill>
+              <a:latin typeface="Georgia" pitchFamily="18" charset="0"/>
+            </a:endParaRPr>
+          </a:p>
+        </p:txBody>
+      </p:sp>
+      <p:sp>
+        <p:nvSpPr>
+          <p:cNvPr id="7" name="Скругленный прямоугольник 6">
+            <a:extLst>
+              <a:ext uri="{FF2B5EF4-FFF2-40B4-BE49-F238E27FC236}">
+                <a16:creationId xmlns:a16="http://schemas.microsoft.com/office/drawing/2014/main" id="{9FE635D0-E0D2-463D-AC14-EEB081FFC498}"/>
+              </a:ext>
+            </a:extLst>
+          </p:cNvPr>
+          <p:cNvSpPr/>
+          <p:nvPr/>
+        </p:nvSpPr>
+        <p:spPr>
+          <a:xfrm>
+            <a:off x="143164" y="1025237"/>
+            <a:ext cx="11905672" cy="5246254"/>
+          </a:xfrm>
+          <a:prstGeom prst="roundRect">
+            <a:avLst>
+              <a:gd name="adj" fmla="val 16894"/>
+            </a:avLst>
+          </a:prstGeom>
+          <a:solidFill>
+            <a:schemeClr val="bg1"/>
+          </a:solidFill>
+          <a:ln>
+            <a:noFill/>
+          </a:ln>
+        </p:spPr>
+        <p:style>
+          <a:lnRef idx="2">
+            <a:schemeClr val="accent1">
+              <a:shade val="50000"/>
+            </a:schemeClr>
+          </a:lnRef>
+          <a:fillRef idx="1">
+            <a:schemeClr val="accent1"/>
+          </a:fillRef>
+          <a:effectRef idx="0">
+            <a:schemeClr val="accent1"/>
+          </a:effectRef>
+          <a:fontRef idx="minor">
+            <a:schemeClr val="lt1"/>
+          </a:fontRef>
+        </p:style>
+        <p:txBody>
+          <a:bodyPr lIns="121917" tIns="60958" rIns="121917" bIns="60958" rtlCol="0" anchor="ctr"/>
+          <a:lstStyle/>
+          <a:p>
+            <a:pPr algn="just">
+              <a:lnSpc>
+                <a:spcPct val="150000"/>
+              </a:lnSpc>
+              <a:spcAft>
+                <a:spcPts val="1200"/>
+              </a:spcAft>
+            </a:pPr>
+            <a:endParaRPr lang="ru-RU" sz="3200" dirty="0">
+              <a:solidFill>
+                <a:schemeClr val="tx1"/>
+              </a:solidFill>
+              <a:latin typeface="Georgia" pitchFamily="18" charset="0"/>
+            </a:endParaRPr>
+          </a:p>
+        </p:txBody>
+      </p:sp>
+      <p:sp>
+        <p:nvSpPr>
+          <p:cNvPr id="6" name="Скругленный прямоугольник 8">
+            <a:extLst>
+              <a:ext uri="{FF2B5EF4-FFF2-40B4-BE49-F238E27FC236}">
+                <a16:creationId xmlns:a16="http://schemas.microsoft.com/office/drawing/2014/main" id="{B95E0A70-981F-467A-878A-02FBCA3938B9}"/>
+              </a:ext>
+            </a:extLst>
+          </p:cNvPr>
+          <p:cNvSpPr/>
+          <p:nvPr/>
+        </p:nvSpPr>
+        <p:spPr>
+          <a:xfrm>
+            <a:off x="2562199" y="183934"/>
+            <a:ext cx="7048549" cy="1238259"/>
+          </a:xfrm>
+          <a:prstGeom prst="roundRect">
+            <a:avLst>
+              <a:gd name="adj" fmla="val 29295"/>
+            </a:avLst>
+          </a:prstGeom>
+          <a:solidFill>
+            <a:schemeClr val="bg1"/>
+          </a:solidFill>
+          <a:ln>
+            <a:noFill/>
+          </a:ln>
+        </p:spPr>
+        <p:style>
+          <a:lnRef idx="2">
+            <a:schemeClr val="accent1">
+              <a:shade val="50000"/>
+            </a:schemeClr>
+          </a:lnRef>
+          <a:fillRef idx="1">
+            <a:schemeClr val="accent1"/>
+          </a:fillRef>
+          <a:effectRef idx="0">
+            <a:schemeClr val="accent1"/>
+          </a:effectRef>
+          <a:fontRef idx="minor">
+            <a:schemeClr val="lt1"/>
+          </a:fontRef>
+        </p:style>
+        <p:txBody>
+          <a:bodyPr lIns="121917" tIns="60958" rIns="121917" bIns="60958" rtlCol="0" anchor="ctr"/>
+          <a:lstStyle/>
+          <a:p>
+            <a:pPr algn="ctr"/>
+            <a:r>
+              <a:rPr lang="ru-RU" sz="4400" b="1" dirty="0">
+                <a:solidFill>
+                  <a:schemeClr val="tx1"/>
+                </a:solidFill>
+                <a:latin typeface="Georgia" pitchFamily="18" charset="0"/>
+              </a:rPr>
+              <a:t>Проектная команда</a:t>
+            </a:r>
+          </a:p>
+        </p:txBody>
+      </p:sp>
+      <p:graphicFrame>
+        <p:nvGraphicFramePr>
+          <p:cNvPr id="2" name="Таблица 19">
+            <a:extLst>
+              <a:ext uri="{FF2B5EF4-FFF2-40B4-BE49-F238E27FC236}">
+                <a16:creationId xmlns:a16="http://schemas.microsoft.com/office/drawing/2014/main" id="{6A9C7B3C-E792-495E-BE8B-8B5DDE575478}"/>
+              </a:ext>
+            </a:extLst>
+          </p:cNvPr>
+          <p:cNvGraphicFramePr>
+            <a:graphicFrameLocks noGrp="1"/>
+          </p:cNvGraphicFramePr>
+          <p:nvPr>
+            <p:extLst>
+              <p:ext uri="{D42A27DB-BD31-4B8C-83A1-F6EECF244321}">
+                <p14:modId xmlns:p14="http://schemas.microsoft.com/office/powerpoint/2010/main" val="4293023508"/>
+              </p:ext>
+            </p:extLst>
+          </p:nvPr>
+        </p:nvGraphicFramePr>
+        <p:xfrm>
+          <a:off x="492001" y="1380335"/>
+          <a:ext cx="11127343" cy="4452427"/>
+        </p:xfrm>
+        <a:graphic>
+          <a:graphicData uri="http://schemas.openxmlformats.org/drawingml/2006/table">
+            <a:tbl>
+              <a:tblPr firstRow="1" bandRow="1">
+                <a:tableStyleId>{5C22544A-7EE6-4342-B048-85BDC9FD1C3A}</a:tableStyleId>
+              </a:tblPr>
+              <a:tblGrid>
+                <a:gridCol w="2489401">
+                  <a:extLst>
+                    <a:ext uri="{9D8B030D-6E8A-4147-A177-3AD203B41FA5}">
+                      <a16:colId xmlns:a16="http://schemas.microsoft.com/office/drawing/2014/main" val="20000"/>
+                    </a:ext>
+                  </a:extLst>
+                </a:gridCol>
+                <a:gridCol w="1188280">
+                  <a:extLst>
+                    <a:ext uri="{9D8B030D-6E8A-4147-A177-3AD203B41FA5}">
+                      <a16:colId xmlns:a16="http://schemas.microsoft.com/office/drawing/2014/main" val="20001"/>
+                    </a:ext>
+                  </a:extLst>
+                </a:gridCol>
+                <a:gridCol w="5845383">
+                  <a:extLst>
+                    <a:ext uri="{9D8B030D-6E8A-4147-A177-3AD203B41FA5}">
+                      <a16:colId xmlns:a16="http://schemas.microsoft.com/office/drawing/2014/main" val="20002"/>
+                    </a:ext>
+                  </a:extLst>
+                </a:gridCol>
+                <a:gridCol w="1604279">
+                  <a:extLst>
+                    <a:ext uri="{9D8B030D-6E8A-4147-A177-3AD203B41FA5}">
+                      <a16:colId xmlns:a16="http://schemas.microsoft.com/office/drawing/2014/main" val="20003"/>
+                    </a:ext>
+                  </a:extLst>
+                </a:gridCol>
+              </a:tblGrid>
+              <a:tr h="930610">
+                <a:tc>
+                  <a:txBody>
+                    <a:bodyPr/>
+                    <a:lstStyle/>
+                    <a:p>
+                      <a:pPr algn="ctr"/>
+                      <a:r>
+                        <a:rPr lang="ru-RU" sz="2000" dirty="0"/>
+                        <a:t>участник</a:t>
+                      </a:r>
+                    </a:p>
+                  </a:txBody>
+                  <a:tcPr anchor="ctr"/>
+                </a:tc>
+                <a:tc>
+                  <a:txBody>
+                    <a:bodyPr/>
+                    <a:lstStyle/>
+                    <a:p>
+                      <a:pPr algn="ctr"/>
+                      <a:r>
+                        <a:rPr lang="ru-RU" sz="1800" dirty="0"/>
+                        <a:t>группа</a:t>
+                      </a:r>
+                    </a:p>
+                  </a:txBody>
+                  <a:tcPr anchor="ctr"/>
+                </a:tc>
+                <a:tc>
+                  <a:txBody>
+                    <a:bodyPr/>
+                    <a:lstStyle/>
+                    <a:p>
+                      <a:pPr algn="ctr"/>
+                      <a:r>
+                        <a:rPr lang="ru-RU" sz="2000" dirty="0"/>
+                        <a:t>проектные задачи</a:t>
+                      </a:r>
+                    </a:p>
+                  </a:txBody>
+                  <a:tcPr anchor="ctr"/>
+                </a:tc>
+                <a:tc>
+                  <a:txBody>
+                    <a:bodyPr/>
+                    <a:lstStyle/>
+                    <a:p>
+                      <a:pPr algn="ctr"/>
+                      <a:r>
+                        <a:rPr lang="ru-RU" sz="2000" dirty="0"/>
+                        <a:t>оценка команды</a:t>
+                      </a:r>
+                    </a:p>
+                  </a:txBody>
+                  <a:tcPr anchor="ctr"/>
+                </a:tc>
+                <a:extLst>
+                  <a:ext uri="{0D108BD9-81ED-4DB2-BD59-A6C34878D82A}">
+                    <a16:rowId xmlns:a16="http://schemas.microsoft.com/office/drawing/2014/main" val="10000"/>
+                  </a:ext>
+                </a:extLst>
+              </a:tr>
+              <a:tr h="1135701">
+                <a:tc>
+                  <a:txBody>
+                    <a:bodyPr/>
+                    <a:lstStyle/>
+                    <a:p>
+                      <a:pPr algn="ctr"/>
+                      <a:r>
+                        <a:rPr lang="ru-RU" sz="2400" dirty="0"/>
+                        <a:t>Жукович М.В.</a:t>
+                      </a:r>
+                    </a:p>
+                  </a:txBody>
+                  <a:tcPr anchor="ctr"/>
+                </a:tc>
+                <a:tc>
+                  <a:txBody>
+                    <a:bodyPr/>
+                    <a:lstStyle/>
+                    <a:p>
+                      <a:pPr algn="ctr"/>
+                      <a:r>
+                        <a:rPr lang="ru-RU" sz="2400" dirty="0"/>
+                        <a:t>572-2</a:t>
+                      </a:r>
+                    </a:p>
+                  </a:txBody>
+                  <a:tcPr anchor="ctr"/>
+                </a:tc>
+                <a:tc>
+                  <a:txBody>
+                    <a:bodyPr/>
+                    <a:lstStyle/>
+                    <a:p>
+                      <a:pPr algn="l"/>
+                      <a:r>
+                        <a:rPr lang="ru-RU" sz="2400" dirty="0"/>
+                        <a:t>Разработка</a:t>
+                      </a:r>
+                      <a:r>
+                        <a:rPr lang="ru-RU" sz="2400" baseline="0" dirty="0"/>
+                        <a:t> программы, журнала и интерфейса</a:t>
+                      </a:r>
+                      <a:endParaRPr lang="ru-RU" sz="2400" dirty="0"/>
+                    </a:p>
+                  </a:txBody>
+                  <a:tcPr anchor="ctr"/>
+                </a:tc>
+                <a:tc>
+                  <a:txBody>
+                    <a:bodyPr/>
+                    <a:lstStyle/>
+                    <a:p>
+                      <a:pPr algn="ctr"/>
+                      <a:r>
+                        <a:rPr lang="ru-RU" sz="2400" dirty="0"/>
+                        <a:t>5</a:t>
+                      </a:r>
+                    </a:p>
+                  </a:txBody>
+                  <a:tcPr anchor="ctr"/>
+                </a:tc>
+                <a:extLst>
+                  <a:ext uri="{0D108BD9-81ED-4DB2-BD59-A6C34878D82A}">
+                    <a16:rowId xmlns:a16="http://schemas.microsoft.com/office/drawing/2014/main" val="10001"/>
+                  </a:ext>
+                </a:extLst>
+              </a:tr>
+              <a:tr h="1189544">
+                <a:tc>
+                  <a:txBody>
+                    <a:bodyPr/>
+                    <a:lstStyle/>
+                    <a:p>
+                      <a:pPr algn="ctr"/>
+                      <a:r>
+                        <a:rPr lang="ru-RU" sz="2400" dirty="0"/>
+                        <a:t>Харламова</a:t>
+                      </a:r>
+                      <a:r>
+                        <a:rPr lang="ru-RU" sz="2400" baseline="0" dirty="0"/>
+                        <a:t> А.С.</a:t>
+                      </a:r>
+                      <a:endParaRPr lang="ru-RU" sz="2400" dirty="0"/>
+                    </a:p>
+                  </a:txBody>
+                  <a:tcPr anchor="ctr"/>
+                </a:tc>
+                <a:tc>
+                  <a:txBody>
+                    <a:bodyPr/>
+                    <a:lstStyle/>
+                    <a:p>
+                      <a:pPr algn="ctr"/>
+                      <a:r>
+                        <a:rPr lang="ru-RU" sz="2400" dirty="0"/>
+                        <a:t>572-2</a:t>
+                      </a:r>
+                    </a:p>
+                  </a:txBody>
+                  <a:tcPr anchor="ctr"/>
+                </a:tc>
+                <a:tc>
+                  <a:txBody>
+                    <a:bodyPr/>
+                    <a:lstStyle/>
+                    <a:p>
+                      <a:r>
+                        <a:rPr lang="ru-RU" sz="2400" dirty="0"/>
+                        <a:t>Составление системного </a:t>
+                      </a:r>
+                      <a:r>
+                        <a:rPr lang="ru-RU" sz="2400" dirty="0" err="1"/>
+                        <a:t>промпта</a:t>
+                      </a:r>
+                      <a:r>
+                        <a:rPr lang="ru-RU" sz="2400" dirty="0"/>
+                        <a:t> рассказчика</a:t>
+                      </a:r>
+                    </a:p>
+                  </a:txBody>
+                  <a:tcPr anchor="ctr"/>
+                </a:tc>
+                <a:tc>
+                  <a:txBody>
+                    <a:bodyPr/>
+                    <a:lstStyle/>
+                    <a:p>
+                      <a:pPr algn="ctr"/>
+                      <a:r>
+                        <a:rPr lang="ru-RU" sz="2400" dirty="0"/>
+                        <a:t>4</a:t>
+                      </a:r>
+                    </a:p>
+                  </a:txBody>
+                  <a:tcPr anchor="ctr"/>
+                </a:tc>
+                <a:extLst>
+                  <a:ext uri="{0D108BD9-81ED-4DB2-BD59-A6C34878D82A}">
+                    <a16:rowId xmlns:a16="http://schemas.microsoft.com/office/drawing/2014/main" val="10002"/>
+                  </a:ext>
+                </a:extLst>
+              </a:tr>
+              <a:tr h="1196572">
+                <a:tc>
+                  <a:txBody>
+                    <a:bodyPr/>
+                    <a:lstStyle/>
+                    <a:p>
+                      <a:pPr algn="ctr"/>
+                      <a:r>
+                        <a:rPr lang="ru-RU" sz="2400" dirty="0"/>
+                        <a:t>Хусаинов З.В.</a:t>
+                      </a:r>
+                    </a:p>
+                  </a:txBody>
+                  <a:tcPr anchor="ctr"/>
+                </a:tc>
+                <a:tc>
+                  <a:txBody>
+                    <a:bodyPr/>
+                    <a:lstStyle/>
+                    <a:p>
+                      <a:pPr algn="ctr"/>
+                      <a:r>
+                        <a:rPr lang="ru-RU" sz="2400" dirty="0"/>
+                        <a:t>422-3</a:t>
+                      </a:r>
+                    </a:p>
+                  </a:txBody>
+                  <a:tcPr anchor="ctr"/>
+                </a:tc>
+                <a:tc>
+                  <a:txBody>
+                    <a:bodyPr/>
+                    <a:lstStyle/>
+                    <a:p>
+                      <a:r>
+                        <a:rPr lang="ru-RU" sz="2400" dirty="0"/>
+                        <a:t>Составление системных промптов поиска в тексте</a:t>
+                      </a:r>
+                    </a:p>
+                  </a:txBody>
+                  <a:tcPr anchor="ctr"/>
+                </a:tc>
+                <a:tc>
+                  <a:txBody>
+                    <a:bodyPr/>
+                    <a:lstStyle/>
+                    <a:p>
+                      <a:pPr algn="ctr"/>
+                      <a:r>
+                        <a:rPr lang="ru-RU" sz="2400" dirty="0"/>
+                        <a:t>5</a:t>
+                      </a:r>
+                    </a:p>
+                  </a:txBody>
+                  <a:tcPr anchor="ctr"/>
+                </a:tc>
+                <a:extLst>
+                  <a:ext uri="{0D108BD9-81ED-4DB2-BD59-A6C34878D82A}">
+                    <a16:rowId xmlns:a16="http://schemas.microsoft.com/office/drawing/2014/main" val="10003"/>
+                  </a:ext>
+                </a:extLst>
+              </a:tr>
+            </a:tbl>
+          </a:graphicData>
+        </a:graphic>
+      </p:graphicFrame>
+    </p:spTree>
+    <p:extLst>
+      <p:ext uri="{BB962C8B-B14F-4D97-AF65-F5344CB8AC3E}">
+        <p14:creationId xmlns:p14="http://schemas.microsoft.com/office/powerpoint/2010/main" val="2531021885"/>
+      </p:ext>
+    </p:extLst>
+  </p:cSld>
+  <p:clrMapOvr>
+    <a:masterClrMapping/>
+  </p:clrMapOvr>
+  <p:transition spd="med"/>
+</p:sld>
+</file>
+
+<file path=ppt/slides/slide21.xml><?xml version="1.0" encoding="utf-8"?>
+<p:sld xmlns:a="http://schemas.openxmlformats.org/drawingml/2006/main" xmlns:r="http://schemas.openxmlformats.org/officeDocument/2006/relationships" xmlns:p="http://schemas.openxmlformats.org/presentationml/2006/main">
+  <p:cSld>
+    <p:spTree>
+      <p:nvGrpSpPr>
+        <p:cNvPr id="1" name=""/>
+        <p:cNvGrpSpPr/>
+        <p:nvPr/>
+      </p:nvGrpSpPr>
+      <p:grpSpPr>
+        <a:xfrm>
+          <a:off x="0" y="0"/>
+          <a:ext cx="0" cy="0"/>
+          <a:chOff x="0" y="0"/>
+          <a:chExt cx="0" cy="0"/>
+        </a:xfrm>
+      </p:grpSpPr>
+      <p:pic>
+        <p:nvPicPr>
           <p:cNvPr id="6" name="Picture 6" descr="Процедурная генерация SciFi текстур | Верещагин Роман"/>
           <p:cNvPicPr>
             <a:picLocks noChangeAspect="1" noChangeArrowheads="1"/>
@@ -20896,7 +21267,7 @@
         </p:nvSpPr>
         <p:spPr>
           <a:xfrm>
-            <a:off x="1353697" y="3143248"/>
+            <a:off x="1101766" y="3143248"/>
             <a:ext cx="5619789" cy="1143008"/>
           </a:xfrm>
           <a:prstGeom prst="roundRect">
@@ -20949,7 +21320,7 @@
         </p:nvSpPr>
         <p:spPr>
           <a:xfrm>
-            <a:off x="341182" y="2152074"/>
+            <a:off x="89251" y="2152074"/>
             <a:ext cx="7638472" cy="1372178"/>
           </a:xfrm>
           <a:prstGeom prst="roundRect">
@@ -21005,7 +21376,7 @@
         </p:nvSpPr>
         <p:spPr>
           <a:xfrm>
-            <a:off x="1410867" y="3619502"/>
+            <a:off x="1186935" y="3619502"/>
             <a:ext cx="5467350" cy="415498"/>
           </a:xfrm>
           <a:prstGeom prst="rect">
@@ -21104,7 +21475,7 @@
                 <a:latin typeface="Georgia" pitchFamily="18" charset="0"/>
               </a:rPr>
               <a:pPr algn="l"/>
-              <a:t>20</a:t>
+              <a:t>21</a:t>
             </a:fld>
             <a:endParaRPr lang="ru-RU" sz="2700" b="1" dirty="0">
               <a:solidFill>
@@ -21245,6 +21616,95 @@
           </p:spPr>
         </p:pic>
       </p:grpSp>
+      <p:sp>
+        <p:nvSpPr>
+          <p:cNvPr id="2" name="Скругленный прямоугольник 7">
+            <a:extLst>
+              <a:ext uri="{FF2B5EF4-FFF2-40B4-BE49-F238E27FC236}">
+                <a16:creationId xmlns:a16="http://schemas.microsoft.com/office/drawing/2014/main" id="{C00C0D8C-8001-7C40-2427-10F5D2CC0E21}"/>
+              </a:ext>
+            </a:extLst>
+          </p:cNvPr>
+          <p:cNvSpPr/>
+          <p:nvPr/>
+        </p:nvSpPr>
+        <p:spPr>
+          <a:xfrm>
+            <a:off x="6878217" y="4150747"/>
+            <a:ext cx="5250434" cy="1143008"/>
+          </a:xfrm>
+          <a:prstGeom prst="roundRect">
+            <a:avLst>
+              <a:gd name="adj" fmla="val 37500"/>
+            </a:avLst>
+          </a:prstGeom>
+          <a:solidFill>
+            <a:schemeClr val="bg1"/>
+          </a:solidFill>
+          <a:ln>
+            <a:noFill/>
+          </a:ln>
+        </p:spPr>
+        <p:style>
+          <a:lnRef idx="2">
+            <a:schemeClr val="accent1">
+              <a:shade val="50000"/>
+            </a:schemeClr>
+          </a:lnRef>
+          <a:fillRef idx="1">
+            <a:schemeClr val="accent1"/>
+          </a:fillRef>
+          <a:effectRef idx="0">
+            <a:schemeClr val="accent1"/>
+          </a:effectRef>
+          <a:fontRef idx="minor">
+            <a:schemeClr val="lt1"/>
+          </a:fontRef>
+        </p:style>
+        <p:txBody>
+          <a:bodyPr lIns="121917" tIns="60958" rIns="121917" bIns="60958" rtlCol="0" anchor="ctr"/>
+          <a:lstStyle/>
+          <a:p>
+            <a:pPr algn="ctr"/>
+            <a:r>
+              <a:rPr lang="ru-RU" sz="2000" dirty="0">
+                <a:solidFill>
+                  <a:schemeClr val="tx1"/>
+                </a:solidFill>
+                <a:latin typeface="Georgia" pitchFamily="18" charset="0"/>
+              </a:rPr>
+              <a:t>Наш проект на </a:t>
+            </a:r>
+            <a:r>
+              <a:rPr lang="en-US" sz="2000" dirty="0">
+                <a:solidFill>
+                  <a:schemeClr val="tx1"/>
+                </a:solidFill>
+                <a:latin typeface="Georgia" pitchFamily="18" charset="0"/>
+              </a:rPr>
+              <a:t>GitHub:</a:t>
+            </a:r>
+          </a:p>
+          <a:p>
+            <a:pPr algn="ctr"/>
+            <a:r>
+              <a:rPr lang="en-US" sz="1600" dirty="0">
+                <a:solidFill>
+                  <a:schemeClr val="tx1"/>
+                </a:solidFill>
+                <a:latin typeface="Georgia" pitchFamily="18" charset="0"/>
+              </a:rPr>
+              <a:t>https://github.com/KorolOrol/OPDDungeonMaster</a:t>
+            </a:r>
+            <a:endParaRPr lang="ru-RU" sz="1600" dirty="0">
+              <a:solidFill>
+                <a:schemeClr val="tx1"/>
+              </a:solidFill>
+              <a:latin typeface="Georgia" pitchFamily="18" charset="0"/>
+            </a:endParaRPr>
+          </a:p>
+        </p:txBody>
+      </p:sp>
       <p:pic>
         <p:nvPicPr>
           <p:cNvPr id="3" name="Рисунок 2">
@@ -21267,12 +21727,18 @@
         </p:blipFill>
         <p:spPr>
           <a:xfrm>
-            <a:off x="8210536" y="1755225"/>
+            <a:off x="7829659" y="1110931"/>
             <a:ext cx="3347550" cy="3347550"/>
           </a:xfrm>
-          <a:prstGeom prst="rect">
-            <a:avLst/>
+          <a:prstGeom prst="roundRect">
+            <a:avLst>
+              <a:gd name="adj" fmla="val 10256"/>
+            </a:avLst>
           </a:prstGeom>
+          <a:ln>
+            <a:noFill/>
+          </a:ln>
+          <a:effectLst/>
         </p:spPr>
       </p:pic>
     </p:spTree>
@@ -22889,7 +23355,25 @@
                 </a:solidFill>
                 <a:latin typeface="Georgia" panose="02040502050405020303" pitchFamily="18" charset="0"/>
               </a:rPr>
-              <a:t> разработать конечное программное обеспечение.</a:t>
+              <a:t> разработать конечное программное обеспечение (</a:t>
+            </a:r>
+            <a:r>
+              <a:rPr lang="en-US" sz="2800" dirty="0">
+                <a:solidFill>
+                  <a:schemeClr val="tx1"/>
+                </a:solidFill>
+                <a:latin typeface="Georgia" panose="02040502050405020303" pitchFamily="18" charset="0"/>
+              </a:rPr>
+              <a:t>MVP)</a:t>
+            </a:r>
+            <a:r>
+              <a:rPr lang="ru-RU" sz="2800" dirty="0">
+                <a:solidFill>
+                  <a:schemeClr val="tx1"/>
+                </a:solidFill>
+                <a:latin typeface="Georgia" panose="02040502050405020303" pitchFamily="18" charset="0"/>
+              </a:rPr>
+              <a:t>.</a:t>
             </a:r>
           </a:p>
         </p:txBody>
@@ -23227,7 +23711,7 @@
         <p:spPr>
           <a:xfrm>
             <a:off x="285709" y="1304925"/>
-            <a:ext cx="11564546" cy="3163683"/>
+            <a:ext cx="11564546" cy="1917187"/>
           </a:xfrm>
           <a:prstGeom prst="rect">
             <a:avLst/>
@@ -23249,7 +23733,7 @@
               <a:rPr lang="ru-RU" sz="2700" dirty="0">
                 <a:latin typeface="Georgia" pitchFamily="18" charset="0"/>
               </a:rPr>
-              <a:t>Мы рассмотрели языковые модели, доступные в открытом доступе: </a:t>
+              <a:t>Рассмотрены языковые модели, которые есть в открытом доступе: </a:t>
             </a:r>
             <a:r>
               <a:rPr lang="en-US" sz="2700" dirty="0">
@@ -23267,7 +23751,19 @@
               <a:rPr lang="en-US" sz="2700" dirty="0">
                 <a:latin typeface="Georgia" pitchFamily="18" charset="0"/>
               </a:rPr>
-              <a:t>, Llama, Bard. </a:t>
+              <a:t>, </a:t>
+            </a:r>
+            <a:r>
+              <a:rPr lang="en-US" sz="2700" dirty="0" err="1">
+                <a:latin typeface="Georgia" pitchFamily="18" charset="0"/>
+              </a:rPr>
+              <a:t>LLaMA</a:t>
+            </a:r>
+            <a:r>
+              <a:rPr lang="en-US" sz="2700" dirty="0">
+                <a:latin typeface="Georgia" pitchFamily="18" charset="0"/>
+              </a:rPr>
+              <a:t>, Bard. </a:t>
             </a:r>
             <a:r>
               <a:rPr lang="ru-RU" sz="2700" dirty="0">
@@ -23285,25 +23781,7 @@
               <a:rPr lang="ru-RU" sz="2700" dirty="0">
                 <a:latin typeface="Georgia" pitchFamily="18" charset="0"/>
               </a:rPr>
-              <a:t>по следующим причинам: много информации об этой нейросети, готовая библиотека для </a:t>
-            </a:r>
-            <a:r>
-              <a:rPr lang="en-US" sz="2700" dirty="0">
-                <a:latin typeface="Georgia" pitchFamily="18" charset="0"/>
-              </a:rPr>
-              <a:t>Python, </a:t>
-            </a:r>
-            <a:r>
-              <a:rPr lang="ru-RU" sz="2700" dirty="0">
-                <a:latin typeface="Georgia" pitchFamily="18" charset="0"/>
-              </a:rPr>
-              <a:t>есть проекты, которые предоставляют бесплатный доступ к </a:t>
-            </a:r>
-            <a:r>
-              <a:rPr lang="en-US" sz="2700" dirty="0">
-                <a:latin typeface="Georgia" pitchFamily="18" charset="0"/>
-              </a:rPr>
-              <a:t>ChatGPT.</a:t>
+              <a:t>по следующим критериям:</a:t>
             </a:r>
             <a:endParaRPr lang="ru-RU" sz="2400" dirty="0">
               <a:latin typeface="Georgia" pitchFamily="18" charset="0"/>
@@ -23620,12 +24098,551 @@
           </a:p>
         </p:txBody>
       </p:sp>
+      <p:graphicFrame>
+        <p:nvGraphicFramePr>
+          <p:cNvPr id="3" name="Таблица 7">
+            <a:extLst>
+              <a:ext uri="{FF2B5EF4-FFF2-40B4-BE49-F238E27FC236}">
+                <a16:creationId xmlns:a16="http://schemas.microsoft.com/office/drawing/2014/main" id="{DBA3478E-7D0E-4379-2C66-35F9C86E1BF0}"/>
+              </a:ext>
+            </a:extLst>
+          </p:cNvPr>
+          <p:cNvGraphicFramePr>
+            <a:graphicFrameLocks noGrp="1"/>
+          </p:cNvGraphicFramePr>
+          <p:nvPr>
+            <p:extLst>
+              <p:ext uri="{D42A27DB-BD31-4B8C-83A1-F6EECF244321}">
+                <p14:modId xmlns:p14="http://schemas.microsoft.com/office/powerpoint/2010/main" val="4081455450"/>
+              </p:ext>
+            </p:extLst>
+          </p:nvPr>
+        </p:nvGraphicFramePr>
+        <p:xfrm>
+          <a:off x="314324" y="1133474"/>
+          <a:ext cx="11229935" cy="4315605"/>
+        </p:xfrm>
+        <a:graphic>
+          <a:graphicData uri="http://schemas.openxmlformats.org/drawingml/2006/table">
+            <a:tbl>
+              <a:tblPr firstRow="1" bandRow="1">
+                <a:tableStyleId>{BC89EF96-8CEA-46FF-86C4-4CE0E7609802}</a:tableStyleId>
+              </a:tblPr>
+              <a:tblGrid>
+                <a:gridCol w="2245987">
+                  <a:extLst>
+                    <a:ext uri="{9D8B030D-6E8A-4147-A177-3AD203B41FA5}">
+                      <a16:colId xmlns:a16="http://schemas.microsoft.com/office/drawing/2014/main" val="1660399403"/>
+                    </a:ext>
+                  </a:extLst>
+                </a:gridCol>
+                <a:gridCol w="2245987">
+                  <a:extLst>
+                    <a:ext uri="{9D8B030D-6E8A-4147-A177-3AD203B41FA5}">
+                      <a16:colId xmlns:a16="http://schemas.microsoft.com/office/drawing/2014/main" val="2212654"/>
+                    </a:ext>
+                  </a:extLst>
+                </a:gridCol>
+                <a:gridCol w="2245987">
+                  <a:extLst>
+                    <a:ext uri="{9D8B030D-6E8A-4147-A177-3AD203B41FA5}">
+                      <a16:colId xmlns:a16="http://schemas.microsoft.com/office/drawing/2014/main" val="2071266144"/>
+                    </a:ext>
+                  </a:extLst>
+                </a:gridCol>
+                <a:gridCol w="2245987">
+                  <a:extLst>
+                    <a:ext uri="{9D8B030D-6E8A-4147-A177-3AD203B41FA5}">
+                      <a16:colId xmlns:a16="http://schemas.microsoft.com/office/drawing/2014/main" val="2158521642"/>
+                    </a:ext>
+                  </a:extLst>
+                </a:gridCol>
+                <a:gridCol w="2245987">
+                  <a:extLst>
+                    <a:ext uri="{9D8B030D-6E8A-4147-A177-3AD203B41FA5}">
+                      <a16:colId xmlns:a16="http://schemas.microsoft.com/office/drawing/2014/main" val="691522926"/>
+                    </a:ext>
+                  </a:extLst>
+                </a:gridCol>
+              </a:tblGrid>
+              <a:tr h="863121">
+                <a:tc>
+                  <a:txBody>
+                    <a:bodyPr/>
+                    <a:lstStyle/>
+                    <a:p>
+                      <a:pPr algn="ctr"/>
+                      <a:endParaRPr lang="ru-RU" sz="2400" dirty="0">
+                        <a:latin typeface="Georgia" panose="02040502050405020303" pitchFamily="18" charset="0"/>
+                      </a:endParaRPr>
+                    </a:p>
+                  </a:txBody>
+                  <a:tcPr anchor="ctr"/>
+                </a:tc>
+                <a:tc>
+                  <a:txBody>
+                    <a:bodyPr/>
+                    <a:lstStyle/>
+                    <a:p>
+                      <a:pPr algn="ctr"/>
+                      <a:r>
+                        <a:rPr lang="ru-RU" sz="2000" dirty="0">
+                          <a:latin typeface="Georgia" panose="02040502050405020303" pitchFamily="18" charset="0"/>
+                        </a:rPr>
+                        <a:t>Разработчик</a:t>
+                      </a:r>
+                    </a:p>
+                  </a:txBody>
+                  <a:tcPr anchor="ctr"/>
+                </a:tc>
+                <a:tc>
+                  <a:txBody>
+                    <a:bodyPr/>
+                    <a:lstStyle/>
+                    <a:p>
+                      <a:pPr algn="ctr"/>
+                      <a:r>
+                        <a:rPr lang="ru-RU" sz="2000" dirty="0">
+                          <a:latin typeface="Georgia" panose="02040502050405020303" pitchFamily="18" charset="0"/>
+                        </a:rPr>
+                        <a:t>Доступ в России</a:t>
+                      </a:r>
+                    </a:p>
+                  </a:txBody>
+                  <a:tcPr anchor="ctr"/>
+                </a:tc>
+                <a:tc>
+                  <a:txBody>
+                    <a:bodyPr/>
+                    <a:lstStyle/>
+                    <a:p>
+                      <a:pPr algn="ctr"/>
+                      <a:r>
+                        <a:rPr lang="ru-RU" sz="2000" dirty="0">
+                          <a:latin typeface="Georgia" panose="02040502050405020303" pitchFamily="18" charset="0"/>
+                        </a:rPr>
+                        <a:t>Форма запуска</a:t>
+                      </a:r>
+                    </a:p>
+                  </a:txBody>
+                  <a:tcPr anchor="ctr"/>
+                </a:tc>
+                <a:tc>
+                  <a:txBody>
+                    <a:bodyPr/>
+                    <a:lstStyle/>
+                    <a:p>
+                      <a:pPr algn="ctr"/>
+                      <a:r>
+                        <a:rPr lang="ru-RU" sz="2000" dirty="0">
+                          <a:latin typeface="Georgia" panose="02040502050405020303" pitchFamily="18" charset="0"/>
+                        </a:rPr>
+                        <a:t>Работа с </a:t>
+                      </a:r>
+                      <a:r>
+                        <a:rPr lang="ru-RU" sz="2000" dirty="0" err="1">
+                          <a:latin typeface="Georgia" panose="02040502050405020303" pitchFamily="18" charset="0"/>
+                        </a:rPr>
+                        <a:t>промптами</a:t>
+                      </a:r>
+                      <a:endParaRPr lang="ru-RU" sz="2000" dirty="0">
+                        <a:latin typeface="Georgia" panose="02040502050405020303" pitchFamily="18" charset="0"/>
+                      </a:endParaRPr>
+                    </a:p>
+                  </a:txBody>
+                  <a:tcPr anchor="ctr"/>
+                </a:tc>
+                <a:extLst>
+                  <a:ext uri="{0D108BD9-81ED-4DB2-BD59-A6C34878D82A}">
+                    <a16:rowId xmlns:a16="http://schemas.microsoft.com/office/drawing/2014/main" val="2868219697"/>
+                  </a:ext>
+                </a:extLst>
+              </a:tr>
+              <a:tr h="863121">
+                <a:tc>
+                  <a:txBody>
+                    <a:bodyPr/>
+                    <a:lstStyle/>
+                    <a:p>
+                      <a:pPr algn="ctr"/>
+                      <a:r>
+                        <a:rPr lang="en-US" sz="2400" dirty="0">
+                          <a:latin typeface="Georgia" panose="02040502050405020303" pitchFamily="18" charset="0"/>
+                        </a:rPr>
+                        <a:t>ChatGPT</a:t>
+                      </a:r>
+                      <a:endParaRPr lang="ru-RU" sz="2400" dirty="0">
+                        <a:latin typeface="Georgia" panose="02040502050405020303" pitchFamily="18" charset="0"/>
+                      </a:endParaRPr>
+                    </a:p>
+                  </a:txBody>
+                  <a:tcPr anchor="ctr"/>
+                </a:tc>
+                <a:tc>
+                  <a:txBody>
+                    <a:bodyPr/>
+                    <a:lstStyle/>
+                    <a:p>
+                      <a:pPr algn="ctr"/>
+                      <a:r>
+                        <a:rPr lang="en-US" sz="2400" dirty="0" err="1">
+                          <a:latin typeface="Georgia" panose="02040502050405020303" pitchFamily="18" charset="0"/>
+                        </a:rPr>
+                        <a:t>OpenAI</a:t>
+                      </a:r>
+                      <a:endParaRPr lang="ru-RU" sz="2400" dirty="0">
+                        <a:latin typeface="Georgia" panose="02040502050405020303" pitchFamily="18" charset="0"/>
+                      </a:endParaRPr>
+                    </a:p>
+                  </a:txBody>
+                  <a:tcPr anchor="ctr"/>
+                </a:tc>
+                <a:tc>
+                  <a:txBody>
+                    <a:bodyPr/>
+                    <a:lstStyle/>
+                    <a:p>
+                      <a:pPr algn="ctr"/>
+                      <a:r>
+                        <a:rPr lang="ru-RU" sz="2400" dirty="0">
+                          <a:latin typeface="Georgia" panose="02040502050405020303" pitchFamily="18" charset="0"/>
+                        </a:rPr>
+                        <a:t>нет*</a:t>
+                      </a:r>
+                    </a:p>
+                  </a:txBody>
+                  <a:tcPr anchor="ctr"/>
+                </a:tc>
+                <a:tc>
+                  <a:txBody>
+                    <a:bodyPr/>
+                    <a:lstStyle/>
+                    <a:p>
+                      <a:pPr algn="ctr"/>
+                      <a:r>
+                        <a:rPr lang="ru-RU" sz="2400" dirty="0">
+                          <a:latin typeface="Georgia" panose="02040502050405020303" pitchFamily="18" charset="0"/>
+                        </a:rPr>
+                        <a:t>Удаленно</a:t>
+                      </a:r>
+                    </a:p>
+                  </a:txBody>
+                  <a:tcPr anchor="ctr"/>
+                </a:tc>
+                <a:tc>
+                  <a:txBody>
+                    <a:bodyPr/>
+                    <a:lstStyle/>
+                    <a:p>
+                      <a:pPr algn="ctr"/>
+                      <a:r>
+                        <a:rPr lang="ru-RU" sz="2400" dirty="0">
+                          <a:latin typeface="Georgia" panose="02040502050405020303" pitchFamily="18" charset="0"/>
+                        </a:rPr>
+                        <a:t>отлично</a:t>
+                      </a:r>
+                    </a:p>
+                  </a:txBody>
+                  <a:tcPr anchor="ctr"/>
+                </a:tc>
+                <a:extLst>
+                  <a:ext uri="{0D108BD9-81ED-4DB2-BD59-A6C34878D82A}">
+                    <a16:rowId xmlns:a16="http://schemas.microsoft.com/office/drawing/2014/main" val="1389285598"/>
+                  </a:ext>
+                </a:extLst>
+              </a:tr>
+              <a:tr h="863121">
+                <a:tc>
+                  <a:txBody>
+                    <a:bodyPr/>
+                    <a:lstStyle/>
+                    <a:p>
+                      <a:pPr algn="ctr"/>
+                      <a:r>
+                        <a:rPr lang="en-US" sz="2400" dirty="0" err="1">
+                          <a:latin typeface="Georgia" panose="02040502050405020303" pitchFamily="18" charset="0"/>
+                        </a:rPr>
+                        <a:t>GigaChat</a:t>
+                      </a:r>
+                      <a:endParaRPr lang="ru-RU" sz="2400" dirty="0">
+                        <a:latin typeface="Georgia" panose="02040502050405020303" pitchFamily="18" charset="0"/>
+                      </a:endParaRPr>
+                    </a:p>
+                  </a:txBody>
+                  <a:tcPr anchor="ctr"/>
+                </a:tc>
+                <a:tc>
+                  <a:txBody>
+                    <a:bodyPr/>
+                    <a:lstStyle/>
+                    <a:p>
+                      <a:pPr algn="ctr"/>
+                      <a:r>
+                        <a:rPr lang="ru-RU" sz="2400" dirty="0">
+                          <a:latin typeface="Georgia" panose="02040502050405020303" pitchFamily="18" charset="0"/>
+                        </a:rPr>
+                        <a:t>Сбер</a:t>
+                      </a:r>
+                    </a:p>
+                  </a:txBody>
+                  <a:tcPr anchor="ctr"/>
+                </a:tc>
+                <a:tc>
+                  <a:txBody>
+                    <a:bodyPr/>
+                    <a:lstStyle/>
+                    <a:p>
+                      <a:pPr algn="ctr"/>
+                      <a:r>
+                        <a:rPr lang="ru-RU" sz="2400" dirty="0">
+                          <a:latin typeface="Georgia" panose="02040502050405020303" pitchFamily="18" charset="0"/>
+                        </a:rPr>
+                        <a:t>да</a:t>
+                      </a:r>
+                    </a:p>
+                  </a:txBody>
+                  <a:tcPr anchor="ctr"/>
+                </a:tc>
+                <a:tc>
+                  <a:txBody>
+                    <a:bodyPr/>
+                    <a:lstStyle/>
+                    <a:p>
+                      <a:pPr algn="ctr"/>
+                      <a:r>
+                        <a:rPr lang="ru-RU" sz="2400" dirty="0">
+                          <a:latin typeface="Georgia" panose="02040502050405020303" pitchFamily="18" charset="0"/>
+                        </a:rPr>
+                        <a:t>Удаленно</a:t>
+                      </a:r>
+                    </a:p>
+                  </a:txBody>
+                  <a:tcPr anchor="ctr"/>
+                </a:tc>
+                <a:tc>
+                  <a:txBody>
+                    <a:bodyPr/>
+                    <a:lstStyle/>
+                    <a:p>
+                      <a:pPr algn="ctr"/>
+                      <a:r>
+                        <a:rPr lang="ru-RU" sz="2400" dirty="0">
+                          <a:latin typeface="Georgia" panose="02040502050405020303" pitchFamily="18" charset="0"/>
+                        </a:rPr>
+                        <a:t>плохо</a:t>
+                      </a:r>
+                    </a:p>
+                  </a:txBody>
+                  <a:tcPr anchor="ctr"/>
+                </a:tc>
+                <a:extLst>
+                  <a:ext uri="{0D108BD9-81ED-4DB2-BD59-A6C34878D82A}">
+                    <a16:rowId xmlns:a16="http://schemas.microsoft.com/office/drawing/2014/main" val="3625957295"/>
+                  </a:ext>
+                </a:extLst>
+              </a:tr>
+              <a:tr h="863121">
+                <a:tc>
+                  <a:txBody>
+                    <a:bodyPr/>
+                    <a:lstStyle/>
+                    <a:p>
+                      <a:pPr algn="ctr"/>
+                      <a:r>
+                        <a:rPr lang="en-US" sz="2400" dirty="0" err="1">
+                          <a:latin typeface="Georgia" panose="02040502050405020303" pitchFamily="18" charset="0"/>
+                        </a:rPr>
+                        <a:t>LLaMA</a:t>
+                      </a:r>
+                      <a:endParaRPr lang="ru-RU" sz="2400" dirty="0">
+                        <a:latin typeface="Georgia" panose="02040502050405020303" pitchFamily="18" charset="0"/>
+                      </a:endParaRPr>
+                    </a:p>
+                  </a:txBody>
+                  <a:tcPr anchor="ctr"/>
+                </a:tc>
+                <a:tc>
+                  <a:txBody>
+                    <a:bodyPr/>
+                    <a:lstStyle/>
+                    <a:p>
+                      <a:pPr algn="ctr"/>
+                      <a:r>
+                        <a:rPr lang="en-US" sz="2400" dirty="0">
+                          <a:latin typeface="Georgia" panose="02040502050405020303" pitchFamily="18" charset="0"/>
+                        </a:rPr>
+                        <a:t>Meta AI</a:t>
+                      </a:r>
+                      <a:endParaRPr lang="ru-RU" sz="2400" dirty="0">
+                        <a:latin typeface="Georgia" panose="02040502050405020303" pitchFamily="18" charset="0"/>
+                      </a:endParaRPr>
+                    </a:p>
+                  </a:txBody>
+                  <a:tcPr anchor="ctr"/>
+                </a:tc>
+                <a:tc>
+                  <a:txBody>
+                    <a:bodyPr/>
+                    <a:lstStyle/>
+                    <a:p>
+                      <a:pPr algn="ctr"/>
+                      <a:r>
+                        <a:rPr lang="ru-RU" sz="2400" dirty="0">
+                          <a:latin typeface="Georgia" panose="02040502050405020303" pitchFamily="18" charset="0"/>
+                        </a:rPr>
+                        <a:t>нет</a:t>
+                      </a:r>
+                    </a:p>
+                  </a:txBody>
+                  <a:tcPr anchor="ctr"/>
+                </a:tc>
+                <a:tc>
+                  <a:txBody>
+                    <a:bodyPr/>
+                    <a:lstStyle/>
+                    <a:p>
+                      <a:pPr algn="ctr"/>
+                      <a:r>
+                        <a:rPr lang="ru-RU" sz="2400" dirty="0">
+                          <a:latin typeface="Georgia" panose="02040502050405020303" pitchFamily="18" charset="0"/>
+                        </a:rPr>
+                        <a:t>Локально</a:t>
+                      </a:r>
+                    </a:p>
+                  </a:txBody>
+                  <a:tcPr anchor="ctr"/>
+                </a:tc>
+                <a:tc>
+                  <a:txBody>
+                    <a:bodyPr/>
+                    <a:lstStyle/>
+                    <a:p>
+                      <a:pPr algn="ctr"/>
+                      <a:r>
+                        <a:rPr lang="ru-RU" sz="2400">
+                          <a:latin typeface="Georgia" panose="02040502050405020303" pitchFamily="18" charset="0"/>
+                        </a:rPr>
+                        <a:t>-</a:t>
+                      </a:r>
+                      <a:endParaRPr lang="ru-RU" sz="2400" dirty="0">
+                        <a:latin typeface="Georgia" panose="02040502050405020303" pitchFamily="18" charset="0"/>
+                      </a:endParaRPr>
+                    </a:p>
+                  </a:txBody>
+                  <a:tcPr anchor="ctr"/>
+                </a:tc>
+                <a:extLst>
+                  <a:ext uri="{0D108BD9-81ED-4DB2-BD59-A6C34878D82A}">
+                    <a16:rowId xmlns:a16="http://schemas.microsoft.com/office/drawing/2014/main" val="1970700884"/>
+                  </a:ext>
+                </a:extLst>
+              </a:tr>
+              <a:tr h="863121">
+                <a:tc>
+                  <a:txBody>
+                    <a:bodyPr/>
+                    <a:lstStyle/>
+                    <a:p>
+                      <a:pPr algn="ctr"/>
+                      <a:r>
+                        <a:rPr lang="en-US" sz="2400" dirty="0">
+                          <a:latin typeface="Georgia" panose="02040502050405020303" pitchFamily="18" charset="0"/>
+                        </a:rPr>
+                        <a:t>Bard</a:t>
+                      </a:r>
+                      <a:endParaRPr lang="ru-RU" sz="2400" dirty="0">
+                        <a:latin typeface="Georgia" panose="02040502050405020303" pitchFamily="18" charset="0"/>
+                      </a:endParaRPr>
+                    </a:p>
+                  </a:txBody>
+                  <a:tcPr anchor="ctr"/>
+                </a:tc>
+                <a:tc>
+                  <a:txBody>
+                    <a:bodyPr/>
+                    <a:lstStyle/>
+                    <a:p>
+                      <a:pPr algn="ctr"/>
+                      <a:r>
+                        <a:rPr lang="en-US" sz="2400" dirty="0">
+                          <a:latin typeface="Georgia" panose="02040502050405020303" pitchFamily="18" charset="0"/>
+                        </a:rPr>
+                        <a:t>Google</a:t>
+                      </a:r>
+                      <a:endParaRPr lang="ru-RU" sz="2400" dirty="0">
+                        <a:latin typeface="Georgia" panose="02040502050405020303" pitchFamily="18" charset="0"/>
+                      </a:endParaRPr>
+                    </a:p>
+                  </a:txBody>
+                  <a:tcPr anchor="ctr"/>
+                </a:tc>
+                <a:tc>
+                  <a:txBody>
+                    <a:bodyPr/>
+                    <a:lstStyle/>
+                    <a:p>
+                      <a:pPr algn="ctr"/>
+                      <a:r>
+                        <a:rPr lang="ru-RU" sz="2400" dirty="0">
+                          <a:latin typeface="Georgia" panose="02040502050405020303" pitchFamily="18" charset="0"/>
+                        </a:rPr>
+                        <a:t>нет</a:t>
+                      </a:r>
+                    </a:p>
+                  </a:txBody>
+                  <a:tcPr anchor="ctr"/>
+                </a:tc>
+                <a:tc>
+                  <a:txBody>
+                    <a:bodyPr/>
+                    <a:lstStyle/>
+                    <a:p>
+                      <a:pPr algn="ctr"/>
+                      <a:r>
+                        <a:rPr lang="ru-RU" sz="2400" dirty="0">
+                          <a:latin typeface="Georgia" panose="02040502050405020303" pitchFamily="18" charset="0"/>
+                        </a:rPr>
+                        <a:t>Удаленно</a:t>
+                      </a:r>
+                    </a:p>
+                  </a:txBody>
+                  <a:tcPr anchor="ctr"/>
+                </a:tc>
+                <a:tc>
+                  <a:txBody>
+                    <a:bodyPr/>
+                    <a:lstStyle/>
+                    <a:p>
+                      <a:pPr algn="ctr"/>
+                      <a:r>
+                        <a:rPr lang="ru-RU" sz="2400">
+                          <a:latin typeface="Georgia" panose="02040502050405020303" pitchFamily="18" charset="0"/>
+                        </a:rPr>
+                        <a:t>-</a:t>
+                      </a:r>
+                      <a:endParaRPr lang="ru-RU" sz="2400" dirty="0">
+                        <a:latin typeface="Georgia" panose="02040502050405020303" pitchFamily="18" charset="0"/>
+                      </a:endParaRPr>
+                    </a:p>
+                  </a:txBody>
+                  <a:tcPr anchor="ctr"/>
+                </a:tc>
+                <a:extLst>
+                  <a:ext uri="{0D108BD9-81ED-4DB2-BD59-A6C34878D82A}">
+                    <a16:rowId xmlns:a16="http://schemas.microsoft.com/office/drawing/2014/main" val="3121458999"/>
+                  </a:ext>
+                </a:extLst>
+              </a:tr>
+            </a:tbl>
+          </a:graphicData>
+        </a:graphic>
+      </p:graphicFrame>
       <p:sp>
         <p:nvSpPr>
-          <p:cNvPr id="7" name="TextBox 6">
+          <p:cNvPr id="8" name="TextBox 7">
             <a:extLst>
               <a:ext uri="{FF2B5EF4-FFF2-40B4-BE49-F238E27FC236}">
-                <a16:creationId xmlns:a16="http://schemas.microsoft.com/office/drawing/2014/main" id="{FA73080D-085B-49FC-95C3-19BA07AB1E3E}"/>
+                <a16:creationId xmlns:a16="http://schemas.microsoft.com/office/drawing/2014/main" id="{21D4B205-CEB2-775F-A02A-01FC3F6F1BAC}"/>
               </a:ext>
             </a:extLst>
           </p:cNvPr>
@@ -23634,8 +24651,8 @@
         </p:nvSpPr>
         <p:spPr>
           <a:xfrm>
-            <a:off x="285709" y="1304925"/>
-            <a:ext cx="11564546" cy="1917187"/>
+            <a:off x="569167" y="5635690"/>
+            <a:ext cx="10226351" cy="400110"/>
           </a:xfrm>
           <a:prstGeom prst="rect">
             <a:avLst/>
@@ -23643,92 +24660,36 @@
           <a:noFill/>
         </p:spPr>
         <p:txBody>
-          <a:bodyPr wrap="square" lIns="121917" tIns="60958" rIns="121917" bIns="60958" rtlCol="0">
+          <a:bodyPr wrap="square" rtlCol="0">
             <a:spAutoFit/>
           </a:bodyPr>
           <a:lstStyle/>
           <a:p>
-            <a:pPr>
-              <a:lnSpc>
-                <a:spcPct val="150000"/>
-              </a:lnSpc>
-            </a:pPr>
             <a:r>
-              <a:rPr lang="ru-RU" sz="2700" dirty="0">
-                <a:latin typeface="Georgia" pitchFamily="18" charset="0"/>
+              <a:rPr lang="ru-RU" sz="2000" dirty="0">
+                <a:latin typeface="Georgia" panose="02040502050405020303" pitchFamily="18" charset="0"/>
               </a:rPr>
-              <a:t>Мы изучили документацию библиотеки </a:t>
+              <a:t>*Есть проекты, которые дают доступ к </a:t>
             </a:r>
             <a:r>
-              <a:rPr lang="en-US" sz="2700" dirty="0" err="1">
-                <a:latin typeface="Georgia" pitchFamily="18" charset="0"/>
+              <a:rPr lang="en-US" sz="2000" dirty="0">
+                <a:latin typeface="Georgia" panose="02040502050405020303" pitchFamily="18" charset="0"/>
               </a:rPr>
-              <a:t>openai</a:t>
+              <a:t>ChatGPT </a:t>
             </a:r>
             <a:r>
-              <a:rPr lang="en-US" sz="2700" dirty="0">
-                <a:latin typeface="Georgia" pitchFamily="18" charset="0"/>
+              <a:rPr lang="ru-RU" sz="2000" dirty="0">
+                <a:latin typeface="Georgia" panose="02040502050405020303" pitchFamily="18" charset="0"/>
               </a:rPr>
-              <a:t> </a:t>
+              <a:t>из России.</a:t>
             </a:r>
-            <a:r>
-              <a:rPr lang="ru-RU" sz="2700" dirty="0">
-                <a:latin typeface="Georgia" pitchFamily="18" charset="0"/>
-              </a:rPr>
-              <a:t>для взаимодействия с нейросетью из кода </a:t>
-            </a:r>
-            <a:r>
-              <a:rPr lang="en-US" sz="2700" dirty="0">
-                <a:latin typeface="Georgia" pitchFamily="18" charset="0"/>
-              </a:rPr>
-              <a:t>Python. </a:t>
-            </a:r>
-            <a:r>
-              <a:rPr lang="ru-RU" sz="2700" dirty="0">
-                <a:latin typeface="Georgia" pitchFamily="18" charset="0"/>
-              </a:rPr>
-              <a:t>Создание прототипа программы на основе консольного приложения.</a:t>
-            </a:r>
-            <a:endParaRPr lang="ru-RU" sz="2400" dirty="0">
-              <a:latin typeface="Georgia" pitchFamily="18" charset="0"/>
-            </a:endParaRPr>
           </a:p>
         </p:txBody>
       </p:sp>
-      <p:pic>
-        <p:nvPicPr>
-          <p:cNvPr id="3" name="Рисунок 2">
-            <a:extLst>
-              <a:ext uri="{FF2B5EF4-FFF2-40B4-BE49-F238E27FC236}">
-                <a16:creationId xmlns:a16="http://schemas.microsoft.com/office/drawing/2014/main" id="{6512868B-51FA-8AB0-8275-95F85C7069B3}"/>
-              </a:ext>
-            </a:extLst>
-          </p:cNvPr>
-          <p:cNvPicPr>
-            <a:picLocks noChangeAspect="1"/>
-          </p:cNvPicPr>
-          <p:nvPr/>
-        </p:nvPicPr>
-        <p:blipFill>
-          <a:blip r:embed="rId2"/>
-          <a:stretch>
-            <a:fillRect/>
-          </a:stretch>
-        </p:blipFill>
-        <p:spPr>
-          <a:xfrm>
-            <a:off x="5471615" y="3834882"/>
-            <a:ext cx="6072646" cy="2290798"/>
-          </a:xfrm>
-          <a:prstGeom prst="rect">
-            <a:avLst/>
-          </a:prstGeom>
-        </p:spPr>
-      </p:pic>
     </p:spTree>
     <p:extLst>
       <p:ext uri="{BB962C8B-B14F-4D97-AF65-F5344CB8AC3E}">
-        <p14:creationId xmlns:p14="http://schemas.microsoft.com/office/powerpoint/2010/main" val="3522613501"/>
+        <p14:creationId xmlns:p14="http://schemas.microsoft.com/office/powerpoint/2010/main" val="3225219090"/>
       </p:ext>
     </p:extLst>
   </p:cSld>

--- a/Презентейшн.pptx
+++ b/Презентейшн.pptx
@@ -15939,22 +15939,6 @@
             </a:r>
             <a:r>
               <a:rPr lang="ru-RU" sz="1600" b="1" i="1" dirty="0"/>
-              <a:t>«Системное и критическое мышление»</a:t>
-            </a:r>
-            <a:r>
-              <a:rPr lang="ru-RU" sz="1600" i="1" dirty="0"/>
-              <a:t> </a:t>
-            </a:r>
-            <a:r>
-              <a:rPr lang="ru-RU" sz="1600" b="1" i="1" dirty="0"/>
-              <a:t>+</a:t>
-            </a:r>
-            <a:r>
-              <a:rPr lang="ru-RU" sz="1600" i="1" dirty="0"/>
-              <a:t> </a:t>
-            </a:r>
-            <a:r>
-              <a:rPr lang="ru-RU" sz="1600" b="1" i="1" dirty="0"/>
               <a:t>«Процедурная генерация как инструмент решения творческих задач», </a:t>
             </a:r>
             <a:r>
@@ -18601,8 +18585,8 @@
         </p:nvSpPr>
         <p:spPr>
           <a:xfrm>
-            <a:off x="684746" y="1339621"/>
-            <a:ext cx="9588258" cy="4401205"/>
+            <a:off x="684746" y="1616620"/>
+            <a:ext cx="10624938" cy="3847207"/>
           </a:xfrm>
           <a:prstGeom prst="rect">
             <a:avLst/>
@@ -18610,7 +18594,7 @@
           <a:noFill/>
         </p:spPr>
         <p:txBody>
-          <a:bodyPr wrap="square" rtlCol="0">
+          <a:bodyPr wrap="square" rtlCol="0" anchor="ctr">
             <a:spAutoFit/>
           </a:bodyPr>
           <a:lstStyle/>
@@ -19091,8 +19075,8 @@
         </p:nvSpPr>
         <p:spPr>
           <a:xfrm>
-            <a:off x="684746" y="1339621"/>
-            <a:ext cx="10595963" cy="4401205"/>
+            <a:off x="684746" y="1634862"/>
+            <a:ext cx="10595963" cy="3810723"/>
           </a:xfrm>
           <a:prstGeom prst="rect">
             <a:avLst/>
@@ -19100,7 +19084,7 @@
           <a:noFill/>
         </p:spPr>
         <p:txBody>
-          <a:bodyPr wrap="square" rtlCol="0">
+          <a:bodyPr wrap="square" rtlCol="0" anchor="ctr">
             <a:spAutoFit/>
           </a:bodyPr>
           <a:lstStyle/>
@@ -19305,9 +19289,6 @@
               </a:rPr>
               <a:t>0 сообщений</a:t>
             </a:r>
-          </a:p>
-          <a:p>
-            <a:endParaRPr lang="ru-RU" sz="2400" dirty="0"/>
           </a:p>
         </p:txBody>
       </p:sp>
@@ -20876,7 +20857,7 @@
           <p:nvPr>
             <p:extLst>
               <p:ext uri="{D42A27DB-BD31-4B8C-83A1-F6EECF244321}">
-                <p14:modId xmlns:p14="http://schemas.microsoft.com/office/powerpoint/2010/main" val="4293023508"/>
+                <p14:modId xmlns:p14="http://schemas.microsoft.com/office/powerpoint/2010/main" val="2011502100"/>
               </p:ext>
             </p:extLst>
           </p:nvPr>
@@ -21115,7 +21096,7 @@
                       <a:pPr algn="ctr"/>
                       <a:r>
                         <a:rPr lang="ru-RU" sz="2400" dirty="0"/>
-                        <a:t>4</a:t>
+                        <a:t>5</a:t>
                       </a:r>
                     </a:p>
                   </a:txBody>
